--- a/btemplate.pptx
+++ b/btemplate.pptx
@@ -3100,10 +3100,10 @@
         </p:nvGrpSpPr>
         <p:grpSpPr>
           <a:xfrm rot="0">
-            <a:off x="-15268" y="0"/>
-            <a:ext cx="10317520" cy="12896899"/>
+            <a:off x="-19092" y="0"/>
+            <a:ext cx="10325151" cy="12906438"/>
             <a:chOff x="0" y="0"/>
-            <a:chExt cx="13746503" cy="17183128"/>
+            <a:chExt cx="13756670" cy="17195837"/>
           </a:xfrm>
         </p:grpSpPr>
         <p:sp>
@@ -3115,7 +3115,7 @@
           <p:spPr>
             <a:xfrm flipH="false" flipV="false" rot="0">
               <a:off x="0" y="0"/>
-              <a:ext cx="13746480" cy="17183100"/>
+              <a:ext cx="13756639" cy="17195800"/>
             </a:xfrm>
             <a:custGeom>
               <a:avLst/>
@@ -3124,18 +3124,18 @@
               <a:cxnLst/>
               <a:rect r="r" b="b" t="t" l="l"/>
               <a:pathLst>
-                <a:path h="17183100" w="13746480">
+                <a:path h="17195800" w="13756639">
                   <a:moveTo>
                     <a:pt x="0" y="0"/>
                   </a:moveTo>
                   <a:lnTo>
-                    <a:pt x="13746480" y="0"/>
+                    <a:pt x="13756639" y="0"/>
                   </a:lnTo>
                   <a:lnTo>
-                    <a:pt x="13746480" y="17183100"/>
+                    <a:pt x="13756639" y="17195800"/>
                   </a:lnTo>
                   <a:lnTo>
-                    <a:pt x="0" y="17183100"/>
+                    <a:pt x="0" y="17195800"/>
                   </a:lnTo>
                   <a:lnTo>
                     <a:pt x="0" y="0"/>
@@ -3161,7 +3161,7 @@
         </p:nvSpPr>
         <p:spPr>
           <a:xfrm flipH="false" flipV="false" rot="0">
-            <a:off x="8076617" y="675858"/>
+            <a:off x="8076617" y="680620"/>
             <a:ext cx="1757027" cy="1757027"/>
           </a:xfrm>
           <a:custGeom>
@@ -3213,7 +3213,7 @@
         </p:nvSpPr>
         <p:spPr>
           <a:xfrm flipH="false" flipV="false" rot="0">
-            <a:off x="766976" y="5125988"/>
+            <a:off x="766976" y="5130750"/>
             <a:ext cx="727076" cy="7770910"/>
           </a:xfrm>
           <a:custGeom>
@@ -3231,10 +3231,10 @@
                   <a:pt x="727076" y="0"/>
                 </a:lnTo>
                 <a:lnTo>
-                  <a:pt x="727076" y="7770911"/>
+                  <a:pt x="727076" y="7770910"/>
                 </a:lnTo>
                 <a:lnTo>
-                  <a:pt x="0" y="7770911"/>
+                  <a:pt x="0" y="7770910"/>
                 </a:lnTo>
                 <a:lnTo>
                   <a:pt x="0" y="0"/>
@@ -3252,7 +3252,7 @@
               </a:extLst>
             </a:blip>
             <a:stretch>
-              <a:fillRect l="-355" t="0" r="-355" b="0"/>
+              <a:fillRect l="-426" t="0" r="-426" b="0"/>
             </a:stretch>
           </a:blipFill>
         </p:spPr>
@@ -3265,7 +3265,7 @@
         </p:nvGrpSpPr>
         <p:grpSpPr>
           <a:xfrm rot="0">
-            <a:off x="8331271" y="854354"/>
+            <a:off x="8331271" y="859116"/>
             <a:ext cx="1220819" cy="1400080"/>
             <a:chOff x="0" y="0"/>
             <a:chExt cx="1627759" cy="1866773"/>
@@ -3326,7 +3326,7 @@
         </p:nvSpPr>
         <p:spPr>
           <a:xfrm flipH="false" flipV="false" rot="0">
-            <a:off x="870056" y="11613460"/>
+            <a:off x="870056" y="11618222"/>
             <a:ext cx="549621" cy="549621"/>
           </a:xfrm>
           <a:custGeom>
@@ -3378,7 +3378,7 @@
         </p:nvSpPr>
         <p:spPr>
           <a:xfrm flipH="false" flipV="false" rot="0">
-            <a:off x="995686" y="11740954"/>
+            <a:off x="995686" y="11745716"/>
             <a:ext cx="298362" cy="294632"/>
           </a:xfrm>
           <a:custGeom>
@@ -3396,10 +3396,10 @@
                   <a:pt x="298362" y="0"/>
                 </a:lnTo>
                 <a:lnTo>
-                  <a:pt x="298362" y="294633"/>
+                  <a:pt x="298362" y="294632"/>
                 </a:lnTo>
                 <a:lnTo>
-                  <a:pt x="0" y="294633"/>
+                  <a:pt x="0" y="294632"/>
                 </a:lnTo>
                 <a:lnTo>
                   <a:pt x="0" y="0"/>
@@ -3430,8 +3430,8 @@
         </p:nvSpPr>
         <p:spPr>
           <a:xfrm rot="0">
-            <a:off x="1708627" y="11515828"/>
-            <a:ext cx="3910947" cy="330434"/>
+            <a:off x="1708627" y="11501540"/>
+            <a:ext cx="3910947" cy="349484"/>
           </a:xfrm>
           <a:prstGeom prst="rect">
             <a:avLst/>
@@ -3471,8 +3471,8 @@
         </p:nvSpPr>
         <p:spPr>
           <a:xfrm rot="0">
-            <a:off x="1708627" y="11796366"/>
-            <a:ext cx="5732730" cy="374599"/>
+            <a:off x="1708627" y="11772553"/>
+            <a:ext cx="5732730" cy="403174"/>
           </a:xfrm>
           <a:prstGeom prst="rect">
             <a:avLst/>
@@ -3512,7 +3512,7 @@
         </p:nvSpPr>
         <p:spPr>
           <a:xfrm flipH="false" flipV="false" rot="0">
-            <a:off x="870056" y="8001503"/>
+            <a:off x="870056" y="8006265"/>
             <a:ext cx="549621" cy="549621"/>
           </a:xfrm>
           <a:custGeom>
@@ -3564,7 +3564,7 @@
         </p:nvSpPr>
         <p:spPr>
           <a:xfrm flipH="false" flipV="false" rot="-10800000">
-            <a:off x="1002182" y="8109916"/>
+            <a:off x="1002182" y="8114679"/>
             <a:ext cx="285368" cy="332791"/>
           </a:xfrm>
           <a:custGeom>
@@ -3616,8 +3616,8 @@
         </p:nvSpPr>
         <p:spPr>
           <a:xfrm rot="0">
-            <a:off x="1742886" y="7903872"/>
-            <a:ext cx="4458190" cy="330434"/>
+            <a:off x="1742886" y="7889584"/>
+            <a:ext cx="4458190" cy="349484"/>
           </a:xfrm>
           <a:prstGeom prst="rect">
             <a:avLst/>
@@ -3657,8 +3657,8 @@
         </p:nvSpPr>
         <p:spPr>
           <a:xfrm rot="0">
-            <a:off x="1742886" y="8143210"/>
-            <a:ext cx="2699786" cy="990321"/>
+            <a:off x="1742886" y="8109872"/>
+            <a:ext cx="2699786" cy="1028421"/>
           </a:xfrm>
           <a:prstGeom prst="rect">
             <a:avLst/>
@@ -3712,7 +3712,297 @@
         </p:nvSpPr>
         <p:spPr>
           <a:xfrm flipH="false" flipV="false" rot="0">
-            <a:off x="870056" y="6911650"/>
+            <a:off x="870056" y="6916412"/>
+            <a:ext cx="549621" cy="549621"/>
+          </a:xfrm>
+          <a:custGeom>
+            <a:avLst/>
+            <a:gdLst/>
+            <a:ahLst/>
+            <a:cxnLst/>
+            <a:rect r="r" b="b" t="t" l="l"/>
+            <a:pathLst>
+              <a:path h="549621" w="549621">
+                <a:moveTo>
+                  <a:pt x="0" y="0"/>
+                </a:moveTo>
+                <a:lnTo>
+                  <a:pt x="549621" y="0"/>
+                </a:lnTo>
+                <a:lnTo>
+                  <a:pt x="549621" y="549621"/>
+                </a:lnTo>
+                <a:lnTo>
+                  <a:pt x="0" y="549621"/>
+                </a:lnTo>
+                <a:lnTo>
+                  <a:pt x="0" y="0"/>
+                </a:lnTo>
+                <a:close/>
+              </a:path>
+            </a:pathLst>
+          </a:custGeom>
+          <a:blipFill>
+            <a:blip r:embed="rId8">
+              <a:extLst>
+                <a:ext uri="{96DAC541-7B7A-43D3-8B79-37D633B846F1}">
+                  <asvg:svgBlip xmlns:asvg="http://schemas.microsoft.com/office/drawing/2016/SVG/main" r:embed="rId9"/>
+                </a:ext>
+              </a:extLst>
+            </a:blip>
+            <a:stretch>
+              <a:fillRect l="0" t="0" r="0" b="0"/>
+            </a:stretch>
+          </a:blipFill>
+        </p:spPr>
+      </p:sp>
+      <p:sp>
+        <p:nvSpPr>
+          <p:cNvPr name="Freeform 17" id="17"/>
+          <p:cNvSpPr/>
+          <p:nvPr/>
+        </p:nvSpPr>
+        <p:spPr>
+          <a:xfrm flipH="false" flipV="false" rot="0">
+            <a:off x="998085" y="7044443"/>
+            <a:ext cx="293561" cy="293561"/>
+          </a:xfrm>
+          <a:custGeom>
+            <a:avLst/>
+            <a:gdLst/>
+            <a:ahLst/>
+            <a:cxnLst/>
+            <a:rect r="r" b="b" t="t" l="l"/>
+            <a:pathLst>
+              <a:path h="293561" w="293561">
+                <a:moveTo>
+                  <a:pt x="0" y="0"/>
+                </a:moveTo>
+                <a:lnTo>
+                  <a:pt x="293561" y="0"/>
+                </a:lnTo>
+                <a:lnTo>
+                  <a:pt x="293561" y="293561"/>
+                </a:lnTo>
+                <a:lnTo>
+                  <a:pt x="0" y="293561"/>
+                </a:lnTo>
+                <a:lnTo>
+                  <a:pt x="0" y="0"/>
+                </a:lnTo>
+                <a:close/>
+              </a:path>
+            </a:pathLst>
+          </a:custGeom>
+          <a:blipFill>
+            <a:blip r:embed="rId14">
+              <a:extLst>
+                <a:ext uri="{96DAC541-7B7A-43D3-8B79-37D633B846F1}">
+                  <asvg:svgBlip xmlns:asvg="http://schemas.microsoft.com/office/drawing/2016/SVG/main" r:embed="rId15"/>
+                </a:ext>
+              </a:extLst>
+            </a:blip>
+            <a:stretch>
+              <a:fillRect l="0" t="0" r="0" b="0"/>
+            </a:stretch>
+          </a:blipFill>
+        </p:spPr>
+      </p:sp>
+      <p:sp>
+        <p:nvSpPr>
+          <p:cNvPr name="TextBox 18" id="18"/>
+          <p:cNvSpPr txBox="true"/>
+          <p:nvPr/>
+        </p:nvSpPr>
+        <p:spPr>
+          <a:xfrm rot="0">
+            <a:off x="1742886" y="6799730"/>
+            <a:ext cx="1693635" cy="343952"/>
+          </a:xfrm>
+          <a:prstGeom prst="rect">
+            <a:avLst/>
+          </a:prstGeom>
+        </p:spPr>
+        <p:txBody>
+          <a:bodyPr anchor="t" rtlCol="false" tIns="0" lIns="0" bIns="0" rIns="0">
+            <a:spAutoFit/>
+          </a:bodyPr>
+          <a:lstStyle/>
+          <a:p>
+            <a:pPr algn="l">
+              <a:lnSpc>
+                <a:spcPts val="2139"/>
+              </a:lnSpc>
+            </a:pPr>
+            <a:r>
+              <a:rPr lang="en-US" sz="1528" b="true">
+                <a:solidFill>
+                  <a:srgbClr val="F4C014"/>
+                </a:solidFill>
+                <a:latin typeface="Gordita Bold"/>
+                <a:ea typeface="Gordita Bold"/>
+                <a:cs typeface="Gordita Bold"/>
+                <a:sym typeface="Gordita Bold"/>
+              </a:rPr>
+              <a:t>ROOM SIZE</a:t>
+            </a:r>
+          </a:p>
+        </p:txBody>
+      </p:sp>
+      <p:sp>
+        <p:nvSpPr>
+          <p:cNvPr name="TextBox 19" id="19"/>
+          <p:cNvSpPr txBox="true"/>
+          <p:nvPr/>
+        </p:nvSpPr>
+        <p:spPr>
+          <a:xfrm rot="0">
+            <a:off x="1742886" y="7013828"/>
+            <a:ext cx="2217022" cy="323444"/>
+          </a:xfrm>
+          <a:prstGeom prst="rect">
+            <a:avLst/>
+          </a:prstGeom>
+        </p:spPr>
+        <p:txBody>
+          <a:bodyPr anchor="t" rtlCol="false" tIns="0" lIns="0" bIns="0" rIns="0">
+            <a:spAutoFit/>
+          </a:bodyPr>
+          <a:lstStyle/>
+          <a:p>
+            <a:pPr algn="l">
+              <a:lnSpc>
+                <a:spcPts val="2651"/>
+              </a:lnSpc>
+            </a:pPr>
+            <a:r>
+              <a:rPr lang="en-US" sz="1894">
+                <a:solidFill>
+                  <a:srgbClr val="FFFFFF"/>
+                </a:solidFill>
+                <a:latin typeface="Open Sans"/>
+                <a:ea typeface="Open Sans"/>
+                <a:cs typeface="Open Sans"/>
+                <a:sym typeface="Open Sans"/>
+              </a:rPr>
+              <a:t>Room size  m2  </a:t>
+            </a:r>
+          </a:p>
+        </p:txBody>
+      </p:sp>
+      <p:sp>
+        <p:nvSpPr>
+          <p:cNvPr name="Freeform 20" id="20"/>
+          <p:cNvSpPr/>
+          <p:nvPr/>
+        </p:nvSpPr>
+        <p:spPr>
+          <a:xfrm flipH="false" flipV="false" rot="0">
+            <a:off x="904294" y="4389266"/>
+            <a:ext cx="481145" cy="455283"/>
+          </a:xfrm>
+          <a:custGeom>
+            <a:avLst/>
+            <a:gdLst/>
+            <a:ahLst/>
+            <a:cxnLst/>
+            <a:rect r="r" b="b" t="t" l="l"/>
+            <a:pathLst>
+              <a:path h="455283" w="481145">
+                <a:moveTo>
+                  <a:pt x="0" y="0"/>
+                </a:moveTo>
+                <a:lnTo>
+                  <a:pt x="481145" y="0"/>
+                </a:lnTo>
+                <a:lnTo>
+                  <a:pt x="481145" y="455284"/>
+                </a:lnTo>
+                <a:lnTo>
+                  <a:pt x="0" y="455284"/>
+                </a:lnTo>
+                <a:lnTo>
+                  <a:pt x="0" y="0"/>
+                </a:lnTo>
+                <a:close/>
+              </a:path>
+            </a:pathLst>
+          </a:custGeom>
+          <a:blipFill>
+            <a:blip r:embed="rId16">
+              <a:extLst>
+                <a:ext uri="{96DAC541-7B7A-43D3-8B79-37D633B846F1}">
+                  <asvg:svgBlip xmlns:asvg="http://schemas.microsoft.com/office/drawing/2016/SVG/main" r:embed="rId17"/>
+                </a:ext>
+              </a:extLst>
+            </a:blip>
+            <a:stretch>
+              <a:fillRect l="-269" t="0" r="-269" b="0"/>
+            </a:stretch>
+          </a:blipFill>
+        </p:spPr>
+      </p:sp>
+      <p:sp>
+        <p:nvSpPr>
+          <p:cNvPr name="Freeform 21" id="21"/>
+          <p:cNvSpPr/>
+          <p:nvPr/>
+        </p:nvSpPr>
+        <p:spPr>
+          <a:xfrm flipH="false" flipV="false" rot="0">
+            <a:off x="8616780" y="11000053"/>
+            <a:ext cx="1186654" cy="1186654"/>
+          </a:xfrm>
+          <a:custGeom>
+            <a:avLst/>
+            <a:gdLst/>
+            <a:ahLst/>
+            <a:cxnLst/>
+            <a:rect r="r" b="b" t="t" l="l"/>
+            <a:pathLst>
+              <a:path h="1186654" w="1186654">
+                <a:moveTo>
+                  <a:pt x="0" y="0"/>
+                </a:moveTo>
+                <a:lnTo>
+                  <a:pt x="1186654" y="0"/>
+                </a:lnTo>
+                <a:lnTo>
+                  <a:pt x="1186654" y="1186654"/>
+                </a:lnTo>
+                <a:lnTo>
+                  <a:pt x="0" y="1186654"/>
+                </a:lnTo>
+                <a:lnTo>
+                  <a:pt x="0" y="0"/>
+                </a:lnTo>
+                <a:close/>
+              </a:path>
+            </a:pathLst>
+          </a:custGeom>
+          <a:blipFill>
+            <a:blip r:embed="rId18">
+              <a:extLst>
+                <a:ext uri="{96DAC541-7B7A-43D3-8B79-37D633B846F1}">
+                  <asvg:svgBlip xmlns:asvg="http://schemas.microsoft.com/office/drawing/2016/SVG/main" r:embed="rId19"/>
+                </a:ext>
+              </a:extLst>
+            </a:blip>
+            <a:stretch>
+              <a:fillRect l="0" t="0" r="0" b="0"/>
+            </a:stretch>
+          </a:blipFill>
+        </p:spPr>
+      </p:sp>
+      <p:sp>
+        <p:nvSpPr>
+          <p:cNvPr name="Freeform 22" id="22"/>
+          <p:cNvSpPr/>
+          <p:nvPr/>
+        </p:nvSpPr>
+        <p:spPr>
+          <a:xfrm flipH="false" flipV="false" rot="0">
+            <a:off x="870056" y="10526226"/>
             <a:ext cx="549621" cy="549621"/>
           </a:xfrm>
           <a:custGeom>
@@ -3758,303 +4048,13 @@
       </p:sp>
       <p:sp>
         <p:nvSpPr>
-          <p:cNvPr name="Freeform 17" id="17"/>
-          <p:cNvSpPr/>
-          <p:nvPr/>
-        </p:nvSpPr>
-        <p:spPr>
-          <a:xfrm flipH="false" flipV="false" rot="0">
-            <a:off x="998085" y="7039680"/>
-            <a:ext cx="293561" cy="293561"/>
-          </a:xfrm>
-          <a:custGeom>
-            <a:avLst/>
-            <a:gdLst/>
-            <a:ahLst/>
-            <a:cxnLst/>
-            <a:rect r="r" b="b" t="t" l="l"/>
-            <a:pathLst>
-              <a:path h="293561" w="293561">
-                <a:moveTo>
-                  <a:pt x="0" y="0"/>
-                </a:moveTo>
-                <a:lnTo>
-                  <a:pt x="293561" y="0"/>
-                </a:lnTo>
-                <a:lnTo>
-                  <a:pt x="293561" y="293562"/>
-                </a:lnTo>
-                <a:lnTo>
-                  <a:pt x="0" y="293562"/>
-                </a:lnTo>
-                <a:lnTo>
-                  <a:pt x="0" y="0"/>
-                </a:lnTo>
-                <a:close/>
-              </a:path>
-            </a:pathLst>
-          </a:custGeom>
-          <a:blipFill>
-            <a:blip r:embed="rId14">
-              <a:extLst>
-                <a:ext uri="{96DAC541-7B7A-43D3-8B79-37D633B846F1}">
-                  <asvg:svgBlip xmlns:asvg="http://schemas.microsoft.com/office/drawing/2016/SVG/main" r:embed="rId15"/>
-                </a:ext>
-              </a:extLst>
-            </a:blip>
-            <a:stretch>
-              <a:fillRect l="0" t="0" r="0" b="0"/>
-            </a:stretch>
-          </a:blipFill>
-        </p:spPr>
-      </p:sp>
-      <p:sp>
-        <p:nvSpPr>
-          <p:cNvPr name="TextBox 18" id="18"/>
-          <p:cNvSpPr txBox="true"/>
-          <p:nvPr/>
-        </p:nvSpPr>
-        <p:spPr>
-          <a:xfrm rot="0">
-            <a:off x="1742886" y="6814018"/>
-            <a:ext cx="1693635" cy="324902"/>
-          </a:xfrm>
-          <a:prstGeom prst="rect">
-            <a:avLst/>
-          </a:prstGeom>
-        </p:spPr>
-        <p:txBody>
-          <a:bodyPr anchor="t" rtlCol="false" tIns="0" lIns="0" bIns="0" rIns="0">
-            <a:spAutoFit/>
-          </a:bodyPr>
-          <a:lstStyle/>
-          <a:p>
-            <a:pPr algn="l">
-              <a:lnSpc>
-                <a:spcPts val="2139"/>
-              </a:lnSpc>
-            </a:pPr>
-            <a:r>
-              <a:rPr lang="en-US" sz="1528" b="true">
-                <a:solidFill>
-                  <a:srgbClr val="F4C014"/>
-                </a:solidFill>
-                <a:latin typeface="Gordita Bold"/>
-                <a:ea typeface="Gordita Bold"/>
-                <a:cs typeface="Gordita Bold"/>
-                <a:sym typeface="Gordita Bold"/>
-              </a:rPr>
-              <a:t>ROOM SIZE</a:t>
-            </a:r>
-          </a:p>
-        </p:txBody>
-      </p:sp>
-      <p:sp>
-        <p:nvSpPr>
-          <p:cNvPr name="TextBox 19" id="19"/>
-          <p:cNvSpPr txBox="true"/>
-          <p:nvPr/>
-        </p:nvSpPr>
-        <p:spPr>
-          <a:xfrm rot="0">
-            <a:off x="1742886" y="7047166"/>
-            <a:ext cx="2217022" cy="323367"/>
-          </a:xfrm>
-          <a:prstGeom prst="rect">
-            <a:avLst/>
-          </a:prstGeom>
-        </p:spPr>
-        <p:txBody>
-          <a:bodyPr anchor="t" rtlCol="false" tIns="0" lIns="0" bIns="0" rIns="0">
-            <a:spAutoFit/>
-          </a:bodyPr>
-          <a:lstStyle/>
-          <a:p>
-            <a:pPr algn="l">
-              <a:lnSpc>
-                <a:spcPts val="2651"/>
-              </a:lnSpc>
-            </a:pPr>
-            <a:r>
-              <a:rPr lang="en-US" sz="1894">
-                <a:solidFill>
-                  <a:srgbClr val="FFFFFF"/>
-                </a:solidFill>
-                <a:latin typeface="Open Sans"/>
-                <a:ea typeface="Open Sans"/>
-                <a:cs typeface="Open Sans"/>
-                <a:sym typeface="Open Sans"/>
-              </a:rPr>
-              <a:t>Room size  /m2  </a:t>
-            </a:r>
-          </a:p>
-        </p:txBody>
-      </p:sp>
-      <p:sp>
-        <p:nvSpPr>
-          <p:cNvPr name="Freeform 20" id="20"/>
-          <p:cNvSpPr/>
-          <p:nvPr/>
-        </p:nvSpPr>
-        <p:spPr>
-          <a:xfrm flipH="false" flipV="false" rot="0">
-            <a:off x="904294" y="4384504"/>
-            <a:ext cx="481145" cy="455283"/>
-          </a:xfrm>
-          <a:custGeom>
-            <a:avLst/>
-            <a:gdLst/>
-            <a:ahLst/>
-            <a:cxnLst/>
-            <a:rect r="r" b="b" t="t" l="l"/>
-            <a:pathLst>
-              <a:path h="455283" w="481145">
-                <a:moveTo>
-                  <a:pt x="0" y="0"/>
-                </a:moveTo>
-                <a:lnTo>
-                  <a:pt x="481145" y="0"/>
-                </a:lnTo>
-                <a:lnTo>
-                  <a:pt x="481145" y="455283"/>
-                </a:lnTo>
-                <a:lnTo>
-                  <a:pt x="0" y="455283"/>
-                </a:lnTo>
-                <a:lnTo>
-                  <a:pt x="0" y="0"/>
-                </a:lnTo>
-                <a:close/>
-              </a:path>
-            </a:pathLst>
-          </a:custGeom>
-          <a:blipFill>
-            <a:blip r:embed="rId16">
-              <a:extLst>
-                <a:ext uri="{96DAC541-7B7A-43D3-8B79-37D633B846F1}">
-                  <asvg:svgBlip xmlns:asvg="http://schemas.microsoft.com/office/drawing/2016/SVG/main" r:embed="rId17"/>
-                </a:ext>
-              </a:extLst>
-            </a:blip>
-            <a:stretch>
-              <a:fillRect l="-269" t="0" r="-269" b="0"/>
-            </a:stretch>
-          </a:blipFill>
-        </p:spPr>
-      </p:sp>
-      <p:sp>
-        <p:nvSpPr>
-          <p:cNvPr name="Freeform 21" id="21"/>
-          <p:cNvSpPr/>
-          <p:nvPr/>
-        </p:nvSpPr>
-        <p:spPr>
-          <a:xfrm flipH="false" flipV="false" rot="0">
-            <a:off x="8616780" y="10995290"/>
-            <a:ext cx="1186654" cy="1186654"/>
-          </a:xfrm>
-          <a:custGeom>
-            <a:avLst/>
-            <a:gdLst/>
-            <a:ahLst/>
-            <a:cxnLst/>
-            <a:rect r="r" b="b" t="t" l="l"/>
-            <a:pathLst>
-              <a:path h="1186654" w="1186654">
-                <a:moveTo>
-                  <a:pt x="0" y="0"/>
-                </a:moveTo>
-                <a:lnTo>
-                  <a:pt x="1186654" y="0"/>
-                </a:lnTo>
-                <a:lnTo>
-                  <a:pt x="1186654" y="1186654"/>
-                </a:lnTo>
-                <a:lnTo>
-                  <a:pt x="0" y="1186654"/>
-                </a:lnTo>
-                <a:lnTo>
-                  <a:pt x="0" y="0"/>
-                </a:lnTo>
-                <a:close/>
-              </a:path>
-            </a:pathLst>
-          </a:custGeom>
-          <a:blipFill>
-            <a:blip r:embed="rId18">
-              <a:extLst>
-                <a:ext uri="{96DAC541-7B7A-43D3-8B79-37D633B846F1}">
-                  <asvg:svgBlip xmlns:asvg="http://schemas.microsoft.com/office/drawing/2016/SVG/main" r:embed="rId19"/>
-                </a:ext>
-              </a:extLst>
-            </a:blip>
-            <a:stretch>
-              <a:fillRect l="0" t="0" r="0" b="0"/>
-            </a:stretch>
-          </a:blipFill>
-        </p:spPr>
-      </p:sp>
-      <p:sp>
-        <p:nvSpPr>
-          <p:cNvPr name="Freeform 22" id="22"/>
-          <p:cNvSpPr/>
-          <p:nvPr/>
-        </p:nvSpPr>
-        <p:spPr>
-          <a:xfrm flipH="false" flipV="false" rot="0">
-            <a:off x="870056" y="10521464"/>
-            <a:ext cx="549621" cy="549621"/>
-          </a:xfrm>
-          <a:custGeom>
-            <a:avLst/>
-            <a:gdLst/>
-            <a:ahLst/>
-            <a:cxnLst/>
-            <a:rect r="r" b="b" t="t" l="l"/>
-            <a:pathLst>
-              <a:path h="549621" w="549621">
-                <a:moveTo>
-                  <a:pt x="0" y="0"/>
-                </a:moveTo>
-                <a:lnTo>
-                  <a:pt x="549621" y="0"/>
-                </a:lnTo>
-                <a:lnTo>
-                  <a:pt x="549621" y="549621"/>
-                </a:lnTo>
-                <a:lnTo>
-                  <a:pt x="0" y="549621"/>
-                </a:lnTo>
-                <a:lnTo>
-                  <a:pt x="0" y="0"/>
-                </a:lnTo>
-                <a:close/>
-              </a:path>
-            </a:pathLst>
-          </a:custGeom>
-          <a:blipFill>
-            <a:blip r:embed="rId8">
-              <a:extLst>
-                <a:ext uri="{96DAC541-7B7A-43D3-8B79-37D633B846F1}">
-                  <asvg:svgBlip xmlns:asvg="http://schemas.microsoft.com/office/drawing/2016/SVG/main" r:embed="rId9"/>
-                </a:ext>
-              </a:extLst>
-            </a:blip>
-            <a:stretch>
-              <a:fillRect l="0" t="0" r="0" b="0"/>
-            </a:stretch>
-          </a:blipFill>
-        </p:spPr>
-      </p:sp>
-      <p:sp>
-        <p:nvSpPr>
           <p:cNvPr name="Freeform 23" id="23"/>
           <p:cNvSpPr/>
           <p:nvPr/>
         </p:nvSpPr>
         <p:spPr>
           <a:xfrm flipH="false" flipV="false" rot="0">
-            <a:off x="960076" y="10672696"/>
+            <a:off x="960076" y="10677458"/>
             <a:ext cx="369581" cy="247157"/>
           </a:xfrm>
           <a:custGeom>
@@ -4106,8 +4106,8 @@
         </p:nvSpPr>
         <p:spPr>
           <a:xfrm rot="0">
-            <a:off x="1708627" y="10423832"/>
-            <a:ext cx="3641660" cy="330434"/>
+            <a:off x="1708627" y="10409544"/>
+            <a:ext cx="3641660" cy="349484"/>
           </a:xfrm>
           <a:prstGeom prst="rect">
             <a:avLst/>
@@ -4147,8 +4147,8 @@
         </p:nvSpPr>
         <p:spPr>
           <a:xfrm rot="0">
-            <a:off x="1708627" y="10659128"/>
-            <a:ext cx="2251281" cy="437617"/>
+            <a:off x="1708627" y="10625790"/>
+            <a:ext cx="2251281" cy="475717"/>
           </a:xfrm>
           <a:prstGeom prst="rect">
             <a:avLst/>
@@ -4188,7 +4188,7 @@
         </p:nvSpPr>
         <p:spPr>
           <a:xfrm flipH="false" flipV="false" rot="0">
-            <a:off x="870056" y="9431030"/>
+            <a:off x="870056" y="9435792"/>
             <a:ext cx="549621" cy="549621"/>
           </a:xfrm>
           <a:custGeom>
@@ -4240,7 +4240,7 @@
         </p:nvSpPr>
         <p:spPr>
           <a:xfrm flipH="false" flipV="false" rot="0">
-            <a:off x="1016035" y="9521798"/>
+            <a:off x="1016035" y="9526560"/>
             <a:ext cx="257662" cy="368088"/>
           </a:xfrm>
           <a:custGeom>
@@ -4292,8 +4292,8 @@
         </p:nvSpPr>
         <p:spPr>
           <a:xfrm rot="0">
-            <a:off x="1742886" y="9333400"/>
-            <a:ext cx="2052472" cy="330434"/>
+            <a:off x="1742886" y="9319112"/>
+            <a:ext cx="2052472" cy="349484"/>
           </a:xfrm>
           <a:prstGeom prst="rect">
             <a:avLst/>
@@ -4333,8 +4333,8 @@
         </p:nvSpPr>
         <p:spPr>
           <a:xfrm rot="0">
-            <a:off x="1742886" y="9567020"/>
-            <a:ext cx="2699786" cy="657027"/>
+            <a:off x="1742886" y="9533682"/>
+            <a:ext cx="2699786" cy="695127"/>
           </a:xfrm>
           <a:prstGeom prst="rect">
             <a:avLst/>
@@ -4381,7 +4381,7 @@
         </p:nvSpPr>
         <p:spPr>
           <a:xfrm flipH="false" flipV="false" rot="0">
-            <a:off x="904294" y="5478215"/>
+            <a:off x="904294" y="5482978"/>
             <a:ext cx="549621" cy="549621"/>
           </a:xfrm>
           <a:custGeom>
@@ -4399,10 +4399,10 @@
                   <a:pt x="549621" y="0"/>
                 </a:lnTo>
                 <a:lnTo>
-                  <a:pt x="549621" y="549621"/>
+                  <a:pt x="549621" y="549620"/>
                 </a:lnTo>
                 <a:lnTo>
-                  <a:pt x="0" y="549621"/>
+                  <a:pt x="0" y="549620"/>
                 </a:lnTo>
                 <a:lnTo>
                   <a:pt x="0" y="0"/>
@@ -4433,7 +4433,7 @@
         </p:nvSpPr>
         <p:spPr>
           <a:xfrm flipH="false" flipV="false" rot="0">
-            <a:off x="1027116" y="5598790"/>
+            <a:off x="1027116" y="5603552"/>
             <a:ext cx="308470" cy="308470"/>
           </a:xfrm>
           <a:custGeom>
@@ -4485,8 +4485,8 @@
         </p:nvSpPr>
         <p:spPr>
           <a:xfrm rot="0">
-            <a:off x="1777124" y="5380584"/>
-            <a:ext cx="3722746" cy="324902"/>
+            <a:off x="1777124" y="5366296"/>
+            <a:ext cx="3722746" cy="343952"/>
           </a:xfrm>
           <a:prstGeom prst="rect">
             <a:avLst/>
@@ -4526,8 +4526,8 @@
         </p:nvSpPr>
         <p:spPr>
           <a:xfrm rot="0">
-            <a:off x="1777124" y="5574046"/>
-            <a:ext cx="3057968" cy="1014190"/>
+            <a:off x="1777124" y="5531183"/>
+            <a:ext cx="3057968" cy="1061815"/>
           </a:xfrm>
           <a:prstGeom prst="rect">
             <a:avLst/>
@@ -4581,8 +4581,8 @@
         </p:nvSpPr>
         <p:spPr>
           <a:xfrm rot="0">
-            <a:off x="702179" y="875409"/>
-            <a:ext cx="5060019" cy="1557479"/>
+            <a:off x="702179" y="946846"/>
+            <a:ext cx="5060019" cy="1490804"/>
           </a:xfrm>
           <a:prstGeom prst="rect">
             <a:avLst/>
@@ -4641,8 +4641,8 @@
         </p:nvSpPr>
         <p:spPr>
           <a:xfrm rot="0">
-            <a:off x="904294" y="2839235"/>
-            <a:ext cx="7597674" cy="1001827"/>
+            <a:off x="733597" y="2898129"/>
+            <a:ext cx="7597674" cy="1106602"/>
           </a:xfrm>
           <a:prstGeom prst="rect">
             <a:avLst/>
@@ -4682,8 +4682,8 @@
         </p:nvSpPr>
         <p:spPr>
           <a:xfrm rot="0">
-            <a:off x="1607946" y="4337637"/>
-            <a:ext cx="3843023" cy="453771"/>
+            <a:off x="1607946" y="4294775"/>
+            <a:ext cx="3843023" cy="501396"/>
           </a:xfrm>
           <a:prstGeom prst="rect">
             <a:avLst/>
@@ -4723,8 +4723,8 @@
         </p:nvSpPr>
         <p:spPr>
           <a:xfrm rot="0">
-            <a:off x="4442672" y="3606503"/>
-            <a:ext cx="6687717" cy="7062952"/>
+            <a:off x="4426633" y="3814231"/>
+            <a:ext cx="6687717" cy="7453477"/>
           </a:xfrm>
           <a:prstGeom prst="rect">
             <a:avLst/>
@@ -4738,14 +4738,11 @@
           <a:p>
             <a:pPr algn="ctr">
               <a:lnSpc>
-                <a:spcPts val="28742"/>
+                <a:spcPts val="28741"/>
               </a:lnSpc>
-              <a:spcBef>
-                <a:spcPct val="0"/>
-              </a:spcBef>
             </a:pPr>
             <a:r>
-              <a:rPr lang="en-US" sz="20529">
+              <a:rPr lang="en-US" sz="20528">
                 <a:solidFill>
                   <a:srgbClr val="000000"/>
                 </a:solidFill>
@@ -4792,8 +4789,8 @@
         </p:nvSpPr>
         <p:spPr>
           <a:xfrm rot="0">
-            <a:off x="-50556" y="385901"/>
-            <a:ext cx="10337556" cy="5836983"/>
+            <a:off x="-50556" y="647934"/>
+            <a:ext cx="10337556" cy="5579808"/>
           </a:xfrm>
           <a:prstGeom prst="rect">
             <a:avLst/>
@@ -4833,8 +4830,8 @@
         </p:nvSpPr>
         <p:spPr>
           <a:xfrm rot="0">
-            <a:off x="0" y="6677025"/>
-            <a:ext cx="10287000" cy="6043775"/>
+            <a:off x="0" y="6929533"/>
+            <a:ext cx="10287000" cy="5796125"/>
           </a:xfrm>
           <a:prstGeom prst="rect">
             <a:avLst/>
@@ -4852,7 +4849,7 @@
               </a:lnSpc>
             </a:pPr>
             <a:r>
-              <a:rPr lang="en-US" b="true" sz="22758" spc="747">
+              <a:rPr lang="en-US" b="true" sz="22758" spc="746">
                 <a:solidFill>
                   <a:srgbClr val="000000"/>
                 </a:solidFill>
@@ -4899,8 +4896,8 @@
         </p:nvSpPr>
         <p:spPr>
           <a:xfrm rot="0">
-            <a:off x="-50556" y="385901"/>
-            <a:ext cx="10337556" cy="5836983"/>
+            <a:off x="-50556" y="647934"/>
+            <a:ext cx="10337556" cy="5579808"/>
           </a:xfrm>
           <a:prstGeom prst="rect">
             <a:avLst/>
@@ -4940,8 +4937,8 @@
         </p:nvSpPr>
         <p:spPr>
           <a:xfrm rot="0">
-            <a:off x="0" y="6677025"/>
-            <a:ext cx="10287000" cy="6043775"/>
+            <a:off x="0" y="6929533"/>
+            <a:ext cx="10287000" cy="5796125"/>
           </a:xfrm>
           <a:prstGeom prst="rect">
             <a:avLst/>
@@ -4959,7 +4956,7 @@
               </a:lnSpc>
             </a:pPr>
             <a:r>
-              <a:rPr lang="en-US" b="true" sz="22758" spc="747">
+              <a:rPr lang="en-US" b="true" sz="22758" spc="746">
                 <a:solidFill>
                   <a:srgbClr val="000000"/>
                 </a:solidFill>
@@ -5006,8 +5003,8 @@
         </p:nvSpPr>
         <p:spPr>
           <a:xfrm rot="0">
-            <a:off x="-50556" y="385901"/>
-            <a:ext cx="10337556" cy="5836983"/>
+            <a:off x="-50556" y="647934"/>
+            <a:ext cx="10337556" cy="5579808"/>
           </a:xfrm>
           <a:prstGeom prst="rect">
             <a:avLst/>
@@ -5047,8 +5044,8 @@
         </p:nvSpPr>
         <p:spPr>
           <a:xfrm rot="0">
-            <a:off x="0" y="6677025"/>
-            <a:ext cx="10287000" cy="6043775"/>
+            <a:off x="0" y="6929533"/>
+            <a:ext cx="10287000" cy="5796125"/>
           </a:xfrm>
           <a:prstGeom prst="rect">
             <a:avLst/>
@@ -5066,7 +5063,7 @@
               </a:lnSpc>
             </a:pPr>
             <a:r>
-              <a:rPr lang="en-US" b="true" sz="22758" spc="747">
+              <a:rPr lang="en-US" b="true" sz="22758" spc="746">
                 <a:solidFill>
                   <a:srgbClr val="000000"/>
                 </a:solidFill>
@@ -5113,10 +5110,10 @@
         </p:nvGrpSpPr>
         <p:grpSpPr>
           <a:xfrm rot="0">
-            <a:off x="483209" y="1032701"/>
-            <a:ext cx="9312963" cy="10793349"/>
+            <a:off x="483209" y="1037464"/>
+            <a:ext cx="9313023" cy="10793349"/>
             <a:chOff x="0" y="0"/>
-            <a:chExt cx="12426489" cy="14401800"/>
+            <a:chExt cx="12417364" cy="14391132"/>
           </a:xfrm>
         </p:grpSpPr>
         <p:sp>
@@ -5128,7 +5125,7 @@
           <p:spPr>
             <a:xfrm flipH="false" flipV="false" rot="0">
               <a:off x="0" y="0"/>
-              <a:ext cx="12426569" cy="14401800"/>
+              <a:ext cx="12417425" cy="14391132"/>
             </a:xfrm>
             <a:custGeom>
               <a:avLst/>
@@ -5137,41 +5134,41 @@
               <a:cxnLst/>
               <a:rect r="r" b="b" t="t" l="l"/>
               <a:pathLst>
-                <a:path h="14401800" w="12426569">
+                <a:path h="14391132" w="12417425">
                   <a:moveTo>
-                    <a:pt x="12053697" y="14401800"/>
+                    <a:pt x="12044807" y="14391132"/>
                   </a:moveTo>
                   <a:lnTo>
-                    <a:pt x="372872" y="14401800"/>
+                    <a:pt x="372618" y="14391132"/>
                   </a:lnTo>
                   <a:cubicBezTo>
-                    <a:pt x="167386" y="14401800"/>
-                    <a:pt x="0" y="14234413"/>
-                    <a:pt x="0" y="14028928"/>
+                    <a:pt x="167259" y="14391132"/>
+                    <a:pt x="0" y="14223873"/>
+                    <a:pt x="0" y="14018515"/>
                   </a:cubicBezTo>
                   <a:lnTo>
-                    <a:pt x="0" y="372872"/>
+                    <a:pt x="0" y="372618"/>
                   </a:lnTo>
                   <a:cubicBezTo>
-                    <a:pt x="0" y="167386"/>
-                    <a:pt x="167386" y="0"/>
-                    <a:pt x="372872" y="0"/>
+                    <a:pt x="0" y="167259"/>
+                    <a:pt x="167259" y="0"/>
+                    <a:pt x="372618" y="0"/>
                   </a:cubicBezTo>
                   <a:lnTo>
-                    <a:pt x="12053697" y="0"/>
+                    <a:pt x="12044807" y="0"/>
                   </a:lnTo>
                   <a:cubicBezTo>
-                    <a:pt x="12259183" y="0"/>
-                    <a:pt x="12426569" y="167386"/>
-                    <a:pt x="12426569" y="372872"/>
+                    <a:pt x="12250165" y="0"/>
+                    <a:pt x="12417425" y="167259"/>
+                    <a:pt x="12417425" y="372618"/>
                   </a:cubicBezTo>
                   <a:lnTo>
-                    <a:pt x="12426569" y="14028928"/>
+                    <a:pt x="12417425" y="14018513"/>
                   </a:lnTo>
                   <a:cubicBezTo>
-                    <a:pt x="12426569" y="14234415"/>
-                    <a:pt x="12259183" y="14401800"/>
-                    <a:pt x="12053697" y="14401800"/>
+                    <a:pt x="12417425" y="14223873"/>
+                    <a:pt x="12250165" y="14391131"/>
+                    <a:pt x="12044807" y="14391131"/>
                   </a:cubicBezTo>
                   <a:close/>
                 </a:path>
@@ -5192,23 +5189,23 @@
           <p:nvPr/>
         </p:nvGraphicFramePr>
         <p:xfrm>
-          <a:off x="857075" y="2714643"/>
-          <a:ext cx="8521761" cy="6289871"/>
+          <a:off x="857075" y="2719405"/>
+          <a:ext cx="8445500" cy="6248400"/>
         </p:xfrm>
         <a:graphic>
           <a:graphicData uri="http://schemas.openxmlformats.org/drawingml/2006/table">
             <a:tbl>
               <a:tblPr/>
               <a:tblGrid>
-                <a:gridCol w="1217394"/>
-                <a:gridCol w="1217394"/>
-                <a:gridCol w="1217394"/>
-                <a:gridCol w="1217394"/>
-                <a:gridCol w="1217394"/>
-                <a:gridCol w="1217394"/>
-                <a:gridCol w="1217394"/>
+                <a:gridCol w="1206500"/>
+                <a:gridCol w="1206500"/>
+                <a:gridCol w="1206500"/>
+                <a:gridCol w="1206500"/>
+                <a:gridCol w="1206500"/>
+                <a:gridCol w="1206500"/>
+                <a:gridCol w="1206500"/>
               </a:tblGrid>
-              <a:tr h="631586">
+              <a:tr h="627422">
                 <a:tc>
                   <a:txBody>
                     <a:bodyPr anchor="t" rtlCol="false"/>
@@ -5216,7 +5213,7 @@
                     <a:p>
                       <a:pPr algn="ctr">
                         <a:lnSpc>
-                          <a:spcPts val="2797"/>
+                          <a:spcPts val="2796"/>
                         </a:lnSpc>
                         <a:defRPr/>
                       </a:pPr>
@@ -5281,7 +5278,7 @@
                     <a:p>
                       <a:pPr algn="ctr">
                         <a:lnSpc>
-                          <a:spcPts val="2797"/>
+                          <a:spcPts val="2796"/>
                         </a:lnSpc>
                         <a:defRPr/>
                       </a:pPr>
@@ -5346,7 +5343,7 @@
                     <a:p>
                       <a:pPr algn="ctr">
                         <a:lnSpc>
-                          <a:spcPts val="2797"/>
+                          <a:spcPts val="2796"/>
                         </a:lnSpc>
                         <a:defRPr/>
                       </a:pPr>
@@ -5411,7 +5408,7 @@
                     <a:p>
                       <a:pPr algn="ctr">
                         <a:lnSpc>
-                          <a:spcPts val="2797"/>
+                          <a:spcPts val="2796"/>
                         </a:lnSpc>
                         <a:defRPr/>
                       </a:pPr>
@@ -5476,7 +5473,7 @@
                     <a:p>
                       <a:pPr algn="ctr">
                         <a:lnSpc>
-                          <a:spcPts val="2797"/>
+                          <a:spcPts val="2796"/>
                         </a:lnSpc>
                         <a:defRPr/>
                       </a:pPr>
@@ -5541,7 +5538,7 @@
                     <a:p>
                       <a:pPr algn="ctr">
                         <a:lnSpc>
-                          <a:spcPts val="2797"/>
+                          <a:spcPts val="2796"/>
                         </a:lnSpc>
                         <a:defRPr/>
                       </a:pPr>
@@ -5606,7 +5603,7 @@
                     <a:p>
                       <a:pPr algn="ctr">
                         <a:lnSpc>
-                          <a:spcPts val="2797"/>
+                          <a:spcPts val="2796"/>
                         </a:lnSpc>
                         <a:defRPr/>
                       </a:pPr>
@@ -5665,7 +5662,7 @@
                   </a:tcPr>
                 </a:tc>
               </a:tr>
-              <a:tr h="1967456">
+              <a:tr h="1954484">
                 <a:tc>
                   <a:txBody>
                     <a:bodyPr anchor="t" rtlCol="false"/>
@@ -6143,7 +6140,7 @@
                   </a:tcPr>
                 </a:tc>
               </a:tr>
-              <a:tr h="1875020">
+              <a:tr h="1862657">
                 <a:tc>
                   <a:txBody>
                     <a:bodyPr anchor="t" rtlCol="false"/>
@@ -6621,7 +6618,7 @@
                   </a:tcPr>
                 </a:tc>
               </a:tr>
-              <a:tr h="1815809">
+              <a:tr h="1803837">
                 <a:tc>
                   <a:txBody>
                     <a:bodyPr anchor="t" rtlCol="false"/>
@@ -7111,7 +7108,7 @@
         </p:nvSpPr>
         <p:spPr>
           <a:xfrm flipH="false" flipV="false" rot="0">
-            <a:off x="842798" y="9576688"/>
+            <a:off x="842798" y="9581450"/>
             <a:ext cx="359589" cy="447493"/>
           </a:xfrm>
           <a:custGeom>
@@ -7126,10 +7123,10 @@
                   <a:pt x="0" y="0"/>
                 </a:moveTo>
                 <a:lnTo>
-                  <a:pt x="359590" y="0"/>
+                  <a:pt x="359589" y="0"/>
                 </a:lnTo>
                 <a:lnTo>
-                  <a:pt x="359590" y="447493"/>
+                  <a:pt x="359589" y="447493"/>
                 </a:lnTo>
                 <a:lnTo>
                   <a:pt x="0" y="447493"/>
@@ -7150,7 +7147,7 @@
               </a:extLst>
             </a:blip>
             <a:stretch>
-              <a:fillRect l="0" t="0" r="0" b="0"/>
+              <a:fillRect l="0" t="-751" r="0" b="-751"/>
             </a:stretch>
           </a:blipFill>
         </p:spPr>
@@ -7163,10 +7160,10 @@
         </p:nvGrpSpPr>
         <p:grpSpPr>
           <a:xfrm rot="0">
-            <a:off x="4855560" y="9692917"/>
-            <a:ext cx="359589" cy="359589"/>
+            <a:off x="4855560" y="9697680"/>
+            <a:ext cx="359588" cy="359588"/>
             <a:chOff x="0" y="0"/>
-            <a:chExt cx="479808" cy="479808"/>
+            <a:chExt cx="479450" cy="479450"/>
           </a:xfrm>
         </p:grpSpPr>
         <p:sp>
@@ -7178,7 +7175,7 @@
           <p:spPr>
             <a:xfrm flipH="false" flipV="false" rot="0">
               <a:off x="0" y="0"/>
-              <a:ext cx="479806" cy="479806"/>
+              <a:ext cx="479425" cy="479425"/>
             </a:xfrm>
             <a:custGeom>
               <a:avLst/>
@@ -7187,18 +7184,18 @@
               <a:cxnLst/>
               <a:rect r="r" b="b" t="t" l="l"/>
               <a:pathLst>
-                <a:path h="479806" w="479806">
+                <a:path h="479425" w="479425">
                   <a:moveTo>
                     <a:pt x="0" y="0"/>
                   </a:moveTo>
                   <a:lnTo>
-                    <a:pt x="479806" y="0"/>
+                    <a:pt x="479425" y="0"/>
                   </a:lnTo>
                   <a:lnTo>
-                    <a:pt x="479806" y="479806"/>
+                    <a:pt x="479425" y="479425"/>
                   </a:lnTo>
                   <a:lnTo>
-                    <a:pt x="0" y="479806"/>
+                    <a:pt x="0" y="479425"/>
                   </a:lnTo>
                   <a:lnTo>
                     <a:pt x="0" y="0"/>
@@ -7210,7 +7207,7 @@
             <a:blipFill>
               <a:blip r:embed="rId4"/>
               <a:stretch>
-                <a:fillRect l="0" t="0" r="0" b="0"/>
+                <a:fillRect l="0" t="0" r="-5" b="-5"/>
               </a:stretch>
             </a:blipFill>
           </p:spPr>
@@ -7224,10 +7221,10 @@
         </p:nvGrpSpPr>
         <p:grpSpPr>
           <a:xfrm rot="0">
-            <a:off x="473691" y="10688133"/>
-            <a:ext cx="9331999" cy="19036"/>
+            <a:off x="473691" y="10692896"/>
+            <a:ext cx="9331964" cy="19036"/>
             <a:chOff x="0" y="0"/>
-            <a:chExt cx="12451889" cy="25400"/>
+            <a:chExt cx="12442618" cy="25381"/>
           </a:xfrm>
         </p:grpSpPr>
         <p:sp>
@@ -7239,7 +7236,7 @@
           <p:spPr>
             <a:xfrm flipH="false" flipV="false" rot="0">
               <a:off x="0" y="0"/>
-              <a:ext cx="12451842" cy="25400"/>
+              <a:ext cx="12442571" cy="25400"/>
             </a:xfrm>
             <a:custGeom>
               <a:avLst/>
@@ -7248,22 +7245,22 @@
               <a:cxnLst/>
               <a:rect r="r" b="b" t="t" l="l"/>
               <a:pathLst>
-                <a:path h="25400" w="12451842">
+                <a:path h="25400" w="12442571">
                   <a:moveTo>
                     <a:pt x="12700" y="0"/>
                   </a:moveTo>
                   <a:lnTo>
-                    <a:pt x="12439142" y="0"/>
+                    <a:pt x="12429871" y="0"/>
                   </a:lnTo>
                   <a:cubicBezTo>
-                    <a:pt x="12446127" y="0"/>
-                    <a:pt x="12451842" y="5715"/>
-                    <a:pt x="12451842" y="12700"/>
+                    <a:pt x="12436856" y="0"/>
+                    <a:pt x="12442571" y="5715"/>
+                    <a:pt x="12442571" y="12700"/>
                   </a:cubicBezTo>
                   <a:cubicBezTo>
-                    <a:pt x="12451842" y="19685"/>
-                    <a:pt x="12446127" y="25400"/>
-                    <a:pt x="12439142" y="25400"/>
+                    <a:pt x="12442571" y="19685"/>
+                    <a:pt x="12436856" y="25400"/>
+                    <a:pt x="12429871" y="25400"/>
                   </a:cubicBezTo>
                   <a:lnTo>
                     <a:pt x="12700" y="25400"/>
@@ -7296,8 +7293,8 @@
         </p:nvSpPr>
         <p:spPr>
           <a:xfrm rot="0">
-            <a:off x="1491286" y="1748580"/>
-            <a:ext cx="7296809" cy="739756"/>
+            <a:off x="1491286" y="1820017"/>
+            <a:ext cx="7296809" cy="673081"/>
           </a:xfrm>
           <a:prstGeom prst="rect">
             <a:avLst/>
@@ -7311,7 +7308,7 @@
           <a:p>
             <a:pPr algn="ctr">
               <a:lnSpc>
-                <a:spcPts val="5692"/>
+                <a:spcPts val="5691"/>
               </a:lnSpc>
             </a:pPr>
             <a:r>
@@ -7349,8 +7346,8 @@
         </p:nvSpPr>
         <p:spPr>
           <a:xfrm rot="0">
-            <a:off x="1360356" y="9476059"/>
-            <a:ext cx="3212937" cy="736176"/>
+            <a:off x="1360356" y="9452247"/>
+            <a:ext cx="3212937" cy="764751"/>
           </a:xfrm>
           <a:prstGeom prst="rect">
             <a:avLst/>
@@ -7368,7 +7365,7 @@
               </a:lnSpc>
             </a:pPr>
             <a:r>
-              <a:rPr lang="en-US" sz="1369">
+              <a:rPr lang="en-US" sz="1368">
                 <a:solidFill>
                   <a:srgbClr val="FFFFFF"/>
                 </a:solidFill>
@@ -7380,7 +7377,7 @@
               <a:t>All Deliverables (highlighted in yellow) must be </a:t>
             </a:r>
             <a:r>
-              <a:rPr lang="en-US" sz="1369" b="true">
+              <a:rPr lang="en-US" sz="1368" b="true">
                 <a:solidFill>
                   <a:srgbClr val="FFFFFF"/>
                 </a:solidFill>
@@ -7402,8 +7399,8 @@
         </p:nvSpPr>
         <p:spPr>
           <a:xfrm rot="0">
-            <a:off x="5319485" y="9476059"/>
-            <a:ext cx="4088543" cy="736176"/>
+            <a:off x="5319485" y="9452247"/>
+            <a:ext cx="4088543" cy="764751"/>
           </a:xfrm>
           <a:prstGeom prst="rect">
             <a:avLst/>
@@ -7421,7 +7418,7 @@
               </a:lnSpc>
             </a:pPr>
             <a:r>
-              <a:rPr lang="en-US" sz="1369">
+              <a:rPr lang="en-US" sz="1368">
                 <a:solidFill>
                   <a:srgbClr val="FFFFFF"/>
                 </a:solidFill>
@@ -7433,7 +7430,7 @@
               <a:t>You’ll receive a booking link a few days before to schedule your optional Feedback Call. Make sure to </a:t>
             </a:r>
             <a:r>
-              <a:rPr lang="en-US" sz="1369" b="true">
+              <a:rPr lang="en-US" sz="1368" b="true">
                 <a:solidFill>
                   <a:srgbClr val="FFFFFF"/>
                 </a:solidFill>
@@ -7445,7 +7442,7 @@
               <a:t>submit your Version 1.1 </a:t>
             </a:r>
             <a:r>
-              <a:rPr lang="en-US" b="true" sz="1369" i="true">
+              <a:rPr lang="en-US" b="true" sz="1368" i="true">
                 <a:solidFill>
                   <a:srgbClr val="FFFFFF"/>
                 </a:solidFill>
@@ -7457,7 +7454,7 @@
               <a:t>before </a:t>
             </a:r>
             <a:r>
-              <a:rPr lang="en-US" sz="1369" b="true">
+              <a:rPr lang="en-US" sz="1368" b="true">
                 <a:solidFill>
                   <a:srgbClr val="FFFFFF"/>
                 </a:solidFill>
@@ -7479,8 +7476,8 @@
         </p:nvSpPr>
         <p:spPr>
           <a:xfrm rot="0">
-            <a:off x="1134543" y="10878471"/>
-            <a:ext cx="8010293" cy="533816"/>
+            <a:off x="1134543" y="10854659"/>
+            <a:ext cx="8010293" cy="562391"/>
           </a:xfrm>
           <a:prstGeom prst="rect">
             <a:avLst/>
@@ -7494,7 +7491,7 @@
           <a:p>
             <a:pPr algn="ctr">
               <a:lnSpc>
-                <a:spcPts val="2057"/>
+                <a:spcPts val="2056"/>
               </a:lnSpc>
             </a:pPr>
             <a:r>
@@ -7545,7 +7542,7 @@
         </p:nvGrpSpPr>
         <p:grpSpPr>
           <a:xfrm rot="0">
-            <a:off x="751354" y="1564363"/>
+            <a:off x="751354" y="1569126"/>
             <a:ext cx="8784241" cy="9768078"/>
             <a:chOff x="0" y="0"/>
             <a:chExt cx="11712321" cy="13024104"/>
@@ -7623,7 +7620,7 @@
         </p:nvSpPr>
         <p:spPr>
           <a:xfrm flipH="false" flipV="false" rot="0">
-            <a:off x="1678126" y="3403486"/>
+            <a:off x="1678126" y="3408248"/>
             <a:ext cx="7116483" cy="6997819"/>
           </a:xfrm>
           <a:custGeom>
@@ -7641,10 +7638,10 @@
                   <a:pt x="7116483" y="0"/>
                 </a:lnTo>
                 <a:lnTo>
-                  <a:pt x="7116483" y="6997820"/>
+                  <a:pt x="7116483" y="6997819"/>
                 </a:lnTo>
                 <a:lnTo>
-                  <a:pt x="0" y="6997820"/>
+                  <a:pt x="0" y="6997819"/>
                 </a:lnTo>
                 <a:lnTo>
                   <a:pt x="0" y="0"/>
@@ -7675,8 +7672,8 @@
         </p:nvSpPr>
         <p:spPr>
           <a:xfrm rot="0">
-            <a:off x="1360215" y="2243346"/>
-            <a:ext cx="7302218" cy="495822"/>
+            <a:off x="1360215" y="2324308"/>
+            <a:ext cx="7302218" cy="419622"/>
           </a:xfrm>
           <a:prstGeom prst="rect">
             <a:avLst/>
@@ -7728,8 +7725,8 @@
         </p:nvSpPr>
         <p:spPr>
           <a:xfrm rot="0">
-            <a:off x="2927298" y="3059941"/>
-            <a:ext cx="4196779" cy="8143958"/>
+            <a:off x="1678126" y="3579699"/>
+            <a:ext cx="7263171" cy="7056084"/>
           </a:xfrm>
           <a:prstGeom prst="rect">
             <a:avLst/>
@@ -7743,11 +7740,11 @@
           <a:p>
             <a:pPr algn="l">
               <a:lnSpc>
-                <a:spcPts val="15580"/>
+                <a:spcPts val="17843"/>
               </a:lnSpc>
             </a:pPr>
             <a:r>
-              <a:rPr lang="en-US" b="true" sz="15580" spc="309">
+              <a:rPr lang="en-US" b="true" sz="17843" spc="353">
                 <a:solidFill>
                   <a:srgbClr val="292929"/>
                 </a:solidFill>
@@ -7794,8 +7791,8 @@
         </p:nvSpPr>
         <p:spPr>
           <a:xfrm rot="0">
-            <a:off x="0" y="1332702"/>
-            <a:ext cx="10287000" cy="11290290"/>
+            <a:off x="0" y="1708939"/>
+            <a:ext cx="10287000" cy="10918815"/>
           </a:xfrm>
           <a:prstGeom prst="rect">
             <a:avLst/>
@@ -7860,8 +7857,8 @@
         </p:nvSpPr>
         <p:spPr>
           <a:xfrm rot="0">
-            <a:off x="0" y="1504950"/>
-            <a:ext cx="10287000" cy="11434634"/>
+            <a:off x="0" y="1881187"/>
+            <a:ext cx="10287000" cy="11063159"/>
           </a:xfrm>
           <a:prstGeom prst="rect">
             <a:avLst/>
@@ -7926,8 +7923,8 @@
         </p:nvSpPr>
         <p:spPr>
           <a:xfrm rot="0">
-            <a:off x="-69759" y="257175"/>
-            <a:ext cx="10337556" cy="5836983"/>
+            <a:off x="-69759" y="519113"/>
+            <a:ext cx="10337556" cy="5579808"/>
           </a:xfrm>
           <a:prstGeom prst="rect">
             <a:avLst/>
@@ -7967,8 +7964,8 @@
         </p:nvSpPr>
         <p:spPr>
           <a:xfrm rot="0">
-            <a:off x="-19203" y="6168745"/>
-            <a:ext cx="10287000" cy="6690005"/>
+            <a:off x="-19203" y="6459258"/>
+            <a:ext cx="10287000" cy="6404255"/>
           </a:xfrm>
           <a:prstGeom prst="rect">
             <a:avLst/>
@@ -7982,11 +7979,11 @@
           <a:p>
             <a:pPr algn="ctr">
               <a:lnSpc>
-                <a:spcPts val="24725"/>
+                <a:spcPts val="24724"/>
               </a:lnSpc>
             </a:pPr>
             <a:r>
-              <a:rPr lang="en-US" b="true" sz="25233" spc="828">
+              <a:rPr lang="en-US" b="true" sz="25233" spc="827">
                 <a:solidFill>
                   <a:srgbClr val="000000"/>
                 </a:solidFill>
@@ -8033,8 +8030,8 @@
         </p:nvSpPr>
         <p:spPr>
           <a:xfrm rot="0">
-            <a:off x="-69759" y="257175"/>
-            <a:ext cx="10337556" cy="5836983"/>
+            <a:off x="-69759" y="519113"/>
+            <a:ext cx="10337556" cy="5579808"/>
           </a:xfrm>
           <a:prstGeom prst="rect">
             <a:avLst/>
@@ -8074,8 +8071,8 @@
         </p:nvSpPr>
         <p:spPr>
           <a:xfrm rot="0">
-            <a:off x="-69759" y="6168745"/>
-            <a:ext cx="10287000" cy="6690005"/>
+            <a:off x="-69759" y="6459258"/>
+            <a:ext cx="10287000" cy="6404255"/>
           </a:xfrm>
           <a:prstGeom prst="rect">
             <a:avLst/>
@@ -8089,11 +8086,11 @@
           <a:p>
             <a:pPr algn="ctr">
               <a:lnSpc>
-                <a:spcPts val="24725"/>
+                <a:spcPts val="24724"/>
               </a:lnSpc>
             </a:pPr>
             <a:r>
-              <a:rPr lang="en-US" b="true" sz="25233" spc="828">
+              <a:rPr lang="en-US" b="true" sz="25233" spc="827">
                 <a:solidFill>
                   <a:srgbClr val="000000"/>
                 </a:solidFill>
@@ -8140,8 +8137,8 @@
         </p:nvSpPr>
         <p:spPr>
           <a:xfrm rot="0">
-            <a:off x="-69759" y="257175"/>
-            <a:ext cx="10337556" cy="5836983"/>
+            <a:off x="-69759" y="519113"/>
+            <a:ext cx="10337556" cy="5579808"/>
           </a:xfrm>
           <a:prstGeom prst="rect">
             <a:avLst/>
@@ -8181,8 +8178,8 @@
         </p:nvSpPr>
         <p:spPr>
           <a:xfrm rot="0">
-            <a:off x="-69759" y="6168745"/>
-            <a:ext cx="10287000" cy="6690005"/>
+            <a:off x="-69759" y="6459258"/>
+            <a:ext cx="10287000" cy="6404255"/>
           </a:xfrm>
           <a:prstGeom prst="rect">
             <a:avLst/>
@@ -8196,11 +8193,11 @@
           <a:p>
             <a:pPr algn="ctr">
               <a:lnSpc>
-                <a:spcPts val="24725"/>
+                <a:spcPts val="24724"/>
               </a:lnSpc>
             </a:pPr>
             <a:r>
-              <a:rPr lang="en-US" b="true" sz="25233" spc="828">
+              <a:rPr lang="en-US" b="true" sz="25233" spc="827">
                 <a:solidFill>
                   <a:srgbClr val="000000"/>
                 </a:solidFill>
@@ -8247,8 +8244,8 @@
         </p:nvSpPr>
         <p:spPr>
           <a:xfrm rot="0">
-            <a:off x="-50556" y="385901"/>
-            <a:ext cx="10337556" cy="5836983"/>
+            <a:off x="-50556" y="647934"/>
+            <a:ext cx="10337556" cy="5579808"/>
           </a:xfrm>
           <a:prstGeom prst="rect">
             <a:avLst/>
@@ -8288,8 +8285,8 @@
         </p:nvSpPr>
         <p:spPr>
           <a:xfrm rot="0">
-            <a:off x="0" y="6677025"/>
-            <a:ext cx="10287000" cy="6043775"/>
+            <a:off x="0" y="6929533"/>
+            <a:ext cx="10287000" cy="5796125"/>
           </a:xfrm>
           <a:prstGeom prst="rect">
             <a:avLst/>
@@ -8307,7 +8304,7 @@
               </a:lnSpc>
             </a:pPr>
             <a:r>
-              <a:rPr lang="en-US" b="true" sz="22758" spc="747">
+              <a:rPr lang="en-US" b="true" sz="22758" spc="746">
                 <a:solidFill>
                   <a:srgbClr val="000000"/>
                 </a:solidFill>

--- a/btemplate.pptx
+++ b/btemplate.pptx
@@ -1,45 +1,48 @@
 
 <file path=ppt/presentation.xml><?xml version="1.0" encoding="utf-8"?>
-<p:presentation xmlns:a="http://schemas.openxmlformats.org/drawingml/2006/main" xmlns:r="http://schemas.openxmlformats.org/officeDocument/2006/relationships" xmlns:p="http://schemas.openxmlformats.org/presentationml/2006/main" saveSubsetFonts="1" embedTrueTypeFonts="true">
+<p:presentation xmlns:a="http://schemas.openxmlformats.org/drawingml/2006/main" xmlns:r="http://schemas.openxmlformats.org/officeDocument/2006/relationships" xmlns:p="http://schemas.openxmlformats.org/presentationml/2006/main" embedTrueTypeFonts="1" saveSubsetFonts="1">
   <p:sldMasterIdLst>
     <p:sldMasterId id="2147483648" r:id="rId1"/>
   </p:sldMasterIdLst>
   <p:sldIdLst>
-    <p:sldId id="256" r:id="rId6"/>
-    <p:sldId id="257" r:id="rId7"/>
-    <p:sldId id="258" r:id="rId8"/>
-    <p:sldId id="259" r:id="rId9"/>
-    <p:sldId id="260" r:id="rId10"/>
-    <p:sldId id="261" r:id="rId11"/>
-    <p:sldId id="262" r:id="rId12"/>
-    <p:sldId id="263" r:id="rId13"/>
-    <p:sldId id="264" r:id="rId14"/>
-    <p:sldId id="265" r:id="rId15"/>
-    <p:sldId id="266" r:id="rId16"/>
-    <p:sldId id="267" r:id="rId17"/>
+    <p:sldId id="256" r:id="rId3"/>
+    <p:sldId id="257" r:id="rId4"/>
+    <p:sldId id="258" r:id="rId5"/>
+    <p:sldId id="259" r:id="rId6"/>
+    <p:sldId id="260" r:id="rId7"/>
+    <p:sldId id="261" r:id="rId8"/>
+    <p:sldId id="262" r:id="rId9"/>
+    <p:sldId id="263" r:id="rId10"/>
+    <p:sldId id="264" r:id="rId11"/>
+    <p:sldId id="265" r:id="rId12"/>
+    <p:sldId id="266" r:id="rId13"/>
+    <p:sldId id="267" r:id="rId14"/>
   </p:sldIdLst>
   <p:sldSz cx="10287000" cy="12852400"/>
   <p:notesSz cx="6858000" cy="9144000"/>
   <p:embeddedFontLst>
     <p:embeddedFont>
-      <p:font typeface="Gordita Bold" charset="1" panose="00000000000000000000"/>
+      <p:font typeface="Open Sans"/>
       <p:regular r:id="rId18"/>
     </p:embeddedFont>
     <p:embeddedFont>
-      <p:font typeface="Open Sans" charset="1" panose="00000000000000000000"/>
-      <p:regular r:id="rId19"/>
+      <p:font typeface="Poppins Bold" panose="00000800000000000000"/>
+      <p:bold r:id="rId19"/>
     </p:embeddedFont>
     <p:embeddedFont>
-      <p:font typeface="Poppins Bold" charset="1" panose="00000800000000000000"/>
-      <p:regular r:id="rId20"/>
+      <p:font typeface="Open Sans Bold"/>
+      <p:bold r:id="rId20"/>
     </p:embeddedFont>
     <p:embeddedFont>
-      <p:font typeface="Open Sans Bold" charset="1" panose="00000000000000000000"/>
-      <p:regular r:id="rId21"/>
+      <p:font typeface="Open Sans Bold Italics"/>
+      <p:boldItalic r:id="rId21"/>
     </p:embeddedFont>
     <p:embeddedFont>
-      <p:font typeface="Open Sans Bold Italics" charset="1" panose="00000000000000000000"/>
+      <p:font typeface="Calibri" panose="020F0502020204030204" charset="0"/>
       <p:regular r:id="rId22"/>
+      <p:bold r:id="rId23"/>
+      <p:italic r:id="rId24"/>
+      <p:boldItalic r:id="rId25"/>
     </p:embeddedFont>
   </p:embeddedFontLst>
   <p:defaultTextStyle>
@@ -137,6 +140,22 @@
       </a:defRPr>
     </a:lvl9pPr>
   </p:defaultTextStyle>
+  <p:extLst>
+    <p:ext uri="{EFAFB233-063F-42B5-8137-9DF3F51BA10A}">
+      <p15:sldGuideLst xmlns:p15="http://schemas.microsoft.com/office/powerpoint/2012/main">
+        <p15:guide id="1" orient="horz" pos="2160" userDrawn="1">
+          <p15:clr>
+            <a:srgbClr val="A4A3A4"/>
+          </p15:clr>
+        </p15:guide>
+        <p15:guide id="2" pos="2854" userDrawn="1">
+          <p15:clr>
+            <a:srgbClr val="A4A3A4"/>
+          </p15:clr>
+        </p15:guide>
+      </p15:sldGuideLst>
+    </p:ext>
+  </p:extLst>
 </p:presentation>
 </file>
 
@@ -321,8 +340,6 @@
           <a:p>
             <a:fld id="{1D8BD707-D9CF-40AE-B4C6-C98DA3205C09}" type="datetimeFigureOut">
               <a:rPr lang="en-US" smtClean="0"/>
-              <a:pPr/>
-              <a:t>8/1/2011</a:t>
             </a:fld>
             <a:endParaRPr lang="en-US"/>
           </a:p>
@@ -364,8 +381,6 @@
           <a:p>
             <a:fld id="{B6F15528-21DE-4FAA-801E-634DDDAF4B2B}" type="slidenum">
               <a:rPr lang="en-US" smtClean="0"/>
-              <a:pPr/>
-              <a:t>‹#›</a:t>
             </a:fld>
             <a:endParaRPr lang="en-US"/>
           </a:p>
@@ -439,6 +454,7 @@
               <a:rPr lang="en-US" smtClean="0"/>
               <a:t>Click to edit Master text styles</a:t>
             </a:r>
+            <a:endParaRPr lang="en-US" smtClean="0"/>
           </a:p>
           <a:p>
             <a:pPr lvl="1"/>
@@ -446,6 +462,7 @@
               <a:rPr lang="en-US" smtClean="0"/>
               <a:t>Second level</a:t>
             </a:r>
+            <a:endParaRPr lang="en-US" smtClean="0"/>
           </a:p>
           <a:p>
             <a:pPr lvl="2"/>
@@ -453,6 +470,7 @@
               <a:rPr lang="en-US" smtClean="0"/>
               <a:t>Third level</a:t>
             </a:r>
+            <a:endParaRPr lang="en-US" smtClean="0"/>
           </a:p>
           <a:p>
             <a:pPr lvl="3"/>
@@ -460,6 +478,7 @@
               <a:rPr lang="en-US" smtClean="0"/>
               <a:t>Fourth level</a:t>
             </a:r>
+            <a:endParaRPr lang="en-US" smtClean="0"/>
           </a:p>
           <a:p>
             <a:pPr lvl="4"/>
@@ -488,8 +507,6 @@
           <a:p>
             <a:fld id="{1D8BD707-D9CF-40AE-B4C6-C98DA3205C09}" type="datetimeFigureOut">
               <a:rPr lang="en-US" smtClean="0"/>
-              <a:pPr/>
-              <a:t>8/1/2011</a:t>
             </a:fld>
             <a:endParaRPr lang="en-US"/>
           </a:p>
@@ -531,8 +548,6 @@
           <a:p>
             <a:fld id="{B6F15528-21DE-4FAA-801E-634DDDAF4B2B}" type="slidenum">
               <a:rPr lang="en-US" smtClean="0"/>
-              <a:pPr/>
-              <a:t>‹#›</a:t>
             </a:fld>
             <a:endParaRPr lang="en-US"/>
           </a:p>
@@ -616,6 +631,7 @@
               <a:rPr lang="en-US" smtClean="0"/>
               <a:t>Click to edit Master text styles</a:t>
             </a:r>
+            <a:endParaRPr lang="en-US" smtClean="0"/>
           </a:p>
           <a:p>
             <a:pPr lvl="1"/>
@@ -623,6 +639,7 @@
               <a:rPr lang="en-US" smtClean="0"/>
               <a:t>Second level</a:t>
             </a:r>
+            <a:endParaRPr lang="en-US" smtClean="0"/>
           </a:p>
           <a:p>
             <a:pPr lvl="2"/>
@@ -630,6 +647,7 @@
               <a:rPr lang="en-US" smtClean="0"/>
               <a:t>Third level</a:t>
             </a:r>
+            <a:endParaRPr lang="en-US" smtClean="0"/>
           </a:p>
           <a:p>
             <a:pPr lvl="3"/>
@@ -637,6 +655,7 @@
               <a:rPr lang="en-US" smtClean="0"/>
               <a:t>Fourth level</a:t>
             </a:r>
+            <a:endParaRPr lang="en-US" smtClean="0"/>
           </a:p>
           <a:p>
             <a:pPr lvl="4"/>
@@ -665,8 +684,6 @@
           <a:p>
             <a:fld id="{1D8BD707-D9CF-40AE-B4C6-C98DA3205C09}" type="datetimeFigureOut">
               <a:rPr lang="en-US" smtClean="0"/>
-              <a:pPr/>
-              <a:t>8/1/2011</a:t>
             </a:fld>
             <a:endParaRPr lang="en-US"/>
           </a:p>
@@ -708,8 +725,6 @@
           <a:p>
             <a:fld id="{B6F15528-21DE-4FAA-801E-634DDDAF4B2B}" type="slidenum">
               <a:rPr lang="en-US" smtClean="0"/>
-              <a:pPr/>
-              <a:t>‹#›</a:t>
             </a:fld>
             <a:endParaRPr lang="en-US"/>
           </a:p>
@@ -783,6 +798,7 @@
               <a:rPr lang="en-US" smtClean="0"/>
               <a:t>Click to edit Master text styles</a:t>
             </a:r>
+            <a:endParaRPr lang="en-US" smtClean="0"/>
           </a:p>
           <a:p>
             <a:pPr lvl="1"/>
@@ -790,6 +806,7 @@
               <a:rPr lang="en-US" smtClean="0"/>
               <a:t>Second level</a:t>
             </a:r>
+            <a:endParaRPr lang="en-US" smtClean="0"/>
           </a:p>
           <a:p>
             <a:pPr lvl="2"/>
@@ -797,6 +814,7 @@
               <a:rPr lang="en-US" smtClean="0"/>
               <a:t>Third level</a:t>
             </a:r>
+            <a:endParaRPr lang="en-US" smtClean="0"/>
           </a:p>
           <a:p>
             <a:pPr lvl="3"/>
@@ -804,6 +822,7 @@
               <a:rPr lang="en-US" smtClean="0"/>
               <a:t>Fourth level</a:t>
             </a:r>
+            <a:endParaRPr lang="en-US" smtClean="0"/>
           </a:p>
           <a:p>
             <a:pPr lvl="4"/>
@@ -832,8 +851,6 @@
           <a:p>
             <a:fld id="{1D8BD707-D9CF-40AE-B4C6-C98DA3205C09}" type="datetimeFigureOut">
               <a:rPr lang="en-US" smtClean="0"/>
-              <a:pPr/>
-              <a:t>8/1/2011</a:t>
             </a:fld>
             <a:endParaRPr lang="en-US"/>
           </a:p>
@@ -875,8 +892,6 @@
           <a:p>
             <a:fld id="{B6F15528-21DE-4FAA-801E-634DDDAF4B2B}" type="slidenum">
               <a:rPr lang="en-US" smtClean="0"/>
-              <a:pPr/>
-              <a:t>‹#›</a:t>
             </a:fld>
             <a:endParaRPr lang="en-US"/>
           </a:p>
@@ -1055,6 +1070,7 @@
               <a:rPr lang="en-US" smtClean="0"/>
               <a:t>Click to edit Master text styles</a:t>
             </a:r>
+            <a:endParaRPr lang="en-US" smtClean="0"/>
           </a:p>
         </p:txBody>
       </p:sp>
@@ -1075,8 +1091,6 @@
           <a:p>
             <a:fld id="{1D8BD707-D9CF-40AE-B4C6-C98DA3205C09}" type="datetimeFigureOut">
               <a:rPr lang="en-US" smtClean="0"/>
-              <a:pPr/>
-              <a:t>8/1/2011</a:t>
             </a:fld>
             <a:endParaRPr lang="en-US"/>
           </a:p>
@@ -1118,8 +1132,6 @@
           <a:p>
             <a:fld id="{B6F15528-21DE-4FAA-801E-634DDDAF4B2B}" type="slidenum">
               <a:rPr lang="en-US" smtClean="0"/>
-              <a:pPr/>
-              <a:t>‹#›</a:t>
             </a:fld>
             <a:endParaRPr lang="en-US"/>
           </a:p>
@@ -1226,6 +1238,7 @@
               <a:rPr lang="en-US" smtClean="0"/>
               <a:t>Click to edit Master text styles</a:t>
             </a:r>
+            <a:endParaRPr lang="en-US" smtClean="0"/>
           </a:p>
           <a:p>
             <a:pPr lvl="1"/>
@@ -1233,6 +1246,7 @@
               <a:rPr lang="en-US" smtClean="0"/>
               <a:t>Second level</a:t>
             </a:r>
+            <a:endParaRPr lang="en-US" smtClean="0"/>
           </a:p>
           <a:p>
             <a:pPr lvl="2"/>
@@ -1240,6 +1254,7 @@
               <a:rPr lang="en-US" smtClean="0"/>
               <a:t>Third level</a:t>
             </a:r>
+            <a:endParaRPr lang="en-US" smtClean="0"/>
           </a:p>
           <a:p>
             <a:pPr lvl="3"/>
@@ -1247,6 +1262,7 @@
               <a:rPr lang="en-US" smtClean="0"/>
               <a:t>Fourth level</a:t>
             </a:r>
+            <a:endParaRPr lang="en-US" smtClean="0"/>
           </a:p>
           <a:p>
             <a:pPr lvl="4"/>
@@ -1311,6 +1327,7 @@
               <a:rPr lang="en-US" smtClean="0"/>
               <a:t>Click to edit Master text styles</a:t>
             </a:r>
+            <a:endParaRPr lang="en-US" smtClean="0"/>
           </a:p>
           <a:p>
             <a:pPr lvl="1"/>
@@ -1318,6 +1335,7 @@
               <a:rPr lang="en-US" smtClean="0"/>
               <a:t>Second level</a:t>
             </a:r>
+            <a:endParaRPr lang="en-US" smtClean="0"/>
           </a:p>
           <a:p>
             <a:pPr lvl="2"/>
@@ -1325,6 +1343,7 @@
               <a:rPr lang="en-US" smtClean="0"/>
               <a:t>Third level</a:t>
             </a:r>
+            <a:endParaRPr lang="en-US" smtClean="0"/>
           </a:p>
           <a:p>
             <a:pPr lvl="3"/>
@@ -1332,6 +1351,7 @@
               <a:rPr lang="en-US" smtClean="0"/>
               <a:t>Fourth level</a:t>
             </a:r>
+            <a:endParaRPr lang="en-US" smtClean="0"/>
           </a:p>
           <a:p>
             <a:pPr lvl="4"/>
@@ -1360,8 +1380,6 @@
           <a:p>
             <a:fld id="{1D8BD707-D9CF-40AE-B4C6-C98DA3205C09}" type="datetimeFigureOut">
               <a:rPr lang="en-US" smtClean="0"/>
-              <a:pPr/>
-              <a:t>8/1/2011</a:t>
             </a:fld>
             <a:endParaRPr lang="en-US"/>
           </a:p>
@@ -1403,8 +1421,6 @@
           <a:p>
             <a:fld id="{B6F15528-21DE-4FAA-801E-634DDDAF4B2B}" type="slidenum">
               <a:rPr lang="en-US" smtClean="0"/>
-              <a:pPr/>
-              <a:t>‹#›</a:t>
             </a:fld>
             <a:endParaRPr lang="en-US"/>
           </a:p>
@@ -1524,6 +1540,7 @@
               <a:rPr lang="en-US" smtClean="0"/>
               <a:t>Click to edit Master text styles</a:t>
             </a:r>
+            <a:endParaRPr lang="en-US" smtClean="0"/>
           </a:p>
         </p:txBody>
       </p:sp>
@@ -1580,6 +1597,7 @@
               <a:rPr lang="en-US" smtClean="0"/>
               <a:t>Click to edit Master text styles</a:t>
             </a:r>
+            <a:endParaRPr lang="en-US" smtClean="0"/>
           </a:p>
           <a:p>
             <a:pPr lvl="1"/>
@@ -1587,6 +1605,7 @@
               <a:rPr lang="en-US" smtClean="0"/>
               <a:t>Second level</a:t>
             </a:r>
+            <a:endParaRPr lang="en-US" smtClean="0"/>
           </a:p>
           <a:p>
             <a:pPr lvl="2"/>
@@ -1594,6 +1613,7 @@
               <a:rPr lang="en-US" smtClean="0"/>
               <a:t>Third level</a:t>
             </a:r>
+            <a:endParaRPr lang="en-US" smtClean="0"/>
           </a:p>
           <a:p>
             <a:pPr lvl="3"/>
@@ -1601,6 +1621,7 @@
               <a:rPr lang="en-US" smtClean="0"/>
               <a:t>Fourth level</a:t>
             </a:r>
+            <a:endParaRPr lang="en-US" smtClean="0"/>
           </a:p>
           <a:p>
             <a:pPr lvl="4"/>
@@ -1674,6 +1695,7 @@
               <a:rPr lang="en-US" smtClean="0"/>
               <a:t>Click to edit Master text styles</a:t>
             </a:r>
+            <a:endParaRPr lang="en-US" smtClean="0"/>
           </a:p>
         </p:txBody>
       </p:sp>
@@ -1730,6 +1752,7 @@
               <a:rPr lang="en-US" smtClean="0"/>
               <a:t>Click to edit Master text styles</a:t>
             </a:r>
+            <a:endParaRPr lang="en-US" smtClean="0"/>
           </a:p>
           <a:p>
             <a:pPr lvl="1"/>
@@ -1737,6 +1760,7 @@
               <a:rPr lang="en-US" smtClean="0"/>
               <a:t>Second level</a:t>
             </a:r>
+            <a:endParaRPr lang="en-US" smtClean="0"/>
           </a:p>
           <a:p>
             <a:pPr lvl="2"/>
@@ -1744,6 +1768,7 @@
               <a:rPr lang="en-US" smtClean="0"/>
               <a:t>Third level</a:t>
             </a:r>
+            <a:endParaRPr lang="en-US" smtClean="0"/>
           </a:p>
           <a:p>
             <a:pPr lvl="3"/>
@@ -1751,6 +1776,7 @@
               <a:rPr lang="en-US" smtClean="0"/>
               <a:t>Fourth level</a:t>
             </a:r>
+            <a:endParaRPr lang="en-US" smtClean="0"/>
           </a:p>
           <a:p>
             <a:pPr lvl="4"/>
@@ -1779,8 +1805,6 @@
           <a:p>
             <a:fld id="{1D8BD707-D9CF-40AE-B4C6-C98DA3205C09}" type="datetimeFigureOut">
               <a:rPr lang="en-US" smtClean="0"/>
-              <a:pPr/>
-              <a:t>8/1/2011</a:t>
             </a:fld>
             <a:endParaRPr lang="en-US"/>
           </a:p>
@@ -1822,8 +1846,6 @@
           <a:p>
             <a:fld id="{B6F15528-21DE-4FAA-801E-634DDDAF4B2B}" type="slidenum">
               <a:rPr lang="en-US" smtClean="0"/>
-              <a:pPr/>
-              <a:t>‹#›</a:t>
             </a:fld>
             <a:endParaRPr lang="en-US"/>
           </a:p>
@@ -1894,8 +1916,6 @@
           <a:p>
             <a:fld id="{1D8BD707-D9CF-40AE-B4C6-C98DA3205C09}" type="datetimeFigureOut">
               <a:rPr lang="en-US" smtClean="0"/>
-              <a:pPr/>
-              <a:t>8/1/2011</a:t>
             </a:fld>
             <a:endParaRPr lang="en-US"/>
           </a:p>
@@ -1937,8 +1957,6 @@
           <a:p>
             <a:fld id="{B6F15528-21DE-4FAA-801E-634DDDAF4B2B}" type="slidenum">
               <a:rPr lang="en-US" smtClean="0"/>
-              <a:pPr/>
-              <a:t>‹#›</a:t>
             </a:fld>
             <a:endParaRPr lang="en-US"/>
           </a:p>
@@ -1986,8 +2004,6 @@
           <a:p>
             <a:fld id="{1D8BD707-D9CF-40AE-B4C6-C98DA3205C09}" type="datetimeFigureOut">
               <a:rPr lang="en-US" smtClean="0"/>
-              <a:pPr/>
-              <a:t>8/1/2011</a:t>
             </a:fld>
             <a:endParaRPr lang="en-US"/>
           </a:p>
@@ -2029,8 +2045,6 @@
           <a:p>
             <a:fld id="{B6F15528-21DE-4FAA-801E-634DDDAF4B2B}" type="slidenum">
               <a:rPr lang="en-US" smtClean="0"/>
-              <a:pPr/>
-              <a:t>‹#›</a:t>
             </a:fld>
             <a:endParaRPr lang="en-US"/>
           </a:p>
@@ -2146,6 +2160,7 @@
               <a:rPr lang="en-US" smtClean="0"/>
               <a:t>Click to edit Master text styles</a:t>
             </a:r>
+            <a:endParaRPr lang="en-US" smtClean="0"/>
           </a:p>
           <a:p>
             <a:pPr lvl="1"/>
@@ -2153,6 +2168,7 @@
               <a:rPr lang="en-US" smtClean="0"/>
               <a:t>Second level</a:t>
             </a:r>
+            <a:endParaRPr lang="en-US" smtClean="0"/>
           </a:p>
           <a:p>
             <a:pPr lvl="2"/>
@@ -2160,6 +2176,7 @@
               <a:rPr lang="en-US" smtClean="0"/>
               <a:t>Third level</a:t>
             </a:r>
+            <a:endParaRPr lang="en-US" smtClean="0"/>
           </a:p>
           <a:p>
             <a:pPr lvl="3"/>
@@ -2167,6 +2184,7 @@
               <a:rPr lang="en-US" smtClean="0"/>
               <a:t>Fourth level</a:t>
             </a:r>
+            <a:endParaRPr lang="en-US" smtClean="0"/>
           </a:p>
           <a:p>
             <a:pPr lvl="4"/>
@@ -2240,6 +2258,7 @@
               <a:rPr lang="en-US" smtClean="0"/>
               <a:t>Click to edit Master text styles</a:t>
             </a:r>
+            <a:endParaRPr lang="en-US" smtClean="0"/>
           </a:p>
         </p:txBody>
       </p:sp>
@@ -2260,8 +2279,6 @@
           <a:p>
             <a:fld id="{1D8BD707-D9CF-40AE-B4C6-C98DA3205C09}" type="datetimeFigureOut">
               <a:rPr lang="en-US" smtClean="0"/>
-              <a:pPr/>
-              <a:t>8/1/2011</a:t>
             </a:fld>
             <a:endParaRPr lang="en-US"/>
           </a:p>
@@ -2303,8 +2320,6 @@
           <a:p>
             <a:fld id="{B6F15528-21DE-4FAA-801E-634DDDAF4B2B}" type="slidenum">
               <a:rPr lang="en-US" smtClean="0"/>
-              <a:pPr/>
-              <a:t>‹#›</a:t>
             </a:fld>
             <a:endParaRPr lang="en-US"/>
           </a:p>
@@ -2490,6 +2505,7 @@
               <a:rPr lang="en-US" smtClean="0"/>
               <a:t>Click to edit Master text styles</a:t>
             </a:r>
+            <a:endParaRPr lang="en-US" smtClean="0"/>
           </a:p>
         </p:txBody>
       </p:sp>
@@ -2510,8 +2526,6 @@
           <a:p>
             <a:fld id="{1D8BD707-D9CF-40AE-B4C6-C98DA3205C09}" type="datetimeFigureOut">
               <a:rPr lang="en-US" smtClean="0"/>
-              <a:pPr/>
-              <a:t>8/1/2011</a:t>
             </a:fld>
             <a:endParaRPr lang="en-US"/>
           </a:p>
@@ -2553,8 +2567,6 @@
           <a:p>
             <a:fld id="{B6F15528-21DE-4FAA-801E-634DDDAF4B2B}" type="slidenum">
               <a:rPr lang="en-US" smtClean="0"/>
-              <a:pPr/>
-              <a:t>‹#›</a:t>
             </a:fld>
             <a:endParaRPr lang="en-US"/>
           </a:p>
@@ -2653,6 +2665,7 @@
               <a:rPr lang="en-US" smtClean="0"/>
               <a:t>Click to edit Master text styles</a:t>
             </a:r>
+            <a:endParaRPr lang="en-US" smtClean="0"/>
           </a:p>
           <a:p>
             <a:pPr lvl="1"/>
@@ -2660,6 +2673,7 @@
               <a:rPr lang="en-US" smtClean="0"/>
               <a:t>Second level</a:t>
             </a:r>
+            <a:endParaRPr lang="en-US" smtClean="0"/>
           </a:p>
           <a:p>
             <a:pPr lvl="2"/>
@@ -2667,6 +2681,7 @@
               <a:rPr lang="en-US" smtClean="0"/>
               <a:t>Third level</a:t>
             </a:r>
+            <a:endParaRPr lang="en-US" smtClean="0"/>
           </a:p>
           <a:p>
             <a:pPr lvl="3"/>
@@ -2674,6 +2689,7 @@
               <a:rPr lang="en-US" smtClean="0"/>
               <a:t>Fourth level</a:t>
             </a:r>
+            <a:endParaRPr lang="en-US" smtClean="0"/>
           </a:p>
           <a:p>
             <a:pPr lvl="4"/>
@@ -2720,8 +2736,6 @@
           <a:p>
             <a:fld id="{1D8BD707-D9CF-40AE-B4C6-C98DA3205C09}" type="datetimeFigureOut">
               <a:rPr lang="en-US" smtClean="0"/>
-              <a:pPr/>
-              <a:t>8/1/2011</a:t>
             </a:fld>
             <a:endParaRPr lang="en-US"/>
           </a:p>
@@ -2799,8 +2813,6 @@
           <a:p>
             <a:fld id="{B6F15528-21DE-4FAA-801E-634DDDAF4B2B}" type="slidenum">
               <a:rPr lang="en-US" smtClean="0"/>
-              <a:pPr/>
-              <a:t>‹#›</a:t>
             </a:fld>
             <a:endParaRPr lang="en-US"/>
           </a:p>
@@ -2844,7 +2856,7 @@
         <a:spcBef>
           <a:spcPct val="20000"/>
         </a:spcBef>
-        <a:buFont typeface="Arial" pitchFamily="34" charset="0"/>
+        <a:buFont typeface="Arial" panose="020B0604020202020204" pitchFamily="34" charset="0"/>
         <a:buChar char="•"/>
         <a:defRPr sz="3200" kern="1200">
           <a:solidFill>
@@ -2859,7 +2871,7 @@
         <a:spcBef>
           <a:spcPct val="20000"/>
         </a:spcBef>
-        <a:buFont typeface="Arial" pitchFamily="34" charset="0"/>
+        <a:buFont typeface="Arial" panose="020B0604020202020204" pitchFamily="34" charset="0"/>
         <a:buChar char="–"/>
         <a:defRPr sz="2800" kern="1200">
           <a:solidFill>
@@ -2874,7 +2886,7 @@
         <a:spcBef>
           <a:spcPct val="20000"/>
         </a:spcBef>
-        <a:buFont typeface="Arial" pitchFamily="34" charset="0"/>
+        <a:buFont typeface="Arial" panose="020B0604020202020204" pitchFamily="34" charset="0"/>
         <a:buChar char="•"/>
         <a:defRPr sz="2400" kern="1200">
           <a:solidFill>
@@ -2889,7 +2901,7 @@
         <a:spcBef>
           <a:spcPct val="20000"/>
         </a:spcBef>
-        <a:buFont typeface="Arial" pitchFamily="34" charset="0"/>
+        <a:buFont typeface="Arial" panose="020B0604020202020204" pitchFamily="34" charset="0"/>
         <a:buChar char="–"/>
         <a:defRPr sz="2000" kern="1200">
           <a:solidFill>
@@ -2904,7 +2916,7 @@
         <a:spcBef>
           <a:spcPct val="20000"/>
         </a:spcBef>
-        <a:buFont typeface="Arial" pitchFamily="34" charset="0"/>
+        <a:buFont typeface="Arial" panose="020B0604020202020204" pitchFamily="34" charset="0"/>
         <a:buChar char="»"/>
         <a:defRPr sz="2000" kern="1200">
           <a:solidFill>
@@ -2919,7 +2931,7 @@
         <a:spcBef>
           <a:spcPct val="20000"/>
         </a:spcBef>
-        <a:buFont typeface="Arial" pitchFamily="34" charset="0"/>
+        <a:buFont typeface="Arial" panose="020B0604020202020204" pitchFamily="34" charset="0"/>
         <a:buChar char="•"/>
         <a:defRPr sz="2000" kern="1200">
           <a:solidFill>
@@ -2934,7 +2946,7 @@
         <a:spcBef>
           <a:spcPct val="20000"/>
         </a:spcBef>
-        <a:buFont typeface="Arial" pitchFamily="34" charset="0"/>
+        <a:buFont typeface="Arial" panose="020B0604020202020204" pitchFamily="34" charset="0"/>
         <a:buChar char="•"/>
         <a:defRPr sz="2000" kern="1200">
           <a:solidFill>
@@ -2949,7 +2961,7 @@
         <a:spcBef>
           <a:spcPct val="20000"/>
         </a:spcBef>
-        <a:buFont typeface="Arial" pitchFamily="34" charset="0"/>
+        <a:buFont typeface="Arial" panose="020B0604020202020204" pitchFamily="34" charset="0"/>
         <a:buChar char="•"/>
         <a:defRPr sz="2000" kern="1200">
           <a:solidFill>
@@ -2964,7 +2976,7 @@
         <a:spcBef>
           <a:spcPct val="20000"/>
         </a:spcBef>
-        <a:buFont typeface="Arial" pitchFamily="34" charset="0"/>
+        <a:buFont typeface="Arial" panose="020B0604020202020204" pitchFamily="34" charset="0"/>
         <a:buChar char="•"/>
         <a:defRPr sz="2000" kern="1200">
           <a:solidFill>
@@ -3076,7 +3088,7 @@
 </file>
 
 <file path=ppt/slides/slide1.xml><?xml version="1.0" encoding="utf-8"?>
-<p:sld xmlns:p="http://schemas.openxmlformats.org/presentationml/2006/main" xmlns:a="http://schemas.openxmlformats.org/drawingml/2006/main" xmlns:r="http://schemas.openxmlformats.org/officeDocument/2006/relationships">
+<p:sld xmlns:a="http://schemas.openxmlformats.org/drawingml/2006/main" xmlns:r="http://schemas.openxmlformats.org/officeDocument/2006/relationships" xmlns:p="http://schemas.openxmlformats.org/presentationml/2006/main">
   <p:cSld>
     <p:spTree>
       <p:nvGrpSpPr>
@@ -3094,7 +3106,7 @@
       </p:grpSpPr>
       <p:grpSp>
         <p:nvGrpSpPr>
-          <p:cNvPr name="Group 2" id="2"/>
+          <p:cNvPr id="2" name="Group 2"/>
           <p:cNvGrpSpPr/>
           <p:nvPr/>
         </p:nvGrpSpPr>
@@ -3108,12 +3120,12 @@
         </p:grpSpPr>
         <p:sp>
           <p:nvSpPr>
-            <p:cNvPr name="Freeform 3" id="3"/>
+            <p:cNvPr id="3" name="Freeform 3"/>
             <p:cNvSpPr/>
             <p:nvPr/>
           </p:nvSpPr>
           <p:spPr>
-            <a:xfrm flipH="false" flipV="false" rot="0">
+            <a:xfrm>
               <a:off x="0" y="0"/>
               <a:ext cx="13756639" cy="17195800"/>
             </a:xfrm>
@@ -3122,9 +3134,9 @@
               <a:gdLst/>
               <a:ahLst/>
               <a:cxnLst/>
-              <a:rect r="r" b="b" t="t" l="l"/>
+              <a:rect l="l" t="t" r="r" b="b"/>
               <a:pathLst>
-                <a:path h="17195800" w="13756639">
+                <a:path w="13756639" h="17195800">
                   <a:moveTo>
                     <a:pt x="0" y="0"/>
                   </a:moveTo>
@@ -3145,9 +3157,9 @@
               </a:pathLst>
             </a:custGeom>
             <a:blipFill>
-              <a:blip r:embed="rId2"/>
+              <a:blip r:embed="rId1"/>
               <a:stretch>
-                <a:fillRect l="-206" t="0" r="-206" b="0"/>
+                <a:fillRect l="-206" r="-206"/>
               </a:stretch>
             </a:blipFill>
           </p:spPr>
@@ -3155,12 +3167,12 @@
       </p:grpSp>
       <p:sp>
         <p:nvSpPr>
-          <p:cNvPr name="Freeform 4" id="4"/>
+          <p:cNvPr id="4" name="Freeform 4"/>
           <p:cNvSpPr/>
           <p:nvPr/>
         </p:nvSpPr>
         <p:spPr>
-          <a:xfrm flipH="false" flipV="false" rot="0">
+          <a:xfrm>
             <a:off x="8076617" y="680620"/>
             <a:ext cx="1757027" cy="1757027"/>
           </a:xfrm>
@@ -3169,9 +3181,9 @@
             <a:gdLst/>
             <a:ahLst/>
             <a:cxnLst/>
-            <a:rect r="r" b="b" t="t" l="l"/>
+            <a:rect l="l" t="t" r="r" b="b"/>
             <a:pathLst>
-              <a:path h="1757027" w="1757027">
+              <a:path w="1757027" h="1757027">
                 <a:moveTo>
                   <a:pt x="0" y="0"/>
                 </a:moveTo>
@@ -3192,27 +3204,27 @@
             </a:pathLst>
           </a:custGeom>
           <a:blipFill>
-            <a:blip r:embed="rId3">
+            <a:blip r:embed="rId2">
               <a:extLst>
                 <a:ext uri="{96DAC541-7B7A-43D3-8B79-37D633B846F1}">
-                  <asvg:svgBlip xmlns:asvg="http://schemas.microsoft.com/office/drawing/2016/SVG/main" r:embed="rId4"/>
+                  <asvg:svgBlip xmlns:asvg="http://schemas.microsoft.com/office/drawing/2016/SVG/main" r:embed="rId3"/>
                 </a:ext>
               </a:extLst>
             </a:blip>
             <a:stretch>
-              <a:fillRect l="0" t="0" r="0" b="0"/>
+              <a:fillRect/>
             </a:stretch>
           </a:blipFill>
         </p:spPr>
       </p:sp>
       <p:sp>
         <p:nvSpPr>
-          <p:cNvPr name="Freeform 5" id="5"/>
+          <p:cNvPr id="5" name="Freeform 5"/>
           <p:cNvSpPr/>
           <p:nvPr/>
         </p:nvSpPr>
         <p:spPr>
-          <a:xfrm flipH="false" flipV="false" rot="0">
+          <a:xfrm>
             <a:off x="766976" y="5130750"/>
             <a:ext cx="727076" cy="7770910"/>
           </a:xfrm>
@@ -3221,9 +3233,9 @@
             <a:gdLst/>
             <a:ahLst/>
             <a:cxnLst/>
-            <a:rect r="r" b="b" t="t" l="l"/>
+            <a:rect l="l" t="t" r="r" b="b"/>
             <a:pathLst>
-              <a:path h="7770910" w="727076">
+              <a:path w="727076" h="7770910">
                 <a:moveTo>
                   <a:pt x="0" y="0"/>
                 </a:moveTo>
@@ -3244,22 +3256,22 @@
             </a:pathLst>
           </a:custGeom>
           <a:blipFill>
-            <a:blip r:embed="rId5">
+            <a:blip r:embed="rId4">
               <a:extLst>
                 <a:ext uri="{96DAC541-7B7A-43D3-8B79-37D633B846F1}">
-                  <asvg:svgBlip xmlns:asvg="http://schemas.microsoft.com/office/drawing/2016/SVG/main" r:embed="rId6"/>
+                  <asvg:svgBlip xmlns:asvg="http://schemas.microsoft.com/office/drawing/2016/SVG/main" r:embed="rId5"/>
                 </a:ext>
               </a:extLst>
             </a:blip>
             <a:stretch>
-              <a:fillRect l="-426" t="0" r="-426" b="0"/>
+              <a:fillRect l="-426" r="-426"/>
             </a:stretch>
           </a:blipFill>
         </p:spPr>
       </p:sp>
       <p:grpSp>
         <p:nvGrpSpPr>
-          <p:cNvPr name="Group 6" id="6"/>
+          <p:cNvPr id="6" name="Group 6"/>
           <p:cNvGrpSpPr/>
           <p:nvPr/>
         </p:nvGrpSpPr>
@@ -3273,12 +3285,12 @@
         </p:grpSpPr>
         <p:sp>
           <p:nvSpPr>
-            <p:cNvPr name="Freeform 7" id="7"/>
+            <p:cNvPr id="7" name="Freeform 7"/>
             <p:cNvSpPr/>
             <p:nvPr/>
           </p:nvSpPr>
           <p:spPr>
-            <a:xfrm flipH="false" flipV="false" rot="0">
+            <a:xfrm>
               <a:off x="0" y="0"/>
               <a:ext cx="1627759" cy="1866773"/>
             </a:xfrm>
@@ -3287,9 +3299,9 @@
               <a:gdLst/>
               <a:ahLst/>
               <a:cxnLst/>
-              <a:rect r="r" b="b" t="t" l="l"/>
+              <a:rect l="l" t="t" r="r" b="b"/>
               <a:pathLst>
-                <a:path h="1866773" w="1627759">
+                <a:path w="1627759" h="1866773">
                   <a:moveTo>
                     <a:pt x="0" y="0"/>
                   </a:moveTo>
@@ -3310,9 +3322,9 @@
               </a:pathLst>
             </a:custGeom>
             <a:blipFill>
-              <a:blip r:embed="rId7"/>
+              <a:blip r:embed="rId6"/>
               <a:stretch>
-                <a:fillRect l="-299" t="0" r="-299" b="0"/>
+                <a:fillRect l="-299" r="-299"/>
               </a:stretch>
             </a:blipFill>
           </p:spPr>
@@ -3320,12 +3332,12 @@
       </p:grpSp>
       <p:sp>
         <p:nvSpPr>
-          <p:cNvPr name="Freeform 8" id="8"/>
+          <p:cNvPr id="8" name="Freeform 8"/>
           <p:cNvSpPr/>
           <p:nvPr/>
         </p:nvSpPr>
         <p:spPr>
-          <a:xfrm flipH="false" flipV="false" rot="0">
+          <a:xfrm>
             <a:off x="870056" y="11618222"/>
             <a:ext cx="549621" cy="549621"/>
           </a:xfrm>
@@ -3334,9 +3346,9 @@
             <a:gdLst/>
             <a:ahLst/>
             <a:cxnLst/>
-            <a:rect r="r" b="b" t="t" l="l"/>
+            <a:rect l="l" t="t" r="r" b="b"/>
             <a:pathLst>
-              <a:path h="549621" w="549621">
+              <a:path w="549621" h="549621">
                 <a:moveTo>
                   <a:pt x="0" y="0"/>
                 </a:moveTo>
@@ -3357,27 +3369,27 @@
             </a:pathLst>
           </a:custGeom>
           <a:blipFill>
-            <a:blip r:embed="rId8">
+            <a:blip r:embed="rId7">
               <a:extLst>
                 <a:ext uri="{96DAC541-7B7A-43D3-8B79-37D633B846F1}">
-                  <asvg:svgBlip xmlns:asvg="http://schemas.microsoft.com/office/drawing/2016/SVG/main" r:embed="rId9"/>
+                  <asvg:svgBlip xmlns:asvg="http://schemas.microsoft.com/office/drawing/2016/SVG/main" r:embed="rId8"/>
                 </a:ext>
               </a:extLst>
             </a:blip>
             <a:stretch>
-              <a:fillRect l="0" t="0" r="0" b="0"/>
+              <a:fillRect/>
             </a:stretch>
           </a:blipFill>
         </p:spPr>
       </p:sp>
       <p:sp>
         <p:nvSpPr>
-          <p:cNvPr name="Freeform 9" id="9"/>
+          <p:cNvPr id="9" name="Freeform 9"/>
           <p:cNvSpPr/>
           <p:nvPr/>
         </p:nvSpPr>
         <p:spPr>
-          <a:xfrm flipH="false" flipV="false" rot="0">
+          <a:xfrm>
             <a:off x="995686" y="11745716"/>
             <a:ext cx="298362" cy="294632"/>
           </a:xfrm>
@@ -3386,9 +3398,9 @@
             <a:gdLst/>
             <a:ahLst/>
             <a:cxnLst/>
-            <a:rect r="r" b="b" t="t" l="l"/>
+            <a:rect l="l" t="t" r="r" b="b"/>
             <a:pathLst>
-              <a:path h="294632" w="298362">
+              <a:path w="298362" h="294632">
                 <a:moveTo>
                   <a:pt x="0" y="0"/>
                 </a:moveTo>
@@ -3409,27 +3421,27 @@
             </a:pathLst>
           </a:custGeom>
           <a:blipFill>
-            <a:blip r:embed="rId10">
+            <a:blip r:embed="rId9">
               <a:extLst>
                 <a:ext uri="{96DAC541-7B7A-43D3-8B79-37D633B846F1}">
-                  <asvg:svgBlip xmlns:asvg="http://schemas.microsoft.com/office/drawing/2016/SVG/main" r:embed="rId11"/>
+                  <asvg:svgBlip xmlns:asvg="http://schemas.microsoft.com/office/drawing/2016/SVG/main" r:embed="rId10"/>
                 </a:ext>
               </a:extLst>
             </a:blip>
             <a:stretch>
-              <a:fillRect l="0" t="-632" r="0" b="-632"/>
+              <a:fillRect t="-632" b="-632"/>
             </a:stretch>
           </a:blipFill>
         </p:spPr>
       </p:sp>
       <p:sp>
         <p:nvSpPr>
-          <p:cNvPr name="TextBox 10" id="10"/>
-          <p:cNvSpPr txBox="true"/>
+          <p:cNvPr id="10" name="TextBox 10"/>
+          <p:cNvSpPr txBox="1"/>
           <p:nvPr/>
         </p:nvSpPr>
         <p:spPr>
-          <a:xfrm rot="0">
+          <a:xfrm>
             <a:off x="1708627" y="11501540"/>
             <a:ext cx="3910947" cy="349484"/>
           </a:xfrm>
@@ -3438,18 +3450,18 @@
           </a:prstGeom>
         </p:spPr>
         <p:txBody>
-          <a:bodyPr anchor="t" rtlCol="false" tIns="0" lIns="0" bIns="0" rIns="0">
+          <a:bodyPr lIns="0" tIns="0" rIns="0" bIns="0" rtlCol="0" anchor="t">
             <a:spAutoFit/>
           </a:bodyPr>
           <a:lstStyle/>
           <a:p>
             <a:pPr algn="l">
               <a:lnSpc>
-                <a:spcPts val="2139"/>
+                <a:spcPts val="2140"/>
               </a:lnSpc>
             </a:pPr>
             <a:r>
-              <a:rPr lang="en-US" sz="1528" b="true">
+              <a:rPr lang="en-US" sz="1530" b="1">
                 <a:solidFill>
                   <a:srgbClr val="F4C014"/>
                 </a:solidFill>
@@ -3460,17 +3472,26 @@
               </a:rPr>
               <a:t>WEBINAR BRIEF </a:t>
             </a:r>
-          </a:p>
-        </p:txBody>
-      </p:sp>
-      <p:sp>
-        <p:nvSpPr>
-          <p:cNvPr name="TextBox 11" id="11"/>
-          <p:cNvSpPr txBox="true"/>
+            <a:endParaRPr lang="en-US" sz="1530" b="1">
+              <a:solidFill>
+                <a:srgbClr val="F4C014"/>
+              </a:solidFill>
+              <a:latin typeface="Gordita Bold"/>
+              <a:ea typeface="Gordita Bold"/>
+              <a:cs typeface="Gordita Bold"/>
+              <a:sym typeface="Gordita Bold"/>
+            </a:endParaRPr>
+          </a:p>
+        </p:txBody>
+      </p:sp>
+      <p:sp>
+        <p:nvSpPr>
+          <p:cNvPr id="11" name="TextBox 11"/>
+          <p:cNvSpPr txBox="1"/>
           <p:nvPr/>
         </p:nvSpPr>
         <p:spPr>
-          <a:xfrm rot="0">
+          <a:xfrm>
             <a:off x="1708627" y="11772553"/>
             <a:ext cx="5732730" cy="403174"/>
           </a:xfrm>
@@ -3479,18 +3500,18 @@
           </a:prstGeom>
         </p:spPr>
         <p:txBody>
-          <a:bodyPr anchor="t" rtlCol="false" tIns="0" lIns="0" bIns="0" rIns="0">
+          <a:bodyPr lIns="0" tIns="0" rIns="0" bIns="0" rtlCol="0" anchor="t">
             <a:spAutoFit/>
           </a:bodyPr>
           <a:lstStyle/>
           <a:p>
             <a:pPr algn="l">
               <a:lnSpc>
-                <a:spcPts val="2454"/>
+                <a:spcPts val="2455"/>
               </a:lnSpc>
             </a:pPr>
             <a:r>
-              <a:rPr lang="en-US" sz="1753">
+              <a:rPr lang="en-US" sz="1755">
                 <a:solidFill>
                   <a:srgbClr val="FFFFFF"/>
                 </a:solidFill>
@@ -3501,17 +3522,26 @@
               </a:rPr>
               <a:t>&lt;&lt; Filled by Admin</a:t>
             </a:r>
-          </a:p>
-        </p:txBody>
-      </p:sp>
-      <p:sp>
-        <p:nvSpPr>
-          <p:cNvPr name="Freeform 12" id="12"/>
+            <a:endParaRPr lang="en-US" sz="1755">
+              <a:solidFill>
+                <a:srgbClr val="FFFFFF"/>
+              </a:solidFill>
+              <a:latin typeface="Open Sans"/>
+              <a:ea typeface="Open Sans"/>
+              <a:cs typeface="Open Sans"/>
+              <a:sym typeface="Open Sans"/>
+            </a:endParaRPr>
+          </a:p>
+        </p:txBody>
+      </p:sp>
+      <p:sp>
+        <p:nvSpPr>
+          <p:cNvPr id="12" name="Freeform 12"/>
           <p:cNvSpPr/>
           <p:nvPr/>
         </p:nvSpPr>
         <p:spPr>
-          <a:xfrm flipH="false" flipV="false" rot="0">
+          <a:xfrm>
             <a:off x="870056" y="8006265"/>
             <a:ext cx="549621" cy="549621"/>
           </a:xfrm>
@@ -3520,9 +3550,9 @@
             <a:gdLst/>
             <a:ahLst/>
             <a:cxnLst/>
-            <a:rect r="r" b="b" t="t" l="l"/>
+            <a:rect l="l" t="t" r="r" b="b"/>
             <a:pathLst>
-              <a:path h="549621" w="549621">
+              <a:path w="549621" h="549621">
                 <a:moveTo>
                   <a:pt x="0" y="0"/>
                 </a:moveTo>
@@ -3543,27 +3573,27 @@
             </a:pathLst>
           </a:custGeom>
           <a:blipFill>
-            <a:blip r:embed="rId8">
+            <a:blip r:embed="rId7">
               <a:extLst>
                 <a:ext uri="{96DAC541-7B7A-43D3-8B79-37D633B846F1}">
-                  <asvg:svgBlip xmlns:asvg="http://schemas.microsoft.com/office/drawing/2016/SVG/main" r:embed="rId9"/>
+                  <asvg:svgBlip xmlns:asvg="http://schemas.microsoft.com/office/drawing/2016/SVG/main" r:embed="rId8"/>
                 </a:ext>
               </a:extLst>
             </a:blip>
             <a:stretch>
-              <a:fillRect l="0" t="0" r="0" b="0"/>
+              <a:fillRect/>
             </a:stretch>
           </a:blipFill>
         </p:spPr>
       </p:sp>
       <p:sp>
         <p:nvSpPr>
-          <p:cNvPr name="Freeform 13" id="13"/>
+          <p:cNvPr id="13" name="Freeform 13"/>
           <p:cNvSpPr/>
           <p:nvPr/>
         </p:nvSpPr>
         <p:spPr>
-          <a:xfrm flipH="false" flipV="false" rot="-10800000">
+          <a:xfrm rot="-10800000">
             <a:off x="1002182" y="8114679"/>
             <a:ext cx="285368" cy="332791"/>
           </a:xfrm>
@@ -3572,9 +3602,9 @@
             <a:gdLst/>
             <a:ahLst/>
             <a:cxnLst/>
-            <a:rect r="r" b="b" t="t" l="l"/>
+            <a:rect l="l" t="t" r="r" b="b"/>
             <a:pathLst>
-              <a:path h="332791" w="285368">
+              <a:path w="285368" h="332791">
                 <a:moveTo>
                   <a:pt x="0" y="0"/>
                 </a:moveTo>
@@ -3595,27 +3625,27 @@
             </a:pathLst>
           </a:custGeom>
           <a:blipFill>
-            <a:blip r:embed="rId12">
+            <a:blip r:embed="rId11">
               <a:extLst>
                 <a:ext uri="{96DAC541-7B7A-43D3-8B79-37D633B846F1}">
-                  <asvg:svgBlip xmlns:asvg="http://schemas.microsoft.com/office/drawing/2016/SVG/main" r:embed="rId13"/>
+                  <asvg:svgBlip xmlns:asvg="http://schemas.microsoft.com/office/drawing/2016/SVG/main" r:embed="rId12"/>
                 </a:ext>
               </a:extLst>
             </a:blip>
             <a:stretch>
-              <a:fillRect l="-1645" t="0" r="-1645" b="0"/>
+              <a:fillRect l="-1645" r="-1645"/>
             </a:stretch>
           </a:blipFill>
         </p:spPr>
       </p:sp>
       <p:sp>
         <p:nvSpPr>
-          <p:cNvPr name="TextBox 14" id="14"/>
-          <p:cNvSpPr txBox="true"/>
+          <p:cNvPr id="14" name="TextBox 14"/>
+          <p:cNvSpPr txBox="1"/>
           <p:nvPr/>
         </p:nvSpPr>
         <p:spPr>
-          <a:xfrm rot="0">
+          <a:xfrm>
             <a:off x="1742886" y="7889584"/>
             <a:ext cx="4458190" cy="349484"/>
           </a:xfrm>
@@ -3624,18 +3654,18 @@
           </a:prstGeom>
         </p:spPr>
         <p:txBody>
-          <a:bodyPr anchor="t" rtlCol="false" tIns="0" lIns="0" bIns="0" rIns="0">
+          <a:bodyPr lIns="0" tIns="0" rIns="0" bIns="0" rtlCol="0" anchor="t">
             <a:spAutoFit/>
           </a:bodyPr>
           <a:lstStyle/>
           <a:p>
             <a:pPr algn="l">
               <a:lnSpc>
-                <a:spcPts val="2139"/>
+                <a:spcPts val="2140"/>
               </a:lnSpc>
             </a:pPr>
             <a:r>
-              <a:rPr lang="en-US" sz="1528" b="true">
+              <a:rPr lang="en-US" sz="1530" b="1">
                 <a:solidFill>
                   <a:srgbClr val="F4C014"/>
                 </a:solidFill>
@@ -3646,37 +3676,46 @@
               </a:rPr>
               <a:t>STYLE(S) SELECTED </a:t>
             </a:r>
-          </a:p>
-        </p:txBody>
-      </p:sp>
-      <p:sp>
-        <p:nvSpPr>
-          <p:cNvPr name="TextBox 15" id="15"/>
-          <p:cNvSpPr txBox="true"/>
+            <a:endParaRPr lang="en-US" sz="1530" b="1">
+              <a:solidFill>
+                <a:srgbClr val="F4C014"/>
+              </a:solidFill>
+              <a:latin typeface="Gordita Bold"/>
+              <a:ea typeface="Gordita Bold"/>
+              <a:cs typeface="Gordita Bold"/>
+              <a:sym typeface="Gordita Bold"/>
+            </a:endParaRPr>
+          </a:p>
+        </p:txBody>
+      </p:sp>
+      <p:sp>
+        <p:nvSpPr>
+          <p:cNvPr id="15" name="TextBox 15"/>
+          <p:cNvSpPr txBox="1"/>
           <p:nvPr/>
         </p:nvSpPr>
         <p:spPr>
-          <a:xfrm rot="0">
+          <a:xfrm>
             <a:off x="1742886" y="8109872"/>
-            <a:ext cx="2699786" cy="1028421"/>
+            <a:ext cx="2699786" cy="1355725"/>
           </a:xfrm>
           <a:prstGeom prst="rect">
             <a:avLst/>
           </a:prstGeom>
         </p:spPr>
         <p:txBody>
-          <a:bodyPr anchor="t" rtlCol="false" tIns="0" lIns="0" bIns="0" rIns="0">
+          <a:bodyPr lIns="0" tIns="0" rIns="0" bIns="0" rtlCol="0" anchor="t">
             <a:spAutoFit/>
           </a:bodyPr>
           <a:lstStyle/>
           <a:p>
             <a:pPr algn="l">
               <a:lnSpc>
-                <a:spcPts val="2644"/>
+                <a:spcPts val="2645"/>
               </a:lnSpc>
             </a:pPr>
             <a:r>
-              <a:rPr lang="en-US" sz="1889">
+              <a:rPr lang="en-US" altLang="en-GB" sz="1890">
                 <a:solidFill>
                   <a:srgbClr val="FFFFFF"/>
                 </a:solidFill>
@@ -3685,20 +3724,29 @@
                 <a:cs typeface="Open Sans"/>
                 <a:sym typeface="Open Sans"/>
               </a:rPr>
-              <a:t>style(s) selected</a:t>
-            </a:r>
+              <a:t>Which style's do you like</a:t>
+            </a:r>
+            <a:endParaRPr lang="en-US" sz="1890">
+              <a:solidFill>
+                <a:srgbClr val="FFFFFF"/>
+              </a:solidFill>
+              <a:latin typeface="Open Sans"/>
+              <a:ea typeface="Open Sans"/>
+              <a:cs typeface="Open Sans"/>
+              <a:sym typeface="Open Sans"/>
+            </a:endParaRPr>
           </a:p>
           <a:p>
             <a:pPr algn="l">
               <a:lnSpc>
-                <a:spcPts val="2642"/>
+                <a:spcPts val="2640"/>
               </a:lnSpc>
             </a:pPr>
           </a:p>
           <a:p>
             <a:pPr algn="l">
               <a:lnSpc>
-                <a:spcPts val="2644"/>
+                <a:spcPts val="2645"/>
               </a:lnSpc>
             </a:pPr>
           </a:p>
@@ -3706,12 +3754,12 @@
       </p:sp>
       <p:sp>
         <p:nvSpPr>
-          <p:cNvPr name="Freeform 16" id="16"/>
+          <p:cNvPr id="16" name="Freeform 16"/>
           <p:cNvSpPr/>
           <p:nvPr/>
         </p:nvSpPr>
         <p:spPr>
-          <a:xfrm flipH="false" flipV="false" rot="0">
+          <a:xfrm>
             <a:off x="870056" y="6916412"/>
             <a:ext cx="549621" cy="549621"/>
           </a:xfrm>
@@ -3720,9 +3768,9 @@
             <a:gdLst/>
             <a:ahLst/>
             <a:cxnLst/>
-            <a:rect r="r" b="b" t="t" l="l"/>
+            <a:rect l="l" t="t" r="r" b="b"/>
             <a:pathLst>
-              <a:path h="549621" w="549621">
+              <a:path w="549621" h="549621">
                 <a:moveTo>
                   <a:pt x="0" y="0"/>
                 </a:moveTo>
@@ -3743,27 +3791,27 @@
             </a:pathLst>
           </a:custGeom>
           <a:blipFill>
-            <a:blip r:embed="rId8">
+            <a:blip r:embed="rId7">
               <a:extLst>
                 <a:ext uri="{96DAC541-7B7A-43D3-8B79-37D633B846F1}">
-                  <asvg:svgBlip xmlns:asvg="http://schemas.microsoft.com/office/drawing/2016/SVG/main" r:embed="rId9"/>
+                  <asvg:svgBlip xmlns:asvg="http://schemas.microsoft.com/office/drawing/2016/SVG/main" r:embed="rId8"/>
                 </a:ext>
               </a:extLst>
             </a:blip>
             <a:stretch>
-              <a:fillRect l="0" t="0" r="0" b="0"/>
+              <a:fillRect/>
             </a:stretch>
           </a:blipFill>
         </p:spPr>
       </p:sp>
       <p:sp>
         <p:nvSpPr>
-          <p:cNvPr name="Freeform 17" id="17"/>
+          <p:cNvPr id="17" name="Freeform 17"/>
           <p:cNvSpPr/>
           <p:nvPr/>
         </p:nvSpPr>
         <p:spPr>
-          <a:xfrm flipH="false" flipV="false" rot="0">
+          <a:xfrm>
             <a:off x="998085" y="7044443"/>
             <a:ext cx="293561" cy="293561"/>
           </a:xfrm>
@@ -3772,9 +3820,9 @@
             <a:gdLst/>
             <a:ahLst/>
             <a:cxnLst/>
-            <a:rect r="r" b="b" t="t" l="l"/>
+            <a:rect l="l" t="t" r="r" b="b"/>
             <a:pathLst>
-              <a:path h="293561" w="293561">
+              <a:path w="293561" h="293561">
                 <a:moveTo>
                   <a:pt x="0" y="0"/>
                 </a:moveTo>
@@ -3795,27 +3843,27 @@
             </a:pathLst>
           </a:custGeom>
           <a:blipFill>
-            <a:blip r:embed="rId14">
+            <a:blip r:embed="rId13">
               <a:extLst>
                 <a:ext uri="{96DAC541-7B7A-43D3-8B79-37D633B846F1}">
-                  <asvg:svgBlip xmlns:asvg="http://schemas.microsoft.com/office/drawing/2016/SVG/main" r:embed="rId15"/>
+                  <asvg:svgBlip xmlns:asvg="http://schemas.microsoft.com/office/drawing/2016/SVG/main" r:embed="rId14"/>
                 </a:ext>
               </a:extLst>
             </a:blip>
             <a:stretch>
-              <a:fillRect l="0" t="0" r="0" b="0"/>
+              <a:fillRect/>
             </a:stretch>
           </a:blipFill>
         </p:spPr>
       </p:sp>
       <p:sp>
         <p:nvSpPr>
-          <p:cNvPr name="TextBox 18" id="18"/>
-          <p:cNvSpPr txBox="true"/>
+          <p:cNvPr id="18" name="TextBox 18"/>
+          <p:cNvSpPr txBox="1"/>
           <p:nvPr/>
         </p:nvSpPr>
         <p:spPr>
-          <a:xfrm rot="0">
+          <a:xfrm>
             <a:off x="1742886" y="6799730"/>
             <a:ext cx="1693635" cy="343952"/>
           </a:xfrm>
@@ -3824,18 +3872,18 @@
           </a:prstGeom>
         </p:spPr>
         <p:txBody>
-          <a:bodyPr anchor="t" rtlCol="false" tIns="0" lIns="0" bIns="0" rIns="0">
+          <a:bodyPr lIns="0" tIns="0" rIns="0" bIns="0" rtlCol="0" anchor="t">
             <a:spAutoFit/>
           </a:bodyPr>
           <a:lstStyle/>
           <a:p>
             <a:pPr algn="l">
               <a:lnSpc>
-                <a:spcPts val="2139"/>
+                <a:spcPts val="2140"/>
               </a:lnSpc>
             </a:pPr>
             <a:r>
-              <a:rPr lang="en-US" sz="1528" b="true">
+              <a:rPr lang="en-US" sz="1530" b="1">
                 <a:solidFill>
                   <a:srgbClr val="F4C014"/>
                 </a:solidFill>
@@ -3846,37 +3894,46 @@
               </a:rPr>
               <a:t>ROOM SIZE</a:t>
             </a:r>
-          </a:p>
-        </p:txBody>
-      </p:sp>
-      <p:sp>
-        <p:nvSpPr>
-          <p:cNvPr name="TextBox 19" id="19"/>
-          <p:cNvSpPr txBox="true"/>
+            <a:endParaRPr lang="en-US" sz="1530" b="1">
+              <a:solidFill>
+                <a:srgbClr val="F4C014"/>
+              </a:solidFill>
+              <a:latin typeface="Gordita Bold"/>
+              <a:ea typeface="Gordita Bold"/>
+              <a:cs typeface="Gordita Bold"/>
+              <a:sym typeface="Gordita Bold"/>
+            </a:endParaRPr>
+          </a:p>
+        </p:txBody>
+      </p:sp>
+      <p:sp>
+        <p:nvSpPr>
+          <p:cNvPr id="19" name="TextBox 19"/>
+          <p:cNvSpPr txBox="1"/>
           <p:nvPr/>
         </p:nvSpPr>
         <p:spPr>
-          <a:xfrm rot="0">
+          <a:xfrm>
             <a:off x="1742886" y="7013828"/>
-            <a:ext cx="2217022" cy="323444"/>
+            <a:ext cx="2217022" cy="339725"/>
           </a:xfrm>
           <a:prstGeom prst="rect">
             <a:avLst/>
           </a:prstGeom>
         </p:spPr>
         <p:txBody>
-          <a:bodyPr anchor="t" rtlCol="false" tIns="0" lIns="0" bIns="0" rIns="0">
+          <a:bodyPr lIns="0" tIns="0" rIns="0" bIns="0" rtlCol="0" anchor="t">
             <a:spAutoFit/>
           </a:bodyPr>
           <a:lstStyle/>
           <a:p>
             <a:pPr algn="l">
               <a:lnSpc>
-                <a:spcPts val="2651"/>
+                <a:spcPts val="2650"/>
               </a:lnSpc>
             </a:pPr>
             <a:r>
-              <a:rPr lang="en-US" sz="1894">
+              <a:rPr lang="en-US" altLang="en-GB" sz="1895">
                 <a:solidFill>
                   <a:srgbClr val="FFFFFF"/>
                 </a:solidFill>
@@ -3885,19 +3942,40 @@
                 <a:cs typeface="Open Sans"/>
                 <a:sym typeface="Open Sans"/>
               </a:rPr>
-              <a:t>Room size  m2  </a:t>
-            </a:r>
-          </a:p>
-        </p:txBody>
-      </p:sp>
-      <p:sp>
-        <p:nvSpPr>
-          <p:cNvPr name="Freeform 20" id="20"/>
+              <a:t>Q. Area </a:t>
+            </a:r>
+            <a:r>
+              <a:rPr lang="en-US" sz="1895">
+                <a:solidFill>
+                  <a:srgbClr val="FFFFFF"/>
+                </a:solidFill>
+                <a:latin typeface="Open Sans"/>
+                <a:ea typeface="Open Sans"/>
+                <a:cs typeface="Open Sans"/>
+                <a:sym typeface="Open Sans"/>
+              </a:rPr>
+              <a:t> /m2  </a:t>
+            </a:r>
+            <a:endParaRPr lang="en-US" sz="1895">
+              <a:solidFill>
+                <a:srgbClr val="FFFFFF"/>
+              </a:solidFill>
+              <a:latin typeface="Open Sans"/>
+              <a:ea typeface="Open Sans"/>
+              <a:cs typeface="Open Sans"/>
+              <a:sym typeface="Open Sans"/>
+            </a:endParaRPr>
+          </a:p>
+        </p:txBody>
+      </p:sp>
+      <p:sp>
+        <p:nvSpPr>
+          <p:cNvPr id="20" name="Freeform 20"/>
           <p:cNvSpPr/>
           <p:nvPr/>
         </p:nvSpPr>
         <p:spPr>
-          <a:xfrm flipH="false" flipV="false" rot="0">
+          <a:xfrm>
             <a:off x="904294" y="4389266"/>
             <a:ext cx="481145" cy="455283"/>
           </a:xfrm>
@@ -3906,9 +3984,9 @@
             <a:gdLst/>
             <a:ahLst/>
             <a:cxnLst/>
-            <a:rect r="r" b="b" t="t" l="l"/>
+            <a:rect l="l" t="t" r="r" b="b"/>
             <a:pathLst>
-              <a:path h="455283" w="481145">
+              <a:path w="481145" h="455283">
                 <a:moveTo>
                   <a:pt x="0" y="0"/>
                 </a:moveTo>
@@ -3929,27 +4007,27 @@
             </a:pathLst>
           </a:custGeom>
           <a:blipFill>
-            <a:blip r:embed="rId16">
+            <a:blip r:embed="rId15">
               <a:extLst>
                 <a:ext uri="{96DAC541-7B7A-43D3-8B79-37D633B846F1}">
-                  <asvg:svgBlip xmlns:asvg="http://schemas.microsoft.com/office/drawing/2016/SVG/main" r:embed="rId17"/>
+                  <asvg:svgBlip xmlns:asvg="http://schemas.microsoft.com/office/drawing/2016/SVG/main" r:embed="rId16"/>
                 </a:ext>
               </a:extLst>
             </a:blip>
             <a:stretch>
-              <a:fillRect l="-269" t="0" r="-269" b="0"/>
+              <a:fillRect l="-269" r="-269"/>
             </a:stretch>
           </a:blipFill>
         </p:spPr>
       </p:sp>
       <p:sp>
         <p:nvSpPr>
-          <p:cNvPr name="Freeform 21" id="21"/>
+          <p:cNvPr id="21" name="Freeform 21"/>
           <p:cNvSpPr/>
           <p:nvPr/>
         </p:nvSpPr>
         <p:spPr>
-          <a:xfrm flipH="false" flipV="false" rot="0">
+          <a:xfrm>
             <a:off x="8616780" y="11000053"/>
             <a:ext cx="1186654" cy="1186654"/>
           </a:xfrm>
@@ -3958,9 +4036,9 @@
             <a:gdLst/>
             <a:ahLst/>
             <a:cxnLst/>
-            <a:rect r="r" b="b" t="t" l="l"/>
+            <a:rect l="l" t="t" r="r" b="b"/>
             <a:pathLst>
-              <a:path h="1186654" w="1186654">
+              <a:path w="1186654" h="1186654">
                 <a:moveTo>
                   <a:pt x="0" y="0"/>
                 </a:moveTo>
@@ -3981,27 +4059,27 @@
             </a:pathLst>
           </a:custGeom>
           <a:blipFill>
-            <a:blip r:embed="rId18">
+            <a:blip r:embed="rId17">
               <a:extLst>
                 <a:ext uri="{96DAC541-7B7A-43D3-8B79-37D633B846F1}">
-                  <asvg:svgBlip xmlns:asvg="http://schemas.microsoft.com/office/drawing/2016/SVG/main" r:embed="rId19"/>
+                  <asvg:svgBlip xmlns:asvg="http://schemas.microsoft.com/office/drawing/2016/SVG/main" r:embed="rId18"/>
                 </a:ext>
               </a:extLst>
             </a:blip>
             <a:stretch>
-              <a:fillRect l="0" t="0" r="0" b="0"/>
+              <a:fillRect/>
             </a:stretch>
           </a:blipFill>
         </p:spPr>
       </p:sp>
       <p:sp>
         <p:nvSpPr>
-          <p:cNvPr name="Freeform 22" id="22"/>
+          <p:cNvPr id="22" name="Freeform 22"/>
           <p:cNvSpPr/>
           <p:nvPr/>
         </p:nvSpPr>
         <p:spPr>
-          <a:xfrm flipH="false" flipV="false" rot="0">
+          <a:xfrm>
             <a:off x="870056" y="10526226"/>
             <a:ext cx="549621" cy="549621"/>
           </a:xfrm>
@@ -4010,9 +4088,9 @@
             <a:gdLst/>
             <a:ahLst/>
             <a:cxnLst/>
-            <a:rect r="r" b="b" t="t" l="l"/>
+            <a:rect l="l" t="t" r="r" b="b"/>
             <a:pathLst>
-              <a:path h="549621" w="549621">
+              <a:path w="549621" h="549621">
                 <a:moveTo>
                   <a:pt x="0" y="0"/>
                 </a:moveTo>
@@ -4033,27 +4111,27 @@
             </a:pathLst>
           </a:custGeom>
           <a:blipFill>
-            <a:blip r:embed="rId8">
+            <a:blip r:embed="rId7">
               <a:extLst>
                 <a:ext uri="{96DAC541-7B7A-43D3-8B79-37D633B846F1}">
-                  <asvg:svgBlip xmlns:asvg="http://schemas.microsoft.com/office/drawing/2016/SVG/main" r:embed="rId9"/>
+                  <asvg:svgBlip xmlns:asvg="http://schemas.microsoft.com/office/drawing/2016/SVG/main" r:embed="rId8"/>
                 </a:ext>
               </a:extLst>
             </a:blip>
             <a:stretch>
-              <a:fillRect l="0" t="0" r="0" b="0"/>
+              <a:fillRect/>
             </a:stretch>
           </a:blipFill>
         </p:spPr>
       </p:sp>
       <p:sp>
         <p:nvSpPr>
-          <p:cNvPr name="Freeform 23" id="23"/>
+          <p:cNvPr id="23" name="Freeform 23"/>
           <p:cNvSpPr/>
           <p:nvPr/>
         </p:nvSpPr>
         <p:spPr>
-          <a:xfrm flipH="false" flipV="false" rot="0">
+          <a:xfrm>
             <a:off x="960076" y="10677458"/>
             <a:ext cx="369581" cy="247157"/>
           </a:xfrm>
@@ -4062,9 +4140,9 @@
             <a:gdLst/>
             <a:ahLst/>
             <a:cxnLst/>
-            <a:rect r="r" b="b" t="t" l="l"/>
+            <a:rect l="l" t="t" r="r" b="b"/>
             <a:pathLst>
-              <a:path h="247157" w="369581">
+              <a:path w="369581" h="247157">
                 <a:moveTo>
                   <a:pt x="0" y="0"/>
                 </a:moveTo>
@@ -4085,27 +4163,27 @@
             </a:pathLst>
           </a:custGeom>
           <a:blipFill>
-            <a:blip r:embed="rId20">
+            <a:blip r:embed="rId19">
               <a:extLst>
                 <a:ext uri="{96DAC541-7B7A-43D3-8B79-37D633B846F1}">
-                  <asvg:svgBlip xmlns:asvg="http://schemas.microsoft.com/office/drawing/2016/SVG/main" r:embed="rId21"/>
+                  <asvg:svgBlip xmlns:asvg="http://schemas.microsoft.com/office/drawing/2016/SVG/main" r:embed="rId20"/>
                 </a:ext>
               </a:extLst>
             </a:blip>
             <a:stretch>
-              <a:fillRect l="-156" t="0" r="-156" b="0"/>
+              <a:fillRect l="-156" r="-156"/>
             </a:stretch>
           </a:blipFill>
         </p:spPr>
       </p:sp>
       <p:sp>
         <p:nvSpPr>
-          <p:cNvPr name="TextBox 24" id="24"/>
-          <p:cNvSpPr txBox="true"/>
+          <p:cNvPr id="24" name="TextBox 24"/>
+          <p:cNvSpPr txBox="1"/>
           <p:nvPr/>
         </p:nvSpPr>
         <p:spPr>
-          <a:xfrm rot="0">
+          <a:xfrm>
             <a:off x="1708627" y="10409544"/>
             <a:ext cx="3641660" cy="349484"/>
           </a:xfrm>
@@ -4114,18 +4192,18 @@
           </a:prstGeom>
         </p:spPr>
         <p:txBody>
-          <a:bodyPr anchor="t" rtlCol="false" tIns="0" lIns="0" bIns="0" rIns="0">
+          <a:bodyPr lIns="0" tIns="0" rIns="0" bIns="0" rtlCol="0" anchor="t">
             <a:spAutoFit/>
           </a:bodyPr>
           <a:lstStyle/>
           <a:p>
             <a:pPr algn="l">
               <a:lnSpc>
-                <a:spcPts val="2139"/>
+                <a:spcPts val="2140"/>
               </a:lnSpc>
             </a:pPr>
             <a:r>
-              <a:rPr lang="en-US" sz="1528" b="true">
+              <a:rPr lang="en-US" sz="1530" b="1">
                 <a:solidFill>
                   <a:srgbClr val="F4C014"/>
                 </a:solidFill>
@@ -4136,17 +4214,26 @@
               </a:rPr>
               <a:t>WINNING PROJECT DESIGN FEES</a:t>
             </a:r>
-          </a:p>
-        </p:txBody>
-      </p:sp>
-      <p:sp>
-        <p:nvSpPr>
-          <p:cNvPr name="TextBox 25" id="25"/>
-          <p:cNvSpPr txBox="true"/>
+            <a:endParaRPr lang="en-US" sz="1530" b="1">
+              <a:solidFill>
+                <a:srgbClr val="F4C014"/>
+              </a:solidFill>
+              <a:latin typeface="Gordita Bold"/>
+              <a:ea typeface="Gordita Bold"/>
+              <a:cs typeface="Gordita Bold"/>
+              <a:sym typeface="Gordita Bold"/>
+            </a:endParaRPr>
+          </a:p>
+        </p:txBody>
+      </p:sp>
+      <p:sp>
+        <p:nvSpPr>
+          <p:cNvPr id="25" name="TextBox 25"/>
+          <p:cNvSpPr txBox="1"/>
           <p:nvPr/>
         </p:nvSpPr>
         <p:spPr>
-          <a:xfrm rot="0">
+          <a:xfrm>
             <a:off x="1708627" y="10625790"/>
             <a:ext cx="2251281" cy="475717"/>
           </a:xfrm>
@@ -4155,18 +4242,18 @@
           </a:prstGeom>
         </p:spPr>
         <p:txBody>
-          <a:bodyPr anchor="t" rtlCol="false" tIns="0" lIns="0" bIns="0" rIns="0">
+          <a:bodyPr lIns="0" tIns="0" rIns="0" bIns="0" rtlCol="0" anchor="t">
             <a:spAutoFit/>
           </a:bodyPr>
           <a:lstStyle/>
           <a:p>
             <a:pPr algn="l">
               <a:lnSpc>
-                <a:spcPts val="2652"/>
+                <a:spcPts val="2650"/>
               </a:lnSpc>
             </a:pPr>
             <a:r>
-              <a:rPr lang="en-US" sz="1894">
+              <a:rPr lang="en-US" sz="1895">
                 <a:solidFill>
                   <a:srgbClr val="FFFFFF"/>
                 </a:solidFill>
@@ -4177,17 +4264,26 @@
               </a:rPr>
               <a:t>&lt;&lt; Filled by Admin</a:t>
             </a:r>
-          </a:p>
-        </p:txBody>
-      </p:sp>
-      <p:sp>
-        <p:nvSpPr>
-          <p:cNvPr name="Freeform 26" id="26"/>
+            <a:endParaRPr lang="en-US" sz="1895">
+              <a:solidFill>
+                <a:srgbClr val="FFFFFF"/>
+              </a:solidFill>
+              <a:latin typeface="Open Sans"/>
+              <a:ea typeface="Open Sans"/>
+              <a:cs typeface="Open Sans"/>
+              <a:sym typeface="Open Sans"/>
+            </a:endParaRPr>
+          </a:p>
+        </p:txBody>
+      </p:sp>
+      <p:sp>
+        <p:nvSpPr>
+          <p:cNvPr id="26" name="Freeform 26"/>
           <p:cNvSpPr/>
           <p:nvPr/>
         </p:nvSpPr>
         <p:spPr>
-          <a:xfrm flipH="false" flipV="false" rot="0">
+          <a:xfrm>
             <a:off x="870056" y="9435792"/>
             <a:ext cx="549621" cy="549621"/>
           </a:xfrm>
@@ -4196,9 +4292,9 @@
             <a:gdLst/>
             <a:ahLst/>
             <a:cxnLst/>
-            <a:rect r="r" b="b" t="t" l="l"/>
+            <a:rect l="l" t="t" r="r" b="b"/>
             <a:pathLst>
-              <a:path h="549621" w="549621">
+              <a:path w="549621" h="549621">
                 <a:moveTo>
                   <a:pt x="0" y="0"/>
                 </a:moveTo>
@@ -4219,27 +4315,27 @@
             </a:pathLst>
           </a:custGeom>
           <a:blipFill>
-            <a:blip r:embed="rId8">
+            <a:blip r:embed="rId7">
               <a:extLst>
                 <a:ext uri="{96DAC541-7B7A-43D3-8B79-37D633B846F1}">
-                  <asvg:svgBlip xmlns:asvg="http://schemas.microsoft.com/office/drawing/2016/SVG/main" r:embed="rId9"/>
+                  <asvg:svgBlip xmlns:asvg="http://schemas.microsoft.com/office/drawing/2016/SVG/main" r:embed="rId8"/>
                 </a:ext>
               </a:extLst>
             </a:blip>
             <a:stretch>
-              <a:fillRect l="0" t="0" r="0" b="0"/>
+              <a:fillRect/>
             </a:stretch>
           </a:blipFill>
         </p:spPr>
       </p:sp>
       <p:sp>
         <p:nvSpPr>
-          <p:cNvPr name="Freeform 27" id="27"/>
+          <p:cNvPr id="27" name="Freeform 27"/>
           <p:cNvSpPr/>
           <p:nvPr/>
         </p:nvSpPr>
         <p:spPr>
-          <a:xfrm flipH="false" flipV="false" rot="0">
+          <a:xfrm>
             <a:off x="1016035" y="9526560"/>
             <a:ext cx="257662" cy="368088"/>
           </a:xfrm>
@@ -4248,9 +4344,9 @@
             <a:gdLst/>
             <a:ahLst/>
             <a:cxnLst/>
-            <a:rect r="r" b="b" t="t" l="l"/>
+            <a:rect l="l" t="t" r="r" b="b"/>
             <a:pathLst>
-              <a:path h="368088" w="257662">
+              <a:path w="257662" h="368088">
                 <a:moveTo>
                   <a:pt x="0" y="0"/>
                 </a:moveTo>
@@ -4271,27 +4367,27 @@
             </a:pathLst>
           </a:custGeom>
           <a:blipFill>
-            <a:blip r:embed="rId22">
+            <a:blip r:embed="rId21">
               <a:extLst>
                 <a:ext uri="{96DAC541-7B7A-43D3-8B79-37D633B846F1}">
-                  <asvg:svgBlip xmlns:asvg="http://schemas.microsoft.com/office/drawing/2016/SVG/main" r:embed="rId23"/>
+                  <asvg:svgBlip xmlns:asvg="http://schemas.microsoft.com/office/drawing/2016/SVG/main" r:embed="rId22"/>
                 </a:ext>
               </a:extLst>
             </a:blip>
             <a:stretch>
-              <a:fillRect l="-1281" t="0" r="-1281" b="0"/>
+              <a:fillRect l="-1281" r="-1281"/>
             </a:stretch>
           </a:blipFill>
         </p:spPr>
       </p:sp>
       <p:sp>
         <p:nvSpPr>
-          <p:cNvPr name="TextBox 28" id="28"/>
-          <p:cNvSpPr txBox="true"/>
+          <p:cNvPr id="28" name="TextBox 28"/>
+          <p:cNvSpPr txBox="1"/>
           <p:nvPr/>
         </p:nvSpPr>
         <p:spPr>
-          <a:xfrm rot="0">
+          <a:xfrm>
             <a:off x="1742886" y="9319112"/>
             <a:ext cx="2052472" cy="349484"/>
           </a:xfrm>
@@ -4300,18 +4396,18 @@
           </a:prstGeom>
         </p:spPr>
         <p:txBody>
-          <a:bodyPr anchor="t" rtlCol="false" tIns="0" lIns="0" bIns="0" rIns="0">
+          <a:bodyPr lIns="0" tIns="0" rIns="0" bIns="0" rtlCol="0" anchor="t">
             <a:spAutoFit/>
           </a:bodyPr>
           <a:lstStyle/>
           <a:p>
             <a:pPr algn="l">
               <a:lnSpc>
-                <a:spcPts val="2139"/>
+                <a:spcPts val="2140"/>
               </a:lnSpc>
             </a:pPr>
             <a:r>
-              <a:rPr lang="en-US" sz="1528" b="true">
+              <a:rPr lang="en-US" sz="1530" b="1">
                 <a:solidFill>
                   <a:srgbClr val="F4C014"/>
                 </a:solidFill>
@@ -4322,17 +4418,26 @@
               </a:rPr>
               <a:t>LOCATION</a:t>
             </a:r>
-          </a:p>
-        </p:txBody>
-      </p:sp>
-      <p:sp>
-        <p:nvSpPr>
-          <p:cNvPr name="TextBox 29" id="29"/>
-          <p:cNvSpPr txBox="true"/>
+            <a:endParaRPr lang="en-US" sz="1530" b="1">
+              <a:solidFill>
+                <a:srgbClr val="F4C014"/>
+              </a:solidFill>
+              <a:latin typeface="Gordita Bold"/>
+              <a:ea typeface="Gordita Bold"/>
+              <a:cs typeface="Gordita Bold"/>
+              <a:sym typeface="Gordita Bold"/>
+            </a:endParaRPr>
+          </a:p>
+        </p:txBody>
+      </p:sp>
+      <p:sp>
+        <p:nvSpPr>
+          <p:cNvPr id="29" name="TextBox 29"/>
+          <p:cNvSpPr txBox="1"/>
           <p:nvPr/>
         </p:nvSpPr>
         <p:spPr>
-          <a:xfrm rot="0">
+          <a:xfrm>
             <a:off x="1742886" y="9533682"/>
             <a:ext cx="2699786" cy="695127"/>
           </a:xfrm>
@@ -4341,18 +4446,18 @@
           </a:prstGeom>
         </p:spPr>
         <p:txBody>
-          <a:bodyPr anchor="t" rtlCol="false" tIns="0" lIns="0" bIns="0" rIns="0">
+          <a:bodyPr lIns="0" tIns="0" rIns="0" bIns="0" rtlCol="0" anchor="t">
             <a:spAutoFit/>
           </a:bodyPr>
           <a:lstStyle/>
           <a:p>
             <a:pPr algn="l">
               <a:lnSpc>
-                <a:spcPts val="2642"/>
+                <a:spcPts val="2640"/>
               </a:lnSpc>
             </a:pPr>
             <a:r>
-              <a:rPr lang="en-US" sz="1889">
+              <a:rPr lang="en-US" sz="1890">
                 <a:solidFill>
                   <a:srgbClr val="FFFFFF"/>
                 </a:solidFill>
@@ -4363,11 +4468,20 @@
               </a:rPr>
               <a:t>Location</a:t>
             </a:r>
+            <a:endParaRPr lang="en-US" sz="1890">
+              <a:solidFill>
+                <a:srgbClr val="FFFFFF"/>
+              </a:solidFill>
+              <a:latin typeface="Open Sans"/>
+              <a:ea typeface="Open Sans"/>
+              <a:cs typeface="Open Sans"/>
+              <a:sym typeface="Open Sans"/>
+            </a:endParaRPr>
           </a:p>
           <a:p>
             <a:pPr algn="l">
               <a:lnSpc>
-                <a:spcPts val="2644"/>
+                <a:spcPts val="2645"/>
               </a:lnSpc>
             </a:pPr>
           </a:p>
@@ -4375,12 +4489,12 @@
       </p:sp>
       <p:sp>
         <p:nvSpPr>
-          <p:cNvPr name="Freeform 30" id="30"/>
+          <p:cNvPr id="30" name="Freeform 30"/>
           <p:cNvSpPr/>
           <p:nvPr/>
         </p:nvSpPr>
         <p:spPr>
-          <a:xfrm flipH="false" flipV="false" rot="0">
+          <a:xfrm>
             <a:off x="904294" y="5482978"/>
             <a:ext cx="549621" cy="549621"/>
           </a:xfrm>
@@ -4389,9 +4503,9 @@
             <a:gdLst/>
             <a:ahLst/>
             <a:cxnLst/>
-            <a:rect r="r" b="b" t="t" l="l"/>
+            <a:rect l="l" t="t" r="r" b="b"/>
             <a:pathLst>
-              <a:path h="549621" w="549621">
+              <a:path w="549621" h="549621">
                 <a:moveTo>
                   <a:pt x="0" y="0"/>
                 </a:moveTo>
@@ -4412,27 +4526,27 @@
             </a:pathLst>
           </a:custGeom>
           <a:blipFill>
-            <a:blip r:embed="rId8">
+            <a:blip r:embed="rId7">
               <a:extLst>
                 <a:ext uri="{96DAC541-7B7A-43D3-8B79-37D633B846F1}">
-                  <asvg:svgBlip xmlns:asvg="http://schemas.microsoft.com/office/drawing/2016/SVG/main" r:embed="rId9"/>
+                  <asvg:svgBlip xmlns:asvg="http://schemas.microsoft.com/office/drawing/2016/SVG/main" r:embed="rId8"/>
                 </a:ext>
               </a:extLst>
             </a:blip>
             <a:stretch>
-              <a:fillRect l="0" t="0" r="0" b="0"/>
+              <a:fillRect/>
             </a:stretch>
           </a:blipFill>
         </p:spPr>
       </p:sp>
       <p:sp>
         <p:nvSpPr>
-          <p:cNvPr name="Freeform 31" id="31"/>
+          <p:cNvPr id="31" name="Freeform 31"/>
           <p:cNvSpPr/>
           <p:nvPr/>
         </p:nvSpPr>
         <p:spPr>
-          <a:xfrm flipH="false" flipV="false" rot="0">
+          <a:xfrm>
             <a:off x="1027116" y="5603552"/>
             <a:ext cx="308470" cy="308470"/>
           </a:xfrm>
@@ -4441,9 +4555,9 @@
             <a:gdLst/>
             <a:ahLst/>
             <a:cxnLst/>
-            <a:rect r="r" b="b" t="t" l="l"/>
+            <a:rect l="l" t="t" r="r" b="b"/>
             <a:pathLst>
-              <a:path h="308470" w="308470">
+              <a:path w="308470" h="308470">
                 <a:moveTo>
                   <a:pt x="0" y="0"/>
                 </a:moveTo>
@@ -4464,27 +4578,27 @@
             </a:pathLst>
           </a:custGeom>
           <a:blipFill>
-            <a:blip r:embed="rId24">
+            <a:blip r:embed="rId23">
               <a:extLst>
                 <a:ext uri="{96DAC541-7B7A-43D3-8B79-37D633B846F1}">
-                  <asvg:svgBlip xmlns:asvg="http://schemas.microsoft.com/office/drawing/2016/SVG/main" r:embed="rId25"/>
+                  <asvg:svgBlip xmlns:asvg="http://schemas.microsoft.com/office/drawing/2016/SVG/main" r:embed="rId24"/>
                 </a:ext>
               </a:extLst>
             </a:blip>
             <a:stretch>
-              <a:fillRect l="0" t="0" r="0" b="0"/>
+              <a:fillRect/>
             </a:stretch>
           </a:blipFill>
         </p:spPr>
       </p:sp>
       <p:sp>
         <p:nvSpPr>
-          <p:cNvPr name="TextBox 32" id="32"/>
-          <p:cNvSpPr txBox="true"/>
+          <p:cNvPr id="32" name="TextBox 32"/>
+          <p:cNvSpPr txBox="1"/>
           <p:nvPr/>
         </p:nvSpPr>
         <p:spPr>
-          <a:xfrm rot="0">
+          <a:xfrm>
             <a:off x="1777124" y="5366296"/>
             <a:ext cx="3722746" cy="343952"/>
           </a:xfrm>
@@ -4493,18 +4607,18 @@
           </a:prstGeom>
         </p:spPr>
         <p:txBody>
-          <a:bodyPr anchor="t" rtlCol="false" tIns="0" lIns="0" bIns="0" rIns="0">
+          <a:bodyPr lIns="0" tIns="0" rIns="0" bIns="0" rtlCol="0" anchor="t">
             <a:spAutoFit/>
           </a:bodyPr>
           <a:lstStyle/>
           <a:p>
             <a:pPr algn="l">
               <a:lnSpc>
-                <a:spcPts val="2139"/>
+                <a:spcPts val="2140"/>
               </a:lnSpc>
             </a:pPr>
             <a:r>
-              <a:rPr lang="en-US" sz="1528" b="true">
+              <a:rPr lang="en-US" sz="1530" b="1">
                 <a:solidFill>
                   <a:srgbClr val="F4C014"/>
                 </a:solidFill>
@@ -4515,37 +4629,46 @@
               </a:rPr>
               <a:t>SPACE TO BE DESIGNED</a:t>
             </a:r>
-          </a:p>
-        </p:txBody>
-      </p:sp>
-      <p:sp>
-        <p:nvSpPr>
-          <p:cNvPr name="TextBox 33" id="33"/>
-          <p:cNvSpPr txBox="true"/>
+            <a:endParaRPr lang="en-US" sz="1530" b="1">
+              <a:solidFill>
+                <a:srgbClr val="F4C014"/>
+              </a:solidFill>
+              <a:latin typeface="Gordita Bold"/>
+              <a:ea typeface="Gordita Bold"/>
+              <a:cs typeface="Gordita Bold"/>
+              <a:sym typeface="Gordita Bold"/>
+            </a:endParaRPr>
+          </a:p>
+        </p:txBody>
+      </p:sp>
+      <p:sp>
+        <p:nvSpPr>
+          <p:cNvPr id="33" name="TextBox 33"/>
+          <p:cNvSpPr txBox="1"/>
           <p:nvPr/>
         </p:nvSpPr>
         <p:spPr>
-          <a:xfrm rot="0">
-            <a:off x="1777124" y="5531183"/>
-            <a:ext cx="3057968" cy="1061815"/>
+          <a:xfrm>
+            <a:off x="1777365" y="5692140"/>
+            <a:ext cx="3058160" cy="900430"/>
           </a:xfrm>
           <a:prstGeom prst="rect">
             <a:avLst/>
           </a:prstGeom>
         </p:spPr>
         <p:txBody>
-          <a:bodyPr anchor="t" rtlCol="false" tIns="0" lIns="0" bIns="0" rIns="0">
-            <a:spAutoFit/>
+          <a:bodyPr lIns="0" tIns="0" rIns="0" bIns="0" rtlCol="0" anchor="t">
+            <a:noAutofit/>
           </a:bodyPr>
           <a:lstStyle/>
           <a:p>
             <a:pPr algn="l">
               <a:lnSpc>
-                <a:spcPts val="2757"/>
+                <a:spcPts val="2755"/>
               </a:lnSpc>
             </a:pPr>
             <a:r>
-              <a:rPr lang="en-US" sz="1889" spc="54">
+              <a:rPr lang="en-US" altLang="en-GB" sz="1890" spc="54">
                 <a:solidFill>
                   <a:srgbClr val="FFFFFF"/>
                 </a:solidFill>
@@ -4554,20 +4677,41 @@
                 <a:cs typeface="Open Sans"/>
                 <a:sym typeface="Open Sans"/>
               </a:rPr>
-              <a:t>space To be Designed</a:t>
-            </a:r>
+              <a:t>11. Space to be designe</a:t>
+            </a:r>
+            <a:r>
+              <a:rPr lang="en-US" sz="1890" spc="54">
+                <a:solidFill>
+                  <a:srgbClr val="FFFFFF"/>
+                </a:solidFill>
+                <a:latin typeface="Open Sans"/>
+                <a:ea typeface="Open Sans"/>
+                <a:cs typeface="Open Sans"/>
+                <a:sym typeface="Open Sans"/>
+              </a:rPr>
+              <a:t>d</a:t>
+            </a:r>
+            <a:endParaRPr lang="en-US" sz="1890" spc="54">
+              <a:solidFill>
+                <a:srgbClr val="FFFFFF"/>
+              </a:solidFill>
+              <a:latin typeface="Open Sans"/>
+              <a:ea typeface="Open Sans"/>
+              <a:cs typeface="Open Sans"/>
+              <a:sym typeface="Open Sans"/>
+            </a:endParaRPr>
           </a:p>
           <a:p>
             <a:pPr algn="l">
               <a:lnSpc>
-                <a:spcPts val="2758"/>
+                <a:spcPts val="2760"/>
               </a:lnSpc>
             </a:pPr>
           </a:p>
           <a:p>
             <a:pPr algn="l">
               <a:lnSpc>
-                <a:spcPts val="2757"/>
+                <a:spcPts val="2760"/>
               </a:lnSpc>
             </a:pPr>
           </a:p>
@@ -4575,12 +4719,12 @@
       </p:sp>
       <p:sp>
         <p:nvSpPr>
-          <p:cNvPr name="TextBox 34" id="34"/>
-          <p:cNvSpPr txBox="true"/>
+          <p:cNvPr id="34" name="TextBox 34"/>
+          <p:cNvSpPr txBox="1"/>
           <p:nvPr/>
         </p:nvSpPr>
         <p:spPr>
-          <a:xfrm rot="0">
+          <a:xfrm>
             <a:off x="702179" y="946846"/>
             <a:ext cx="5060019" cy="1490804"/>
           </a:xfrm>
@@ -4589,78 +4733,96 @@
           </a:prstGeom>
         </p:spPr>
         <p:txBody>
-          <a:bodyPr anchor="t" rtlCol="false" tIns="0" lIns="0" bIns="0" rIns="0">
+          <a:bodyPr lIns="0" tIns="0" rIns="0" bIns="0" rtlCol="0" anchor="t">
             <a:spAutoFit/>
           </a:bodyPr>
           <a:lstStyle/>
           <a:p>
             <a:pPr algn="l">
               <a:lnSpc>
-                <a:spcPts val="6711"/>
+                <a:spcPts val="6710"/>
               </a:lnSpc>
             </a:pPr>
             <a:r>
-              <a:rPr lang="en-US" b="true" sz="6848" spc="225">
+              <a:rPr lang="en-US" sz="6850" b="1" spc="225">
                 <a:solidFill>
                   <a:srgbClr val="FFFFFF"/>
                 </a:solidFill>
-                <a:latin typeface="Poppins Bold"/>
-                <a:ea typeface="Poppins Bold"/>
-                <a:cs typeface="Poppins Bold"/>
-                <a:sym typeface="Poppins Bold"/>
+                <a:latin typeface="Poppins Bold" panose="00000800000000000000"/>
+                <a:ea typeface="Poppins Bold" panose="00000800000000000000"/>
+                <a:cs typeface="Poppins Bold" panose="00000800000000000000"/>
+                <a:sym typeface="Poppins Bold" panose="00000800000000000000"/>
               </a:rPr>
               <a:t>NEW </a:t>
             </a:r>
+            <a:endParaRPr lang="en-US" sz="6850" b="1" spc="225">
+              <a:solidFill>
+                <a:srgbClr val="FFFFFF"/>
+              </a:solidFill>
+              <a:latin typeface="Poppins Bold" panose="00000800000000000000"/>
+              <a:ea typeface="Poppins Bold" panose="00000800000000000000"/>
+              <a:cs typeface="Poppins Bold" panose="00000800000000000000"/>
+              <a:sym typeface="Poppins Bold" panose="00000800000000000000"/>
+            </a:endParaRPr>
           </a:p>
           <a:p>
             <a:pPr algn="l">
               <a:lnSpc>
-                <a:spcPts val="6711"/>
+                <a:spcPts val="6710"/>
               </a:lnSpc>
             </a:pPr>
             <a:r>
-              <a:rPr lang="en-US" b="true" sz="6848" spc="225">
+              <a:rPr lang="en-US" sz="6850" b="1" spc="225">
                 <a:solidFill>
                   <a:srgbClr val="002A38"/>
                 </a:solidFill>
-                <a:latin typeface="Poppins Bold"/>
-                <a:ea typeface="Poppins Bold"/>
-                <a:cs typeface="Poppins Bold"/>
-                <a:sym typeface="Poppins Bold"/>
+                <a:latin typeface="Poppins Bold" panose="00000800000000000000"/>
+                <a:ea typeface="Poppins Bold" panose="00000800000000000000"/>
+                <a:cs typeface="Poppins Bold" panose="00000800000000000000"/>
+                <a:sym typeface="Poppins Bold" panose="00000800000000000000"/>
               </a:rPr>
               <a:t>PROJECT</a:t>
             </a:r>
-          </a:p>
-        </p:txBody>
-      </p:sp>
-      <p:sp>
-        <p:nvSpPr>
-          <p:cNvPr name="TextBox 35" id="35"/>
-          <p:cNvSpPr txBox="true"/>
+            <a:endParaRPr lang="en-US" sz="6850" b="1" spc="225">
+              <a:solidFill>
+                <a:srgbClr val="002A38"/>
+              </a:solidFill>
+              <a:latin typeface="Poppins Bold" panose="00000800000000000000"/>
+              <a:ea typeface="Poppins Bold" panose="00000800000000000000"/>
+              <a:cs typeface="Poppins Bold" panose="00000800000000000000"/>
+              <a:sym typeface="Poppins Bold" panose="00000800000000000000"/>
+            </a:endParaRPr>
+          </a:p>
+        </p:txBody>
+      </p:sp>
+      <p:sp>
+        <p:nvSpPr>
+          <p:cNvPr id="35" name="TextBox 35"/>
+          <p:cNvSpPr txBox="1"/>
           <p:nvPr/>
         </p:nvSpPr>
         <p:spPr>
-          <a:xfrm rot="0">
+          <a:xfrm>
             <a:off x="733597" y="2898129"/>
-            <a:ext cx="7597674" cy="1106602"/>
+            <a:ext cx="7597674" cy="1064260"/>
           </a:xfrm>
           <a:prstGeom prst="rect">
             <a:avLst/>
           </a:prstGeom>
         </p:spPr>
         <p:txBody>
-          <a:bodyPr anchor="t" rtlCol="false" tIns="0" lIns="0" bIns="0" rIns="0">
+          <a:bodyPr lIns="0" tIns="0" rIns="0" bIns="0" rtlCol="0" anchor="t">
             <a:spAutoFit/>
           </a:bodyPr>
           <a:lstStyle/>
           <a:p>
             <a:pPr algn="l">
               <a:lnSpc>
-                <a:spcPts val="8299"/>
+                <a:spcPts val="8300"/>
               </a:lnSpc>
             </a:pPr>
             <a:r>
-              <a:rPr lang="en-US" sz="5927" b="true">
+              <a:rPr lang="en-US" altLang="en-GB" sz="5925" b="1">
                 <a:solidFill>
                   <a:srgbClr val="FFFFFF"/>
                 </a:solidFill>
@@ -4669,19 +4831,28 @@
                 <a:cs typeface="Gordita Bold"/>
                 <a:sym typeface="Gordita Bold"/>
               </a:rPr>
-              <a:t>Project Name</a:t>
-            </a:r>
-          </a:p>
-        </p:txBody>
-      </p:sp>
-      <p:sp>
-        <p:nvSpPr>
-          <p:cNvPr name="TextBox 36" id="36"/>
-          <p:cNvSpPr txBox="true"/>
+              <a:t>Q. Project Name</a:t>
+            </a:r>
+            <a:endParaRPr lang="en-US" altLang="en-GB" sz="5925" b="1">
+              <a:solidFill>
+                <a:srgbClr val="FFFFFF"/>
+              </a:solidFill>
+              <a:latin typeface="Gordita Bold"/>
+              <a:ea typeface="Gordita Bold"/>
+              <a:cs typeface="Gordita Bold"/>
+              <a:sym typeface="Gordita Bold"/>
+            </a:endParaRPr>
+          </a:p>
+        </p:txBody>
+      </p:sp>
+      <p:sp>
+        <p:nvSpPr>
+          <p:cNvPr id="36" name="TextBox 36"/>
+          <p:cNvSpPr txBox="1"/>
           <p:nvPr/>
         </p:nvSpPr>
         <p:spPr>
-          <a:xfrm rot="0">
+          <a:xfrm>
             <a:off x="1607946" y="4294775"/>
             <a:ext cx="3843023" cy="501396"/>
           </a:xfrm>
@@ -4690,18 +4861,18 @@
           </a:prstGeom>
         </p:spPr>
         <p:txBody>
-          <a:bodyPr anchor="t" rtlCol="false" tIns="0" lIns="0" bIns="0" rIns="0">
+          <a:bodyPr lIns="0" tIns="0" rIns="0" bIns="0" rtlCol="0" anchor="t">
             <a:spAutoFit/>
           </a:bodyPr>
           <a:lstStyle/>
           <a:p>
             <a:pPr algn="l">
               <a:lnSpc>
-                <a:spcPts val="3333"/>
+                <a:spcPts val="3335"/>
               </a:lnSpc>
             </a:pPr>
             <a:r>
-              <a:rPr lang="en-US" sz="2380" b="true">
+              <a:rPr lang="en-US" sz="2380" b="1">
                 <a:solidFill>
                   <a:srgbClr val="FFFFFF"/>
                 </a:solidFill>
@@ -4712,17 +4883,26 @@
               </a:rPr>
               <a:t>Residential </a:t>
             </a:r>
-          </a:p>
-        </p:txBody>
-      </p:sp>
-      <p:sp>
-        <p:nvSpPr>
-          <p:cNvPr name="TextBox 37" id="37"/>
-          <p:cNvSpPr txBox="true"/>
+            <a:endParaRPr lang="en-US" sz="2380" b="1">
+              <a:solidFill>
+                <a:srgbClr val="FFFFFF"/>
+              </a:solidFill>
+              <a:latin typeface="Gordita Bold"/>
+              <a:ea typeface="Gordita Bold"/>
+              <a:cs typeface="Gordita Bold"/>
+              <a:sym typeface="Gordita Bold"/>
+            </a:endParaRPr>
+          </a:p>
+        </p:txBody>
+      </p:sp>
+      <p:sp>
+        <p:nvSpPr>
+          <p:cNvPr id="37" name="TextBox 37"/>
+          <p:cNvSpPr txBox="1"/>
           <p:nvPr/>
         </p:nvSpPr>
         <p:spPr>
-          <a:xfrm rot="0">
+          <a:xfrm>
             <a:off x="4426633" y="3814231"/>
             <a:ext cx="6687717" cy="7453477"/>
           </a:xfrm>
@@ -4731,18 +4911,18 @@
           </a:prstGeom>
         </p:spPr>
         <p:txBody>
-          <a:bodyPr anchor="t" rtlCol="false" tIns="0" lIns="0" bIns="0" rIns="0">
+          <a:bodyPr lIns="0" tIns="0" rIns="0" bIns="0" rtlCol="0" anchor="t">
             <a:spAutoFit/>
           </a:bodyPr>
           <a:lstStyle/>
           <a:p>
             <a:pPr algn="ctr">
               <a:lnSpc>
-                <a:spcPts val="28741"/>
+                <a:spcPts val="28740"/>
               </a:lnSpc>
             </a:pPr>
             <a:r>
-              <a:rPr lang="en-US" sz="20528">
+              <a:rPr lang="en-US" sz="20530">
                 <a:solidFill>
                   <a:srgbClr val="000000"/>
                 </a:solidFill>
@@ -4753,6 +4933,15 @@
               </a:rPr>
               <a:t>{{image1}}</a:t>
             </a:r>
+            <a:endParaRPr lang="en-US" sz="20530">
+              <a:solidFill>
+                <a:srgbClr val="000000"/>
+              </a:solidFill>
+              <a:latin typeface="Open Sans"/>
+              <a:ea typeface="Open Sans"/>
+              <a:cs typeface="Open Sans"/>
+              <a:sym typeface="Open Sans"/>
+            </a:endParaRPr>
           </a:p>
         </p:txBody>
       </p:sp>
@@ -4765,7 +4954,7 @@
 </file>
 
 <file path=ppt/slides/slide10.xml><?xml version="1.0" encoding="utf-8"?>
-<p:sld xmlns:p="http://schemas.openxmlformats.org/presentationml/2006/main" xmlns:a="http://schemas.openxmlformats.org/drawingml/2006/main">
+<p:sld xmlns:a="http://schemas.openxmlformats.org/drawingml/2006/main" xmlns:r="http://schemas.openxmlformats.org/officeDocument/2006/relationships" xmlns:p="http://schemas.openxmlformats.org/presentationml/2006/main">
   <p:cSld>
     <p:spTree>
       <p:nvGrpSpPr>
@@ -4783,12 +4972,12 @@
       </p:grpSpPr>
       <p:sp>
         <p:nvSpPr>
-          <p:cNvPr name="TextBox 2" id="2"/>
-          <p:cNvSpPr txBox="true"/>
+          <p:cNvPr id="2" name="TextBox 2"/>
+          <p:cNvSpPr txBox="1"/>
           <p:nvPr/>
         </p:nvSpPr>
         <p:spPr>
-          <a:xfrm rot="0">
+          <a:xfrm>
             <a:off x="-50556" y="647934"/>
             <a:ext cx="10337556" cy="5579808"/>
           </a:xfrm>
@@ -4797,7 +4986,7 @@
           </a:prstGeom>
         </p:spPr>
         <p:txBody>
-          <a:bodyPr anchor="t" rtlCol="false" tIns="0" lIns="0" bIns="0" rIns="0">
+          <a:bodyPr lIns="0" tIns="0" rIns="0" bIns="0" rtlCol="0" anchor="t">
             <a:spAutoFit/>
           </a:bodyPr>
           <a:lstStyle/>
@@ -4808,28 +4997,37 @@
               </a:lnSpc>
             </a:pPr>
             <a:r>
-              <a:rPr lang="en-US" b="true" sz="22039" spc="723">
+              <a:rPr lang="en-US" sz="22040" b="1" spc="723">
                 <a:solidFill>
                   <a:srgbClr val="000000"/>
                 </a:solidFill>
-                <a:latin typeface="Poppins Bold"/>
-                <a:ea typeface="Poppins Bold"/>
-                <a:cs typeface="Poppins Bold"/>
-                <a:sym typeface="Poppins Bold"/>
+                <a:latin typeface="Poppins Bold" panose="00000800000000000000"/>
+                <a:ea typeface="Poppins Bold" panose="00000800000000000000"/>
+                <a:cs typeface="Poppins Bold" panose="00000800000000000000"/>
+                <a:sym typeface="Poppins Bold" panose="00000800000000000000"/>
               </a:rPr>
               <a:t>{{Image11}}</a:t>
             </a:r>
-          </a:p>
-        </p:txBody>
-      </p:sp>
-      <p:sp>
-        <p:nvSpPr>
-          <p:cNvPr name="TextBox 3" id="3"/>
-          <p:cNvSpPr txBox="true"/>
+            <a:endParaRPr lang="en-US" sz="22040" b="1" spc="723">
+              <a:solidFill>
+                <a:srgbClr val="000000"/>
+              </a:solidFill>
+              <a:latin typeface="Poppins Bold" panose="00000800000000000000"/>
+              <a:ea typeface="Poppins Bold" panose="00000800000000000000"/>
+              <a:cs typeface="Poppins Bold" panose="00000800000000000000"/>
+              <a:sym typeface="Poppins Bold" panose="00000800000000000000"/>
+            </a:endParaRPr>
+          </a:p>
+        </p:txBody>
+      </p:sp>
+      <p:sp>
+        <p:nvSpPr>
+          <p:cNvPr id="3" name="TextBox 3"/>
+          <p:cNvSpPr txBox="1"/>
           <p:nvPr/>
         </p:nvSpPr>
         <p:spPr>
-          <a:xfrm rot="0">
+          <a:xfrm>
             <a:off x="0" y="6929533"/>
             <a:ext cx="10287000" cy="5796125"/>
           </a:xfrm>
@@ -4838,7 +5036,7 @@
           </a:prstGeom>
         </p:spPr>
         <p:txBody>
-          <a:bodyPr anchor="t" rtlCol="false" tIns="0" lIns="0" bIns="0" rIns="0">
+          <a:bodyPr lIns="0" tIns="0" rIns="0" bIns="0" rtlCol="0" anchor="t">
             <a:spAutoFit/>
           </a:bodyPr>
           <a:lstStyle/>
@@ -4849,17 +5047,26 @@
               </a:lnSpc>
             </a:pPr>
             <a:r>
-              <a:rPr lang="en-US" b="true" sz="22758" spc="746">
+              <a:rPr lang="en-US" sz="22760" b="1" spc="746">
                 <a:solidFill>
                   <a:srgbClr val="000000"/>
                 </a:solidFill>
-                <a:latin typeface="Poppins Bold"/>
-                <a:ea typeface="Poppins Bold"/>
-                <a:cs typeface="Poppins Bold"/>
-                <a:sym typeface="Poppins Bold"/>
+                <a:latin typeface="Poppins Bold" panose="00000800000000000000"/>
+                <a:ea typeface="Poppins Bold" panose="00000800000000000000"/>
+                <a:cs typeface="Poppins Bold" panose="00000800000000000000"/>
+                <a:sym typeface="Poppins Bold" panose="00000800000000000000"/>
               </a:rPr>
               <a:t>{{Image12}}</a:t>
             </a:r>
+            <a:endParaRPr lang="en-US" sz="22760" b="1" spc="746">
+              <a:solidFill>
+                <a:srgbClr val="000000"/>
+              </a:solidFill>
+              <a:latin typeface="Poppins Bold" panose="00000800000000000000"/>
+              <a:ea typeface="Poppins Bold" panose="00000800000000000000"/>
+              <a:cs typeface="Poppins Bold" panose="00000800000000000000"/>
+              <a:sym typeface="Poppins Bold" panose="00000800000000000000"/>
+            </a:endParaRPr>
           </a:p>
         </p:txBody>
       </p:sp>
@@ -4872,7 +5079,7 @@
 </file>
 
 <file path=ppt/slides/slide11.xml><?xml version="1.0" encoding="utf-8"?>
-<p:sld xmlns:p="http://schemas.openxmlformats.org/presentationml/2006/main" xmlns:a="http://schemas.openxmlformats.org/drawingml/2006/main">
+<p:sld xmlns:a="http://schemas.openxmlformats.org/drawingml/2006/main" xmlns:r="http://schemas.openxmlformats.org/officeDocument/2006/relationships" xmlns:p="http://schemas.openxmlformats.org/presentationml/2006/main">
   <p:cSld>
     <p:spTree>
       <p:nvGrpSpPr>
@@ -4890,12 +5097,12 @@
       </p:grpSpPr>
       <p:sp>
         <p:nvSpPr>
-          <p:cNvPr name="TextBox 2" id="2"/>
-          <p:cNvSpPr txBox="true"/>
+          <p:cNvPr id="2" name="TextBox 2"/>
+          <p:cNvSpPr txBox="1"/>
           <p:nvPr/>
         </p:nvSpPr>
         <p:spPr>
-          <a:xfrm rot="0">
+          <a:xfrm>
             <a:off x="-50556" y="647934"/>
             <a:ext cx="10337556" cy="5579808"/>
           </a:xfrm>
@@ -4904,7 +5111,7 @@
           </a:prstGeom>
         </p:spPr>
         <p:txBody>
-          <a:bodyPr anchor="t" rtlCol="false" tIns="0" lIns="0" bIns="0" rIns="0">
+          <a:bodyPr lIns="0" tIns="0" rIns="0" bIns="0" rtlCol="0" anchor="t">
             <a:spAutoFit/>
           </a:bodyPr>
           <a:lstStyle/>
@@ -4915,28 +5122,37 @@
               </a:lnSpc>
             </a:pPr>
             <a:r>
-              <a:rPr lang="en-US" b="true" sz="22039" spc="723">
+              <a:rPr lang="en-US" sz="22040" b="1" spc="723">
                 <a:solidFill>
                   <a:srgbClr val="000000"/>
                 </a:solidFill>
-                <a:latin typeface="Poppins Bold"/>
-                <a:ea typeface="Poppins Bold"/>
-                <a:cs typeface="Poppins Bold"/>
-                <a:sym typeface="Poppins Bold"/>
+                <a:latin typeface="Poppins Bold" panose="00000800000000000000"/>
+                <a:ea typeface="Poppins Bold" panose="00000800000000000000"/>
+                <a:cs typeface="Poppins Bold" panose="00000800000000000000"/>
+                <a:sym typeface="Poppins Bold" panose="00000800000000000000"/>
               </a:rPr>
               <a:t>{{Image13}}</a:t>
             </a:r>
-          </a:p>
-        </p:txBody>
-      </p:sp>
-      <p:sp>
-        <p:nvSpPr>
-          <p:cNvPr name="TextBox 3" id="3"/>
-          <p:cNvSpPr txBox="true"/>
+            <a:endParaRPr lang="en-US" sz="22040" b="1" spc="723">
+              <a:solidFill>
+                <a:srgbClr val="000000"/>
+              </a:solidFill>
+              <a:latin typeface="Poppins Bold" panose="00000800000000000000"/>
+              <a:ea typeface="Poppins Bold" panose="00000800000000000000"/>
+              <a:cs typeface="Poppins Bold" panose="00000800000000000000"/>
+              <a:sym typeface="Poppins Bold" panose="00000800000000000000"/>
+            </a:endParaRPr>
+          </a:p>
+        </p:txBody>
+      </p:sp>
+      <p:sp>
+        <p:nvSpPr>
+          <p:cNvPr id="3" name="TextBox 3"/>
+          <p:cNvSpPr txBox="1"/>
           <p:nvPr/>
         </p:nvSpPr>
         <p:spPr>
-          <a:xfrm rot="0">
+          <a:xfrm>
             <a:off x="0" y="6929533"/>
             <a:ext cx="10287000" cy="5796125"/>
           </a:xfrm>
@@ -4945,7 +5161,7 @@
           </a:prstGeom>
         </p:spPr>
         <p:txBody>
-          <a:bodyPr anchor="t" rtlCol="false" tIns="0" lIns="0" bIns="0" rIns="0">
+          <a:bodyPr lIns="0" tIns="0" rIns="0" bIns="0" rtlCol="0" anchor="t">
             <a:spAutoFit/>
           </a:bodyPr>
           <a:lstStyle/>
@@ -4956,17 +5172,26 @@
               </a:lnSpc>
             </a:pPr>
             <a:r>
-              <a:rPr lang="en-US" b="true" sz="22758" spc="746">
+              <a:rPr lang="en-US" sz="22760" b="1" spc="746">
                 <a:solidFill>
                   <a:srgbClr val="000000"/>
                 </a:solidFill>
-                <a:latin typeface="Poppins Bold"/>
-                <a:ea typeface="Poppins Bold"/>
-                <a:cs typeface="Poppins Bold"/>
-                <a:sym typeface="Poppins Bold"/>
+                <a:latin typeface="Poppins Bold" panose="00000800000000000000"/>
+                <a:ea typeface="Poppins Bold" panose="00000800000000000000"/>
+                <a:cs typeface="Poppins Bold" panose="00000800000000000000"/>
+                <a:sym typeface="Poppins Bold" panose="00000800000000000000"/>
               </a:rPr>
               <a:t>{{Image14}}</a:t>
             </a:r>
+            <a:endParaRPr lang="en-US" sz="22760" b="1" spc="746">
+              <a:solidFill>
+                <a:srgbClr val="000000"/>
+              </a:solidFill>
+              <a:latin typeface="Poppins Bold" panose="00000800000000000000"/>
+              <a:ea typeface="Poppins Bold" panose="00000800000000000000"/>
+              <a:cs typeface="Poppins Bold" panose="00000800000000000000"/>
+              <a:sym typeface="Poppins Bold" panose="00000800000000000000"/>
+            </a:endParaRPr>
           </a:p>
         </p:txBody>
       </p:sp>
@@ -4979,7 +5204,7 @@
 </file>
 
 <file path=ppt/slides/slide12.xml><?xml version="1.0" encoding="utf-8"?>
-<p:sld xmlns:p="http://schemas.openxmlformats.org/presentationml/2006/main" xmlns:a="http://schemas.openxmlformats.org/drawingml/2006/main">
+<p:sld xmlns:a="http://schemas.openxmlformats.org/drawingml/2006/main" xmlns:r="http://schemas.openxmlformats.org/officeDocument/2006/relationships" xmlns:p="http://schemas.openxmlformats.org/presentationml/2006/main">
   <p:cSld>
     <p:spTree>
       <p:nvGrpSpPr>
@@ -4997,12 +5222,12 @@
       </p:grpSpPr>
       <p:sp>
         <p:nvSpPr>
-          <p:cNvPr name="TextBox 2" id="2"/>
-          <p:cNvSpPr txBox="true"/>
+          <p:cNvPr id="2" name="TextBox 2"/>
+          <p:cNvSpPr txBox="1"/>
           <p:nvPr/>
         </p:nvSpPr>
         <p:spPr>
-          <a:xfrm rot="0">
+          <a:xfrm>
             <a:off x="-50556" y="647934"/>
             <a:ext cx="10337556" cy="5579808"/>
           </a:xfrm>
@@ -5011,7 +5236,7 @@
           </a:prstGeom>
         </p:spPr>
         <p:txBody>
-          <a:bodyPr anchor="t" rtlCol="false" tIns="0" lIns="0" bIns="0" rIns="0">
+          <a:bodyPr lIns="0" tIns="0" rIns="0" bIns="0" rtlCol="0" anchor="t">
             <a:spAutoFit/>
           </a:bodyPr>
           <a:lstStyle/>
@@ -5022,28 +5247,37 @@
               </a:lnSpc>
             </a:pPr>
             <a:r>
-              <a:rPr lang="en-US" b="true" sz="22039" spc="723">
+              <a:rPr lang="en-US" sz="22040" b="1" spc="723">
                 <a:solidFill>
                   <a:srgbClr val="000000"/>
                 </a:solidFill>
-                <a:latin typeface="Poppins Bold"/>
-                <a:ea typeface="Poppins Bold"/>
-                <a:cs typeface="Poppins Bold"/>
-                <a:sym typeface="Poppins Bold"/>
+                <a:latin typeface="Poppins Bold" panose="00000800000000000000"/>
+                <a:ea typeface="Poppins Bold" panose="00000800000000000000"/>
+                <a:cs typeface="Poppins Bold" panose="00000800000000000000"/>
+                <a:sym typeface="Poppins Bold" panose="00000800000000000000"/>
               </a:rPr>
               <a:t>{{Image15}}</a:t>
             </a:r>
-          </a:p>
-        </p:txBody>
-      </p:sp>
-      <p:sp>
-        <p:nvSpPr>
-          <p:cNvPr name="TextBox 3" id="3"/>
-          <p:cNvSpPr txBox="true"/>
+            <a:endParaRPr lang="en-US" sz="22040" b="1" spc="723">
+              <a:solidFill>
+                <a:srgbClr val="000000"/>
+              </a:solidFill>
+              <a:latin typeface="Poppins Bold" panose="00000800000000000000"/>
+              <a:ea typeface="Poppins Bold" panose="00000800000000000000"/>
+              <a:cs typeface="Poppins Bold" panose="00000800000000000000"/>
+              <a:sym typeface="Poppins Bold" panose="00000800000000000000"/>
+            </a:endParaRPr>
+          </a:p>
+        </p:txBody>
+      </p:sp>
+      <p:sp>
+        <p:nvSpPr>
+          <p:cNvPr id="3" name="TextBox 3"/>
+          <p:cNvSpPr txBox="1"/>
           <p:nvPr/>
         </p:nvSpPr>
         <p:spPr>
-          <a:xfrm rot="0">
+          <a:xfrm>
             <a:off x="0" y="6929533"/>
             <a:ext cx="10287000" cy="5796125"/>
           </a:xfrm>
@@ -5052,7 +5286,7 @@
           </a:prstGeom>
         </p:spPr>
         <p:txBody>
-          <a:bodyPr anchor="t" rtlCol="false" tIns="0" lIns="0" bIns="0" rIns="0">
+          <a:bodyPr lIns="0" tIns="0" rIns="0" bIns="0" rtlCol="0" anchor="t">
             <a:spAutoFit/>
           </a:bodyPr>
           <a:lstStyle/>
@@ -5063,17 +5297,26 @@
               </a:lnSpc>
             </a:pPr>
             <a:r>
-              <a:rPr lang="en-US" b="true" sz="22758" spc="746">
+              <a:rPr lang="en-US" sz="22760" b="1" spc="746">
                 <a:solidFill>
                   <a:srgbClr val="000000"/>
                 </a:solidFill>
-                <a:latin typeface="Poppins Bold"/>
-                <a:ea typeface="Poppins Bold"/>
-                <a:cs typeface="Poppins Bold"/>
-                <a:sym typeface="Poppins Bold"/>
+                <a:latin typeface="Poppins Bold" panose="00000800000000000000"/>
+                <a:ea typeface="Poppins Bold" panose="00000800000000000000"/>
+                <a:cs typeface="Poppins Bold" panose="00000800000000000000"/>
+                <a:sym typeface="Poppins Bold" panose="00000800000000000000"/>
               </a:rPr>
               <a:t>{{Image16}}</a:t>
             </a:r>
+            <a:endParaRPr lang="en-US" sz="22760" b="1" spc="746">
+              <a:solidFill>
+                <a:srgbClr val="000000"/>
+              </a:solidFill>
+              <a:latin typeface="Poppins Bold" panose="00000800000000000000"/>
+              <a:ea typeface="Poppins Bold" panose="00000800000000000000"/>
+              <a:cs typeface="Poppins Bold" panose="00000800000000000000"/>
+              <a:sym typeface="Poppins Bold" panose="00000800000000000000"/>
+            </a:endParaRPr>
           </a:p>
         </p:txBody>
       </p:sp>
@@ -5086,7 +5329,7 @@
 </file>
 
 <file path=ppt/slides/slide2.xml><?xml version="1.0" encoding="utf-8"?>
-<p:sld xmlns:p="http://schemas.openxmlformats.org/presentationml/2006/main" xmlns:a="http://schemas.openxmlformats.org/drawingml/2006/main" xmlns:r="http://schemas.openxmlformats.org/officeDocument/2006/relationships">
+<p:sld xmlns:a="http://schemas.openxmlformats.org/drawingml/2006/main" xmlns:r="http://schemas.openxmlformats.org/officeDocument/2006/relationships" xmlns:p="http://schemas.openxmlformats.org/presentationml/2006/main">
   <p:cSld>
     <p:spTree>
       <p:nvGrpSpPr>
@@ -5104,7 +5347,7 @@
       </p:grpSpPr>
       <p:grpSp>
         <p:nvGrpSpPr>
-          <p:cNvPr name="Group 2" id="2"/>
+          <p:cNvPr id="2" name="Group 2"/>
           <p:cNvGrpSpPr/>
           <p:nvPr/>
         </p:nvGrpSpPr>
@@ -5118,12 +5361,12 @@
         </p:grpSpPr>
         <p:sp>
           <p:nvSpPr>
-            <p:cNvPr name="Freeform 3" id="3"/>
+            <p:cNvPr id="3" name="Freeform 3"/>
             <p:cNvSpPr/>
             <p:nvPr/>
           </p:nvSpPr>
           <p:spPr>
-            <a:xfrm flipH="false" flipV="false" rot="0">
+            <a:xfrm>
               <a:off x="0" y="0"/>
               <a:ext cx="12417425" cy="14391132"/>
             </a:xfrm>
@@ -5132,9 +5375,9 @@
               <a:gdLst/>
               <a:ahLst/>
               <a:cxnLst/>
-              <a:rect r="r" b="b" t="t" l="l"/>
+              <a:rect l="l" t="t" r="r" b="b"/>
               <a:pathLst>
-                <a:path h="14391132" w="12417425">
+                <a:path w="12417425" h="14391132">
                   <a:moveTo>
                     <a:pt x="12044807" y="14391132"/>
                   </a:moveTo>
@@ -5182,9 +5425,9 @@
       </p:grpSp>
       <p:graphicFrame>
         <p:nvGraphicFramePr>
-          <p:cNvPr name="Table 4" id="4"/>
+          <p:cNvPr id="4" name="Table 4"/>
           <p:cNvGraphicFramePr>
-            <a:graphicFrameLocks noGrp="true"/>
+            <a:graphicFrameLocks noGrp="1"/>
           </p:cNvGraphicFramePr>
           <p:nvPr/>
         </p:nvGraphicFramePr>
@@ -5208,17 +5451,17 @@
               <a:tr h="627422">
                 <a:tc>
                   <a:txBody>
-                    <a:bodyPr anchor="t" rtlCol="false"/>
+                    <a:bodyPr rtlCol="0"/>
                     <a:lstStyle/>
                     <a:p>
                       <a:pPr algn="ctr">
                         <a:lnSpc>
-                          <a:spcPts val="2796"/>
+                          <a:spcPts val="2795"/>
                         </a:lnSpc>
                         <a:defRPr/>
                       </a:pPr>
                       <a:r>
-                        <a:rPr lang="en-US" sz="1998">
+                        <a:rPr lang="en-US" sz="2000">
                           <a:solidFill>
                             <a:srgbClr val="F4C014"/>
                           </a:solidFill>
@@ -5232,8 +5475,8 @@
                       <a:endParaRPr lang="en-US" sz="1100"/>
                     </a:p>
                   </a:txBody>
-                  <a:tcPr marL="95179" marR="95179" marT="95179" marB="95179" anchor="ctr">
-                    <a:lnL cmpd="sng" algn="ctr" cap="flat" w="0">
+                  <a:tcPr marL="95179" marR="95179" marT="95179" marB="95179" anchor="t">
+                    <a:lnL w="0" cap="flat" cmpd="sng" algn="ctr">
                       <a:solidFill>
                         <a:srgbClr val="FFFFFF"/>
                       </a:solidFill>
@@ -5242,7 +5485,7 @@
                       <a:headEnd type="none" w="med" len="med"/>
                       <a:tailEnd type="none" w="med" len="med"/>
                     </a:lnL>
-                    <a:lnR cmpd="sng" algn="ctr" cap="flat" w="0">
+                    <a:lnR w="0" cap="flat" cmpd="sng" algn="ctr">
                       <a:solidFill>
                         <a:srgbClr val="FFFFFF"/>
                       </a:solidFill>
@@ -5251,7 +5494,7 @@
                       <a:headEnd type="none" w="med" len="med"/>
                       <a:tailEnd type="none" w="med" len="med"/>
                     </a:lnR>
-                    <a:lnT cmpd="sng" algn="ctr" cap="flat" w="0">
+                    <a:lnT w="0" cap="flat" cmpd="sng" algn="ctr">
                       <a:solidFill>
                         <a:srgbClr val="FFFFFF"/>
                       </a:solidFill>
@@ -5260,7 +5503,7 @@
                       <a:headEnd type="none" w="med" len="med"/>
                       <a:tailEnd type="none" w="med" len="med"/>
                     </a:lnT>
-                    <a:lnB cmpd="sng" algn="ctr" cap="flat" w="0">
+                    <a:lnB w="0" cap="flat" cmpd="sng" algn="ctr">
                       <a:solidFill>
                         <a:srgbClr val="FFFFFF"/>
                       </a:solidFill>
@@ -5273,17 +5516,17 @@
                 </a:tc>
                 <a:tc>
                   <a:txBody>
-                    <a:bodyPr anchor="t" rtlCol="false"/>
+                    <a:bodyPr rtlCol="0"/>
                     <a:lstStyle/>
                     <a:p>
                       <a:pPr algn="ctr">
                         <a:lnSpc>
-                          <a:spcPts val="2796"/>
+                          <a:spcPts val="2795"/>
                         </a:lnSpc>
                         <a:defRPr/>
                       </a:pPr>
                       <a:r>
-                        <a:rPr lang="en-US" sz="1998">
+                        <a:rPr lang="en-US" sz="2000">
                           <a:solidFill>
                             <a:srgbClr val="F4C014"/>
                           </a:solidFill>
@@ -5297,8 +5540,8 @@
                       <a:endParaRPr lang="en-US" sz="1100"/>
                     </a:p>
                   </a:txBody>
-                  <a:tcPr marL="95179" marR="95179" marT="95179" marB="95179" anchor="ctr">
-                    <a:lnL cmpd="sng" algn="ctr" cap="flat" w="0">
+                  <a:tcPr marL="95179" marR="95179" marT="95179" marB="95179" anchor="t">
+                    <a:lnL w="0" cap="flat" cmpd="sng" algn="ctr">
                       <a:solidFill>
                         <a:srgbClr val="FFFFFF"/>
                       </a:solidFill>
@@ -5307,7 +5550,7 @@
                       <a:headEnd type="none" w="med" len="med"/>
                       <a:tailEnd type="none" w="med" len="med"/>
                     </a:lnL>
-                    <a:lnR cmpd="sng" algn="ctr" cap="flat" w="0">
+                    <a:lnR w="0" cap="flat" cmpd="sng" algn="ctr">
                       <a:solidFill>
                         <a:srgbClr val="FFFFFF"/>
                       </a:solidFill>
@@ -5316,7 +5559,7 @@
                       <a:headEnd type="none" w="med" len="med"/>
                       <a:tailEnd type="none" w="med" len="med"/>
                     </a:lnR>
-                    <a:lnT cmpd="sng" algn="ctr" cap="flat" w="0">
+                    <a:lnT w="0" cap="flat" cmpd="sng" algn="ctr">
                       <a:solidFill>
                         <a:srgbClr val="FFFFFF"/>
                       </a:solidFill>
@@ -5325,7 +5568,7 @@
                       <a:headEnd type="none" w="med" len="med"/>
                       <a:tailEnd type="none" w="med" len="med"/>
                     </a:lnT>
-                    <a:lnB cmpd="sng" algn="ctr" cap="flat" w="0">
+                    <a:lnB w="0" cap="flat" cmpd="sng" algn="ctr">
                       <a:solidFill>
                         <a:srgbClr val="FFFFFF"/>
                       </a:solidFill>
@@ -5338,17 +5581,17 @@
                 </a:tc>
                 <a:tc>
                   <a:txBody>
-                    <a:bodyPr anchor="t" rtlCol="false"/>
+                    <a:bodyPr rtlCol="0"/>
                     <a:lstStyle/>
                     <a:p>
                       <a:pPr algn="ctr">
                         <a:lnSpc>
-                          <a:spcPts val="2796"/>
+                          <a:spcPts val="2795"/>
                         </a:lnSpc>
                         <a:defRPr/>
                       </a:pPr>
                       <a:r>
-                        <a:rPr lang="en-US" sz="1998">
+                        <a:rPr lang="en-US" sz="2000">
                           <a:solidFill>
                             <a:srgbClr val="F4C014"/>
                           </a:solidFill>
@@ -5362,8 +5605,8 @@
                       <a:endParaRPr lang="en-US" sz="1100"/>
                     </a:p>
                   </a:txBody>
-                  <a:tcPr marL="95179" marR="95179" marT="95179" marB="95179" anchor="ctr">
-                    <a:lnL cmpd="sng" algn="ctr" cap="flat" w="0">
+                  <a:tcPr marL="95179" marR="95179" marT="95179" marB="95179" anchor="t">
+                    <a:lnL w="0" cap="flat" cmpd="sng" algn="ctr">
                       <a:solidFill>
                         <a:srgbClr val="FFFFFF"/>
                       </a:solidFill>
@@ -5372,7 +5615,7 @@
                       <a:headEnd type="none" w="med" len="med"/>
                       <a:tailEnd type="none" w="med" len="med"/>
                     </a:lnL>
-                    <a:lnR cmpd="sng" algn="ctr" cap="flat" w="0">
+                    <a:lnR w="0" cap="flat" cmpd="sng" algn="ctr">
                       <a:solidFill>
                         <a:srgbClr val="FFFFFF"/>
                       </a:solidFill>
@@ -5381,7 +5624,7 @@
                       <a:headEnd type="none" w="med" len="med"/>
                       <a:tailEnd type="none" w="med" len="med"/>
                     </a:lnR>
-                    <a:lnT cmpd="sng" algn="ctr" cap="flat" w="0">
+                    <a:lnT w="0" cap="flat" cmpd="sng" algn="ctr">
                       <a:solidFill>
                         <a:srgbClr val="FFFFFF"/>
                       </a:solidFill>
@@ -5390,7 +5633,7 @@
                       <a:headEnd type="none" w="med" len="med"/>
                       <a:tailEnd type="none" w="med" len="med"/>
                     </a:lnT>
-                    <a:lnB cmpd="sng" algn="ctr" cap="flat" w="0">
+                    <a:lnB w="0" cap="flat" cmpd="sng" algn="ctr">
                       <a:solidFill>
                         <a:srgbClr val="FFFFFF"/>
                       </a:solidFill>
@@ -5403,17 +5646,17 @@
                 </a:tc>
                 <a:tc>
                   <a:txBody>
-                    <a:bodyPr anchor="t" rtlCol="false"/>
+                    <a:bodyPr rtlCol="0"/>
                     <a:lstStyle/>
                     <a:p>
                       <a:pPr algn="ctr">
                         <a:lnSpc>
-                          <a:spcPts val="2796"/>
+                          <a:spcPts val="2795"/>
                         </a:lnSpc>
                         <a:defRPr/>
                       </a:pPr>
                       <a:r>
-                        <a:rPr lang="en-US" sz="1998">
+                        <a:rPr lang="en-US" sz="2000">
                           <a:solidFill>
                             <a:srgbClr val="F4C014"/>
                           </a:solidFill>
@@ -5427,8 +5670,8 @@
                       <a:endParaRPr lang="en-US" sz="1100"/>
                     </a:p>
                   </a:txBody>
-                  <a:tcPr marL="95179" marR="95179" marT="95179" marB="95179" anchor="ctr">
-                    <a:lnL cmpd="sng" algn="ctr" cap="flat" w="0">
+                  <a:tcPr marL="95179" marR="95179" marT="95179" marB="95179" anchor="t">
+                    <a:lnL w="0" cap="flat" cmpd="sng" algn="ctr">
                       <a:solidFill>
                         <a:srgbClr val="FFFFFF"/>
                       </a:solidFill>
@@ -5437,7 +5680,7 @@
                       <a:headEnd type="none" w="med" len="med"/>
                       <a:tailEnd type="none" w="med" len="med"/>
                     </a:lnL>
-                    <a:lnR cmpd="sng" algn="ctr" cap="flat" w="0">
+                    <a:lnR w="0" cap="flat" cmpd="sng" algn="ctr">
                       <a:solidFill>
                         <a:srgbClr val="FFFFFF"/>
                       </a:solidFill>
@@ -5446,7 +5689,7 @@
                       <a:headEnd type="none" w="med" len="med"/>
                       <a:tailEnd type="none" w="med" len="med"/>
                     </a:lnR>
-                    <a:lnT cmpd="sng" algn="ctr" cap="flat" w="0">
+                    <a:lnT w="0" cap="flat" cmpd="sng" algn="ctr">
                       <a:solidFill>
                         <a:srgbClr val="FFFFFF"/>
                       </a:solidFill>
@@ -5455,7 +5698,7 @@
                       <a:headEnd type="none" w="med" len="med"/>
                       <a:tailEnd type="none" w="med" len="med"/>
                     </a:lnT>
-                    <a:lnB cmpd="sng" algn="ctr" cap="flat" w="0">
+                    <a:lnB w="0" cap="flat" cmpd="sng" algn="ctr">
                       <a:solidFill>
                         <a:srgbClr val="FFFFFF"/>
                       </a:solidFill>
@@ -5468,17 +5711,17 @@
                 </a:tc>
                 <a:tc>
                   <a:txBody>
-                    <a:bodyPr anchor="t" rtlCol="false"/>
+                    <a:bodyPr rtlCol="0"/>
                     <a:lstStyle/>
                     <a:p>
                       <a:pPr algn="ctr">
                         <a:lnSpc>
-                          <a:spcPts val="2796"/>
+                          <a:spcPts val="2795"/>
                         </a:lnSpc>
                         <a:defRPr/>
                       </a:pPr>
                       <a:r>
-                        <a:rPr lang="en-US" sz="1998">
+                        <a:rPr lang="en-US" sz="2000">
                           <a:solidFill>
                             <a:srgbClr val="F4C014"/>
                           </a:solidFill>
@@ -5492,8 +5735,8 @@
                       <a:endParaRPr lang="en-US" sz="1100"/>
                     </a:p>
                   </a:txBody>
-                  <a:tcPr marL="95179" marR="95179" marT="95179" marB="95179" anchor="ctr">
-                    <a:lnL cmpd="sng" algn="ctr" cap="flat" w="0">
+                  <a:tcPr marL="95179" marR="95179" marT="95179" marB="95179" anchor="t">
+                    <a:lnL w="0" cap="flat" cmpd="sng" algn="ctr">
                       <a:solidFill>
                         <a:srgbClr val="FFFFFF"/>
                       </a:solidFill>
@@ -5502,7 +5745,7 @@
                       <a:headEnd type="none" w="med" len="med"/>
                       <a:tailEnd type="none" w="med" len="med"/>
                     </a:lnL>
-                    <a:lnR cmpd="sng" algn="ctr" cap="flat" w="0">
+                    <a:lnR w="0" cap="flat" cmpd="sng" algn="ctr">
                       <a:solidFill>
                         <a:srgbClr val="FFFFFF"/>
                       </a:solidFill>
@@ -5511,7 +5754,7 @@
                       <a:headEnd type="none" w="med" len="med"/>
                       <a:tailEnd type="none" w="med" len="med"/>
                     </a:lnR>
-                    <a:lnT cmpd="sng" algn="ctr" cap="flat" w="0">
+                    <a:lnT w="0" cap="flat" cmpd="sng" algn="ctr">
                       <a:solidFill>
                         <a:srgbClr val="FFFFFF"/>
                       </a:solidFill>
@@ -5520,7 +5763,7 @@
                       <a:headEnd type="none" w="med" len="med"/>
                       <a:tailEnd type="none" w="med" len="med"/>
                     </a:lnT>
-                    <a:lnB cmpd="sng" algn="ctr" cap="flat" w="0">
+                    <a:lnB w="0" cap="flat" cmpd="sng" algn="ctr">
                       <a:solidFill>
                         <a:srgbClr val="FFFFFF"/>
                       </a:solidFill>
@@ -5533,17 +5776,17 @@
                 </a:tc>
                 <a:tc>
                   <a:txBody>
-                    <a:bodyPr anchor="t" rtlCol="false"/>
+                    <a:bodyPr rtlCol="0"/>
                     <a:lstStyle/>
                     <a:p>
                       <a:pPr algn="ctr">
                         <a:lnSpc>
-                          <a:spcPts val="2796"/>
+                          <a:spcPts val="2795"/>
                         </a:lnSpc>
                         <a:defRPr/>
                       </a:pPr>
                       <a:r>
-                        <a:rPr lang="en-US" sz="1998" b="true">
+                        <a:rPr lang="en-US" sz="2000" b="1">
                           <a:solidFill>
                             <a:srgbClr val="FFFFFF"/>
                           </a:solidFill>
@@ -5557,8 +5800,8 @@
                       <a:endParaRPr lang="en-US" sz="1100"/>
                     </a:p>
                   </a:txBody>
-                  <a:tcPr marL="95179" marR="95179" marT="95179" marB="95179" anchor="ctr">
-                    <a:lnL cmpd="sng" algn="ctr" cap="flat" w="0">
+                  <a:tcPr marL="95179" marR="95179" marT="95179" marB="95179" anchor="t">
+                    <a:lnL w="0" cap="flat" cmpd="sng" algn="ctr">
                       <a:solidFill>
                         <a:srgbClr val="FFFFFF"/>
                       </a:solidFill>
@@ -5567,7 +5810,7 @@
                       <a:headEnd type="none" w="med" len="med"/>
                       <a:tailEnd type="none" w="med" len="med"/>
                     </a:lnL>
-                    <a:lnR cmpd="sng" algn="ctr" cap="flat" w="0">
+                    <a:lnR w="0" cap="flat" cmpd="sng" algn="ctr">
                       <a:solidFill>
                         <a:srgbClr val="FFFFFF"/>
                       </a:solidFill>
@@ -5576,7 +5819,7 @@
                       <a:headEnd type="none" w="med" len="med"/>
                       <a:tailEnd type="none" w="med" len="med"/>
                     </a:lnR>
-                    <a:lnT cmpd="sng" algn="ctr" cap="flat" w="0">
+                    <a:lnT w="0" cap="flat" cmpd="sng" algn="ctr">
                       <a:solidFill>
                         <a:srgbClr val="FFFFFF"/>
                       </a:solidFill>
@@ -5585,7 +5828,7 @@
                       <a:headEnd type="none" w="med" len="med"/>
                       <a:tailEnd type="none" w="med" len="med"/>
                     </a:lnT>
-                    <a:lnB cmpd="sng" algn="ctr" cap="flat" w="0">
+                    <a:lnB w="0" cap="flat" cmpd="sng" algn="ctr">
                       <a:solidFill>
                         <a:srgbClr val="FFFFFF"/>
                       </a:solidFill>
@@ -5598,17 +5841,17 @@
                 </a:tc>
                 <a:tc>
                   <a:txBody>
-                    <a:bodyPr anchor="t" rtlCol="false"/>
+                    <a:bodyPr rtlCol="0"/>
                     <a:lstStyle/>
                     <a:p>
                       <a:pPr algn="ctr">
                         <a:lnSpc>
-                          <a:spcPts val="2796"/>
+                          <a:spcPts val="2795"/>
                         </a:lnSpc>
                         <a:defRPr/>
                       </a:pPr>
                       <a:r>
-                        <a:rPr lang="en-US" sz="1998">
+                        <a:rPr lang="en-US" sz="2000">
                           <a:solidFill>
                             <a:srgbClr val="FFFFFF"/>
                           </a:solidFill>
@@ -5622,8 +5865,8 @@
                       <a:endParaRPr lang="en-US" sz="1100"/>
                     </a:p>
                   </a:txBody>
-                  <a:tcPr marL="95179" marR="95179" marT="95179" marB="95179" anchor="ctr">
-                    <a:lnL cmpd="sng" algn="ctr" cap="flat" w="0">
+                  <a:tcPr marL="95179" marR="95179" marT="95179" marB="95179" anchor="t">
+                    <a:lnL w="0" cap="flat" cmpd="sng" algn="ctr">
                       <a:solidFill>
                         <a:srgbClr val="FFFFFF"/>
                       </a:solidFill>
@@ -5632,7 +5875,7 @@
                       <a:headEnd type="none" w="med" len="med"/>
                       <a:tailEnd type="none" w="med" len="med"/>
                     </a:lnL>
-                    <a:lnR cmpd="sng" algn="ctr" cap="flat" w="0">
+                    <a:lnR w="0" cap="flat" cmpd="sng" algn="ctr">
                       <a:solidFill>
                         <a:srgbClr val="FFFFFF"/>
                       </a:solidFill>
@@ -5641,7 +5884,7 @@
                       <a:headEnd type="none" w="med" len="med"/>
                       <a:tailEnd type="none" w="med" len="med"/>
                     </a:lnR>
-                    <a:lnT cmpd="sng" algn="ctr" cap="flat" w="0">
+                    <a:lnT w="0" cap="flat" cmpd="sng" algn="ctr">
                       <a:solidFill>
                         <a:srgbClr val="FFFFFF"/>
                       </a:solidFill>
@@ -5650,7 +5893,7 @@
                       <a:headEnd type="none" w="med" len="med"/>
                       <a:tailEnd type="none" w="med" len="med"/>
                     </a:lnT>
-                    <a:lnB cmpd="sng" algn="ctr" cap="flat" w="0">
+                    <a:lnB w="0" cap="flat" cmpd="sng" algn="ctr">
                       <a:solidFill>
                         <a:srgbClr val="FFFFFF"/>
                       </a:solidFill>
@@ -5665,17 +5908,17 @@
               <a:tr h="1954484">
                 <a:tc>
                   <a:txBody>
-                    <a:bodyPr anchor="t" rtlCol="false"/>
+                    <a:bodyPr rtlCol="0"/>
                     <a:lstStyle/>
                     <a:p>
                       <a:pPr algn="l">
                         <a:lnSpc>
-                          <a:spcPts val="1677"/>
+                          <a:spcPts val="1675"/>
                         </a:lnSpc>
                         <a:defRPr/>
                       </a:pPr>
                       <a:r>
-                        <a:rPr lang="en-US" sz="1199">
+                        <a:rPr lang="en-US" sz="1200">
                           <a:solidFill>
                             <a:srgbClr val="002A38"/>
                           </a:solidFill>
@@ -5689,8 +5932,8 @@
                       <a:endParaRPr lang="en-US" sz="1100"/>
                     </a:p>
                   </a:txBody>
-                  <a:tcPr marL="95179" marR="95179" marT="95179" marB="95179" anchor="ctr">
-                    <a:lnL cmpd="sng" algn="ctr" cap="flat" w="0">
+                  <a:tcPr marL="95179" marR="95179" marT="95179" marB="95179" anchor="t">
+                    <a:lnL w="0" cap="flat" cmpd="sng" algn="ctr">
                       <a:solidFill>
                         <a:srgbClr val="FFFFFF"/>
                       </a:solidFill>
@@ -5699,7 +5942,7 @@
                       <a:headEnd type="none" w="med" len="med"/>
                       <a:tailEnd type="none" w="med" len="med"/>
                     </a:lnL>
-                    <a:lnR cmpd="sng" algn="ctr" cap="flat" w="0">
+                    <a:lnR w="0" cap="flat" cmpd="sng" algn="ctr">
                       <a:solidFill>
                         <a:srgbClr val="FFFFFF"/>
                       </a:solidFill>
@@ -5708,7 +5951,7 @@
                       <a:headEnd type="none" w="med" len="med"/>
                       <a:tailEnd type="none" w="med" len="med"/>
                     </a:lnR>
-                    <a:lnT cmpd="sng" algn="ctr" cap="flat" w="0">
+                    <a:lnT w="0" cap="flat" cmpd="sng" algn="ctr">
                       <a:solidFill>
                         <a:srgbClr val="FFFFFF"/>
                       </a:solidFill>
@@ -5717,7 +5960,7 @@
                       <a:headEnd type="none" w="med" len="med"/>
                       <a:tailEnd type="none" w="med" len="med"/>
                     </a:lnT>
-                    <a:lnB cmpd="sng" algn="ctr" cap="flat" w="0">
+                    <a:lnB w="0" cap="flat" cmpd="sng" algn="ctr">
                       <a:solidFill>
                         <a:srgbClr val="FFFFFF"/>
                       </a:solidFill>
@@ -5733,17 +5976,17 @@
                 </a:tc>
                 <a:tc>
                   <a:txBody>
-                    <a:bodyPr anchor="t" rtlCol="false"/>
+                    <a:bodyPr rtlCol="0"/>
                     <a:lstStyle/>
                     <a:p>
                       <a:pPr algn="l">
                         <a:lnSpc>
-                          <a:spcPts val="1957"/>
+                          <a:spcPts val="1955"/>
                         </a:lnSpc>
                         <a:defRPr/>
                       </a:pPr>
                       <a:r>
-                        <a:rPr lang="en-US" sz="1199" b="true">
+                        <a:rPr lang="en-US" sz="1200" b="1">
                           <a:solidFill>
                             <a:srgbClr val="002A38"/>
                           </a:solidFill>
@@ -5757,8 +6000,8 @@
                       <a:endParaRPr lang="en-US" sz="1100"/>
                     </a:p>
                   </a:txBody>
-                  <a:tcPr marL="95179" marR="95179" marT="95179" marB="95179" anchor="ctr">
-                    <a:lnL cmpd="sng" algn="ctr" cap="flat" w="0">
+                  <a:tcPr marL="95179" marR="95179" marT="95179" marB="95179" anchor="t">
+                    <a:lnL w="0" cap="flat" cmpd="sng" algn="ctr">
                       <a:solidFill>
                         <a:srgbClr val="FFFFFF"/>
                       </a:solidFill>
@@ -5767,7 +6010,7 @@
                       <a:headEnd type="none" w="med" len="med"/>
                       <a:tailEnd type="none" w="med" len="med"/>
                     </a:lnL>
-                    <a:lnR cmpd="sng" algn="ctr" cap="flat" w="0">
+                    <a:lnR w="0" cap="flat" cmpd="sng" algn="ctr">
                       <a:solidFill>
                         <a:srgbClr val="FFFFFF"/>
                       </a:solidFill>
@@ -5776,7 +6019,7 @@
                       <a:headEnd type="none" w="med" len="med"/>
                       <a:tailEnd type="none" w="med" len="med"/>
                     </a:lnR>
-                    <a:lnT cmpd="sng" algn="ctr" cap="flat" w="0">
+                    <a:lnT w="0" cap="flat" cmpd="sng" algn="ctr">
                       <a:solidFill>
                         <a:srgbClr val="FFFFFF"/>
                       </a:solidFill>
@@ -5785,7 +6028,7 @@
                       <a:headEnd type="none" w="med" len="med"/>
                       <a:tailEnd type="none" w="med" len="med"/>
                     </a:lnT>
-                    <a:lnB cmpd="sng" algn="ctr" cap="flat" w="0">
+                    <a:lnB w="0" cap="flat" cmpd="sng" algn="ctr">
                       <a:solidFill>
                         <a:srgbClr val="FFFFFF"/>
                       </a:solidFill>
@@ -5801,17 +6044,17 @@
                 </a:tc>
                 <a:tc>
                   <a:txBody>
-                    <a:bodyPr anchor="t" rtlCol="false"/>
+                    <a:bodyPr rtlCol="0"/>
                     <a:lstStyle/>
                     <a:p>
                       <a:pPr algn="l">
                         <a:lnSpc>
-                          <a:spcPts val="1677"/>
+                          <a:spcPts val="1675"/>
                         </a:lnSpc>
                         <a:defRPr/>
                       </a:pPr>
                       <a:r>
-                        <a:rPr lang="en-US" sz="1199">
+                        <a:rPr lang="en-US" sz="1200">
                           <a:solidFill>
                             <a:srgbClr val="FFFFFF"/>
                           </a:solidFill>
@@ -5825,8 +6068,8 @@
                       <a:endParaRPr lang="en-US" sz="1100"/>
                     </a:p>
                   </a:txBody>
-                  <a:tcPr marL="95179" marR="95179" marT="95179" marB="95179" anchor="ctr">
-                    <a:lnL cmpd="sng" algn="ctr" cap="flat" w="0">
+                  <a:tcPr marL="95179" marR="95179" marT="95179" marB="95179" anchor="t">
+                    <a:lnL w="0" cap="flat" cmpd="sng" algn="ctr">
                       <a:solidFill>
                         <a:srgbClr val="FFFFFF"/>
                       </a:solidFill>
@@ -5835,7 +6078,7 @@
                       <a:headEnd type="none" w="med" len="med"/>
                       <a:tailEnd type="none" w="med" len="med"/>
                     </a:lnL>
-                    <a:lnR cmpd="sng" algn="ctr" cap="flat" w="0">
+                    <a:lnR w="0" cap="flat" cmpd="sng" algn="ctr">
                       <a:solidFill>
                         <a:srgbClr val="FFFFFF"/>
                       </a:solidFill>
@@ -5844,7 +6087,7 @@
                       <a:headEnd type="none" w="med" len="med"/>
                       <a:tailEnd type="none" w="med" len="med"/>
                     </a:lnR>
-                    <a:lnT cmpd="sng" algn="ctr" cap="flat" w="0">
+                    <a:lnT w="0" cap="flat" cmpd="sng" algn="ctr">
                       <a:solidFill>
                         <a:srgbClr val="FFFFFF"/>
                       </a:solidFill>
@@ -5853,7 +6096,7 @@
                       <a:headEnd type="none" w="med" len="med"/>
                       <a:tailEnd type="none" w="med" len="med"/>
                     </a:lnT>
-                    <a:lnB cmpd="sng" algn="ctr" cap="flat" w="0">
+                    <a:lnB w="0" cap="flat" cmpd="sng" algn="ctr">
                       <a:solidFill>
                         <a:srgbClr val="FFFFFF"/>
                       </a:solidFill>
@@ -5869,17 +6112,17 @@
                 </a:tc>
                 <a:tc>
                   <a:txBody>
-                    <a:bodyPr anchor="t" rtlCol="false"/>
+                    <a:bodyPr rtlCol="0"/>
                     <a:lstStyle/>
                     <a:p>
                       <a:pPr algn="l">
                         <a:lnSpc>
-                          <a:spcPts val="1677"/>
+                          <a:spcPts val="1675"/>
                         </a:lnSpc>
                         <a:defRPr/>
                       </a:pPr>
                       <a:r>
-                        <a:rPr lang="en-US" sz="1199">
+                        <a:rPr lang="en-US" sz="1200">
                           <a:solidFill>
                             <a:srgbClr val="002A38"/>
                           </a:solidFill>
@@ -5893,8 +6136,8 @@
                       <a:endParaRPr lang="en-US" sz="1100"/>
                     </a:p>
                   </a:txBody>
-                  <a:tcPr marL="95179" marR="95179" marT="95179" marB="95179" anchor="ctr">
-                    <a:lnL cmpd="sng" algn="ctr" cap="flat" w="0">
+                  <a:tcPr marL="95179" marR="95179" marT="95179" marB="95179" anchor="t">
+                    <a:lnL w="0" cap="flat" cmpd="sng" algn="ctr">
                       <a:solidFill>
                         <a:srgbClr val="FFFFFF"/>
                       </a:solidFill>
@@ -5903,7 +6146,7 @@
                       <a:headEnd type="none" w="med" len="med"/>
                       <a:tailEnd type="none" w="med" len="med"/>
                     </a:lnL>
-                    <a:lnR cmpd="sng" algn="ctr" cap="flat" w="0">
+                    <a:lnR w="0" cap="flat" cmpd="sng" algn="ctr">
                       <a:solidFill>
                         <a:srgbClr val="FFFFFF"/>
                       </a:solidFill>
@@ -5912,7 +6155,7 @@
                       <a:headEnd type="none" w="med" len="med"/>
                       <a:tailEnd type="none" w="med" len="med"/>
                     </a:lnR>
-                    <a:lnT cmpd="sng" algn="ctr" cap="flat" w="0">
+                    <a:lnT w="0" cap="flat" cmpd="sng" algn="ctr">
                       <a:solidFill>
                         <a:srgbClr val="FFFFFF"/>
                       </a:solidFill>
@@ -5921,7 +6164,7 @@
                       <a:headEnd type="none" w="med" len="med"/>
                       <a:tailEnd type="none" w="med" len="med"/>
                     </a:lnT>
-                    <a:lnB cmpd="sng" algn="ctr" cap="flat" w="0">
+                    <a:lnB w="0" cap="flat" cmpd="sng" algn="ctr">
                       <a:solidFill>
                         <a:srgbClr val="FFFFFF"/>
                       </a:solidFill>
@@ -5937,17 +6180,17 @@
                 </a:tc>
                 <a:tc>
                   <a:txBody>
-                    <a:bodyPr anchor="t" rtlCol="false"/>
+                    <a:bodyPr rtlCol="0"/>
                     <a:lstStyle/>
                     <a:p>
                       <a:pPr algn="l">
                         <a:lnSpc>
-                          <a:spcPts val="1677"/>
+                          <a:spcPts val="1675"/>
                         </a:lnSpc>
                         <a:defRPr/>
                       </a:pPr>
                       <a:r>
-                        <a:rPr lang="en-US" sz="1199" b="true">
+                        <a:rPr lang="en-US" sz="1200" b="1">
                           <a:solidFill>
                             <a:srgbClr val="002A38"/>
                           </a:solidFill>
@@ -5961,8 +6204,8 @@
                       <a:endParaRPr lang="en-US" sz="1100"/>
                     </a:p>
                   </a:txBody>
-                  <a:tcPr marL="95179" marR="95179" marT="95179" marB="95179" anchor="ctr">
-                    <a:lnL cmpd="sng" algn="ctr" cap="flat" w="0">
+                  <a:tcPr marL="95179" marR="95179" marT="95179" marB="95179" anchor="t">
+                    <a:lnL w="0" cap="flat" cmpd="sng" algn="ctr">
                       <a:solidFill>
                         <a:srgbClr val="FFFFFF"/>
                       </a:solidFill>
@@ -5971,7 +6214,7 @@
                       <a:headEnd type="none" w="med" len="med"/>
                       <a:tailEnd type="none" w="med" len="med"/>
                     </a:lnL>
-                    <a:lnR cmpd="sng" algn="ctr" cap="flat" w="0">
+                    <a:lnR w="0" cap="flat" cmpd="sng" algn="ctr">
                       <a:solidFill>
                         <a:srgbClr val="FFFFFF"/>
                       </a:solidFill>
@@ -5980,7 +6223,7 @@
                       <a:headEnd type="none" w="med" len="med"/>
                       <a:tailEnd type="none" w="med" len="med"/>
                     </a:lnR>
-                    <a:lnT cmpd="sng" algn="ctr" cap="flat" w="0">
+                    <a:lnT w="0" cap="flat" cmpd="sng" algn="ctr">
                       <a:solidFill>
                         <a:srgbClr val="FFFFFF"/>
                       </a:solidFill>
@@ -5989,7 +6232,7 @@
                       <a:headEnd type="none" w="med" len="med"/>
                       <a:tailEnd type="none" w="med" len="med"/>
                     </a:lnT>
-                    <a:lnB cmpd="sng" algn="ctr" cap="flat" w="0">
+                    <a:lnB w="0" cap="flat" cmpd="sng" algn="ctr">
                       <a:solidFill>
                         <a:srgbClr val="FFFFFF"/>
                       </a:solidFill>
@@ -6005,17 +6248,17 @@
                 </a:tc>
                 <a:tc>
                   <a:txBody>
-                    <a:bodyPr anchor="t" rtlCol="false"/>
+                    <a:bodyPr rtlCol="0"/>
                     <a:lstStyle/>
                     <a:p>
                       <a:pPr algn="l">
                         <a:lnSpc>
-                          <a:spcPts val="1677"/>
+                          <a:spcPts val="1675"/>
                         </a:lnSpc>
                         <a:defRPr/>
                       </a:pPr>
                       <a:r>
-                        <a:rPr lang="en-US" sz="1397" b="true">
+                        <a:rPr lang="en-US" sz="1395" b="1">
                           <a:solidFill>
                             <a:srgbClr val="002A38"/>
                           </a:solidFill>
@@ -6029,8 +6272,8 @@
                       <a:endParaRPr lang="en-US" sz="1100"/>
                     </a:p>
                   </a:txBody>
-                  <a:tcPr marL="95179" marR="95179" marT="95179" marB="95179" anchor="ctr">
-                    <a:lnL cmpd="sng" algn="ctr" cap="flat" w="0">
+                  <a:tcPr marL="95179" marR="95179" marT="95179" marB="95179" anchor="t">
+                    <a:lnL w="0" cap="flat" cmpd="sng" algn="ctr">
                       <a:solidFill>
                         <a:srgbClr val="FFFFFF"/>
                       </a:solidFill>
@@ -6039,7 +6282,7 @@
                       <a:headEnd type="none" w="med" len="med"/>
                       <a:tailEnd type="none" w="med" len="med"/>
                     </a:lnL>
-                    <a:lnR cmpd="sng" algn="ctr" cap="flat" w="0">
+                    <a:lnR w="0" cap="flat" cmpd="sng" algn="ctr">
                       <a:solidFill>
                         <a:srgbClr val="FFFFFF"/>
                       </a:solidFill>
@@ -6048,7 +6291,7 @@
                       <a:headEnd type="none" w="med" len="med"/>
                       <a:tailEnd type="none" w="med" len="med"/>
                     </a:lnR>
-                    <a:lnT cmpd="sng" algn="ctr" cap="flat" w="0">
+                    <a:lnT w="0" cap="flat" cmpd="sng" algn="ctr">
                       <a:solidFill>
                         <a:srgbClr val="FFFFFF"/>
                       </a:solidFill>
@@ -6057,7 +6300,7 @@
                       <a:headEnd type="none" w="med" len="med"/>
                       <a:tailEnd type="none" w="med" len="med"/>
                     </a:lnT>
-                    <a:lnB cmpd="sng" algn="ctr" cap="flat" w="0">
+                    <a:lnB w="0" cap="flat" cmpd="sng" algn="ctr">
                       <a:solidFill>
                         <a:srgbClr val="FFFFFF"/>
                       </a:solidFill>
@@ -6073,17 +6316,17 @@
                 </a:tc>
                 <a:tc>
                   <a:txBody>
-                    <a:bodyPr anchor="t" rtlCol="false"/>
+                    <a:bodyPr rtlCol="0"/>
                     <a:lstStyle/>
                     <a:p>
                       <a:pPr algn="l">
                         <a:lnSpc>
-                          <a:spcPts val="1677"/>
+                          <a:spcPts val="1675"/>
                         </a:lnSpc>
                         <a:defRPr/>
                       </a:pPr>
                       <a:r>
-                        <a:rPr lang="en-US" sz="1199">
+                        <a:rPr lang="en-US" sz="1200">
                           <a:solidFill>
                             <a:srgbClr val="002A38"/>
                           </a:solidFill>
@@ -6097,8 +6340,8 @@
                       <a:endParaRPr lang="en-US" sz="1100"/>
                     </a:p>
                   </a:txBody>
-                  <a:tcPr marL="95179" marR="95179" marT="95179" marB="95179" anchor="ctr">
-                    <a:lnL cmpd="sng" algn="ctr" cap="flat" w="0">
+                  <a:tcPr marL="95179" marR="95179" marT="95179" marB="95179" anchor="t">
+                    <a:lnL w="0" cap="flat" cmpd="sng" algn="ctr">
                       <a:solidFill>
                         <a:srgbClr val="FFFFFF"/>
                       </a:solidFill>
@@ -6107,7 +6350,7 @@
                       <a:headEnd type="none" w="med" len="med"/>
                       <a:tailEnd type="none" w="med" len="med"/>
                     </a:lnL>
-                    <a:lnR cmpd="sng" algn="ctr" cap="flat" w="0">
+                    <a:lnR w="0" cap="flat" cmpd="sng" algn="ctr">
                       <a:solidFill>
                         <a:srgbClr val="FFFFFF"/>
                       </a:solidFill>
@@ -6116,7 +6359,7 @@
                       <a:headEnd type="none" w="med" len="med"/>
                       <a:tailEnd type="none" w="med" len="med"/>
                     </a:lnR>
-                    <a:lnT cmpd="sng" algn="ctr" cap="flat" w="0">
+                    <a:lnT w="0" cap="flat" cmpd="sng" algn="ctr">
                       <a:solidFill>
                         <a:srgbClr val="FFFFFF"/>
                       </a:solidFill>
@@ -6125,7 +6368,7 @@
                       <a:headEnd type="none" w="med" len="med"/>
                       <a:tailEnd type="none" w="med" len="med"/>
                     </a:lnT>
-                    <a:lnB cmpd="sng" algn="ctr" cap="flat" w="0">
+                    <a:lnB w="0" cap="flat" cmpd="sng" algn="ctr">
                       <a:solidFill>
                         <a:srgbClr val="FFFFFF"/>
                       </a:solidFill>
@@ -6143,17 +6386,17 @@
               <a:tr h="1862657">
                 <a:tc>
                   <a:txBody>
-                    <a:bodyPr anchor="t" rtlCol="false"/>
+                    <a:bodyPr rtlCol="0"/>
                     <a:lstStyle/>
                     <a:p>
                       <a:pPr algn="l">
                         <a:lnSpc>
-                          <a:spcPts val="1677"/>
+                          <a:spcPts val="1675"/>
                         </a:lnSpc>
                         <a:defRPr/>
                       </a:pPr>
                       <a:r>
-                        <a:rPr lang="en-US" sz="1199">
+                        <a:rPr lang="en-US" sz="1200">
                           <a:solidFill>
                             <a:srgbClr val="002A38"/>
                           </a:solidFill>
@@ -6167,8 +6410,8 @@
                       <a:endParaRPr lang="en-US" sz="1100"/>
                     </a:p>
                   </a:txBody>
-                  <a:tcPr marL="95179" marR="95179" marT="95179" marB="95179" anchor="ctr">
-                    <a:lnL cmpd="sng" algn="ctr" cap="flat" w="0">
+                  <a:tcPr marL="95179" marR="95179" marT="95179" marB="95179" anchor="t">
+                    <a:lnL w="0" cap="flat" cmpd="sng" algn="ctr">
                       <a:solidFill>
                         <a:srgbClr val="FFFFFF"/>
                       </a:solidFill>
@@ -6177,7 +6420,7 @@
                       <a:headEnd type="none" w="med" len="med"/>
                       <a:tailEnd type="none" w="med" len="med"/>
                     </a:lnL>
-                    <a:lnR cmpd="sng" algn="ctr" cap="flat" w="0">
+                    <a:lnR w="0" cap="flat" cmpd="sng" algn="ctr">
                       <a:solidFill>
                         <a:srgbClr val="FFFFFF"/>
                       </a:solidFill>
@@ -6186,7 +6429,7 @@
                       <a:headEnd type="none" w="med" len="med"/>
                       <a:tailEnd type="none" w="med" len="med"/>
                     </a:lnR>
-                    <a:lnT cmpd="sng" algn="ctr" cap="flat" w="0">
+                    <a:lnT w="0" cap="flat" cmpd="sng" algn="ctr">
                       <a:solidFill>
                         <a:srgbClr val="FFFFFF"/>
                       </a:solidFill>
@@ -6195,7 +6438,7 @@
                       <a:headEnd type="none" w="med" len="med"/>
                       <a:tailEnd type="none" w="med" len="med"/>
                     </a:lnT>
-                    <a:lnB cmpd="sng" algn="ctr" cap="flat" w="0">
+                    <a:lnB w="0" cap="flat" cmpd="sng" algn="ctr">
                       <a:solidFill>
                         <a:srgbClr val="FFFFFF"/>
                       </a:solidFill>
@@ -6211,17 +6454,17 @@
                 </a:tc>
                 <a:tc>
                   <a:txBody>
-                    <a:bodyPr anchor="t" rtlCol="false"/>
+                    <a:bodyPr rtlCol="0"/>
                     <a:lstStyle/>
                     <a:p>
                       <a:pPr algn="l">
                         <a:lnSpc>
-                          <a:spcPts val="1677"/>
+                          <a:spcPts val="1675"/>
                         </a:lnSpc>
                         <a:defRPr/>
                       </a:pPr>
                       <a:r>
-                        <a:rPr lang="en-US" sz="1199" b="true">
+                        <a:rPr lang="en-US" sz="1200" b="1">
                           <a:solidFill>
                             <a:srgbClr val="002A38"/>
                           </a:solidFill>
@@ -6235,8 +6478,8 @@
                       <a:endParaRPr lang="en-US" sz="1100"/>
                     </a:p>
                   </a:txBody>
-                  <a:tcPr marL="95179" marR="95179" marT="95179" marB="95179" anchor="ctr">
-                    <a:lnL cmpd="sng" algn="ctr" cap="flat" w="0">
+                  <a:tcPr marL="95179" marR="95179" marT="95179" marB="95179" anchor="t">
+                    <a:lnL w="0" cap="flat" cmpd="sng" algn="ctr">
                       <a:solidFill>
                         <a:srgbClr val="FFFFFF"/>
                       </a:solidFill>
@@ -6245,7 +6488,7 @@
                       <a:headEnd type="none" w="med" len="med"/>
                       <a:tailEnd type="none" w="med" len="med"/>
                     </a:lnL>
-                    <a:lnR cmpd="sng" algn="ctr" cap="flat" w="0">
+                    <a:lnR w="0" cap="flat" cmpd="sng" algn="ctr">
                       <a:solidFill>
                         <a:srgbClr val="FFFFFF"/>
                       </a:solidFill>
@@ -6254,7 +6497,7 @@
                       <a:headEnd type="none" w="med" len="med"/>
                       <a:tailEnd type="none" w="med" len="med"/>
                     </a:lnR>
-                    <a:lnT cmpd="sng" algn="ctr" cap="flat" w="0">
+                    <a:lnT w="0" cap="flat" cmpd="sng" algn="ctr">
                       <a:solidFill>
                         <a:srgbClr val="FFFFFF"/>
                       </a:solidFill>
@@ -6263,7 +6506,7 @@
                       <a:headEnd type="none" w="med" len="med"/>
                       <a:tailEnd type="none" w="med" len="med"/>
                     </a:lnT>
-                    <a:lnB cmpd="sng" algn="ctr" cap="flat" w="0">
+                    <a:lnB w="0" cap="flat" cmpd="sng" algn="ctr">
                       <a:solidFill>
                         <a:srgbClr val="FFFFFF"/>
                       </a:solidFill>
@@ -6279,17 +6522,17 @@
                 </a:tc>
                 <a:tc>
                   <a:txBody>
-                    <a:bodyPr anchor="t" rtlCol="false"/>
+                    <a:bodyPr rtlCol="0"/>
                     <a:lstStyle/>
                     <a:p>
                       <a:pPr algn="l">
                         <a:lnSpc>
-                          <a:spcPts val="1677"/>
+                          <a:spcPts val="1675"/>
                         </a:lnSpc>
                         <a:defRPr/>
                       </a:pPr>
                       <a:r>
-                        <a:rPr lang="en-US" sz="1199">
+                        <a:rPr lang="en-US" sz="1200">
                           <a:solidFill>
                             <a:srgbClr val="FFFFFF"/>
                           </a:solidFill>
@@ -6303,8 +6546,8 @@
                       <a:endParaRPr lang="en-US" sz="1100"/>
                     </a:p>
                   </a:txBody>
-                  <a:tcPr marL="95179" marR="95179" marT="95179" marB="95179" anchor="ctr">
-                    <a:lnL cmpd="sng" algn="ctr" cap="flat" w="0">
+                  <a:tcPr marL="95179" marR="95179" marT="95179" marB="95179" anchor="t">
+                    <a:lnL w="0" cap="flat" cmpd="sng" algn="ctr">
                       <a:solidFill>
                         <a:srgbClr val="FFFFFF"/>
                       </a:solidFill>
@@ -6313,7 +6556,7 @@
                       <a:headEnd type="none" w="med" len="med"/>
                       <a:tailEnd type="none" w="med" len="med"/>
                     </a:lnL>
-                    <a:lnR cmpd="sng" algn="ctr" cap="flat" w="0">
+                    <a:lnR w="0" cap="flat" cmpd="sng" algn="ctr">
                       <a:solidFill>
                         <a:srgbClr val="FFFFFF"/>
                       </a:solidFill>
@@ -6322,7 +6565,7 @@
                       <a:headEnd type="none" w="med" len="med"/>
                       <a:tailEnd type="none" w="med" len="med"/>
                     </a:lnR>
-                    <a:lnT cmpd="sng" algn="ctr" cap="flat" w="0">
+                    <a:lnT w="0" cap="flat" cmpd="sng" algn="ctr">
                       <a:solidFill>
                         <a:srgbClr val="FFFFFF"/>
                       </a:solidFill>
@@ -6331,7 +6574,7 @@
                       <a:headEnd type="none" w="med" len="med"/>
                       <a:tailEnd type="none" w="med" len="med"/>
                     </a:lnT>
-                    <a:lnB cmpd="sng" algn="ctr" cap="flat" w="0">
+                    <a:lnB w="0" cap="flat" cmpd="sng" algn="ctr">
                       <a:solidFill>
                         <a:srgbClr val="FFFFFF"/>
                       </a:solidFill>
@@ -6347,17 +6590,17 @@
                 </a:tc>
                 <a:tc>
                   <a:txBody>
-                    <a:bodyPr anchor="t" rtlCol="false"/>
+                    <a:bodyPr rtlCol="0"/>
                     <a:lstStyle/>
                     <a:p>
                       <a:pPr algn="l">
                         <a:lnSpc>
-                          <a:spcPts val="1677"/>
+                          <a:spcPts val="1675"/>
                         </a:lnSpc>
                         <a:defRPr/>
                       </a:pPr>
                       <a:r>
-                        <a:rPr lang="en-US" sz="1199">
+                        <a:rPr lang="en-US" sz="1200">
                           <a:solidFill>
                             <a:srgbClr val="002A38"/>
                           </a:solidFill>
@@ -6371,8 +6614,8 @@
                       <a:endParaRPr lang="en-US" sz="1100"/>
                     </a:p>
                   </a:txBody>
-                  <a:tcPr marL="95179" marR="95179" marT="95179" marB="95179" anchor="ctr">
-                    <a:lnL cmpd="sng" algn="ctr" cap="flat" w="0">
+                  <a:tcPr marL="95179" marR="95179" marT="95179" marB="95179" anchor="t">
+                    <a:lnL w="0" cap="flat" cmpd="sng" algn="ctr">
                       <a:solidFill>
                         <a:srgbClr val="FFFFFF"/>
                       </a:solidFill>
@@ -6381,7 +6624,7 @@
                       <a:headEnd type="none" w="med" len="med"/>
                       <a:tailEnd type="none" w="med" len="med"/>
                     </a:lnL>
-                    <a:lnR cmpd="sng" algn="ctr" cap="flat" w="0">
+                    <a:lnR w="0" cap="flat" cmpd="sng" algn="ctr">
                       <a:solidFill>
                         <a:srgbClr val="FFFFFF"/>
                       </a:solidFill>
@@ -6390,7 +6633,7 @@
                       <a:headEnd type="none" w="med" len="med"/>
                       <a:tailEnd type="none" w="med" len="med"/>
                     </a:lnR>
-                    <a:lnT cmpd="sng" algn="ctr" cap="flat" w="0">
+                    <a:lnT w="0" cap="flat" cmpd="sng" algn="ctr">
                       <a:solidFill>
                         <a:srgbClr val="FFFFFF"/>
                       </a:solidFill>
@@ -6399,7 +6642,7 @@
                       <a:headEnd type="none" w="med" len="med"/>
                       <a:tailEnd type="none" w="med" len="med"/>
                     </a:lnT>
-                    <a:lnB cmpd="sng" algn="ctr" cap="flat" w="0">
+                    <a:lnB w="0" cap="flat" cmpd="sng" algn="ctr">
                       <a:solidFill>
                         <a:srgbClr val="FFFFFF"/>
                       </a:solidFill>
@@ -6415,17 +6658,17 @@
                 </a:tc>
                 <a:tc>
                   <a:txBody>
-                    <a:bodyPr anchor="t" rtlCol="false"/>
+                    <a:bodyPr rtlCol="0"/>
                     <a:lstStyle/>
                     <a:p>
                       <a:pPr algn="l">
                         <a:lnSpc>
-                          <a:spcPts val="1677"/>
+                          <a:spcPts val="1675"/>
                         </a:lnSpc>
                         <a:defRPr/>
                       </a:pPr>
                       <a:r>
-                        <a:rPr lang="en-US" sz="1199">
+                        <a:rPr lang="en-US" sz="1200">
                           <a:solidFill>
                             <a:srgbClr val="002A38"/>
                           </a:solidFill>
@@ -6439,8 +6682,8 @@
                       <a:endParaRPr lang="en-US" sz="1100"/>
                     </a:p>
                   </a:txBody>
-                  <a:tcPr marL="95179" marR="95179" marT="95179" marB="95179" anchor="ctr">
-                    <a:lnL cmpd="sng" algn="ctr" cap="flat" w="0">
+                  <a:tcPr marL="95179" marR="95179" marT="95179" marB="95179" anchor="t">
+                    <a:lnL w="0" cap="flat" cmpd="sng" algn="ctr">
                       <a:solidFill>
                         <a:srgbClr val="FFFFFF"/>
                       </a:solidFill>
@@ -6449,7 +6692,7 @@
                       <a:headEnd type="none" w="med" len="med"/>
                       <a:tailEnd type="none" w="med" len="med"/>
                     </a:lnL>
-                    <a:lnR cmpd="sng" algn="ctr" cap="flat" w="0">
+                    <a:lnR w="0" cap="flat" cmpd="sng" algn="ctr">
                       <a:solidFill>
                         <a:srgbClr val="FFFFFF"/>
                       </a:solidFill>
@@ -6458,7 +6701,7 @@
                       <a:headEnd type="none" w="med" len="med"/>
                       <a:tailEnd type="none" w="med" len="med"/>
                     </a:lnR>
-                    <a:lnT cmpd="sng" algn="ctr" cap="flat" w="0">
+                    <a:lnT w="0" cap="flat" cmpd="sng" algn="ctr">
                       <a:solidFill>
                         <a:srgbClr val="FFFFFF"/>
                       </a:solidFill>
@@ -6467,7 +6710,7 @@
                       <a:headEnd type="none" w="med" len="med"/>
                       <a:tailEnd type="none" w="med" len="med"/>
                     </a:lnT>
-                    <a:lnB cmpd="sng" algn="ctr" cap="flat" w="0">
+                    <a:lnB w="0" cap="flat" cmpd="sng" algn="ctr">
                       <a:solidFill>
                         <a:srgbClr val="FFFFFF"/>
                       </a:solidFill>
@@ -6483,17 +6726,17 @@
                 </a:tc>
                 <a:tc>
                   <a:txBody>
-                    <a:bodyPr anchor="t" rtlCol="false"/>
+                    <a:bodyPr rtlCol="0"/>
                     <a:lstStyle/>
                     <a:p>
                       <a:pPr algn="l">
                         <a:lnSpc>
-                          <a:spcPts val="1677"/>
+                          <a:spcPts val="1675"/>
                         </a:lnSpc>
                         <a:defRPr/>
                       </a:pPr>
                       <a:r>
-                        <a:rPr lang="en-US" sz="1199">
+                        <a:rPr lang="en-US" sz="1200">
                           <a:solidFill>
                             <a:srgbClr val="002A38"/>
                           </a:solidFill>
@@ -6507,8 +6750,8 @@
                       <a:endParaRPr lang="en-US" sz="1100"/>
                     </a:p>
                   </a:txBody>
-                  <a:tcPr marL="95179" marR="95179" marT="95179" marB="95179" anchor="ctr">
-                    <a:lnL cmpd="sng" algn="ctr" cap="flat" w="0">
+                  <a:tcPr marL="95179" marR="95179" marT="95179" marB="95179" anchor="t">
+                    <a:lnL w="0" cap="flat" cmpd="sng" algn="ctr">
                       <a:solidFill>
                         <a:srgbClr val="FFFFFF"/>
                       </a:solidFill>
@@ -6517,7 +6760,7 @@
                       <a:headEnd type="none" w="med" len="med"/>
                       <a:tailEnd type="none" w="med" len="med"/>
                     </a:lnL>
-                    <a:lnR cmpd="sng" algn="ctr" cap="flat" w="0">
+                    <a:lnR w="0" cap="flat" cmpd="sng" algn="ctr">
                       <a:solidFill>
                         <a:srgbClr val="FFFFFF"/>
                       </a:solidFill>
@@ -6526,7 +6769,7 @@
                       <a:headEnd type="none" w="med" len="med"/>
                       <a:tailEnd type="none" w="med" len="med"/>
                     </a:lnR>
-                    <a:lnT cmpd="sng" algn="ctr" cap="flat" w="0">
+                    <a:lnT w="0" cap="flat" cmpd="sng" algn="ctr">
                       <a:solidFill>
                         <a:srgbClr val="FFFFFF"/>
                       </a:solidFill>
@@ -6535,7 +6778,7 @@
                       <a:headEnd type="none" w="med" len="med"/>
                       <a:tailEnd type="none" w="med" len="med"/>
                     </a:lnT>
-                    <a:lnB cmpd="sng" algn="ctr" cap="flat" w="0">
+                    <a:lnB w="0" cap="flat" cmpd="sng" algn="ctr">
                       <a:solidFill>
                         <a:srgbClr val="FFFFFF"/>
                       </a:solidFill>
@@ -6551,17 +6794,17 @@
                 </a:tc>
                 <a:tc>
                   <a:txBody>
-                    <a:bodyPr anchor="t" rtlCol="false"/>
+                    <a:bodyPr rtlCol="0"/>
                     <a:lstStyle/>
                     <a:p>
                       <a:pPr algn="l">
                         <a:lnSpc>
-                          <a:spcPts val="1677"/>
+                          <a:spcPts val="1675"/>
                         </a:lnSpc>
                         <a:defRPr/>
                       </a:pPr>
                       <a:r>
-                        <a:rPr lang="en-US" sz="1199">
+                        <a:rPr lang="en-US" sz="1200">
                           <a:solidFill>
                             <a:srgbClr val="002A38"/>
                           </a:solidFill>
@@ -6575,8 +6818,8 @@
                       <a:endParaRPr lang="en-US" sz="1100"/>
                     </a:p>
                   </a:txBody>
-                  <a:tcPr marL="95179" marR="95179" marT="95179" marB="95179" anchor="ctr">
-                    <a:lnL cmpd="sng" algn="ctr" cap="flat" w="0">
+                  <a:tcPr marL="95179" marR="95179" marT="95179" marB="95179" anchor="t">
+                    <a:lnL w="0" cap="flat" cmpd="sng" algn="ctr">
                       <a:solidFill>
                         <a:srgbClr val="FFFFFF"/>
                       </a:solidFill>
@@ -6585,7 +6828,7 @@
                       <a:headEnd type="none" w="med" len="med"/>
                       <a:tailEnd type="none" w="med" len="med"/>
                     </a:lnL>
-                    <a:lnR cmpd="sng" algn="ctr" cap="flat" w="0">
+                    <a:lnR w="0" cap="flat" cmpd="sng" algn="ctr">
                       <a:solidFill>
                         <a:srgbClr val="FFFFFF"/>
                       </a:solidFill>
@@ -6594,7 +6837,7 @@
                       <a:headEnd type="none" w="med" len="med"/>
                       <a:tailEnd type="none" w="med" len="med"/>
                     </a:lnR>
-                    <a:lnT cmpd="sng" algn="ctr" cap="flat" w="0">
+                    <a:lnT w="0" cap="flat" cmpd="sng" algn="ctr">
                       <a:solidFill>
                         <a:srgbClr val="FFFFFF"/>
                       </a:solidFill>
@@ -6603,7 +6846,7 @@
                       <a:headEnd type="none" w="med" len="med"/>
                       <a:tailEnd type="none" w="med" len="med"/>
                     </a:lnT>
-                    <a:lnB cmpd="sng" algn="ctr" cap="flat" w="0">
+                    <a:lnB w="0" cap="flat" cmpd="sng" algn="ctr">
                       <a:solidFill>
                         <a:srgbClr val="FFFFFF"/>
                       </a:solidFill>
@@ -6621,17 +6864,17 @@
               <a:tr h="1803837">
                 <a:tc>
                   <a:txBody>
-                    <a:bodyPr anchor="t" rtlCol="false"/>
+                    <a:bodyPr rtlCol="0"/>
                     <a:lstStyle/>
                     <a:p>
                       <a:pPr algn="l">
                         <a:lnSpc>
-                          <a:spcPts val="1677"/>
+                          <a:spcPts val="1675"/>
                         </a:lnSpc>
                         <a:defRPr/>
                       </a:pPr>
                       <a:r>
-                        <a:rPr lang="en-US" sz="1199">
+                        <a:rPr lang="en-US" sz="1200">
                           <a:solidFill>
                             <a:srgbClr val="002A38"/>
                           </a:solidFill>
@@ -6645,8 +6888,8 @@
                       <a:endParaRPr lang="en-US" sz="1100"/>
                     </a:p>
                   </a:txBody>
-                  <a:tcPr marL="95179" marR="95179" marT="95179" marB="95179" anchor="ctr">
-                    <a:lnL cmpd="sng" algn="ctr" cap="flat" w="0">
+                  <a:tcPr marL="95179" marR="95179" marT="95179" marB="95179" anchor="t">
+                    <a:lnL w="0" cap="flat" cmpd="sng" algn="ctr">
                       <a:solidFill>
                         <a:srgbClr val="FFFFFF"/>
                       </a:solidFill>
@@ -6655,7 +6898,7 @@
                       <a:headEnd type="none" w="med" len="med"/>
                       <a:tailEnd type="none" w="med" len="med"/>
                     </a:lnL>
-                    <a:lnR cmpd="sng" algn="ctr" cap="flat" w="0">
+                    <a:lnR w="0" cap="flat" cmpd="sng" algn="ctr">
                       <a:solidFill>
                         <a:srgbClr val="FFFFFF"/>
                       </a:solidFill>
@@ -6664,7 +6907,7 @@
                       <a:headEnd type="none" w="med" len="med"/>
                       <a:tailEnd type="none" w="med" len="med"/>
                     </a:lnR>
-                    <a:lnT cmpd="sng" algn="ctr" cap="flat" w="0">
+                    <a:lnT w="0" cap="flat" cmpd="sng" algn="ctr">
                       <a:solidFill>
                         <a:srgbClr val="FFFFFF"/>
                       </a:solidFill>
@@ -6673,7 +6916,7 @@
                       <a:headEnd type="none" w="med" len="med"/>
                       <a:tailEnd type="none" w="med" len="med"/>
                     </a:lnT>
-                    <a:lnB cmpd="sng" algn="ctr" cap="flat" w="0">
+                    <a:lnB w="0" cap="flat" cmpd="sng" algn="ctr">
                       <a:solidFill>
                         <a:srgbClr val="FFFFFF"/>
                       </a:solidFill>
@@ -6689,17 +6932,17 @@
                 </a:tc>
                 <a:tc>
                   <a:txBody>
-                    <a:bodyPr anchor="t" rtlCol="false"/>
+                    <a:bodyPr rtlCol="0"/>
                     <a:lstStyle/>
                     <a:p>
                       <a:pPr algn="l">
                         <a:lnSpc>
-                          <a:spcPts val="1677"/>
+                          <a:spcPts val="1675"/>
                         </a:lnSpc>
                         <a:defRPr/>
                       </a:pPr>
                       <a:r>
-                        <a:rPr lang="en-US" sz="1199">
+                        <a:rPr lang="en-US" sz="1200">
                           <a:solidFill>
                             <a:srgbClr val="002A38"/>
                           </a:solidFill>
@@ -6713,8 +6956,8 @@
                       <a:endParaRPr lang="en-US" sz="1100"/>
                     </a:p>
                   </a:txBody>
-                  <a:tcPr marL="95179" marR="95179" marT="95179" marB="95179" anchor="ctr">
-                    <a:lnL cmpd="sng" algn="ctr" cap="flat" w="0">
+                  <a:tcPr marL="95179" marR="95179" marT="95179" marB="95179" anchor="t">
+                    <a:lnL w="0" cap="flat" cmpd="sng" algn="ctr">
                       <a:solidFill>
                         <a:srgbClr val="FFFFFF"/>
                       </a:solidFill>
@@ -6723,7 +6966,7 @@
                       <a:headEnd type="none" w="med" len="med"/>
                       <a:tailEnd type="none" w="med" len="med"/>
                     </a:lnL>
-                    <a:lnR cmpd="sng" algn="ctr" cap="flat" w="0">
+                    <a:lnR w="0" cap="flat" cmpd="sng" algn="ctr">
                       <a:solidFill>
                         <a:srgbClr val="FFFFFF"/>
                       </a:solidFill>
@@ -6732,7 +6975,7 @@
                       <a:headEnd type="none" w="med" len="med"/>
                       <a:tailEnd type="none" w="med" len="med"/>
                     </a:lnR>
-                    <a:lnT cmpd="sng" algn="ctr" cap="flat" w="0">
+                    <a:lnT w="0" cap="flat" cmpd="sng" algn="ctr">
                       <a:solidFill>
                         <a:srgbClr val="FFFFFF"/>
                       </a:solidFill>
@@ -6741,7 +6984,7 @@
                       <a:headEnd type="none" w="med" len="med"/>
                       <a:tailEnd type="none" w="med" len="med"/>
                     </a:lnT>
-                    <a:lnB cmpd="sng" algn="ctr" cap="flat" w="0">
+                    <a:lnB w="0" cap="flat" cmpd="sng" algn="ctr">
                       <a:solidFill>
                         <a:srgbClr val="FFFFFF"/>
                       </a:solidFill>
@@ -6757,17 +7000,17 @@
                 </a:tc>
                 <a:tc>
                   <a:txBody>
-                    <a:bodyPr anchor="t" rtlCol="false"/>
+                    <a:bodyPr rtlCol="0"/>
                     <a:lstStyle/>
                     <a:p>
                       <a:pPr algn="l">
                         <a:lnSpc>
-                          <a:spcPts val="1677"/>
+                          <a:spcPts val="1675"/>
                         </a:lnSpc>
                         <a:defRPr/>
                       </a:pPr>
                       <a:r>
-                        <a:rPr lang="en-US" sz="1199" b="true">
+                        <a:rPr lang="en-US" sz="1200" b="1">
                           <a:solidFill>
                             <a:srgbClr val="002A38"/>
                           </a:solidFill>
@@ -6781,8 +7024,8 @@
                       <a:endParaRPr lang="en-US" sz="1100"/>
                     </a:p>
                   </a:txBody>
-                  <a:tcPr marL="95179" marR="95179" marT="95179" marB="95179" anchor="ctr">
-                    <a:lnL cmpd="sng" algn="ctr" cap="flat" w="0">
+                  <a:tcPr marL="95179" marR="95179" marT="95179" marB="95179" anchor="t">
+                    <a:lnL w="0" cap="flat" cmpd="sng" algn="ctr">
                       <a:solidFill>
                         <a:srgbClr val="FFFFFF"/>
                       </a:solidFill>
@@ -6791,7 +7034,7 @@
                       <a:headEnd type="none" w="med" len="med"/>
                       <a:tailEnd type="none" w="med" len="med"/>
                     </a:lnL>
-                    <a:lnR cmpd="sng" algn="ctr" cap="flat" w="0">
+                    <a:lnR w="0" cap="flat" cmpd="sng" algn="ctr">
                       <a:solidFill>
                         <a:srgbClr val="FFFFFF"/>
                       </a:solidFill>
@@ -6800,7 +7043,7 @@
                       <a:headEnd type="none" w="med" len="med"/>
                       <a:tailEnd type="none" w="med" len="med"/>
                     </a:lnR>
-                    <a:lnT cmpd="sng" algn="ctr" cap="flat" w="0">
+                    <a:lnT w="0" cap="flat" cmpd="sng" algn="ctr">
                       <a:solidFill>
                         <a:srgbClr val="FFFFFF"/>
                       </a:solidFill>
@@ -6809,7 +7052,7 @@
                       <a:headEnd type="none" w="med" len="med"/>
                       <a:tailEnd type="none" w="med" len="med"/>
                     </a:lnT>
-                    <a:lnB cmpd="sng" algn="ctr" cap="flat" w="0">
+                    <a:lnB w="0" cap="flat" cmpd="sng" algn="ctr">
                       <a:solidFill>
                         <a:srgbClr val="FFFFFF"/>
                       </a:solidFill>
@@ -6825,17 +7068,17 @@
                 </a:tc>
                 <a:tc>
                   <a:txBody>
-                    <a:bodyPr anchor="t" rtlCol="false"/>
+                    <a:bodyPr rtlCol="0"/>
                     <a:lstStyle/>
                     <a:p>
                       <a:pPr algn="l">
                         <a:lnSpc>
-                          <a:spcPts val="1677"/>
+                          <a:spcPts val="1675"/>
                         </a:lnSpc>
                         <a:defRPr/>
                       </a:pPr>
                       <a:r>
-                        <a:rPr lang="en-US" sz="1199">
+                        <a:rPr lang="en-US" sz="1200">
                           <a:solidFill>
                             <a:srgbClr val="002A38"/>
                           </a:solidFill>
@@ -6849,8 +7092,8 @@
                       <a:endParaRPr lang="en-US" sz="1100"/>
                     </a:p>
                   </a:txBody>
-                  <a:tcPr marL="95179" marR="95179" marT="95179" marB="95179" anchor="ctr">
-                    <a:lnL cmpd="sng" algn="ctr" cap="flat" w="0">
+                  <a:tcPr marL="95179" marR="95179" marT="95179" marB="95179" anchor="t">
+                    <a:lnL w="0" cap="flat" cmpd="sng" algn="ctr">
                       <a:solidFill>
                         <a:srgbClr val="FFFFFF"/>
                       </a:solidFill>
@@ -6859,7 +7102,7 @@
                       <a:headEnd type="none" w="med" len="med"/>
                       <a:tailEnd type="none" w="med" len="med"/>
                     </a:lnL>
-                    <a:lnR cmpd="sng" algn="ctr" cap="flat" w="0">
+                    <a:lnR w="0" cap="flat" cmpd="sng" algn="ctr">
                       <a:solidFill>
                         <a:srgbClr val="FFFFFF"/>
                       </a:solidFill>
@@ -6868,7 +7111,7 @@
                       <a:headEnd type="none" w="med" len="med"/>
                       <a:tailEnd type="none" w="med" len="med"/>
                     </a:lnR>
-                    <a:lnT cmpd="sng" algn="ctr" cap="flat" w="0">
+                    <a:lnT w="0" cap="flat" cmpd="sng" algn="ctr">
                       <a:solidFill>
                         <a:srgbClr val="FFFFFF"/>
                       </a:solidFill>
@@ -6877,7 +7120,7 @@
                       <a:headEnd type="none" w="med" len="med"/>
                       <a:tailEnd type="none" w="med" len="med"/>
                     </a:lnT>
-                    <a:lnB cmpd="sng" algn="ctr" cap="flat" w="0">
+                    <a:lnB w="0" cap="flat" cmpd="sng" algn="ctr">
                       <a:solidFill>
                         <a:srgbClr val="FFFFFF"/>
                       </a:solidFill>
@@ -6893,17 +7136,17 @@
                 </a:tc>
                 <a:tc>
                   <a:txBody>
-                    <a:bodyPr anchor="t" rtlCol="false"/>
+                    <a:bodyPr rtlCol="0"/>
                     <a:lstStyle/>
                     <a:p>
                       <a:pPr algn="l">
                         <a:lnSpc>
-                          <a:spcPts val="1677"/>
+                          <a:spcPts val="1675"/>
                         </a:lnSpc>
                         <a:defRPr/>
                       </a:pPr>
                       <a:r>
-                        <a:rPr lang="en-US" sz="1199">
+                        <a:rPr lang="en-US" sz="1200">
                           <a:solidFill>
                             <a:srgbClr val="002A38"/>
                           </a:solidFill>
@@ -6917,8 +7160,8 @@
                       <a:endParaRPr lang="en-US" sz="1100"/>
                     </a:p>
                   </a:txBody>
-                  <a:tcPr marL="95179" marR="95179" marT="95179" marB="95179" anchor="ctr">
-                    <a:lnL cmpd="sng" algn="ctr" cap="flat" w="0">
+                  <a:tcPr marL="95179" marR="95179" marT="95179" marB="95179" anchor="t">
+                    <a:lnL w="0" cap="flat" cmpd="sng" algn="ctr">
                       <a:solidFill>
                         <a:srgbClr val="FFFFFF"/>
                       </a:solidFill>
@@ -6927,7 +7170,7 @@
                       <a:headEnd type="none" w="med" len="med"/>
                       <a:tailEnd type="none" w="med" len="med"/>
                     </a:lnL>
-                    <a:lnR cmpd="sng" algn="ctr" cap="flat" w="0">
+                    <a:lnR w="0" cap="flat" cmpd="sng" algn="ctr">
                       <a:solidFill>
                         <a:srgbClr val="FFFFFF"/>
                       </a:solidFill>
@@ -6936,7 +7179,7 @@
                       <a:headEnd type="none" w="med" len="med"/>
                       <a:tailEnd type="none" w="med" len="med"/>
                     </a:lnR>
-                    <a:lnT cmpd="sng" algn="ctr" cap="flat" w="0">
+                    <a:lnT w="0" cap="flat" cmpd="sng" algn="ctr">
                       <a:solidFill>
                         <a:srgbClr val="FFFFFF"/>
                       </a:solidFill>
@@ -6945,7 +7188,7 @@
                       <a:headEnd type="none" w="med" len="med"/>
                       <a:tailEnd type="none" w="med" len="med"/>
                     </a:lnT>
-                    <a:lnB cmpd="sng" algn="ctr" cap="flat" w="0">
+                    <a:lnB w="0" cap="flat" cmpd="sng" algn="ctr">
                       <a:solidFill>
                         <a:srgbClr val="FFFFFF"/>
                       </a:solidFill>
@@ -6961,17 +7204,17 @@
                 </a:tc>
                 <a:tc>
                   <a:txBody>
-                    <a:bodyPr anchor="t" rtlCol="false"/>
+                    <a:bodyPr rtlCol="0"/>
                     <a:lstStyle/>
                     <a:p>
                       <a:pPr algn="l">
                         <a:lnSpc>
-                          <a:spcPts val="1677"/>
+                          <a:spcPts val="1675"/>
                         </a:lnSpc>
                         <a:defRPr/>
                       </a:pPr>
                       <a:r>
-                        <a:rPr lang="en-US" sz="1199">
+                        <a:rPr lang="en-US" sz="1200">
                           <a:solidFill>
                             <a:srgbClr val="002A38"/>
                           </a:solidFill>
@@ -6985,8 +7228,8 @@
                       <a:endParaRPr lang="en-US" sz="1100"/>
                     </a:p>
                   </a:txBody>
-                  <a:tcPr marL="95179" marR="95179" marT="95179" marB="95179" anchor="ctr">
-                    <a:lnL cmpd="sng" algn="ctr" cap="flat" w="0">
+                  <a:tcPr marL="95179" marR="95179" marT="95179" marB="95179" anchor="t">
+                    <a:lnL w="0" cap="flat" cmpd="sng" algn="ctr">
                       <a:solidFill>
                         <a:srgbClr val="FFFFFF"/>
                       </a:solidFill>
@@ -6995,7 +7238,7 @@
                       <a:headEnd type="none" w="med" len="med"/>
                       <a:tailEnd type="none" w="med" len="med"/>
                     </a:lnL>
-                    <a:lnR cmpd="sng" algn="ctr" cap="flat" w="0">
+                    <a:lnR w="0" cap="flat" cmpd="sng" algn="ctr">
                       <a:solidFill>
                         <a:srgbClr val="FFFFFF"/>
                       </a:solidFill>
@@ -7004,7 +7247,7 @@
                       <a:headEnd type="none" w="med" len="med"/>
                       <a:tailEnd type="none" w="med" len="med"/>
                     </a:lnR>
-                    <a:lnT cmpd="sng" algn="ctr" cap="flat" w="0">
+                    <a:lnT w="0" cap="flat" cmpd="sng" algn="ctr">
                       <a:solidFill>
                         <a:srgbClr val="FFFFFF"/>
                       </a:solidFill>
@@ -7013,7 +7256,7 @@
                       <a:headEnd type="none" w="med" len="med"/>
                       <a:tailEnd type="none" w="med" len="med"/>
                     </a:lnT>
-                    <a:lnB cmpd="sng" algn="ctr" cap="flat" w="0">
+                    <a:lnB w="0" cap="flat" cmpd="sng" algn="ctr">
                       <a:solidFill>
                         <a:srgbClr val="FFFFFF"/>
                       </a:solidFill>
@@ -7029,17 +7272,17 @@
                 </a:tc>
                 <a:tc>
                   <a:txBody>
-                    <a:bodyPr anchor="t" rtlCol="false"/>
+                    <a:bodyPr rtlCol="0"/>
                     <a:lstStyle/>
                     <a:p>
                       <a:pPr algn="l">
                         <a:lnSpc>
-                          <a:spcPts val="1677"/>
+                          <a:spcPts val="1675"/>
                         </a:lnSpc>
                         <a:defRPr/>
                       </a:pPr>
                       <a:r>
-                        <a:rPr lang="en-US" sz="1199">
+                        <a:rPr lang="en-US" sz="1200">
                           <a:solidFill>
                             <a:srgbClr val="002A38"/>
                           </a:solidFill>
@@ -7053,8 +7296,8 @@
                       <a:endParaRPr lang="en-US" sz="1100"/>
                     </a:p>
                   </a:txBody>
-                  <a:tcPr marL="95179" marR="95179" marT="95179" marB="95179" anchor="ctr">
-                    <a:lnL cmpd="sng" algn="ctr" cap="flat" w="0">
+                  <a:tcPr marL="95179" marR="95179" marT="95179" marB="95179" anchor="t">
+                    <a:lnL w="0" cap="flat" cmpd="sng" algn="ctr">
                       <a:solidFill>
                         <a:srgbClr val="FFFFFF"/>
                       </a:solidFill>
@@ -7063,7 +7306,7 @@
                       <a:headEnd type="none" w="med" len="med"/>
                       <a:tailEnd type="none" w="med" len="med"/>
                     </a:lnL>
-                    <a:lnR cmpd="sng" algn="ctr" cap="flat" w="0">
+                    <a:lnR w="0" cap="flat" cmpd="sng" algn="ctr">
                       <a:solidFill>
                         <a:srgbClr val="FFFFFF"/>
                       </a:solidFill>
@@ -7072,7 +7315,7 @@
                       <a:headEnd type="none" w="med" len="med"/>
                       <a:tailEnd type="none" w="med" len="med"/>
                     </a:lnR>
-                    <a:lnT cmpd="sng" algn="ctr" cap="flat" w="0">
+                    <a:lnT w="0" cap="flat" cmpd="sng" algn="ctr">
                       <a:solidFill>
                         <a:srgbClr val="FFFFFF"/>
                       </a:solidFill>
@@ -7081,7 +7324,7 @@
                       <a:headEnd type="none" w="med" len="med"/>
                       <a:tailEnd type="none" w="med" len="med"/>
                     </a:lnT>
-                    <a:lnB cmpd="sng" algn="ctr" cap="flat" w="0">
+                    <a:lnB w="0" cap="flat" cmpd="sng" algn="ctr">
                       <a:solidFill>
                         <a:srgbClr val="FFFFFF"/>
                       </a:solidFill>
@@ -7102,12 +7345,12 @@
       </p:graphicFrame>
       <p:sp>
         <p:nvSpPr>
-          <p:cNvPr name="Freeform 5" id="5"/>
+          <p:cNvPr id="5" name="Freeform 5"/>
           <p:cNvSpPr/>
           <p:nvPr/>
         </p:nvSpPr>
         <p:spPr>
-          <a:xfrm flipH="false" flipV="false" rot="0">
+          <a:xfrm>
             <a:off x="842798" y="9581450"/>
             <a:ext cx="359589" cy="447493"/>
           </a:xfrm>
@@ -7116,9 +7359,9 @@
             <a:gdLst/>
             <a:ahLst/>
             <a:cxnLst/>
-            <a:rect r="r" b="b" t="t" l="l"/>
+            <a:rect l="l" t="t" r="r" b="b"/>
             <a:pathLst>
-              <a:path h="447493" w="359589">
+              <a:path w="359589" h="447493">
                 <a:moveTo>
                   <a:pt x="0" y="0"/>
                 </a:moveTo>
@@ -7139,22 +7382,22 @@
             </a:pathLst>
           </a:custGeom>
           <a:blipFill>
-            <a:blip r:embed="rId2">
+            <a:blip r:embed="rId1">
               <a:extLst>
                 <a:ext uri="{96DAC541-7B7A-43D3-8B79-37D633B846F1}">
-                  <asvg:svgBlip xmlns:asvg="http://schemas.microsoft.com/office/drawing/2016/SVG/main" r:embed="rId3"/>
+                  <asvg:svgBlip xmlns:asvg="http://schemas.microsoft.com/office/drawing/2016/SVG/main" r:embed="rId2"/>
                 </a:ext>
               </a:extLst>
             </a:blip>
             <a:stretch>
-              <a:fillRect l="0" t="-751" r="0" b="-751"/>
+              <a:fillRect t="-751" b="-751"/>
             </a:stretch>
           </a:blipFill>
         </p:spPr>
       </p:sp>
       <p:grpSp>
         <p:nvGrpSpPr>
-          <p:cNvPr name="Group 6" id="6"/>
+          <p:cNvPr id="6" name="Group 6"/>
           <p:cNvGrpSpPr/>
           <p:nvPr/>
         </p:nvGrpSpPr>
@@ -7168,12 +7411,12 @@
         </p:grpSpPr>
         <p:sp>
           <p:nvSpPr>
-            <p:cNvPr name="Freeform 7" id="7"/>
+            <p:cNvPr id="7" name="Freeform 7"/>
             <p:cNvSpPr/>
             <p:nvPr/>
           </p:nvSpPr>
           <p:spPr>
-            <a:xfrm flipH="false" flipV="false" rot="0">
+            <a:xfrm>
               <a:off x="0" y="0"/>
               <a:ext cx="479425" cy="479425"/>
             </a:xfrm>
@@ -7182,9 +7425,9 @@
               <a:gdLst/>
               <a:ahLst/>
               <a:cxnLst/>
-              <a:rect r="r" b="b" t="t" l="l"/>
+              <a:rect l="l" t="t" r="r" b="b"/>
               <a:pathLst>
-                <a:path h="479425" w="479425">
+                <a:path w="479425" h="479425">
                   <a:moveTo>
                     <a:pt x="0" y="0"/>
                   </a:moveTo>
@@ -7205,9 +7448,9 @@
               </a:pathLst>
             </a:custGeom>
             <a:blipFill>
-              <a:blip r:embed="rId4"/>
+              <a:blip r:embed="rId3"/>
               <a:stretch>
-                <a:fillRect l="0" t="0" r="-5" b="-5"/>
+                <a:fillRect r="-5" b="-5"/>
               </a:stretch>
             </a:blipFill>
           </p:spPr>
@@ -7215,7 +7458,7 @@
       </p:grpSp>
       <p:grpSp>
         <p:nvGrpSpPr>
-          <p:cNvPr name="Group 8" id="8"/>
+          <p:cNvPr id="8" name="Group 8"/>
           <p:cNvGrpSpPr/>
           <p:nvPr/>
         </p:nvGrpSpPr>
@@ -7229,12 +7472,12 @@
         </p:grpSpPr>
         <p:sp>
           <p:nvSpPr>
-            <p:cNvPr name="Freeform 9" id="9"/>
+            <p:cNvPr id="9" name="Freeform 9"/>
             <p:cNvSpPr/>
             <p:nvPr/>
           </p:nvSpPr>
           <p:spPr>
-            <a:xfrm flipH="false" flipV="false" rot="0">
+            <a:xfrm>
               <a:off x="0" y="0"/>
               <a:ext cx="12442571" cy="25400"/>
             </a:xfrm>
@@ -7243,9 +7486,9 @@
               <a:gdLst/>
               <a:ahLst/>
               <a:cxnLst/>
-              <a:rect r="r" b="b" t="t" l="l"/>
+              <a:rect l="l" t="t" r="r" b="b"/>
               <a:pathLst>
-                <a:path h="25400" w="12442571">
+                <a:path w="12442571" h="25400">
                   <a:moveTo>
                     <a:pt x="12700" y="0"/>
                   </a:moveTo>
@@ -7287,12 +7530,12 @@
       </p:grpSp>
       <p:sp>
         <p:nvSpPr>
-          <p:cNvPr name="TextBox 10" id="10"/>
-          <p:cNvSpPr txBox="true"/>
+          <p:cNvPr id="10" name="TextBox 10"/>
+          <p:cNvSpPr txBox="1"/>
           <p:nvPr/>
         </p:nvSpPr>
         <p:spPr>
-          <a:xfrm rot="0">
+          <a:xfrm>
             <a:off x="1491286" y="1820017"/>
             <a:ext cx="7296809" cy="673081"/>
           </a:xfrm>
@@ -7301,51 +7544,60 @@
           </a:prstGeom>
         </p:spPr>
         <p:txBody>
-          <a:bodyPr anchor="t" rtlCol="false" tIns="0" lIns="0" bIns="0" rIns="0">
+          <a:bodyPr lIns="0" tIns="0" rIns="0" bIns="0" rtlCol="0" anchor="t">
             <a:spAutoFit/>
           </a:bodyPr>
           <a:lstStyle/>
           <a:p>
             <a:pPr algn="ctr">
               <a:lnSpc>
-                <a:spcPts val="5691"/>
+                <a:spcPts val="5690"/>
               </a:lnSpc>
             </a:pPr>
             <a:r>
-              <a:rPr lang="en-US" b="true" sz="5809" spc="190">
+              <a:rPr lang="en-US" sz="5810" b="1" spc="190">
                 <a:solidFill>
                   <a:srgbClr val="FFFFFF"/>
                 </a:solidFill>
-                <a:latin typeface="Poppins Bold"/>
-                <a:ea typeface="Poppins Bold"/>
-                <a:cs typeface="Poppins Bold"/>
-                <a:sym typeface="Poppins Bold"/>
+                <a:latin typeface="Poppins Bold" panose="00000800000000000000"/>
+                <a:ea typeface="Poppins Bold" panose="00000800000000000000"/>
+                <a:cs typeface="Poppins Bold" panose="00000800000000000000"/>
+                <a:sym typeface="Poppins Bold" panose="00000800000000000000"/>
               </a:rPr>
               <a:t>PROJECT </a:t>
             </a:r>
             <a:r>
-              <a:rPr lang="en-US" b="true" sz="5809" spc="190">
+              <a:rPr lang="en-US" sz="5810" b="1" spc="190">
                 <a:solidFill>
                   <a:srgbClr val="F4C014"/>
                 </a:solidFill>
-                <a:latin typeface="Poppins Bold"/>
-                <a:ea typeface="Poppins Bold"/>
-                <a:cs typeface="Poppins Bold"/>
-                <a:sym typeface="Poppins Bold"/>
+                <a:latin typeface="Poppins Bold" panose="00000800000000000000"/>
+                <a:ea typeface="Poppins Bold" panose="00000800000000000000"/>
+                <a:cs typeface="Poppins Bold" panose="00000800000000000000"/>
+                <a:sym typeface="Poppins Bold" panose="00000800000000000000"/>
               </a:rPr>
               <a:t>TIMELINE</a:t>
             </a:r>
-          </a:p>
-        </p:txBody>
-      </p:sp>
-      <p:sp>
-        <p:nvSpPr>
-          <p:cNvPr name="TextBox 11" id="11"/>
-          <p:cNvSpPr txBox="true"/>
+            <a:endParaRPr lang="en-US" sz="5810" b="1" spc="190">
+              <a:solidFill>
+                <a:srgbClr val="F4C014"/>
+              </a:solidFill>
+              <a:latin typeface="Poppins Bold" panose="00000800000000000000"/>
+              <a:ea typeface="Poppins Bold" panose="00000800000000000000"/>
+              <a:cs typeface="Poppins Bold" panose="00000800000000000000"/>
+              <a:sym typeface="Poppins Bold" panose="00000800000000000000"/>
+            </a:endParaRPr>
+          </a:p>
+        </p:txBody>
+      </p:sp>
+      <p:sp>
+        <p:nvSpPr>
+          <p:cNvPr id="11" name="TextBox 11"/>
+          <p:cNvSpPr txBox="1"/>
           <p:nvPr/>
         </p:nvSpPr>
         <p:spPr>
-          <a:xfrm rot="0">
+          <a:xfrm>
             <a:off x="1360356" y="9452247"/>
             <a:ext cx="3212937" cy="764751"/>
           </a:xfrm>
@@ -7354,18 +7606,18 @@
           </a:prstGeom>
         </p:spPr>
         <p:txBody>
-          <a:bodyPr anchor="t" rtlCol="false" tIns="0" lIns="0" bIns="0" rIns="0">
+          <a:bodyPr lIns="0" tIns="0" rIns="0" bIns="0" rtlCol="0" anchor="t">
             <a:spAutoFit/>
           </a:bodyPr>
           <a:lstStyle/>
           <a:p>
             <a:pPr algn="l">
               <a:lnSpc>
-                <a:spcPts val="1917"/>
+                <a:spcPts val="1915"/>
               </a:lnSpc>
             </a:pPr>
             <a:r>
-              <a:rPr lang="en-US" sz="1368">
+              <a:rPr lang="en-US" sz="1370">
                 <a:solidFill>
                   <a:srgbClr val="FFFFFF"/>
                 </a:solidFill>
@@ -7377,7 +7629,7 @@
               <a:t>All Deliverables (highlighted in yellow) must be </a:t>
             </a:r>
             <a:r>
-              <a:rPr lang="en-US" sz="1368" b="true">
+              <a:rPr lang="en-US" sz="1370" b="1">
                 <a:solidFill>
                   <a:srgbClr val="FFFFFF"/>
                 </a:solidFill>
@@ -7388,17 +7640,26 @@
               </a:rPr>
               <a:t>submitted via Monday.com at 23:59 your local time.</a:t>
             </a:r>
-          </a:p>
-        </p:txBody>
-      </p:sp>
-      <p:sp>
-        <p:nvSpPr>
-          <p:cNvPr name="TextBox 12" id="12"/>
-          <p:cNvSpPr txBox="true"/>
+            <a:endParaRPr lang="en-US" sz="1370" b="1">
+              <a:solidFill>
+                <a:srgbClr val="FFFFFF"/>
+              </a:solidFill>
+              <a:latin typeface="Open Sans Bold"/>
+              <a:ea typeface="Open Sans Bold"/>
+              <a:cs typeface="Open Sans Bold"/>
+              <a:sym typeface="Open Sans Bold"/>
+            </a:endParaRPr>
+          </a:p>
+        </p:txBody>
+      </p:sp>
+      <p:sp>
+        <p:nvSpPr>
+          <p:cNvPr id="12" name="TextBox 12"/>
+          <p:cNvSpPr txBox="1"/>
           <p:nvPr/>
         </p:nvSpPr>
         <p:spPr>
-          <a:xfrm rot="0">
+          <a:xfrm>
             <a:off x="5319485" y="9452247"/>
             <a:ext cx="4088543" cy="764751"/>
           </a:xfrm>
@@ -7407,18 +7668,18 @@
           </a:prstGeom>
         </p:spPr>
         <p:txBody>
-          <a:bodyPr anchor="t" rtlCol="false" tIns="0" lIns="0" bIns="0" rIns="0">
+          <a:bodyPr lIns="0" tIns="0" rIns="0" bIns="0" rtlCol="0" anchor="t">
             <a:spAutoFit/>
           </a:bodyPr>
           <a:lstStyle/>
           <a:p>
             <a:pPr algn="l">
               <a:lnSpc>
-                <a:spcPts val="1917"/>
+                <a:spcPts val="1915"/>
               </a:lnSpc>
             </a:pPr>
             <a:r>
-              <a:rPr lang="en-US" sz="1368">
+              <a:rPr lang="en-US" sz="1370">
                 <a:solidFill>
                   <a:srgbClr val="FFFFFF"/>
                 </a:solidFill>
@@ -7430,7 +7691,7 @@
               <a:t>You’ll receive a booking link a few days before to schedule your optional Feedback Call. Make sure to </a:t>
             </a:r>
             <a:r>
-              <a:rPr lang="en-US" sz="1368" b="true">
+              <a:rPr lang="en-US" sz="1370" b="1">
                 <a:solidFill>
                   <a:srgbClr val="FFFFFF"/>
                 </a:solidFill>
@@ -7442,7 +7703,7 @@
               <a:t>submit your Version 1.1 </a:t>
             </a:r>
             <a:r>
-              <a:rPr lang="en-US" b="true" sz="1368" i="true">
+              <a:rPr lang="en-US" sz="1370" b="1" i="1">
                 <a:solidFill>
                   <a:srgbClr val="FFFFFF"/>
                 </a:solidFill>
@@ -7454,7 +7715,7 @@
               <a:t>before </a:t>
             </a:r>
             <a:r>
-              <a:rPr lang="en-US" sz="1368" b="true">
+              <a:rPr lang="en-US" sz="1370" b="1">
                 <a:solidFill>
                   <a:srgbClr val="FFFFFF"/>
                 </a:solidFill>
@@ -7465,17 +7726,26 @@
               </a:rPr>
               <a:t>your call.</a:t>
             </a:r>
-          </a:p>
-        </p:txBody>
-      </p:sp>
-      <p:sp>
-        <p:nvSpPr>
-          <p:cNvPr name="TextBox 13" id="13"/>
-          <p:cNvSpPr txBox="true"/>
+            <a:endParaRPr lang="en-US" sz="1370" b="1">
+              <a:solidFill>
+                <a:srgbClr val="FFFFFF"/>
+              </a:solidFill>
+              <a:latin typeface="Open Sans Bold"/>
+              <a:ea typeface="Open Sans Bold"/>
+              <a:cs typeface="Open Sans Bold"/>
+              <a:sym typeface="Open Sans Bold"/>
+            </a:endParaRPr>
+          </a:p>
+        </p:txBody>
+      </p:sp>
+      <p:sp>
+        <p:nvSpPr>
+          <p:cNvPr id="13" name="TextBox 13"/>
+          <p:cNvSpPr txBox="1"/>
           <p:nvPr/>
         </p:nvSpPr>
         <p:spPr>
-          <a:xfrm rot="0">
+          <a:xfrm>
             <a:off x="1134543" y="10854659"/>
             <a:ext cx="8010293" cy="562391"/>
           </a:xfrm>
@@ -7484,18 +7754,18 @@
           </a:prstGeom>
         </p:spPr>
         <p:txBody>
-          <a:bodyPr anchor="t" rtlCol="false" tIns="0" lIns="0" bIns="0" rIns="0">
+          <a:bodyPr lIns="0" tIns="0" rIns="0" bIns="0" rtlCol="0" anchor="t">
             <a:spAutoFit/>
           </a:bodyPr>
           <a:lstStyle/>
           <a:p>
             <a:pPr algn="ctr">
               <a:lnSpc>
-                <a:spcPts val="2056"/>
+                <a:spcPts val="2055"/>
               </a:lnSpc>
             </a:pPr>
             <a:r>
-              <a:rPr lang="en-US" sz="1469" b="true">
+              <a:rPr lang="en-US" sz="1470" b="1">
                 <a:solidFill>
                   <a:srgbClr val="FFFFFF"/>
                 </a:solidFill>
@@ -7506,6 +7776,15 @@
               </a:rPr>
               <a:t>Client review timing may vary. Please review the timeline before signing up to ensure you can manage your time well alongside school, work, or other commitments.</a:t>
             </a:r>
+            <a:endParaRPr lang="en-US" sz="1470" b="1">
+              <a:solidFill>
+                <a:srgbClr val="FFFFFF"/>
+              </a:solidFill>
+              <a:latin typeface="Open Sans Bold"/>
+              <a:ea typeface="Open Sans Bold"/>
+              <a:cs typeface="Open Sans Bold"/>
+              <a:sym typeface="Open Sans Bold"/>
+            </a:endParaRPr>
           </a:p>
         </p:txBody>
       </p:sp>
@@ -7518,7 +7797,7 @@
 </file>
 
 <file path=ppt/slides/slide3.xml><?xml version="1.0" encoding="utf-8"?>
-<p:sld xmlns:p="http://schemas.openxmlformats.org/presentationml/2006/main" xmlns:a="http://schemas.openxmlformats.org/drawingml/2006/main" xmlns:r="http://schemas.openxmlformats.org/officeDocument/2006/relationships">
+<p:sld xmlns:a="http://schemas.openxmlformats.org/drawingml/2006/main" xmlns:r="http://schemas.openxmlformats.org/officeDocument/2006/relationships" xmlns:p="http://schemas.openxmlformats.org/presentationml/2006/main">
   <p:cSld>
     <p:spTree>
       <p:nvGrpSpPr>
@@ -7536,7 +7815,7 @@
       </p:grpSpPr>
       <p:grpSp>
         <p:nvGrpSpPr>
-          <p:cNvPr name="Group 2" id="2"/>
+          <p:cNvPr id="2" name="Group 2"/>
           <p:cNvGrpSpPr/>
           <p:nvPr/>
         </p:nvGrpSpPr>
@@ -7550,12 +7829,12 @@
         </p:grpSpPr>
         <p:sp>
           <p:nvSpPr>
-            <p:cNvPr name="Freeform 3" id="3"/>
+            <p:cNvPr id="3" name="Freeform 3"/>
             <p:cNvSpPr/>
             <p:nvPr/>
           </p:nvSpPr>
           <p:spPr>
-            <a:xfrm flipH="false" flipV="false" rot="0">
+            <a:xfrm>
               <a:off x="0" y="0"/>
               <a:ext cx="11712321" cy="13024104"/>
             </a:xfrm>
@@ -7564,9 +7843,9 @@
               <a:gdLst/>
               <a:ahLst/>
               <a:cxnLst/>
-              <a:rect r="r" b="b" t="t" l="l"/>
+              <a:rect l="l" t="t" r="r" b="b"/>
               <a:pathLst>
-                <a:path h="13024104" w="11712321">
+                <a:path w="11712321" h="13024104">
                   <a:moveTo>
                     <a:pt x="11371961" y="13024104"/>
                   </a:moveTo>
@@ -7614,12 +7893,12 @@
       </p:grpSp>
       <p:sp>
         <p:nvSpPr>
-          <p:cNvPr name="Freeform 4" id="4"/>
+          <p:cNvPr id="4" name="Freeform 4"/>
           <p:cNvSpPr/>
           <p:nvPr/>
         </p:nvSpPr>
         <p:spPr>
-          <a:xfrm flipH="false" flipV="false" rot="0">
+          <a:xfrm>
             <a:off x="1678126" y="3408248"/>
             <a:ext cx="7116483" cy="6997819"/>
           </a:xfrm>
@@ -7628,9 +7907,9 @@
             <a:gdLst/>
             <a:ahLst/>
             <a:cxnLst/>
-            <a:rect r="r" b="b" t="t" l="l"/>
+            <a:rect l="l" t="t" r="r" b="b"/>
             <a:pathLst>
-              <a:path h="6997819" w="7116483">
+              <a:path w="7116483" h="6997819">
                 <a:moveTo>
                   <a:pt x="0" y="0"/>
                 </a:moveTo>
@@ -7651,27 +7930,27 @@
             </a:pathLst>
           </a:custGeom>
           <a:blipFill>
-            <a:blip r:embed="rId2">
+            <a:blip r:embed="rId1">
               <a:extLst>
                 <a:ext uri="{96DAC541-7B7A-43D3-8B79-37D633B846F1}">
-                  <asvg:svgBlip xmlns:asvg="http://schemas.microsoft.com/office/drawing/2016/SVG/main" r:embed="rId3"/>
+                  <asvg:svgBlip xmlns:asvg="http://schemas.microsoft.com/office/drawing/2016/SVG/main" r:embed="rId2"/>
                 </a:ext>
               </a:extLst>
             </a:blip>
             <a:stretch>
-              <a:fillRect l="-35" t="0" r="-35" b="0"/>
+              <a:fillRect l="-35" r="-35"/>
             </a:stretch>
           </a:blipFill>
         </p:spPr>
       </p:sp>
       <p:sp>
         <p:nvSpPr>
-          <p:cNvPr name="TextBox 5" id="5"/>
-          <p:cNvSpPr txBox="true"/>
+          <p:cNvPr id="5" name="TextBox 5"/>
+          <p:cNvSpPr txBox="1"/>
           <p:nvPr/>
         </p:nvSpPr>
         <p:spPr>
-          <a:xfrm rot="0">
+          <a:xfrm>
             <a:off x="1360215" y="2324308"/>
             <a:ext cx="7302218" cy="419622"/>
           </a:xfrm>
@@ -7680,51 +7959,60 @@
           </a:prstGeom>
         </p:spPr>
         <p:txBody>
-          <a:bodyPr anchor="t" rtlCol="false" tIns="0" lIns="0" bIns="0" rIns="0">
+          <a:bodyPr lIns="0" tIns="0" rIns="0" bIns="0" rtlCol="0" anchor="t">
             <a:spAutoFit/>
           </a:bodyPr>
           <a:lstStyle/>
           <a:p>
             <a:pPr algn="ctr">
               <a:lnSpc>
-                <a:spcPts val="5697"/>
+                <a:spcPts val="5695"/>
               </a:lnSpc>
             </a:pPr>
             <a:r>
-              <a:rPr lang="en-US" b="true" sz="5814" spc="191">
+              <a:rPr lang="en-US" sz="5815" b="1" spc="191">
                 <a:solidFill>
                   <a:srgbClr val="FFFFFF"/>
                 </a:solidFill>
-                <a:latin typeface="Poppins Bold"/>
-                <a:ea typeface="Poppins Bold"/>
-                <a:cs typeface="Poppins Bold"/>
-                <a:sym typeface="Poppins Bold"/>
+                <a:latin typeface="Poppins Bold" panose="00000800000000000000"/>
+                <a:ea typeface="Poppins Bold" panose="00000800000000000000"/>
+                <a:cs typeface="Poppins Bold" panose="00000800000000000000"/>
+                <a:sym typeface="Poppins Bold" panose="00000800000000000000"/>
               </a:rPr>
               <a:t>LAYOUT </a:t>
             </a:r>
             <a:r>
-              <a:rPr lang="en-US" b="true" sz="5814" spc="191">
+              <a:rPr lang="en-US" sz="5815" b="1" spc="191">
                 <a:solidFill>
                   <a:srgbClr val="F4C014"/>
                 </a:solidFill>
-                <a:latin typeface="Poppins Bold"/>
-                <a:ea typeface="Poppins Bold"/>
-                <a:cs typeface="Poppins Bold"/>
-                <a:sym typeface="Poppins Bold"/>
+                <a:latin typeface="Poppins Bold" panose="00000800000000000000"/>
+                <a:ea typeface="Poppins Bold" panose="00000800000000000000"/>
+                <a:cs typeface="Poppins Bold" panose="00000800000000000000"/>
+                <a:sym typeface="Poppins Bold" panose="00000800000000000000"/>
               </a:rPr>
               <a:t>PLAN</a:t>
             </a:r>
-          </a:p>
-        </p:txBody>
-      </p:sp>
-      <p:sp>
-        <p:nvSpPr>
-          <p:cNvPr name="TextBox 6" id="6"/>
-          <p:cNvSpPr txBox="true"/>
+            <a:endParaRPr lang="en-US" sz="5815" b="1" spc="191">
+              <a:solidFill>
+                <a:srgbClr val="F4C014"/>
+              </a:solidFill>
+              <a:latin typeface="Poppins Bold" panose="00000800000000000000"/>
+              <a:ea typeface="Poppins Bold" panose="00000800000000000000"/>
+              <a:cs typeface="Poppins Bold" panose="00000800000000000000"/>
+              <a:sym typeface="Poppins Bold" panose="00000800000000000000"/>
+            </a:endParaRPr>
+          </a:p>
+        </p:txBody>
+      </p:sp>
+      <p:sp>
+        <p:nvSpPr>
+          <p:cNvPr id="6" name="TextBox 6"/>
+          <p:cNvSpPr txBox="1"/>
           <p:nvPr/>
         </p:nvSpPr>
         <p:spPr>
-          <a:xfrm rot="0">
+          <a:xfrm>
             <a:off x="1678126" y="3579699"/>
             <a:ext cx="7263171" cy="7056084"/>
           </a:xfrm>
@@ -7733,28 +8021,37 @@
           </a:prstGeom>
         </p:spPr>
         <p:txBody>
-          <a:bodyPr anchor="t" rtlCol="false" tIns="0" lIns="0" bIns="0" rIns="0">
+          <a:bodyPr lIns="0" tIns="0" rIns="0" bIns="0" rtlCol="0" anchor="t">
             <a:spAutoFit/>
           </a:bodyPr>
           <a:lstStyle/>
           <a:p>
             <a:pPr algn="l">
               <a:lnSpc>
-                <a:spcPts val="17843"/>
+                <a:spcPts val="17845"/>
               </a:lnSpc>
             </a:pPr>
             <a:r>
-              <a:rPr lang="en-US" b="true" sz="17843" spc="353">
+              <a:rPr lang="en-US" sz="17845" b="1" spc="353">
                 <a:solidFill>
                   <a:srgbClr val="292929"/>
                 </a:solidFill>
-                <a:latin typeface="Poppins Bold"/>
-                <a:ea typeface="Poppins Bold"/>
-                <a:cs typeface="Poppins Bold"/>
-                <a:sym typeface="Poppins Bold"/>
+                <a:latin typeface="Poppins Bold" panose="00000800000000000000"/>
+                <a:ea typeface="Poppins Bold" panose="00000800000000000000"/>
+                <a:cs typeface="Poppins Bold" panose="00000800000000000000"/>
+                <a:sym typeface="Poppins Bold" panose="00000800000000000000"/>
               </a:rPr>
               <a:t>{{Layout1}}</a:t>
             </a:r>
+            <a:endParaRPr lang="en-US" sz="17845" b="1" spc="353">
+              <a:solidFill>
+                <a:srgbClr val="292929"/>
+              </a:solidFill>
+              <a:latin typeface="Poppins Bold" panose="00000800000000000000"/>
+              <a:ea typeface="Poppins Bold" panose="00000800000000000000"/>
+              <a:cs typeface="Poppins Bold" panose="00000800000000000000"/>
+              <a:sym typeface="Poppins Bold" panose="00000800000000000000"/>
+            </a:endParaRPr>
           </a:p>
         </p:txBody>
       </p:sp>
@@ -7767,7 +8064,7 @@
 </file>
 
 <file path=ppt/slides/slide4.xml><?xml version="1.0" encoding="utf-8"?>
-<p:sld xmlns:p="http://schemas.openxmlformats.org/presentationml/2006/main" xmlns:a="http://schemas.openxmlformats.org/drawingml/2006/main">
+<p:sld xmlns:a="http://schemas.openxmlformats.org/drawingml/2006/main" xmlns:r="http://schemas.openxmlformats.org/officeDocument/2006/relationships" xmlns:p="http://schemas.openxmlformats.org/presentationml/2006/main">
   <p:cSld>
     <p:spTree>
       <p:nvGrpSpPr>
@@ -7785,12 +8082,12 @@
       </p:grpSpPr>
       <p:sp>
         <p:nvSpPr>
-          <p:cNvPr name="TextBox 2" id="2"/>
-          <p:cNvSpPr txBox="true"/>
+          <p:cNvPr id="2" name="TextBox 2"/>
+          <p:cNvSpPr txBox="1"/>
           <p:nvPr/>
         </p:nvSpPr>
         <p:spPr>
-          <a:xfrm rot="0">
+          <a:xfrm>
             <a:off x="0" y="1708939"/>
             <a:ext cx="10287000" cy="10918815"/>
           </a:xfrm>
@@ -7799,7 +8096,7 @@
           </a:prstGeom>
         </p:spPr>
         <p:txBody>
-          <a:bodyPr anchor="t" rtlCol="false" tIns="0" lIns="0" bIns="0" rIns="0">
+          <a:bodyPr lIns="0" tIns="0" rIns="0" bIns="0" rtlCol="0" anchor="t">
             <a:spAutoFit/>
           </a:bodyPr>
           <a:lstStyle/>
@@ -7810,17 +8107,26 @@
               </a:lnSpc>
             </a:pPr>
             <a:r>
-              <a:rPr lang="en-US" b="true" sz="32117" spc="1055">
+              <a:rPr lang="en-US" sz="32115" b="1" spc="1055">
                 <a:solidFill>
                   <a:srgbClr val="000000"/>
                 </a:solidFill>
-                <a:latin typeface="Poppins Bold"/>
-                <a:ea typeface="Poppins Bold"/>
-                <a:cs typeface="Poppins Bold"/>
-                <a:sym typeface="Poppins Bold"/>
+                <a:latin typeface="Poppins Bold" panose="00000800000000000000"/>
+                <a:ea typeface="Poppins Bold" panose="00000800000000000000"/>
+                <a:cs typeface="Poppins Bold" panose="00000800000000000000"/>
+                <a:sym typeface="Poppins Bold" panose="00000800000000000000"/>
               </a:rPr>
               <a:t>{{Image1}}</a:t>
             </a:r>
+            <a:endParaRPr lang="en-US" sz="32115" b="1" spc="1055">
+              <a:solidFill>
+                <a:srgbClr val="000000"/>
+              </a:solidFill>
+              <a:latin typeface="Poppins Bold" panose="00000800000000000000"/>
+              <a:ea typeface="Poppins Bold" panose="00000800000000000000"/>
+              <a:cs typeface="Poppins Bold" panose="00000800000000000000"/>
+              <a:sym typeface="Poppins Bold" panose="00000800000000000000"/>
+            </a:endParaRPr>
           </a:p>
         </p:txBody>
       </p:sp>
@@ -7833,7 +8139,7 @@
 </file>
 
 <file path=ppt/slides/slide5.xml><?xml version="1.0" encoding="utf-8"?>
-<p:sld xmlns:p="http://schemas.openxmlformats.org/presentationml/2006/main" xmlns:a="http://schemas.openxmlformats.org/drawingml/2006/main">
+<p:sld xmlns:a="http://schemas.openxmlformats.org/drawingml/2006/main" xmlns:r="http://schemas.openxmlformats.org/officeDocument/2006/relationships" xmlns:p="http://schemas.openxmlformats.org/presentationml/2006/main">
   <p:cSld>
     <p:spTree>
       <p:nvGrpSpPr>
@@ -7851,12 +8157,12 @@
       </p:grpSpPr>
       <p:sp>
         <p:nvSpPr>
-          <p:cNvPr name="TextBox 2" id="2"/>
-          <p:cNvSpPr txBox="true"/>
+          <p:cNvPr id="2" name="TextBox 2"/>
+          <p:cNvSpPr txBox="1"/>
           <p:nvPr/>
         </p:nvSpPr>
         <p:spPr>
-          <a:xfrm rot="0">
+          <a:xfrm>
             <a:off x="0" y="1881187"/>
             <a:ext cx="10287000" cy="11063159"/>
           </a:xfrm>
@@ -7865,28 +8171,37 @@
           </a:prstGeom>
         </p:spPr>
         <p:txBody>
-          <a:bodyPr anchor="t" rtlCol="false" tIns="0" lIns="0" bIns="0" rIns="0">
+          <a:bodyPr lIns="0" tIns="0" rIns="0" bIns="0" rtlCol="0" anchor="t">
             <a:spAutoFit/>
           </a:bodyPr>
           <a:lstStyle/>
           <a:p>
             <a:pPr algn="ctr">
               <a:lnSpc>
-                <a:spcPts val="31826"/>
+                <a:spcPts val="31825"/>
               </a:lnSpc>
             </a:pPr>
             <a:r>
-              <a:rPr lang="en-US" b="true" sz="32480" spc="1067">
+              <a:rPr lang="en-US" sz="32480" b="1" spc="1067">
                 <a:solidFill>
                   <a:srgbClr val="000000"/>
                 </a:solidFill>
-                <a:latin typeface="Poppins Bold"/>
-                <a:ea typeface="Poppins Bold"/>
-                <a:cs typeface="Poppins Bold"/>
-                <a:sym typeface="Poppins Bold"/>
+                <a:latin typeface="Poppins Bold" panose="00000800000000000000"/>
+                <a:ea typeface="Poppins Bold" panose="00000800000000000000"/>
+                <a:cs typeface="Poppins Bold" panose="00000800000000000000"/>
+                <a:sym typeface="Poppins Bold" panose="00000800000000000000"/>
               </a:rPr>
               <a:t>{{Image2}}</a:t>
             </a:r>
+            <a:endParaRPr lang="en-US" sz="32480" b="1" spc="1067">
+              <a:solidFill>
+                <a:srgbClr val="000000"/>
+              </a:solidFill>
+              <a:latin typeface="Poppins Bold" panose="00000800000000000000"/>
+              <a:ea typeface="Poppins Bold" panose="00000800000000000000"/>
+              <a:cs typeface="Poppins Bold" panose="00000800000000000000"/>
+              <a:sym typeface="Poppins Bold" panose="00000800000000000000"/>
+            </a:endParaRPr>
           </a:p>
         </p:txBody>
       </p:sp>
@@ -7899,7 +8214,7 @@
 </file>
 
 <file path=ppt/slides/slide6.xml><?xml version="1.0" encoding="utf-8"?>
-<p:sld xmlns:p="http://schemas.openxmlformats.org/presentationml/2006/main" xmlns:a="http://schemas.openxmlformats.org/drawingml/2006/main">
+<p:sld xmlns:a="http://schemas.openxmlformats.org/drawingml/2006/main" xmlns:r="http://schemas.openxmlformats.org/officeDocument/2006/relationships" xmlns:p="http://schemas.openxmlformats.org/presentationml/2006/main">
   <p:cSld>
     <p:spTree>
       <p:nvGrpSpPr>
@@ -7917,12 +8232,12 @@
       </p:grpSpPr>
       <p:sp>
         <p:nvSpPr>
-          <p:cNvPr name="TextBox 2" id="2"/>
-          <p:cNvSpPr txBox="true"/>
+          <p:cNvPr id="2" name="TextBox 2"/>
+          <p:cNvSpPr txBox="1"/>
           <p:nvPr/>
         </p:nvSpPr>
         <p:spPr>
-          <a:xfrm rot="0">
+          <a:xfrm>
             <a:off x="-69759" y="519113"/>
             <a:ext cx="10337556" cy="5579808"/>
           </a:xfrm>
@@ -7931,7 +8246,7 @@
           </a:prstGeom>
         </p:spPr>
         <p:txBody>
-          <a:bodyPr anchor="t" rtlCol="false" tIns="0" lIns="0" bIns="0" rIns="0">
+          <a:bodyPr lIns="0" tIns="0" rIns="0" bIns="0" rtlCol="0" anchor="t">
             <a:spAutoFit/>
           </a:bodyPr>
           <a:lstStyle/>
@@ -7942,28 +8257,37 @@
               </a:lnSpc>
             </a:pPr>
             <a:r>
-              <a:rPr lang="en-US" b="true" sz="22039" spc="723">
+              <a:rPr lang="en-US" sz="22040" b="1" spc="723">
                 <a:solidFill>
                   <a:srgbClr val="000000"/>
                 </a:solidFill>
-                <a:latin typeface="Poppins Bold"/>
-                <a:ea typeface="Poppins Bold"/>
-                <a:cs typeface="Poppins Bold"/>
-                <a:sym typeface="Poppins Bold"/>
+                <a:latin typeface="Poppins Bold" panose="00000800000000000000"/>
+                <a:ea typeface="Poppins Bold" panose="00000800000000000000"/>
+                <a:cs typeface="Poppins Bold" panose="00000800000000000000"/>
+                <a:sym typeface="Poppins Bold" panose="00000800000000000000"/>
               </a:rPr>
               <a:t>{{Image3}}</a:t>
             </a:r>
-          </a:p>
-        </p:txBody>
-      </p:sp>
-      <p:sp>
-        <p:nvSpPr>
-          <p:cNvPr name="TextBox 3" id="3"/>
-          <p:cNvSpPr txBox="true"/>
+            <a:endParaRPr lang="en-US" sz="22040" b="1" spc="723">
+              <a:solidFill>
+                <a:srgbClr val="000000"/>
+              </a:solidFill>
+              <a:latin typeface="Poppins Bold" panose="00000800000000000000"/>
+              <a:ea typeface="Poppins Bold" panose="00000800000000000000"/>
+              <a:cs typeface="Poppins Bold" panose="00000800000000000000"/>
+              <a:sym typeface="Poppins Bold" panose="00000800000000000000"/>
+            </a:endParaRPr>
+          </a:p>
+        </p:txBody>
+      </p:sp>
+      <p:sp>
+        <p:nvSpPr>
+          <p:cNvPr id="3" name="TextBox 3"/>
+          <p:cNvSpPr txBox="1"/>
           <p:nvPr/>
         </p:nvSpPr>
         <p:spPr>
-          <a:xfrm rot="0">
+          <a:xfrm>
             <a:off x="-19203" y="6459258"/>
             <a:ext cx="10287000" cy="6404255"/>
           </a:xfrm>
@@ -7972,28 +8296,37 @@
           </a:prstGeom>
         </p:spPr>
         <p:txBody>
-          <a:bodyPr anchor="t" rtlCol="false" tIns="0" lIns="0" bIns="0" rIns="0">
+          <a:bodyPr lIns="0" tIns="0" rIns="0" bIns="0" rtlCol="0" anchor="t">
             <a:spAutoFit/>
           </a:bodyPr>
           <a:lstStyle/>
           <a:p>
             <a:pPr algn="ctr">
               <a:lnSpc>
-                <a:spcPts val="24724"/>
+                <a:spcPts val="24725"/>
               </a:lnSpc>
             </a:pPr>
             <a:r>
-              <a:rPr lang="en-US" b="true" sz="25233" spc="827">
+              <a:rPr lang="en-US" sz="25235" b="1" spc="827">
                 <a:solidFill>
                   <a:srgbClr val="000000"/>
                 </a:solidFill>
-                <a:latin typeface="Poppins Bold"/>
-                <a:ea typeface="Poppins Bold"/>
-                <a:cs typeface="Poppins Bold"/>
-                <a:sym typeface="Poppins Bold"/>
+                <a:latin typeface="Poppins Bold" panose="00000800000000000000"/>
+                <a:ea typeface="Poppins Bold" panose="00000800000000000000"/>
+                <a:cs typeface="Poppins Bold" panose="00000800000000000000"/>
+                <a:sym typeface="Poppins Bold" panose="00000800000000000000"/>
               </a:rPr>
               <a:t>{{Image4}}</a:t>
             </a:r>
+            <a:endParaRPr lang="en-US" sz="25235" b="1" spc="827">
+              <a:solidFill>
+                <a:srgbClr val="000000"/>
+              </a:solidFill>
+              <a:latin typeface="Poppins Bold" panose="00000800000000000000"/>
+              <a:ea typeface="Poppins Bold" panose="00000800000000000000"/>
+              <a:cs typeface="Poppins Bold" panose="00000800000000000000"/>
+              <a:sym typeface="Poppins Bold" panose="00000800000000000000"/>
+            </a:endParaRPr>
           </a:p>
         </p:txBody>
       </p:sp>
@@ -8006,7 +8339,7 @@
 </file>
 
 <file path=ppt/slides/slide7.xml><?xml version="1.0" encoding="utf-8"?>
-<p:sld xmlns:p="http://schemas.openxmlformats.org/presentationml/2006/main" xmlns:a="http://schemas.openxmlformats.org/drawingml/2006/main">
+<p:sld xmlns:a="http://schemas.openxmlformats.org/drawingml/2006/main" xmlns:r="http://schemas.openxmlformats.org/officeDocument/2006/relationships" xmlns:p="http://schemas.openxmlformats.org/presentationml/2006/main">
   <p:cSld>
     <p:spTree>
       <p:nvGrpSpPr>
@@ -8024,12 +8357,12 @@
       </p:grpSpPr>
       <p:sp>
         <p:nvSpPr>
-          <p:cNvPr name="TextBox 2" id="2"/>
-          <p:cNvSpPr txBox="true"/>
+          <p:cNvPr id="2" name="TextBox 2"/>
+          <p:cNvSpPr txBox="1"/>
           <p:nvPr/>
         </p:nvSpPr>
         <p:spPr>
-          <a:xfrm rot="0">
+          <a:xfrm>
             <a:off x="-69759" y="519113"/>
             <a:ext cx="10337556" cy="5579808"/>
           </a:xfrm>
@@ -8038,7 +8371,7 @@
           </a:prstGeom>
         </p:spPr>
         <p:txBody>
-          <a:bodyPr anchor="t" rtlCol="false" tIns="0" lIns="0" bIns="0" rIns="0">
+          <a:bodyPr lIns="0" tIns="0" rIns="0" bIns="0" rtlCol="0" anchor="t">
             <a:spAutoFit/>
           </a:bodyPr>
           <a:lstStyle/>
@@ -8049,28 +8382,37 @@
               </a:lnSpc>
             </a:pPr>
             <a:r>
-              <a:rPr lang="en-US" b="true" sz="22039" spc="723">
+              <a:rPr lang="en-US" sz="22040" b="1" spc="723">
                 <a:solidFill>
                   <a:srgbClr val="000000"/>
                 </a:solidFill>
-                <a:latin typeface="Poppins Bold"/>
-                <a:ea typeface="Poppins Bold"/>
-                <a:cs typeface="Poppins Bold"/>
-                <a:sym typeface="Poppins Bold"/>
+                <a:latin typeface="Poppins Bold" panose="00000800000000000000"/>
+                <a:ea typeface="Poppins Bold" panose="00000800000000000000"/>
+                <a:cs typeface="Poppins Bold" panose="00000800000000000000"/>
+                <a:sym typeface="Poppins Bold" panose="00000800000000000000"/>
               </a:rPr>
               <a:t>{{Image5}}</a:t>
             </a:r>
-          </a:p>
-        </p:txBody>
-      </p:sp>
-      <p:sp>
-        <p:nvSpPr>
-          <p:cNvPr name="TextBox 3" id="3"/>
-          <p:cNvSpPr txBox="true"/>
+            <a:endParaRPr lang="en-US" sz="22040" b="1" spc="723">
+              <a:solidFill>
+                <a:srgbClr val="000000"/>
+              </a:solidFill>
+              <a:latin typeface="Poppins Bold" panose="00000800000000000000"/>
+              <a:ea typeface="Poppins Bold" panose="00000800000000000000"/>
+              <a:cs typeface="Poppins Bold" panose="00000800000000000000"/>
+              <a:sym typeface="Poppins Bold" panose="00000800000000000000"/>
+            </a:endParaRPr>
+          </a:p>
+        </p:txBody>
+      </p:sp>
+      <p:sp>
+        <p:nvSpPr>
+          <p:cNvPr id="3" name="TextBox 3"/>
+          <p:cNvSpPr txBox="1"/>
           <p:nvPr/>
         </p:nvSpPr>
         <p:spPr>
-          <a:xfrm rot="0">
+          <a:xfrm>
             <a:off x="-69759" y="6459258"/>
             <a:ext cx="10287000" cy="6404255"/>
           </a:xfrm>
@@ -8079,28 +8421,37 @@
           </a:prstGeom>
         </p:spPr>
         <p:txBody>
-          <a:bodyPr anchor="t" rtlCol="false" tIns="0" lIns="0" bIns="0" rIns="0">
+          <a:bodyPr lIns="0" tIns="0" rIns="0" bIns="0" rtlCol="0" anchor="t">
             <a:spAutoFit/>
           </a:bodyPr>
           <a:lstStyle/>
           <a:p>
             <a:pPr algn="ctr">
               <a:lnSpc>
-                <a:spcPts val="24724"/>
+                <a:spcPts val="24725"/>
               </a:lnSpc>
             </a:pPr>
             <a:r>
-              <a:rPr lang="en-US" b="true" sz="25233" spc="827">
+              <a:rPr lang="en-US" sz="25235" b="1" spc="827">
                 <a:solidFill>
                   <a:srgbClr val="000000"/>
                 </a:solidFill>
-                <a:latin typeface="Poppins Bold"/>
-                <a:ea typeface="Poppins Bold"/>
-                <a:cs typeface="Poppins Bold"/>
-                <a:sym typeface="Poppins Bold"/>
+                <a:latin typeface="Poppins Bold" panose="00000800000000000000"/>
+                <a:ea typeface="Poppins Bold" panose="00000800000000000000"/>
+                <a:cs typeface="Poppins Bold" panose="00000800000000000000"/>
+                <a:sym typeface="Poppins Bold" panose="00000800000000000000"/>
               </a:rPr>
               <a:t>{{Image6}}</a:t>
             </a:r>
+            <a:endParaRPr lang="en-US" sz="25235" b="1" spc="827">
+              <a:solidFill>
+                <a:srgbClr val="000000"/>
+              </a:solidFill>
+              <a:latin typeface="Poppins Bold" panose="00000800000000000000"/>
+              <a:ea typeface="Poppins Bold" panose="00000800000000000000"/>
+              <a:cs typeface="Poppins Bold" panose="00000800000000000000"/>
+              <a:sym typeface="Poppins Bold" panose="00000800000000000000"/>
+            </a:endParaRPr>
           </a:p>
         </p:txBody>
       </p:sp>
@@ -8113,7 +8464,7 @@
 </file>
 
 <file path=ppt/slides/slide8.xml><?xml version="1.0" encoding="utf-8"?>
-<p:sld xmlns:p="http://schemas.openxmlformats.org/presentationml/2006/main" xmlns:a="http://schemas.openxmlformats.org/drawingml/2006/main">
+<p:sld xmlns:a="http://schemas.openxmlformats.org/drawingml/2006/main" xmlns:r="http://schemas.openxmlformats.org/officeDocument/2006/relationships" xmlns:p="http://schemas.openxmlformats.org/presentationml/2006/main">
   <p:cSld>
     <p:spTree>
       <p:nvGrpSpPr>
@@ -8131,12 +8482,12 @@
       </p:grpSpPr>
       <p:sp>
         <p:nvSpPr>
-          <p:cNvPr name="TextBox 2" id="2"/>
-          <p:cNvSpPr txBox="true"/>
+          <p:cNvPr id="2" name="TextBox 2"/>
+          <p:cNvSpPr txBox="1"/>
           <p:nvPr/>
         </p:nvSpPr>
         <p:spPr>
-          <a:xfrm rot="0">
+          <a:xfrm>
             <a:off x="-69759" y="519113"/>
             <a:ext cx="10337556" cy="5579808"/>
           </a:xfrm>
@@ -8145,7 +8496,7 @@
           </a:prstGeom>
         </p:spPr>
         <p:txBody>
-          <a:bodyPr anchor="t" rtlCol="false" tIns="0" lIns="0" bIns="0" rIns="0">
+          <a:bodyPr lIns="0" tIns="0" rIns="0" bIns="0" rtlCol="0" anchor="t">
             <a:spAutoFit/>
           </a:bodyPr>
           <a:lstStyle/>
@@ -8156,28 +8507,37 @@
               </a:lnSpc>
             </a:pPr>
             <a:r>
-              <a:rPr lang="en-US" b="true" sz="22039" spc="723">
+              <a:rPr lang="en-US" sz="22040" b="1" spc="723">
                 <a:solidFill>
                   <a:srgbClr val="000000"/>
                 </a:solidFill>
-                <a:latin typeface="Poppins Bold"/>
-                <a:ea typeface="Poppins Bold"/>
-                <a:cs typeface="Poppins Bold"/>
-                <a:sym typeface="Poppins Bold"/>
+                <a:latin typeface="Poppins Bold" panose="00000800000000000000"/>
+                <a:ea typeface="Poppins Bold" panose="00000800000000000000"/>
+                <a:cs typeface="Poppins Bold" panose="00000800000000000000"/>
+                <a:sym typeface="Poppins Bold" panose="00000800000000000000"/>
               </a:rPr>
               <a:t>{{Image8}}</a:t>
             </a:r>
-          </a:p>
-        </p:txBody>
-      </p:sp>
-      <p:sp>
-        <p:nvSpPr>
-          <p:cNvPr name="TextBox 3" id="3"/>
-          <p:cNvSpPr txBox="true"/>
+            <a:endParaRPr lang="en-US" sz="22040" b="1" spc="723">
+              <a:solidFill>
+                <a:srgbClr val="000000"/>
+              </a:solidFill>
+              <a:latin typeface="Poppins Bold" panose="00000800000000000000"/>
+              <a:ea typeface="Poppins Bold" panose="00000800000000000000"/>
+              <a:cs typeface="Poppins Bold" panose="00000800000000000000"/>
+              <a:sym typeface="Poppins Bold" panose="00000800000000000000"/>
+            </a:endParaRPr>
+          </a:p>
+        </p:txBody>
+      </p:sp>
+      <p:sp>
+        <p:nvSpPr>
+          <p:cNvPr id="3" name="TextBox 3"/>
+          <p:cNvSpPr txBox="1"/>
           <p:nvPr/>
         </p:nvSpPr>
         <p:spPr>
-          <a:xfrm rot="0">
+          <a:xfrm>
             <a:off x="-69759" y="6459258"/>
             <a:ext cx="10287000" cy="6404255"/>
           </a:xfrm>
@@ -8186,28 +8546,37 @@
           </a:prstGeom>
         </p:spPr>
         <p:txBody>
-          <a:bodyPr anchor="t" rtlCol="false" tIns="0" lIns="0" bIns="0" rIns="0">
+          <a:bodyPr lIns="0" tIns="0" rIns="0" bIns="0" rtlCol="0" anchor="t">
             <a:spAutoFit/>
           </a:bodyPr>
           <a:lstStyle/>
           <a:p>
             <a:pPr algn="ctr">
               <a:lnSpc>
-                <a:spcPts val="24724"/>
+                <a:spcPts val="24725"/>
               </a:lnSpc>
             </a:pPr>
             <a:r>
-              <a:rPr lang="en-US" b="true" sz="25233" spc="827">
+              <a:rPr lang="en-US" sz="25235" b="1" spc="827">
                 <a:solidFill>
                   <a:srgbClr val="000000"/>
                 </a:solidFill>
-                <a:latin typeface="Poppins Bold"/>
-                <a:ea typeface="Poppins Bold"/>
-                <a:cs typeface="Poppins Bold"/>
-                <a:sym typeface="Poppins Bold"/>
+                <a:latin typeface="Poppins Bold" panose="00000800000000000000"/>
+                <a:ea typeface="Poppins Bold" panose="00000800000000000000"/>
+                <a:cs typeface="Poppins Bold" panose="00000800000000000000"/>
+                <a:sym typeface="Poppins Bold" panose="00000800000000000000"/>
               </a:rPr>
               <a:t>{{Image7}}</a:t>
             </a:r>
+            <a:endParaRPr lang="en-US" sz="25235" b="1" spc="827">
+              <a:solidFill>
+                <a:srgbClr val="000000"/>
+              </a:solidFill>
+              <a:latin typeface="Poppins Bold" panose="00000800000000000000"/>
+              <a:ea typeface="Poppins Bold" panose="00000800000000000000"/>
+              <a:cs typeface="Poppins Bold" panose="00000800000000000000"/>
+              <a:sym typeface="Poppins Bold" panose="00000800000000000000"/>
+            </a:endParaRPr>
           </a:p>
         </p:txBody>
       </p:sp>
@@ -8220,7 +8589,7 @@
 </file>
 
 <file path=ppt/slides/slide9.xml><?xml version="1.0" encoding="utf-8"?>
-<p:sld xmlns:p="http://schemas.openxmlformats.org/presentationml/2006/main" xmlns:a="http://schemas.openxmlformats.org/drawingml/2006/main">
+<p:sld xmlns:a="http://schemas.openxmlformats.org/drawingml/2006/main" xmlns:r="http://schemas.openxmlformats.org/officeDocument/2006/relationships" xmlns:p="http://schemas.openxmlformats.org/presentationml/2006/main">
   <p:cSld>
     <p:spTree>
       <p:nvGrpSpPr>
@@ -8238,12 +8607,12 @@
       </p:grpSpPr>
       <p:sp>
         <p:nvSpPr>
-          <p:cNvPr name="TextBox 2" id="2"/>
-          <p:cNvSpPr txBox="true"/>
+          <p:cNvPr id="2" name="TextBox 2"/>
+          <p:cNvSpPr txBox="1"/>
           <p:nvPr/>
         </p:nvSpPr>
         <p:spPr>
-          <a:xfrm rot="0">
+          <a:xfrm>
             <a:off x="-50556" y="647934"/>
             <a:ext cx="10337556" cy="5579808"/>
           </a:xfrm>
@@ -8252,7 +8621,7 @@
           </a:prstGeom>
         </p:spPr>
         <p:txBody>
-          <a:bodyPr anchor="t" rtlCol="false" tIns="0" lIns="0" bIns="0" rIns="0">
+          <a:bodyPr lIns="0" tIns="0" rIns="0" bIns="0" rtlCol="0" anchor="t">
             <a:spAutoFit/>
           </a:bodyPr>
           <a:lstStyle/>
@@ -8263,28 +8632,37 @@
               </a:lnSpc>
             </a:pPr>
             <a:r>
-              <a:rPr lang="en-US" b="true" sz="22039" spc="723">
+              <a:rPr lang="en-US" sz="22040" b="1" spc="723">
                 <a:solidFill>
                   <a:srgbClr val="000000"/>
                 </a:solidFill>
-                <a:latin typeface="Poppins Bold"/>
-                <a:ea typeface="Poppins Bold"/>
-                <a:cs typeface="Poppins Bold"/>
-                <a:sym typeface="Poppins Bold"/>
+                <a:latin typeface="Poppins Bold" panose="00000800000000000000"/>
+                <a:ea typeface="Poppins Bold" panose="00000800000000000000"/>
+                <a:cs typeface="Poppins Bold" panose="00000800000000000000"/>
+                <a:sym typeface="Poppins Bold" panose="00000800000000000000"/>
               </a:rPr>
               <a:t>{{Image9}}</a:t>
             </a:r>
-          </a:p>
-        </p:txBody>
-      </p:sp>
-      <p:sp>
-        <p:nvSpPr>
-          <p:cNvPr name="TextBox 3" id="3"/>
-          <p:cNvSpPr txBox="true"/>
+            <a:endParaRPr lang="en-US" sz="22040" b="1" spc="723">
+              <a:solidFill>
+                <a:srgbClr val="000000"/>
+              </a:solidFill>
+              <a:latin typeface="Poppins Bold" panose="00000800000000000000"/>
+              <a:ea typeface="Poppins Bold" panose="00000800000000000000"/>
+              <a:cs typeface="Poppins Bold" panose="00000800000000000000"/>
+              <a:sym typeface="Poppins Bold" panose="00000800000000000000"/>
+            </a:endParaRPr>
+          </a:p>
+        </p:txBody>
+      </p:sp>
+      <p:sp>
+        <p:nvSpPr>
+          <p:cNvPr id="3" name="TextBox 3"/>
+          <p:cNvSpPr txBox="1"/>
           <p:nvPr/>
         </p:nvSpPr>
         <p:spPr>
-          <a:xfrm rot="0">
+          <a:xfrm>
             <a:off x="0" y="6929533"/>
             <a:ext cx="10287000" cy="5796125"/>
           </a:xfrm>
@@ -8293,7 +8671,7 @@
           </a:prstGeom>
         </p:spPr>
         <p:txBody>
-          <a:bodyPr anchor="t" rtlCol="false" tIns="0" lIns="0" bIns="0" rIns="0">
+          <a:bodyPr lIns="0" tIns="0" rIns="0" bIns="0" rtlCol="0" anchor="t">
             <a:spAutoFit/>
           </a:bodyPr>
           <a:lstStyle/>
@@ -8304,17 +8682,26 @@
               </a:lnSpc>
             </a:pPr>
             <a:r>
-              <a:rPr lang="en-US" b="true" sz="22758" spc="746">
+              <a:rPr lang="en-US" sz="22760" b="1" spc="746">
                 <a:solidFill>
                   <a:srgbClr val="000000"/>
                 </a:solidFill>
-                <a:latin typeface="Poppins Bold"/>
-                <a:ea typeface="Poppins Bold"/>
-                <a:cs typeface="Poppins Bold"/>
-                <a:sym typeface="Poppins Bold"/>
+                <a:latin typeface="Poppins Bold" panose="00000800000000000000"/>
+                <a:ea typeface="Poppins Bold" panose="00000800000000000000"/>
+                <a:cs typeface="Poppins Bold" panose="00000800000000000000"/>
+                <a:sym typeface="Poppins Bold" panose="00000800000000000000"/>
               </a:rPr>
               <a:t>{{Image10}}</a:t>
             </a:r>
+            <a:endParaRPr lang="en-US" sz="22760" b="1" spc="746">
+              <a:solidFill>
+                <a:srgbClr val="000000"/>
+              </a:solidFill>
+              <a:latin typeface="Poppins Bold" panose="00000800000000000000"/>
+              <a:ea typeface="Poppins Bold" panose="00000800000000000000"/>
+              <a:cs typeface="Poppins Bold" panose="00000800000000000000"/>
+              <a:sym typeface="Poppins Bold" panose="00000800000000000000"/>
+            </a:endParaRPr>
           </a:p>
         </p:txBody>
       </p:sp>
@@ -8604,7 +8991,10 @@
       </a:bgFillStyleLst>
     </a:fmtScheme>
   </a:themeElements>
-  <a:objectDefaults/>
-  <a:extraClrSchemeLst/>
+  <a:extLst>
+    <a:ext uri="{05A4C25C-085E-4340-85A3-A5531E510DB2}">
+      <thm15:themeFamily xmlns:thm15="http://schemas.microsoft.com/office/thememl/2012/main" name="Office Theme" id="{62F939B6-93AF-4DB8-9C6B-D6C7DFDC589F}" vid="{4A3C46E8-61CC-4603-A589-7422A47A8E4A}"/>
+    </a:ext>
+  </a:extLst>
 </a:theme>
 </file>
--- a/btemplate.pptx
+++ b/btemplate.pptx
@@ -1,48 +1,45 @@
 
 <file path=ppt/presentation.xml><?xml version="1.0" encoding="utf-8"?>
-<p:presentation xmlns:a="http://schemas.openxmlformats.org/drawingml/2006/main" xmlns:r="http://schemas.openxmlformats.org/officeDocument/2006/relationships" xmlns:p="http://schemas.openxmlformats.org/presentationml/2006/main" embedTrueTypeFonts="1" saveSubsetFonts="1">
+<p:presentation xmlns:a="http://schemas.openxmlformats.org/drawingml/2006/main" xmlns:r="http://schemas.openxmlformats.org/officeDocument/2006/relationships" xmlns:p="http://schemas.openxmlformats.org/presentationml/2006/main" saveSubsetFonts="1" embedTrueTypeFonts="true">
   <p:sldMasterIdLst>
     <p:sldMasterId id="2147483648" r:id="rId1"/>
   </p:sldMasterIdLst>
   <p:sldIdLst>
-    <p:sldId id="256" r:id="rId3"/>
-    <p:sldId id="257" r:id="rId4"/>
-    <p:sldId id="258" r:id="rId5"/>
-    <p:sldId id="259" r:id="rId6"/>
-    <p:sldId id="260" r:id="rId7"/>
-    <p:sldId id="261" r:id="rId8"/>
-    <p:sldId id="262" r:id="rId9"/>
-    <p:sldId id="263" r:id="rId10"/>
-    <p:sldId id="264" r:id="rId11"/>
-    <p:sldId id="265" r:id="rId12"/>
-    <p:sldId id="266" r:id="rId13"/>
-    <p:sldId id="267" r:id="rId14"/>
+    <p:sldId id="256" r:id="rId6"/>
+    <p:sldId id="257" r:id="rId7"/>
+    <p:sldId id="258" r:id="rId8"/>
+    <p:sldId id="259" r:id="rId9"/>
+    <p:sldId id="260" r:id="rId10"/>
+    <p:sldId id="261" r:id="rId11"/>
+    <p:sldId id="262" r:id="rId12"/>
+    <p:sldId id="263" r:id="rId13"/>
+    <p:sldId id="264" r:id="rId14"/>
+    <p:sldId id="265" r:id="rId15"/>
+    <p:sldId id="266" r:id="rId16"/>
+    <p:sldId id="267" r:id="rId17"/>
   </p:sldIdLst>
   <p:sldSz cx="10287000" cy="12852400"/>
   <p:notesSz cx="6858000" cy="9144000"/>
   <p:embeddedFontLst>
     <p:embeddedFont>
-      <p:font typeface="Open Sans"/>
+      <p:font typeface="Gordita Bold" charset="1" panose="00000000000000000000"/>
       <p:regular r:id="rId18"/>
     </p:embeddedFont>
     <p:embeddedFont>
-      <p:font typeface="Poppins Bold" panose="00000800000000000000"/>
-      <p:bold r:id="rId19"/>
+      <p:font typeface="Open Sans" charset="1" panose="00000000000000000000"/>
+      <p:regular r:id="rId19"/>
     </p:embeddedFont>
     <p:embeddedFont>
-      <p:font typeface="Open Sans Bold"/>
-      <p:bold r:id="rId20"/>
+      <p:font typeface="Poppins Bold" charset="1" panose="00000800000000000000"/>
+      <p:regular r:id="rId20"/>
     </p:embeddedFont>
     <p:embeddedFont>
-      <p:font typeface="Open Sans Bold Italics"/>
-      <p:boldItalic r:id="rId21"/>
+      <p:font typeface="Open Sans Bold" charset="1" panose="00000000000000000000"/>
+      <p:regular r:id="rId21"/>
     </p:embeddedFont>
     <p:embeddedFont>
-      <p:font typeface="Calibri" panose="020F0502020204030204" charset="0"/>
+      <p:font typeface="Open Sans Bold Italics" charset="1" panose="00000000000000000000"/>
       <p:regular r:id="rId22"/>
-      <p:bold r:id="rId23"/>
-      <p:italic r:id="rId24"/>
-      <p:boldItalic r:id="rId25"/>
     </p:embeddedFont>
   </p:embeddedFontLst>
   <p:defaultTextStyle>
@@ -140,22 +137,6 @@
       </a:defRPr>
     </a:lvl9pPr>
   </p:defaultTextStyle>
-  <p:extLst>
-    <p:ext uri="{EFAFB233-063F-42B5-8137-9DF3F51BA10A}">
-      <p15:sldGuideLst xmlns:p15="http://schemas.microsoft.com/office/powerpoint/2012/main">
-        <p15:guide id="1" orient="horz" pos="2160" userDrawn="1">
-          <p15:clr>
-            <a:srgbClr val="A4A3A4"/>
-          </p15:clr>
-        </p15:guide>
-        <p15:guide id="2" pos="2854" userDrawn="1">
-          <p15:clr>
-            <a:srgbClr val="A4A3A4"/>
-          </p15:clr>
-        </p15:guide>
-      </p15:sldGuideLst>
-    </p:ext>
-  </p:extLst>
 </p:presentation>
 </file>
 
@@ -340,6 +321,8 @@
           <a:p>
             <a:fld id="{1D8BD707-D9CF-40AE-B4C6-C98DA3205C09}" type="datetimeFigureOut">
               <a:rPr lang="en-US" smtClean="0"/>
+              <a:pPr/>
+              <a:t>8/1/2011</a:t>
             </a:fld>
             <a:endParaRPr lang="en-US"/>
           </a:p>
@@ -381,6 +364,8 @@
           <a:p>
             <a:fld id="{B6F15528-21DE-4FAA-801E-634DDDAF4B2B}" type="slidenum">
               <a:rPr lang="en-US" smtClean="0"/>
+              <a:pPr/>
+              <a:t>‹#›</a:t>
             </a:fld>
             <a:endParaRPr lang="en-US"/>
           </a:p>
@@ -454,7 +439,6 @@
               <a:rPr lang="en-US" smtClean="0"/>
               <a:t>Click to edit Master text styles</a:t>
             </a:r>
-            <a:endParaRPr lang="en-US" smtClean="0"/>
           </a:p>
           <a:p>
             <a:pPr lvl="1"/>
@@ -462,7 +446,6 @@
               <a:rPr lang="en-US" smtClean="0"/>
               <a:t>Second level</a:t>
             </a:r>
-            <a:endParaRPr lang="en-US" smtClean="0"/>
           </a:p>
           <a:p>
             <a:pPr lvl="2"/>
@@ -470,7 +453,6 @@
               <a:rPr lang="en-US" smtClean="0"/>
               <a:t>Third level</a:t>
             </a:r>
-            <a:endParaRPr lang="en-US" smtClean="0"/>
           </a:p>
           <a:p>
             <a:pPr lvl="3"/>
@@ -478,7 +460,6 @@
               <a:rPr lang="en-US" smtClean="0"/>
               <a:t>Fourth level</a:t>
             </a:r>
-            <a:endParaRPr lang="en-US" smtClean="0"/>
           </a:p>
           <a:p>
             <a:pPr lvl="4"/>
@@ -507,6 +488,8 @@
           <a:p>
             <a:fld id="{1D8BD707-D9CF-40AE-B4C6-C98DA3205C09}" type="datetimeFigureOut">
               <a:rPr lang="en-US" smtClean="0"/>
+              <a:pPr/>
+              <a:t>8/1/2011</a:t>
             </a:fld>
             <a:endParaRPr lang="en-US"/>
           </a:p>
@@ -548,6 +531,8 @@
           <a:p>
             <a:fld id="{B6F15528-21DE-4FAA-801E-634DDDAF4B2B}" type="slidenum">
               <a:rPr lang="en-US" smtClean="0"/>
+              <a:pPr/>
+              <a:t>‹#›</a:t>
             </a:fld>
             <a:endParaRPr lang="en-US"/>
           </a:p>
@@ -631,7 +616,6 @@
               <a:rPr lang="en-US" smtClean="0"/>
               <a:t>Click to edit Master text styles</a:t>
             </a:r>
-            <a:endParaRPr lang="en-US" smtClean="0"/>
           </a:p>
           <a:p>
             <a:pPr lvl="1"/>
@@ -639,7 +623,6 @@
               <a:rPr lang="en-US" smtClean="0"/>
               <a:t>Second level</a:t>
             </a:r>
-            <a:endParaRPr lang="en-US" smtClean="0"/>
           </a:p>
           <a:p>
             <a:pPr lvl="2"/>
@@ -647,7 +630,6 @@
               <a:rPr lang="en-US" smtClean="0"/>
               <a:t>Third level</a:t>
             </a:r>
-            <a:endParaRPr lang="en-US" smtClean="0"/>
           </a:p>
           <a:p>
             <a:pPr lvl="3"/>
@@ -655,7 +637,6 @@
               <a:rPr lang="en-US" smtClean="0"/>
               <a:t>Fourth level</a:t>
             </a:r>
-            <a:endParaRPr lang="en-US" smtClean="0"/>
           </a:p>
           <a:p>
             <a:pPr lvl="4"/>
@@ -684,6 +665,8 @@
           <a:p>
             <a:fld id="{1D8BD707-D9CF-40AE-B4C6-C98DA3205C09}" type="datetimeFigureOut">
               <a:rPr lang="en-US" smtClean="0"/>
+              <a:pPr/>
+              <a:t>8/1/2011</a:t>
             </a:fld>
             <a:endParaRPr lang="en-US"/>
           </a:p>
@@ -725,6 +708,8 @@
           <a:p>
             <a:fld id="{B6F15528-21DE-4FAA-801E-634DDDAF4B2B}" type="slidenum">
               <a:rPr lang="en-US" smtClean="0"/>
+              <a:pPr/>
+              <a:t>‹#›</a:t>
             </a:fld>
             <a:endParaRPr lang="en-US"/>
           </a:p>
@@ -798,7 +783,6 @@
               <a:rPr lang="en-US" smtClean="0"/>
               <a:t>Click to edit Master text styles</a:t>
             </a:r>
-            <a:endParaRPr lang="en-US" smtClean="0"/>
           </a:p>
           <a:p>
             <a:pPr lvl="1"/>
@@ -806,7 +790,6 @@
               <a:rPr lang="en-US" smtClean="0"/>
               <a:t>Second level</a:t>
             </a:r>
-            <a:endParaRPr lang="en-US" smtClean="0"/>
           </a:p>
           <a:p>
             <a:pPr lvl="2"/>
@@ -814,7 +797,6 @@
               <a:rPr lang="en-US" smtClean="0"/>
               <a:t>Third level</a:t>
             </a:r>
-            <a:endParaRPr lang="en-US" smtClean="0"/>
           </a:p>
           <a:p>
             <a:pPr lvl="3"/>
@@ -822,7 +804,6 @@
               <a:rPr lang="en-US" smtClean="0"/>
               <a:t>Fourth level</a:t>
             </a:r>
-            <a:endParaRPr lang="en-US" smtClean="0"/>
           </a:p>
           <a:p>
             <a:pPr lvl="4"/>
@@ -851,6 +832,8 @@
           <a:p>
             <a:fld id="{1D8BD707-D9CF-40AE-B4C6-C98DA3205C09}" type="datetimeFigureOut">
               <a:rPr lang="en-US" smtClean="0"/>
+              <a:pPr/>
+              <a:t>8/1/2011</a:t>
             </a:fld>
             <a:endParaRPr lang="en-US"/>
           </a:p>
@@ -892,6 +875,8 @@
           <a:p>
             <a:fld id="{B6F15528-21DE-4FAA-801E-634DDDAF4B2B}" type="slidenum">
               <a:rPr lang="en-US" smtClean="0"/>
+              <a:pPr/>
+              <a:t>‹#›</a:t>
             </a:fld>
             <a:endParaRPr lang="en-US"/>
           </a:p>
@@ -1070,7 +1055,6 @@
               <a:rPr lang="en-US" smtClean="0"/>
               <a:t>Click to edit Master text styles</a:t>
             </a:r>
-            <a:endParaRPr lang="en-US" smtClean="0"/>
           </a:p>
         </p:txBody>
       </p:sp>
@@ -1091,6 +1075,8 @@
           <a:p>
             <a:fld id="{1D8BD707-D9CF-40AE-B4C6-C98DA3205C09}" type="datetimeFigureOut">
               <a:rPr lang="en-US" smtClean="0"/>
+              <a:pPr/>
+              <a:t>8/1/2011</a:t>
             </a:fld>
             <a:endParaRPr lang="en-US"/>
           </a:p>
@@ -1132,6 +1118,8 @@
           <a:p>
             <a:fld id="{B6F15528-21DE-4FAA-801E-634DDDAF4B2B}" type="slidenum">
               <a:rPr lang="en-US" smtClean="0"/>
+              <a:pPr/>
+              <a:t>‹#›</a:t>
             </a:fld>
             <a:endParaRPr lang="en-US"/>
           </a:p>
@@ -1238,7 +1226,6 @@
               <a:rPr lang="en-US" smtClean="0"/>
               <a:t>Click to edit Master text styles</a:t>
             </a:r>
-            <a:endParaRPr lang="en-US" smtClean="0"/>
           </a:p>
           <a:p>
             <a:pPr lvl="1"/>
@@ -1246,7 +1233,6 @@
               <a:rPr lang="en-US" smtClean="0"/>
               <a:t>Second level</a:t>
             </a:r>
-            <a:endParaRPr lang="en-US" smtClean="0"/>
           </a:p>
           <a:p>
             <a:pPr lvl="2"/>
@@ -1254,7 +1240,6 @@
               <a:rPr lang="en-US" smtClean="0"/>
               <a:t>Third level</a:t>
             </a:r>
-            <a:endParaRPr lang="en-US" smtClean="0"/>
           </a:p>
           <a:p>
             <a:pPr lvl="3"/>
@@ -1262,7 +1247,6 @@
               <a:rPr lang="en-US" smtClean="0"/>
               <a:t>Fourth level</a:t>
             </a:r>
-            <a:endParaRPr lang="en-US" smtClean="0"/>
           </a:p>
           <a:p>
             <a:pPr lvl="4"/>
@@ -1327,7 +1311,6 @@
               <a:rPr lang="en-US" smtClean="0"/>
               <a:t>Click to edit Master text styles</a:t>
             </a:r>
-            <a:endParaRPr lang="en-US" smtClean="0"/>
           </a:p>
           <a:p>
             <a:pPr lvl="1"/>
@@ -1335,7 +1318,6 @@
               <a:rPr lang="en-US" smtClean="0"/>
               <a:t>Second level</a:t>
             </a:r>
-            <a:endParaRPr lang="en-US" smtClean="0"/>
           </a:p>
           <a:p>
             <a:pPr lvl="2"/>
@@ -1343,7 +1325,6 @@
               <a:rPr lang="en-US" smtClean="0"/>
               <a:t>Third level</a:t>
             </a:r>
-            <a:endParaRPr lang="en-US" smtClean="0"/>
           </a:p>
           <a:p>
             <a:pPr lvl="3"/>
@@ -1351,7 +1332,6 @@
               <a:rPr lang="en-US" smtClean="0"/>
               <a:t>Fourth level</a:t>
             </a:r>
-            <a:endParaRPr lang="en-US" smtClean="0"/>
           </a:p>
           <a:p>
             <a:pPr lvl="4"/>
@@ -1380,6 +1360,8 @@
           <a:p>
             <a:fld id="{1D8BD707-D9CF-40AE-B4C6-C98DA3205C09}" type="datetimeFigureOut">
               <a:rPr lang="en-US" smtClean="0"/>
+              <a:pPr/>
+              <a:t>8/1/2011</a:t>
             </a:fld>
             <a:endParaRPr lang="en-US"/>
           </a:p>
@@ -1421,6 +1403,8 @@
           <a:p>
             <a:fld id="{B6F15528-21DE-4FAA-801E-634DDDAF4B2B}" type="slidenum">
               <a:rPr lang="en-US" smtClean="0"/>
+              <a:pPr/>
+              <a:t>‹#›</a:t>
             </a:fld>
             <a:endParaRPr lang="en-US"/>
           </a:p>
@@ -1540,7 +1524,6 @@
               <a:rPr lang="en-US" smtClean="0"/>
               <a:t>Click to edit Master text styles</a:t>
             </a:r>
-            <a:endParaRPr lang="en-US" smtClean="0"/>
           </a:p>
         </p:txBody>
       </p:sp>
@@ -1597,7 +1580,6 @@
               <a:rPr lang="en-US" smtClean="0"/>
               <a:t>Click to edit Master text styles</a:t>
             </a:r>
-            <a:endParaRPr lang="en-US" smtClean="0"/>
           </a:p>
           <a:p>
             <a:pPr lvl="1"/>
@@ -1605,7 +1587,6 @@
               <a:rPr lang="en-US" smtClean="0"/>
               <a:t>Second level</a:t>
             </a:r>
-            <a:endParaRPr lang="en-US" smtClean="0"/>
           </a:p>
           <a:p>
             <a:pPr lvl="2"/>
@@ -1613,7 +1594,6 @@
               <a:rPr lang="en-US" smtClean="0"/>
               <a:t>Third level</a:t>
             </a:r>
-            <a:endParaRPr lang="en-US" smtClean="0"/>
           </a:p>
           <a:p>
             <a:pPr lvl="3"/>
@@ -1621,7 +1601,6 @@
               <a:rPr lang="en-US" smtClean="0"/>
               <a:t>Fourth level</a:t>
             </a:r>
-            <a:endParaRPr lang="en-US" smtClean="0"/>
           </a:p>
           <a:p>
             <a:pPr lvl="4"/>
@@ -1695,7 +1674,6 @@
               <a:rPr lang="en-US" smtClean="0"/>
               <a:t>Click to edit Master text styles</a:t>
             </a:r>
-            <a:endParaRPr lang="en-US" smtClean="0"/>
           </a:p>
         </p:txBody>
       </p:sp>
@@ -1752,7 +1730,6 @@
               <a:rPr lang="en-US" smtClean="0"/>
               <a:t>Click to edit Master text styles</a:t>
             </a:r>
-            <a:endParaRPr lang="en-US" smtClean="0"/>
           </a:p>
           <a:p>
             <a:pPr lvl="1"/>
@@ -1760,7 +1737,6 @@
               <a:rPr lang="en-US" smtClean="0"/>
               <a:t>Second level</a:t>
             </a:r>
-            <a:endParaRPr lang="en-US" smtClean="0"/>
           </a:p>
           <a:p>
             <a:pPr lvl="2"/>
@@ -1768,7 +1744,6 @@
               <a:rPr lang="en-US" smtClean="0"/>
               <a:t>Third level</a:t>
             </a:r>
-            <a:endParaRPr lang="en-US" smtClean="0"/>
           </a:p>
           <a:p>
             <a:pPr lvl="3"/>
@@ -1776,7 +1751,6 @@
               <a:rPr lang="en-US" smtClean="0"/>
               <a:t>Fourth level</a:t>
             </a:r>
-            <a:endParaRPr lang="en-US" smtClean="0"/>
           </a:p>
           <a:p>
             <a:pPr lvl="4"/>
@@ -1805,6 +1779,8 @@
           <a:p>
             <a:fld id="{1D8BD707-D9CF-40AE-B4C6-C98DA3205C09}" type="datetimeFigureOut">
               <a:rPr lang="en-US" smtClean="0"/>
+              <a:pPr/>
+              <a:t>8/1/2011</a:t>
             </a:fld>
             <a:endParaRPr lang="en-US"/>
           </a:p>
@@ -1846,6 +1822,8 @@
           <a:p>
             <a:fld id="{B6F15528-21DE-4FAA-801E-634DDDAF4B2B}" type="slidenum">
               <a:rPr lang="en-US" smtClean="0"/>
+              <a:pPr/>
+              <a:t>‹#›</a:t>
             </a:fld>
             <a:endParaRPr lang="en-US"/>
           </a:p>
@@ -1916,6 +1894,8 @@
           <a:p>
             <a:fld id="{1D8BD707-D9CF-40AE-B4C6-C98DA3205C09}" type="datetimeFigureOut">
               <a:rPr lang="en-US" smtClean="0"/>
+              <a:pPr/>
+              <a:t>8/1/2011</a:t>
             </a:fld>
             <a:endParaRPr lang="en-US"/>
           </a:p>
@@ -1957,6 +1937,8 @@
           <a:p>
             <a:fld id="{B6F15528-21DE-4FAA-801E-634DDDAF4B2B}" type="slidenum">
               <a:rPr lang="en-US" smtClean="0"/>
+              <a:pPr/>
+              <a:t>‹#›</a:t>
             </a:fld>
             <a:endParaRPr lang="en-US"/>
           </a:p>
@@ -2004,6 +1986,8 @@
           <a:p>
             <a:fld id="{1D8BD707-D9CF-40AE-B4C6-C98DA3205C09}" type="datetimeFigureOut">
               <a:rPr lang="en-US" smtClean="0"/>
+              <a:pPr/>
+              <a:t>8/1/2011</a:t>
             </a:fld>
             <a:endParaRPr lang="en-US"/>
           </a:p>
@@ -2045,6 +2029,8 @@
           <a:p>
             <a:fld id="{B6F15528-21DE-4FAA-801E-634DDDAF4B2B}" type="slidenum">
               <a:rPr lang="en-US" smtClean="0"/>
+              <a:pPr/>
+              <a:t>‹#›</a:t>
             </a:fld>
             <a:endParaRPr lang="en-US"/>
           </a:p>
@@ -2160,7 +2146,6 @@
               <a:rPr lang="en-US" smtClean="0"/>
               <a:t>Click to edit Master text styles</a:t>
             </a:r>
-            <a:endParaRPr lang="en-US" smtClean="0"/>
           </a:p>
           <a:p>
             <a:pPr lvl="1"/>
@@ -2168,7 +2153,6 @@
               <a:rPr lang="en-US" smtClean="0"/>
               <a:t>Second level</a:t>
             </a:r>
-            <a:endParaRPr lang="en-US" smtClean="0"/>
           </a:p>
           <a:p>
             <a:pPr lvl="2"/>
@@ -2176,7 +2160,6 @@
               <a:rPr lang="en-US" smtClean="0"/>
               <a:t>Third level</a:t>
             </a:r>
-            <a:endParaRPr lang="en-US" smtClean="0"/>
           </a:p>
           <a:p>
             <a:pPr lvl="3"/>
@@ -2184,7 +2167,6 @@
               <a:rPr lang="en-US" smtClean="0"/>
               <a:t>Fourth level</a:t>
             </a:r>
-            <a:endParaRPr lang="en-US" smtClean="0"/>
           </a:p>
           <a:p>
             <a:pPr lvl="4"/>
@@ -2258,7 +2240,6 @@
               <a:rPr lang="en-US" smtClean="0"/>
               <a:t>Click to edit Master text styles</a:t>
             </a:r>
-            <a:endParaRPr lang="en-US" smtClean="0"/>
           </a:p>
         </p:txBody>
       </p:sp>
@@ -2279,6 +2260,8 @@
           <a:p>
             <a:fld id="{1D8BD707-D9CF-40AE-B4C6-C98DA3205C09}" type="datetimeFigureOut">
               <a:rPr lang="en-US" smtClean="0"/>
+              <a:pPr/>
+              <a:t>8/1/2011</a:t>
             </a:fld>
             <a:endParaRPr lang="en-US"/>
           </a:p>
@@ -2320,6 +2303,8 @@
           <a:p>
             <a:fld id="{B6F15528-21DE-4FAA-801E-634DDDAF4B2B}" type="slidenum">
               <a:rPr lang="en-US" smtClean="0"/>
+              <a:pPr/>
+              <a:t>‹#›</a:t>
             </a:fld>
             <a:endParaRPr lang="en-US"/>
           </a:p>
@@ -2505,7 +2490,6 @@
               <a:rPr lang="en-US" smtClean="0"/>
               <a:t>Click to edit Master text styles</a:t>
             </a:r>
-            <a:endParaRPr lang="en-US" smtClean="0"/>
           </a:p>
         </p:txBody>
       </p:sp>
@@ -2526,6 +2510,8 @@
           <a:p>
             <a:fld id="{1D8BD707-D9CF-40AE-B4C6-C98DA3205C09}" type="datetimeFigureOut">
               <a:rPr lang="en-US" smtClean="0"/>
+              <a:pPr/>
+              <a:t>8/1/2011</a:t>
             </a:fld>
             <a:endParaRPr lang="en-US"/>
           </a:p>
@@ -2567,6 +2553,8 @@
           <a:p>
             <a:fld id="{B6F15528-21DE-4FAA-801E-634DDDAF4B2B}" type="slidenum">
               <a:rPr lang="en-US" smtClean="0"/>
+              <a:pPr/>
+              <a:t>‹#›</a:t>
             </a:fld>
             <a:endParaRPr lang="en-US"/>
           </a:p>
@@ -2665,7 +2653,6 @@
               <a:rPr lang="en-US" smtClean="0"/>
               <a:t>Click to edit Master text styles</a:t>
             </a:r>
-            <a:endParaRPr lang="en-US" smtClean="0"/>
           </a:p>
           <a:p>
             <a:pPr lvl="1"/>
@@ -2673,7 +2660,6 @@
               <a:rPr lang="en-US" smtClean="0"/>
               <a:t>Second level</a:t>
             </a:r>
-            <a:endParaRPr lang="en-US" smtClean="0"/>
           </a:p>
           <a:p>
             <a:pPr lvl="2"/>
@@ -2681,7 +2667,6 @@
               <a:rPr lang="en-US" smtClean="0"/>
               <a:t>Third level</a:t>
             </a:r>
-            <a:endParaRPr lang="en-US" smtClean="0"/>
           </a:p>
           <a:p>
             <a:pPr lvl="3"/>
@@ -2689,7 +2674,6 @@
               <a:rPr lang="en-US" smtClean="0"/>
               <a:t>Fourth level</a:t>
             </a:r>
-            <a:endParaRPr lang="en-US" smtClean="0"/>
           </a:p>
           <a:p>
             <a:pPr lvl="4"/>
@@ -2736,6 +2720,8 @@
           <a:p>
             <a:fld id="{1D8BD707-D9CF-40AE-B4C6-C98DA3205C09}" type="datetimeFigureOut">
               <a:rPr lang="en-US" smtClean="0"/>
+              <a:pPr/>
+              <a:t>8/1/2011</a:t>
             </a:fld>
             <a:endParaRPr lang="en-US"/>
           </a:p>
@@ -2813,6 +2799,8 @@
           <a:p>
             <a:fld id="{B6F15528-21DE-4FAA-801E-634DDDAF4B2B}" type="slidenum">
               <a:rPr lang="en-US" smtClean="0"/>
+              <a:pPr/>
+              <a:t>‹#›</a:t>
             </a:fld>
             <a:endParaRPr lang="en-US"/>
           </a:p>
@@ -2856,7 +2844,7 @@
         <a:spcBef>
           <a:spcPct val="20000"/>
         </a:spcBef>
-        <a:buFont typeface="Arial" panose="020B0604020202020204" pitchFamily="34" charset="0"/>
+        <a:buFont typeface="Arial" pitchFamily="34" charset="0"/>
         <a:buChar char="•"/>
         <a:defRPr sz="3200" kern="1200">
           <a:solidFill>
@@ -2871,7 +2859,7 @@
         <a:spcBef>
           <a:spcPct val="20000"/>
         </a:spcBef>
-        <a:buFont typeface="Arial" panose="020B0604020202020204" pitchFamily="34" charset="0"/>
+        <a:buFont typeface="Arial" pitchFamily="34" charset="0"/>
         <a:buChar char="–"/>
         <a:defRPr sz="2800" kern="1200">
           <a:solidFill>
@@ -2886,7 +2874,7 @@
         <a:spcBef>
           <a:spcPct val="20000"/>
         </a:spcBef>
-        <a:buFont typeface="Arial" panose="020B0604020202020204" pitchFamily="34" charset="0"/>
+        <a:buFont typeface="Arial" pitchFamily="34" charset="0"/>
         <a:buChar char="•"/>
         <a:defRPr sz="2400" kern="1200">
           <a:solidFill>
@@ -2901,7 +2889,7 @@
         <a:spcBef>
           <a:spcPct val="20000"/>
         </a:spcBef>
-        <a:buFont typeface="Arial" panose="020B0604020202020204" pitchFamily="34" charset="0"/>
+        <a:buFont typeface="Arial" pitchFamily="34" charset="0"/>
         <a:buChar char="–"/>
         <a:defRPr sz="2000" kern="1200">
           <a:solidFill>
@@ -2916,7 +2904,7 @@
         <a:spcBef>
           <a:spcPct val="20000"/>
         </a:spcBef>
-        <a:buFont typeface="Arial" panose="020B0604020202020204" pitchFamily="34" charset="0"/>
+        <a:buFont typeface="Arial" pitchFamily="34" charset="0"/>
         <a:buChar char="»"/>
         <a:defRPr sz="2000" kern="1200">
           <a:solidFill>
@@ -2931,7 +2919,7 @@
         <a:spcBef>
           <a:spcPct val="20000"/>
         </a:spcBef>
-        <a:buFont typeface="Arial" panose="020B0604020202020204" pitchFamily="34" charset="0"/>
+        <a:buFont typeface="Arial" pitchFamily="34" charset="0"/>
         <a:buChar char="•"/>
         <a:defRPr sz="2000" kern="1200">
           <a:solidFill>
@@ -2946,7 +2934,7 @@
         <a:spcBef>
           <a:spcPct val="20000"/>
         </a:spcBef>
-        <a:buFont typeface="Arial" panose="020B0604020202020204" pitchFamily="34" charset="0"/>
+        <a:buFont typeface="Arial" pitchFamily="34" charset="0"/>
         <a:buChar char="•"/>
         <a:defRPr sz="2000" kern="1200">
           <a:solidFill>
@@ -2961,7 +2949,7 @@
         <a:spcBef>
           <a:spcPct val="20000"/>
         </a:spcBef>
-        <a:buFont typeface="Arial" panose="020B0604020202020204" pitchFamily="34" charset="0"/>
+        <a:buFont typeface="Arial" pitchFamily="34" charset="0"/>
         <a:buChar char="•"/>
         <a:defRPr sz="2000" kern="1200">
           <a:solidFill>
@@ -2976,7 +2964,7 @@
         <a:spcBef>
           <a:spcPct val="20000"/>
         </a:spcBef>
-        <a:buFont typeface="Arial" panose="020B0604020202020204" pitchFamily="34" charset="0"/>
+        <a:buFont typeface="Arial" pitchFamily="34" charset="0"/>
         <a:buChar char="•"/>
         <a:defRPr sz="2000" kern="1200">
           <a:solidFill>
@@ -3088,7 +3076,7 @@
 </file>
 
 <file path=ppt/slides/slide1.xml><?xml version="1.0" encoding="utf-8"?>
-<p:sld xmlns:a="http://schemas.openxmlformats.org/drawingml/2006/main" xmlns:r="http://schemas.openxmlformats.org/officeDocument/2006/relationships" xmlns:p="http://schemas.openxmlformats.org/presentationml/2006/main">
+<p:sld xmlns:p="http://schemas.openxmlformats.org/presentationml/2006/main" xmlns:a="http://schemas.openxmlformats.org/drawingml/2006/main" xmlns:r="http://schemas.openxmlformats.org/officeDocument/2006/relationships">
   <p:cSld>
     <p:spTree>
       <p:nvGrpSpPr>
@@ -3106,26 +3094,26 @@
       </p:grpSpPr>
       <p:grpSp>
         <p:nvGrpSpPr>
-          <p:cNvPr id="2" name="Group 2"/>
+          <p:cNvPr name="Group 2" id="2"/>
           <p:cNvGrpSpPr/>
           <p:nvPr/>
         </p:nvGrpSpPr>
         <p:grpSpPr>
           <a:xfrm rot="0">
-            <a:off x="-19092" y="0"/>
-            <a:ext cx="10325151" cy="12906438"/>
+            <a:off x="-15268" y="4762"/>
+            <a:ext cx="10317503" cy="12896878"/>
             <a:chOff x="0" y="0"/>
             <a:chExt cx="13756670" cy="17195837"/>
           </a:xfrm>
         </p:grpSpPr>
         <p:sp>
           <p:nvSpPr>
-            <p:cNvPr id="3" name="Freeform 3"/>
+            <p:cNvPr name="Freeform 3" id="3"/>
             <p:cNvSpPr/>
             <p:nvPr/>
           </p:nvSpPr>
           <p:spPr>
-            <a:xfrm>
+            <a:xfrm flipH="false" flipV="false" rot="0">
               <a:off x="0" y="0"/>
               <a:ext cx="13756639" cy="17195800"/>
             </a:xfrm>
@@ -3134,9 +3122,9 @@
               <a:gdLst/>
               <a:ahLst/>
               <a:cxnLst/>
-              <a:rect l="l" t="t" r="r" b="b"/>
+              <a:rect r="r" b="b" t="t" l="l"/>
               <a:pathLst>
-                <a:path w="13756639" h="17195800">
+                <a:path h="17195800" w="13756639">
                   <a:moveTo>
                     <a:pt x="0" y="0"/>
                   </a:moveTo>
@@ -3157,9 +3145,9 @@
               </a:pathLst>
             </a:custGeom>
             <a:blipFill>
-              <a:blip r:embed="rId1"/>
+              <a:blip r:embed="rId2"/>
               <a:stretch>
-                <a:fillRect l="-206" r="-206"/>
+                <a:fillRect l="-206" t="0" r="-206" b="0"/>
               </a:stretch>
             </a:blipFill>
           </p:spPr>
@@ -3167,12 +3155,12 @@
       </p:grpSp>
       <p:sp>
         <p:nvSpPr>
-          <p:cNvPr id="4" name="Freeform 4"/>
+          <p:cNvPr name="Freeform 4" id="4"/>
           <p:cNvSpPr/>
           <p:nvPr/>
         </p:nvSpPr>
         <p:spPr>
-          <a:xfrm>
+          <a:xfrm flipH="false" flipV="false" rot="0">
             <a:off x="8076617" y="680620"/>
             <a:ext cx="1757027" cy="1757027"/>
           </a:xfrm>
@@ -3181,9 +3169,9 @@
             <a:gdLst/>
             <a:ahLst/>
             <a:cxnLst/>
-            <a:rect l="l" t="t" r="r" b="b"/>
+            <a:rect r="r" b="b" t="t" l="l"/>
             <a:pathLst>
-              <a:path w="1757027" h="1757027">
+              <a:path h="1757027" w="1757027">
                 <a:moveTo>
                   <a:pt x="0" y="0"/>
                 </a:moveTo>
@@ -3204,27 +3192,27 @@
             </a:pathLst>
           </a:custGeom>
           <a:blipFill>
-            <a:blip r:embed="rId2">
+            <a:blip r:embed="rId3">
               <a:extLst>
                 <a:ext uri="{96DAC541-7B7A-43D3-8B79-37D633B846F1}">
-                  <asvg:svgBlip xmlns:asvg="http://schemas.microsoft.com/office/drawing/2016/SVG/main" r:embed="rId3"/>
+                  <asvg:svgBlip xmlns:asvg="http://schemas.microsoft.com/office/drawing/2016/SVG/main" r:embed="rId4"/>
                 </a:ext>
               </a:extLst>
             </a:blip>
             <a:stretch>
-              <a:fillRect/>
+              <a:fillRect l="0" t="0" r="0" b="0"/>
             </a:stretch>
           </a:blipFill>
         </p:spPr>
       </p:sp>
       <p:sp>
         <p:nvSpPr>
-          <p:cNvPr id="5" name="Freeform 5"/>
+          <p:cNvPr name="Freeform 5" id="5"/>
           <p:cNvSpPr/>
           <p:nvPr/>
         </p:nvSpPr>
         <p:spPr>
-          <a:xfrm>
+          <a:xfrm flipH="false" flipV="false" rot="0">
             <a:off x="766976" y="5130750"/>
             <a:ext cx="727076" cy="7770910"/>
           </a:xfrm>
@@ -3233,9 +3221,9 @@
             <a:gdLst/>
             <a:ahLst/>
             <a:cxnLst/>
-            <a:rect l="l" t="t" r="r" b="b"/>
+            <a:rect r="r" b="b" t="t" l="l"/>
             <a:pathLst>
-              <a:path w="727076" h="7770910">
+              <a:path h="7770910" w="727076">
                 <a:moveTo>
                   <a:pt x="0" y="0"/>
                 </a:moveTo>
@@ -3256,22 +3244,22 @@
             </a:pathLst>
           </a:custGeom>
           <a:blipFill>
-            <a:blip r:embed="rId4">
+            <a:blip r:embed="rId5">
               <a:extLst>
                 <a:ext uri="{96DAC541-7B7A-43D3-8B79-37D633B846F1}">
-                  <asvg:svgBlip xmlns:asvg="http://schemas.microsoft.com/office/drawing/2016/SVG/main" r:embed="rId5"/>
+                  <asvg:svgBlip xmlns:asvg="http://schemas.microsoft.com/office/drawing/2016/SVG/main" r:embed="rId6"/>
                 </a:ext>
               </a:extLst>
             </a:blip>
             <a:stretch>
-              <a:fillRect l="-426" r="-426"/>
+              <a:fillRect l="-426" t="0" r="-426" b="0"/>
             </a:stretch>
           </a:blipFill>
         </p:spPr>
       </p:sp>
       <p:grpSp>
         <p:nvGrpSpPr>
-          <p:cNvPr id="6" name="Group 6"/>
+          <p:cNvPr name="Group 6" id="6"/>
           <p:cNvGrpSpPr/>
           <p:nvPr/>
         </p:nvGrpSpPr>
@@ -3285,12 +3273,12 @@
         </p:grpSpPr>
         <p:sp>
           <p:nvSpPr>
-            <p:cNvPr id="7" name="Freeform 7"/>
+            <p:cNvPr name="Freeform 7" id="7"/>
             <p:cNvSpPr/>
             <p:nvPr/>
           </p:nvSpPr>
           <p:spPr>
-            <a:xfrm>
+            <a:xfrm flipH="false" flipV="false" rot="0">
               <a:off x="0" y="0"/>
               <a:ext cx="1627759" cy="1866773"/>
             </a:xfrm>
@@ -3299,9 +3287,9 @@
               <a:gdLst/>
               <a:ahLst/>
               <a:cxnLst/>
-              <a:rect l="l" t="t" r="r" b="b"/>
+              <a:rect r="r" b="b" t="t" l="l"/>
               <a:pathLst>
-                <a:path w="1627759" h="1866773">
+                <a:path h="1866773" w="1627759">
                   <a:moveTo>
                     <a:pt x="0" y="0"/>
                   </a:moveTo>
@@ -3322,9 +3310,9 @@
               </a:pathLst>
             </a:custGeom>
             <a:blipFill>
-              <a:blip r:embed="rId6"/>
+              <a:blip r:embed="rId7"/>
               <a:stretch>
-                <a:fillRect l="-299" r="-299"/>
+                <a:fillRect l="-299" t="0" r="-299" b="0"/>
               </a:stretch>
             </a:blipFill>
           </p:spPr>
@@ -3332,12 +3320,12 @@
       </p:grpSp>
       <p:sp>
         <p:nvSpPr>
-          <p:cNvPr id="8" name="Freeform 8"/>
+          <p:cNvPr name="Freeform 8" id="8"/>
           <p:cNvSpPr/>
           <p:nvPr/>
         </p:nvSpPr>
         <p:spPr>
-          <a:xfrm>
+          <a:xfrm flipH="false" flipV="false" rot="0">
             <a:off x="870056" y="11618222"/>
             <a:ext cx="549621" cy="549621"/>
           </a:xfrm>
@@ -3346,9 +3334,9 @@
             <a:gdLst/>
             <a:ahLst/>
             <a:cxnLst/>
-            <a:rect l="l" t="t" r="r" b="b"/>
+            <a:rect r="r" b="b" t="t" l="l"/>
             <a:pathLst>
-              <a:path w="549621" h="549621">
+              <a:path h="549621" w="549621">
                 <a:moveTo>
                   <a:pt x="0" y="0"/>
                 </a:moveTo>
@@ -3369,27 +3357,27 @@
             </a:pathLst>
           </a:custGeom>
           <a:blipFill>
-            <a:blip r:embed="rId7">
+            <a:blip r:embed="rId8">
               <a:extLst>
                 <a:ext uri="{96DAC541-7B7A-43D3-8B79-37D633B846F1}">
-                  <asvg:svgBlip xmlns:asvg="http://schemas.microsoft.com/office/drawing/2016/SVG/main" r:embed="rId8"/>
+                  <asvg:svgBlip xmlns:asvg="http://schemas.microsoft.com/office/drawing/2016/SVG/main" r:embed="rId9"/>
                 </a:ext>
               </a:extLst>
             </a:blip>
             <a:stretch>
-              <a:fillRect/>
+              <a:fillRect l="0" t="0" r="0" b="0"/>
             </a:stretch>
           </a:blipFill>
         </p:spPr>
       </p:sp>
       <p:sp>
         <p:nvSpPr>
-          <p:cNvPr id="9" name="Freeform 9"/>
+          <p:cNvPr name="Freeform 9" id="9"/>
           <p:cNvSpPr/>
           <p:nvPr/>
         </p:nvSpPr>
         <p:spPr>
-          <a:xfrm>
+          <a:xfrm flipH="false" flipV="false" rot="0">
             <a:off x="995686" y="11745716"/>
             <a:ext cx="298362" cy="294632"/>
           </a:xfrm>
@@ -3398,9 +3386,9 @@
             <a:gdLst/>
             <a:ahLst/>
             <a:cxnLst/>
-            <a:rect l="l" t="t" r="r" b="b"/>
+            <a:rect r="r" b="b" t="t" l="l"/>
             <a:pathLst>
-              <a:path w="298362" h="294632">
+              <a:path h="294632" w="298362">
                 <a:moveTo>
                   <a:pt x="0" y="0"/>
                 </a:moveTo>
@@ -3421,27 +3409,27 @@
             </a:pathLst>
           </a:custGeom>
           <a:blipFill>
-            <a:blip r:embed="rId9">
+            <a:blip r:embed="rId10">
               <a:extLst>
                 <a:ext uri="{96DAC541-7B7A-43D3-8B79-37D633B846F1}">
-                  <asvg:svgBlip xmlns:asvg="http://schemas.microsoft.com/office/drawing/2016/SVG/main" r:embed="rId10"/>
+                  <asvg:svgBlip xmlns:asvg="http://schemas.microsoft.com/office/drawing/2016/SVG/main" r:embed="rId11"/>
                 </a:ext>
               </a:extLst>
             </a:blip>
             <a:stretch>
-              <a:fillRect t="-632" b="-632"/>
+              <a:fillRect l="0" t="-632" r="0" b="-632"/>
             </a:stretch>
           </a:blipFill>
         </p:spPr>
       </p:sp>
       <p:sp>
         <p:nvSpPr>
-          <p:cNvPr id="10" name="TextBox 10"/>
-          <p:cNvSpPr txBox="1"/>
+          <p:cNvPr name="TextBox 10" id="10"/>
+          <p:cNvSpPr txBox="true"/>
           <p:nvPr/>
         </p:nvSpPr>
         <p:spPr>
-          <a:xfrm>
+          <a:xfrm rot="0">
             <a:off x="1708627" y="11501540"/>
             <a:ext cx="3910947" cy="349484"/>
           </a:xfrm>
@@ -3450,18 +3438,18 @@
           </a:prstGeom>
         </p:spPr>
         <p:txBody>
-          <a:bodyPr lIns="0" tIns="0" rIns="0" bIns="0" rtlCol="0" anchor="t">
+          <a:bodyPr anchor="t" rtlCol="false" tIns="0" lIns="0" bIns="0" rIns="0">
             <a:spAutoFit/>
           </a:bodyPr>
           <a:lstStyle/>
           <a:p>
             <a:pPr algn="l">
               <a:lnSpc>
-                <a:spcPts val="2140"/>
+                <a:spcPts val="2139"/>
               </a:lnSpc>
             </a:pPr>
             <a:r>
-              <a:rPr lang="en-US" sz="1530" b="1">
+              <a:rPr lang="en-US" sz="1528" b="true">
                 <a:solidFill>
                   <a:srgbClr val="F4C014"/>
                 </a:solidFill>
@@ -3472,26 +3460,17 @@
               </a:rPr>
               <a:t>WEBINAR BRIEF </a:t>
             </a:r>
-            <a:endParaRPr lang="en-US" sz="1530" b="1">
-              <a:solidFill>
-                <a:srgbClr val="F4C014"/>
-              </a:solidFill>
-              <a:latin typeface="Gordita Bold"/>
-              <a:ea typeface="Gordita Bold"/>
-              <a:cs typeface="Gordita Bold"/>
-              <a:sym typeface="Gordita Bold"/>
-            </a:endParaRPr>
-          </a:p>
-        </p:txBody>
-      </p:sp>
-      <p:sp>
-        <p:nvSpPr>
-          <p:cNvPr id="11" name="TextBox 11"/>
-          <p:cNvSpPr txBox="1"/>
+          </a:p>
+        </p:txBody>
+      </p:sp>
+      <p:sp>
+        <p:nvSpPr>
+          <p:cNvPr name="TextBox 11" id="11"/>
+          <p:cNvSpPr txBox="true"/>
           <p:nvPr/>
         </p:nvSpPr>
         <p:spPr>
-          <a:xfrm>
+          <a:xfrm rot="0">
             <a:off x="1708627" y="11772553"/>
             <a:ext cx="5732730" cy="403174"/>
           </a:xfrm>
@@ -3500,18 +3479,18 @@
           </a:prstGeom>
         </p:spPr>
         <p:txBody>
-          <a:bodyPr lIns="0" tIns="0" rIns="0" bIns="0" rtlCol="0" anchor="t">
+          <a:bodyPr anchor="t" rtlCol="false" tIns="0" lIns="0" bIns="0" rIns="0">
             <a:spAutoFit/>
           </a:bodyPr>
           <a:lstStyle/>
           <a:p>
             <a:pPr algn="l">
               <a:lnSpc>
-                <a:spcPts val="2455"/>
+                <a:spcPts val="2454"/>
               </a:lnSpc>
             </a:pPr>
             <a:r>
-              <a:rPr lang="en-US" sz="1755">
+              <a:rPr lang="en-US" sz="1753">
                 <a:solidFill>
                   <a:srgbClr val="FFFFFF"/>
                 </a:solidFill>
@@ -3522,26 +3501,17 @@
               </a:rPr>
               <a:t>&lt;&lt; Filled by Admin</a:t>
             </a:r>
-            <a:endParaRPr lang="en-US" sz="1755">
-              <a:solidFill>
-                <a:srgbClr val="FFFFFF"/>
-              </a:solidFill>
-              <a:latin typeface="Open Sans"/>
-              <a:ea typeface="Open Sans"/>
-              <a:cs typeface="Open Sans"/>
-              <a:sym typeface="Open Sans"/>
-            </a:endParaRPr>
-          </a:p>
-        </p:txBody>
-      </p:sp>
-      <p:sp>
-        <p:nvSpPr>
-          <p:cNvPr id="12" name="Freeform 12"/>
+          </a:p>
+        </p:txBody>
+      </p:sp>
+      <p:sp>
+        <p:nvSpPr>
+          <p:cNvPr name="Freeform 12" id="12"/>
           <p:cNvSpPr/>
           <p:nvPr/>
         </p:nvSpPr>
         <p:spPr>
-          <a:xfrm>
+          <a:xfrm flipH="false" flipV="false" rot="0">
             <a:off x="870056" y="8006265"/>
             <a:ext cx="549621" cy="549621"/>
           </a:xfrm>
@@ -3550,9 +3520,9 @@
             <a:gdLst/>
             <a:ahLst/>
             <a:cxnLst/>
-            <a:rect l="l" t="t" r="r" b="b"/>
+            <a:rect r="r" b="b" t="t" l="l"/>
             <a:pathLst>
-              <a:path w="549621" h="549621">
+              <a:path h="549621" w="549621">
                 <a:moveTo>
                   <a:pt x="0" y="0"/>
                 </a:moveTo>
@@ -3573,27 +3543,27 @@
             </a:pathLst>
           </a:custGeom>
           <a:blipFill>
-            <a:blip r:embed="rId7">
+            <a:blip r:embed="rId8">
               <a:extLst>
                 <a:ext uri="{96DAC541-7B7A-43D3-8B79-37D633B846F1}">
-                  <asvg:svgBlip xmlns:asvg="http://schemas.microsoft.com/office/drawing/2016/SVG/main" r:embed="rId8"/>
+                  <asvg:svgBlip xmlns:asvg="http://schemas.microsoft.com/office/drawing/2016/SVG/main" r:embed="rId9"/>
                 </a:ext>
               </a:extLst>
             </a:blip>
             <a:stretch>
-              <a:fillRect/>
+              <a:fillRect l="0" t="0" r="0" b="0"/>
             </a:stretch>
           </a:blipFill>
         </p:spPr>
       </p:sp>
       <p:sp>
         <p:nvSpPr>
-          <p:cNvPr id="13" name="Freeform 13"/>
+          <p:cNvPr name="Freeform 13" id="13"/>
           <p:cNvSpPr/>
           <p:nvPr/>
         </p:nvSpPr>
         <p:spPr>
-          <a:xfrm rot="-10800000">
+          <a:xfrm flipH="false" flipV="false" rot="-10800000">
             <a:off x="1002182" y="8114679"/>
             <a:ext cx="285368" cy="332791"/>
           </a:xfrm>
@@ -3602,9 +3572,9 @@
             <a:gdLst/>
             <a:ahLst/>
             <a:cxnLst/>
-            <a:rect l="l" t="t" r="r" b="b"/>
+            <a:rect r="r" b="b" t="t" l="l"/>
             <a:pathLst>
-              <a:path w="285368" h="332791">
+              <a:path h="332791" w="285368">
                 <a:moveTo>
                   <a:pt x="0" y="0"/>
                 </a:moveTo>
@@ -3625,27 +3595,27 @@
             </a:pathLst>
           </a:custGeom>
           <a:blipFill>
-            <a:blip r:embed="rId11">
+            <a:blip r:embed="rId12">
               <a:extLst>
                 <a:ext uri="{96DAC541-7B7A-43D3-8B79-37D633B846F1}">
-                  <asvg:svgBlip xmlns:asvg="http://schemas.microsoft.com/office/drawing/2016/SVG/main" r:embed="rId12"/>
+                  <asvg:svgBlip xmlns:asvg="http://schemas.microsoft.com/office/drawing/2016/SVG/main" r:embed="rId13"/>
                 </a:ext>
               </a:extLst>
             </a:blip>
             <a:stretch>
-              <a:fillRect l="-1645" r="-1645"/>
+              <a:fillRect l="-1645" t="0" r="-1645" b="0"/>
             </a:stretch>
           </a:blipFill>
         </p:spPr>
       </p:sp>
       <p:sp>
         <p:nvSpPr>
-          <p:cNvPr id="14" name="TextBox 14"/>
-          <p:cNvSpPr txBox="1"/>
+          <p:cNvPr name="TextBox 14" id="14"/>
+          <p:cNvSpPr txBox="true"/>
           <p:nvPr/>
         </p:nvSpPr>
         <p:spPr>
-          <a:xfrm>
+          <a:xfrm rot="0">
             <a:off x="1742886" y="7889584"/>
             <a:ext cx="4458190" cy="349484"/>
           </a:xfrm>
@@ -3654,18 +3624,18 @@
           </a:prstGeom>
         </p:spPr>
         <p:txBody>
-          <a:bodyPr lIns="0" tIns="0" rIns="0" bIns="0" rtlCol="0" anchor="t">
+          <a:bodyPr anchor="t" rtlCol="false" tIns="0" lIns="0" bIns="0" rIns="0">
             <a:spAutoFit/>
           </a:bodyPr>
           <a:lstStyle/>
           <a:p>
             <a:pPr algn="l">
               <a:lnSpc>
-                <a:spcPts val="2140"/>
+                <a:spcPts val="2139"/>
               </a:lnSpc>
             </a:pPr>
             <a:r>
-              <a:rPr lang="en-US" sz="1530" b="1">
+              <a:rPr lang="en-US" sz="1528" b="true">
                 <a:solidFill>
                   <a:srgbClr val="F4C014"/>
                 </a:solidFill>
@@ -3676,46 +3646,37 @@
               </a:rPr>
               <a:t>STYLE(S) SELECTED </a:t>
             </a:r>
-            <a:endParaRPr lang="en-US" sz="1530" b="1">
-              <a:solidFill>
-                <a:srgbClr val="F4C014"/>
-              </a:solidFill>
-              <a:latin typeface="Gordita Bold"/>
-              <a:ea typeface="Gordita Bold"/>
-              <a:cs typeface="Gordita Bold"/>
-              <a:sym typeface="Gordita Bold"/>
-            </a:endParaRPr>
-          </a:p>
-        </p:txBody>
-      </p:sp>
-      <p:sp>
-        <p:nvSpPr>
-          <p:cNvPr id="15" name="TextBox 15"/>
-          <p:cNvSpPr txBox="1"/>
+          </a:p>
+        </p:txBody>
+      </p:sp>
+      <p:sp>
+        <p:nvSpPr>
+          <p:cNvPr name="TextBox 15" id="15"/>
+          <p:cNvSpPr txBox="true"/>
           <p:nvPr/>
         </p:nvSpPr>
         <p:spPr>
-          <a:xfrm>
+          <a:xfrm rot="0">
             <a:off x="1742886" y="8109872"/>
-            <a:ext cx="2699786" cy="1355725"/>
+            <a:ext cx="2699786" cy="990402"/>
           </a:xfrm>
           <a:prstGeom prst="rect">
             <a:avLst/>
           </a:prstGeom>
         </p:spPr>
         <p:txBody>
-          <a:bodyPr lIns="0" tIns="0" rIns="0" bIns="0" rtlCol="0" anchor="t">
+          <a:bodyPr anchor="t" rtlCol="false" tIns="0" lIns="0" bIns="0" rIns="0">
             <a:spAutoFit/>
           </a:bodyPr>
           <a:lstStyle/>
           <a:p>
             <a:pPr algn="l">
               <a:lnSpc>
-                <a:spcPts val="2645"/>
+                <a:spcPts val="2642"/>
               </a:lnSpc>
             </a:pPr>
             <a:r>
-              <a:rPr lang="en-US" altLang="en-GB" sz="1890">
+              <a:rPr lang="en-US" sz="1889">
                 <a:solidFill>
                   <a:srgbClr val="FFFFFF"/>
                 </a:solidFill>
@@ -3724,42 +3685,38 @@
                 <a:cs typeface="Open Sans"/>
                 <a:sym typeface="Open Sans"/>
               </a:rPr>
-              <a:t>Which style's do you like</a:t>
-            </a:r>
-            <a:endParaRPr lang="en-US" sz="1890">
-              <a:solidFill>
-                <a:srgbClr val="FFFFFF"/>
-              </a:solidFill>
-              <a:latin typeface="Open Sans"/>
-              <a:ea typeface="Open Sans"/>
-              <a:cs typeface="Open Sans"/>
-              <a:sym typeface="Open Sans"/>
-            </a:endParaRPr>
+              <a:t>Which </a:t>
+            </a:r>
+            <a:r>
+              <a:rPr lang="en-US" sz="1889">
+                <a:solidFill>
+                  <a:srgbClr val="FFFFFF"/>
+                </a:solidFill>
+                <a:latin typeface="Open Sans"/>
+                <a:ea typeface="Open Sans"/>
+                <a:cs typeface="Open Sans"/>
+                <a:sym typeface="Open Sans"/>
+              </a:rPr>
+              <a:t>style's do you like</a:t>
+            </a:r>
           </a:p>
           <a:p>
             <a:pPr algn="l">
               <a:lnSpc>
-                <a:spcPts val="2640"/>
+                <a:spcPts val="2644"/>
               </a:lnSpc>
             </a:pPr>
           </a:p>
-          <a:p>
-            <a:pPr algn="l">
-              <a:lnSpc>
-                <a:spcPts val="2645"/>
-              </a:lnSpc>
-            </a:pPr>
-          </a:p>
-        </p:txBody>
-      </p:sp>
-      <p:sp>
-        <p:nvSpPr>
-          <p:cNvPr id="16" name="Freeform 16"/>
+        </p:txBody>
+      </p:sp>
+      <p:sp>
+        <p:nvSpPr>
+          <p:cNvPr name="Freeform 16" id="16"/>
           <p:cNvSpPr/>
           <p:nvPr/>
         </p:nvSpPr>
         <p:spPr>
-          <a:xfrm>
+          <a:xfrm flipH="false" flipV="false" rot="0">
             <a:off x="870056" y="6916412"/>
             <a:ext cx="549621" cy="549621"/>
           </a:xfrm>
@@ -3768,9 +3725,9 @@
             <a:gdLst/>
             <a:ahLst/>
             <a:cxnLst/>
-            <a:rect l="l" t="t" r="r" b="b"/>
+            <a:rect r="r" b="b" t="t" l="l"/>
             <a:pathLst>
-              <a:path w="549621" h="549621">
+              <a:path h="549621" w="549621">
                 <a:moveTo>
                   <a:pt x="0" y="0"/>
                 </a:moveTo>
@@ -3791,28 +3748,28 @@
             </a:pathLst>
           </a:custGeom>
           <a:blipFill>
-            <a:blip r:embed="rId7">
+            <a:blip r:embed="rId8">
               <a:extLst>
                 <a:ext uri="{96DAC541-7B7A-43D3-8B79-37D633B846F1}">
-                  <asvg:svgBlip xmlns:asvg="http://schemas.microsoft.com/office/drawing/2016/SVG/main" r:embed="rId8"/>
+                  <asvg:svgBlip xmlns:asvg="http://schemas.microsoft.com/office/drawing/2016/SVG/main" r:embed="rId9"/>
                 </a:ext>
               </a:extLst>
             </a:blip>
             <a:stretch>
-              <a:fillRect/>
+              <a:fillRect l="0" t="0" r="0" b="0"/>
             </a:stretch>
           </a:blipFill>
         </p:spPr>
       </p:sp>
       <p:sp>
         <p:nvSpPr>
-          <p:cNvPr id="17" name="Freeform 17"/>
+          <p:cNvPr name="Freeform 17" id="17"/>
           <p:cNvSpPr/>
           <p:nvPr/>
         </p:nvSpPr>
         <p:spPr>
-          <a:xfrm>
-            <a:off x="998085" y="7044443"/>
+          <a:xfrm flipH="false" flipV="false" rot="0">
+            <a:off x="998085" y="7044442"/>
             <a:ext cx="293561" cy="293561"/>
           </a:xfrm>
           <a:custGeom>
@@ -3820,9 +3777,9 @@
             <a:gdLst/>
             <a:ahLst/>
             <a:cxnLst/>
-            <a:rect l="l" t="t" r="r" b="b"/>
+            <a:rect r="r" b="b" t="t" l="l"/>
             <a:pathLst>
-              <a:path w="293561" h="293561">
+              <a:path h="293561" w="293561">
                 <a:moveTo>
                   <a:pt x="0" y="0"/>
                 </a:moveTo>
@@ -3830,10 +3787,10 @@
                   <a:pt x="293561" y="0"/>
                 </a:lnTo>
                 <a:lnTo>
-                  <a:pt x="293561" y="293561"/>
+                  <a:pt x="293561" y="293562"/>
                 </a:lnTo>
                 <a:lnTo>
-                  <a:pt x="0" y="293561"/>
+                  <a:pt x="0" y="293562"/>
                 </a:lnTo>
                 <a:lnTo>
                   <a:pt x="0" y="0"/>
@@ -3843,27 +3800,27 @@
             </a:pathLst>
           </a:custGeom>
           <a:blipFill>
-            <a:blip r:embed="rId13">
+            <a:blip r:embed="rId14">
               <a:extLst>
                 <a:ext uri="{96DAC541-7B7A-43D3-8B79-37D633B846F1}">
-                  <asvg:svgBlip xmlns:asvg="http://schemas.microsoft.com/office/drawing/2016/SVG/main" r:embed="rId14"/>
+                  <asvg:svgBlip xmlns:asvg="http://schemas.microsoft.com/office/drawing/2016/SVG/main" r:embed="rId15"/>
                 </a:ext>
               </a:extLst>
             </a:blip>
             <a:stretch>
-              <a:fillRect/>
+              <a:fillRect l="0" t="0" r="0" b="0"/>
             </a:stretch>
           </a:blipFill>
         </p:spPr>
       </p:sp>
       <p:sp>
         <p:nvSpPr>
-          <p:cNvPr id="18" name="TextBox 18"/>
-          <p:cNvSpPr txBox="1"/>
+          <p:cNvPr name="TextBox 18" id="18"/>
+          <p:cNvSpPr txBox="true"/>
           <p:nvPr/>
         </p:nvSpPr>
         <p:spPr>
-          <a:xfrm>
+          <a:xfrm rot="0">
             <a:off x="1742886" y="6799730"/>
             <a:ext cx="1693635" cy="343952"/>
           </a:xfrm>
@@ -3872,18 +3829,18 @@
           </a:prstGeom>
         </p:spPr>
         <p:txBody>
-          <a:bodyPr lIns="0" tIns="0" rIns="0" bIns="0" rtlCol="0" anchor="t">
+          <a:bodyPr anchor="t" rtlCol="false" tIns="0" lIns="0" bIns="0" rIns="0">
             <a:spAutoFit/>
           </a:bodyPr>
           <a:lstStyle/>
           <a:p>
             <a:pPr algn="l">
               <a:lnSpc>
-                <a:spcPts val="2140"/>
+                <a:spcPts val="2139"/>
               </a:lnSpc>
             </a:pPr>
             <a:r>
-              <a:rPr lang="en-US" sz="1530" b="1">
+              <a:rPr lang="en-US" sz="1528" b="true">
                 <a:solidFill>
                   <a:srgbClr val="F4C014"/>
                 </a:solidFill>
@@ -3894,46 +3851,37 @@
               </a:rPr>
               <a:t>ROOM SIZE</a:t>
             </a:r>
-            <a:endParaRPr lang="en-US" sz="1530" b="1">
-              <a:solidFill>
-                <a:srgbClr val="F4C014"/>
-              </a:solidFill>
-              <a:latin typeface="Gordita Bold"/>
-              <a:ea typeface="Gordita Bold"/>
-              <a:cs typeface="Gordita Bold"/>
-              <a:sym typeface="Gordita Bold"/>
-            </a:endParaRPr>
-          </a:p>
-        </p:txBody>
-      </p:sp>
-      <p:sp>
-        <p:nvSpPr>
-          <p:cNvPr id="19" name="TextBox 19"/>
-          <p:cNvSpPr txBox="1"/>
+          </a:p>
+        </p:txBody>
+      </p:sp>
+      <p:sp>
+        <p:nvSpPr>
+          <p:cNvPr name="TextBox 19" id="19"/>
+          <p:cNvSpPr txBox="true"/>
           <p:nvPr/>
         </p:nvSpPr>
         <p:spPr>
-          <a:xfrm>
+          <a:xfrm rot="0">
             <a:off x="1742886" y="7013828"/>
-            <a:ext cx="2217022" cy="339725"/>
+            <a:ext cx="2217022" cy="323444"/>
           </a:xfrm>
           <a:prstGeom prst="rect">
             <a:avLst/>
           </a:prstGeom>
         </p:spPr>
         <p:txBody>
-          <a:bodyPr lIns="0" tIns="0" rIns="0" bIns="0" rtlCol="0" anchor="t">
+          <a:bodyPr anchor="t" rtlCol="false" tIns="0" lIns="0" bIns="0" rIns="0">
             <a:spAutoFit/>
           </a:bodyPr>
           <a:lstStyle/>
           <a:p>
             <a:pPr algn="l">
               <a:lnSpc>
-                <a:spcPts val="2650"/>
+                <a:spcPts val="2651"/>
               </a:lnSpc>
             </a:pPr>
             <a:r>
-              <a:rPr lang="en-US" altLang="en-GB" sz="1895">
+              <a:rPr lang="en-US" sz="1894">
                 <a:solidFill>
                   <a:srgbClr val="FFFFFF"/>
                 </a:solidFill>
@@ -3942,10 +3890,10 @@
                 <a:cs typeface="Open Sans"/>
                 <a:sym typeface="Open Sans"/>
               </a:rPr>
-              <a:t>Q. Area </a:t>
-            </a:r>
-            <a:r>
-              <a:rPr lang="en-US" sz="1895">
+              <a:t>Q.</a:t>
+            </a:r>
+            <a:r>
+              <a:rPr lang="en-US" sz="1894">
                 <a:solidFill>
                   <a:srgbClr val="FFFFFF"/>
                 </a:solidFill>
@@ -3954,28 +3902,19 @@
                 <a:cs typeface="Open Sans"/>
                 <a:sym typeface="Open Sans"/>
               </a:rPr>
-              <a:t> /m2  </a:t>
-            </a:r>
-            <a:endParaRPr lang="en-US" sz="1895">
-              <a:solidFill>
-                <a:srgbClr val="FFFFFF"/>
-              </a:solidFill>
-              <a:latin typeface="Open Sans"/>
-              <a:ea typeface="Open Sans"/>
-              <a:cs typeface="Open Sans"/>
-              <a:sym typeface="Open Sans"/>
-            </a:endParaRPr>
-          </a:p>
-        </p:txBody>
-      </p:sp>
-      <p:sp>
-        <p:nvSpPr>
-          <p:cNvPr id="20" name="Freeform 20"/>
+              <a:t> Area /m2  </a:t>
+            </a:r>
+          </a:p>
+        </p:txBody>
+      </p:sp>
+      <p:sp>
+        <p:nvSpPr>
+          <p:cNvPr name="Freeform 20" id="20"/>
           <p:cNvSpPr/>
           <p:nvPr/>
         </p:nvSpPr>
         <p:spPr>
-          <a:xfrm>
+          <a:xfrm flipH="false" flipV="false" rot="0">
             <a:off x="904294" y="4389266"/>
             <a:ext cx="481145" cy="455283"/>
           </a:xfrm>
@@ -3984,9 +3923,9 @@
             <a:gdLst/>
             <a:ahLst/>
             <a:cxnLst/>
-            <a:rect l="l" t="t" r="r" b="b"/>
+            <a:rect r="r" b="b" t="t" l="l"/>
             <a:pathLst>
-              <a:path w="481145" h="455283">
+              <a:path h="455283" w="481145">
                 <a:moveTo>
                   <a:pt x="0" y="0"/>
                 </a:moveTo>
@@ -4007,28 +3946,28 @@
             </a:pathLst>
           </a:custGeom>
           <a:blipFill>
-            <a:blip r:embed="rId15">
+            <a:blip r:embed="rId16">
               <a:extLst>
                 <a:ext uri="{96DAC541-7B7A-43D3-8B79-37D633B846F1}">
-                  <asvg:svgBlip xmlns:asvg="http://schemas.microsoft.com/office/drawing/2016/SVG/main" r:embed="rId16"/>
+                  <asvg:svgBlip xmlns:asvg="http://schemas.microsoft.com/office/drawing/2016/SVG/main" r:embed="rId17"/>
                 </a:ext>
               </a:extLst>
             </a:blip>
             <a:stretch>
-              <a:fillRect l="-269" r="-269"/>
+              <a:fillRect l="-269" t="0" r="-269" b="0"/>
             </a:stretch>
           </a:blipFill>
         </p:spPr>
       </p:sp>
       <p:sp>
         <p:nvSpPr>
-          <p:cNvPr id="21" name="Freeform 21"/>
+          <p:cNvPr name="Freeform 21" id="21"/>
           <p:cNvSpPr/>
           <p:nvPr/>
         </p:nvSpPr>
         <p:spPr>
-          <a:xfrm>
-            <a:off x="8616780" y="11000053"/>
+          <a:xfrm flipH="false" flipV="false" rot="0">
+            <a:off x="8616780" y="11000052"/>
             <a:ext cx="1186654" cy="1186654"/>
           </a:xfrm>
           <a:custGeom>
@@ -4036,9 +3975,9 @@
             <a:gdLst/>
             <a:ahLst/>
             <a:cxnLst/>
-            <a:rect l="l" t="t" r="r" b="b"/>
+            <a:rect r="r" b="b" t="t" l="l"/>
             <a:pathLst>
-              <a:path w="1186654" h="1186654">
+              <a:path h="1186654" w="1186654">
                 <a:moveTo>
                   <a:pt x="0" y="0"/>
                 </a:moveTo>
@@ -4046,10 +3985,10 @@
                   <a:pt x="1186654" y="0"/>
                 </a:lnTo>
                 <a:lnTo>
-                  <a:pt x="1186654" y="1186654"/>
+                  <a:pt x="1186654" y="1186655"/>
                 </a:lnTo>
                 <a:lnTo>
-                  <a:pt x="0" y="1186654"/>
+                  <a:pt x="0" y="1186655"/>
                 </a:lnTo>
                 <a:lnTo>
                   <a:pt x="0" y="0"/>
@@ -4059,27 +3998,27 @@
             </a:pathLst>
           </a:custGeom>
           <a:blipFill>
-            <a:blip r:embed="rId17">
+            <a:blip r:embed="rId18">
               <a:extLst>
                 <a:ext uri="{96DAC541-7B7A-43D3-8B79-37D633B846F1}">
-                  <asvg:svgBlip xmlns:asvg="http://schemas.microsoft.com/office/drawing/2016/SVG/main" r:embed="rId18"/>
+                  <asvg:svgBlip xmlns:asvg="http://schemas.microsoft.com/office/drawing/2016/SVG/main" r:embed="rId19"/>
                 </a:ext>
               </a:extLst>
             </a:blip>
             <a:stretch>
-              <a:fillRect/>
+              <a:fillRect l="0" t="0" r="0" b="0"/>
             </a:stretch>
           </a:blipFill>
         </p:spPr>
       </p:sp>
       <p:sp>
         <p:nvSpPr>
-          <p:cNvPr id="22" name="Freeform 22"/>
+          <p:cNvPr name="Freeform 22" id="22"/>
           <p:cNvSpPr/>
           <p:nvPr/>
         </p:nvSpPr>
         <p:spPr>
-          <a:xfrm>
+          <a:xfrm flipH="false" flipV="false" rot="0">
             <a:off x="870056" y="10526226"/>
             <a:ext cx="549621" cy="549621"/>
           </a:xfrm>
@@ -4088,9 +4027,9 @@
             <a:gdLst/>
             <a:ahLst/>
             <a:cxnLst/>
-            <a:rect l="l" t="t" r="r" b="b"/>
+            <a:rect r="r" b="b" t="t" l="l"/>
             <a:pathLst>
-              <a:path w="549621" h="549621">
+              <a:path h="549621" w="549621">
                 <a:moveTo>
                   <a:pt x="0" y="0"/>
                 </a:moveTo>
@@ -4111,27 +4050,27 @@
             </a:pathLst>
           </a:custGeom>
           <a:blipFill>
-            <a:blip r:embed="rId7">
+            <a:blip r:embed="rId8">
               <a:extLst>
                 <a:ext uri="{96DAC541-7B7A-43D3-8B79-37D633B846F1}">
-                  <asvg:svgBlip xmlns:asvg="http://schemas.microsoft.com/office/drawing/2016/SVG/main" r:embed="rId8"/>
+                  <asvg:svgBlip xmlns:asvg="http://schemas.microsoft.com/office/drawing/2016/SVG/main" r:embed="rId9"/>
                 </a:ext>
               </a:extLst>
             </a:blip>
             <a:stretch>
-              <a:fillRect/>
+              <a:fillRect l="0" t="0" r="0" b="0"/>
             </a:stretch>
           </a:blipFill>
         </p:spPr>
       </p:sp>
       <p:sp>
         <p:nvSpPr>
-          <p:cNvPr id="23" name="Freeform 23"/>
+          <p:cNvPr name="Freeform 23" id="23"/>
           <p:cNvSpPr/>
           <p:nvPr/>
         </p:nvSpPr>
         <p:spPr>
-          <a:xfrm>
+          <a:xfrm flipH="false" flipV="false" rot="0">
             <a:off x="960076" y="10677458"/>
             <a:ext cx="369581" cy="247157"/>
           </a:xfrm>
@@ -4140,9 +4079,9 @@
             <a:gdLst/>
             <a:ahLst/>
             <a:cxnLst/>
-            <a:rect l="l" t="t" r="r" b="b"/>
+            <a:rect r="r" b="b" t="t" l="l"/>
             <a:pathLst>
-              <a:path w="369581" h="247157">
+              <a:path h="247157" w="369581">
                 <a:moveTo>
                   <a:pt x="0" y="0"/>
                 </a:moveTo>
@@ -4163,27 +4102,27 @@
             </a:pathLst>
           </a:custGeom>
           <a:blipFill>
-            <a:blip r:embed="rId19">
+            <a:blip r:embed="rId20">
               <a:extLst>
                 <a:ext uri="{96DAC541-7B7A-43D3-8B79-37D633B846F1}">
-                  <asvg:svgBlip xmlns:asvg="http://schemas.microsoft.com/office/drawing/2016/SVG/main" r:embed="rId20"/>
+                  <asvg:svgBlip xmlns:asvg="http://schemas.microsoft.com/office/drawing/2016/SVG/main" r:embed="rId21"/>
                 </a:ext>
               </a:extLst>
             </a:blip>
             <a:stretch>
-              <a:fillRect l="-156" r="-156"/>
+              <a:fillRect l="-156" t="0" r="-156" b="0"/>
             </a:stretch>
           </a:blipFill>
         </p:spPr>
       </p:sp>
       <p:sp>
         <p:nvSpPr>
-          <p:cNvPr id="24" name="TextBox 24"/>
-          <p:cNvSpPr txBox="1"/>
+          <p:cNvPr name="TextBox 24" id="24"/>
+          <p:cNvSpPr txBox="true"/>
           <p:nvPr/>
         </p:nvSpPr>
         <p:spPr>
-          <a:xfrm>
+          <a:xfrm rot="0">
             <a:off x="1708627" y="10409544"/>
             <a:ext cx="3641660" cy="349484"/>
           </a:xfrm>
@@ -4192,18 +4131,18 @@
           </a:prstGeom>
         </p:spPr>
         <p:txBody>
-          <a:bodyPr lIns="0" tIns="0" rIns="0" bIns="0" rtlCol="0" anchor="t">
+          <a:bodyPr anchor="t" rtlCol="false" tIns="0" lIns="0" bIns="0" rIns="0">
             <a:spAutoFit/>
           </a:bodyPr>
           <a:lstStyle/>
           <a:p>
             <a:pPr algn="l">
               <a:lnSpc>
-                <a:spcPts val="2140"/>
+                <a:spcPts val="2139"/>
               </a:lnSpc>
             </a:pPr>
             <a:r>
-              <a:rPr lang="en-US" sz="1530" b="1">
+              <a:rPr lang="en-US" sz="1528" b="true">
                 <a:solidFill>
                   <a:srgbClr val="F4C014"/>
                 </a:solidFill>
@@ -4214,26 +4153,17 @@
               </a:rPr>
               <a:t>WINNING PROJECT DESIGN FEES</a:t>
             </a:r>
-            <a:endParaRPr lang="en-US" sz="1530" b="1">
-              <a:solidFill>
-                <a:srgbClr val="F4C014"/>
-              </a:solidFill>
-              <a:latin typeface="Gordita Bold"/>
-              <a:ea typeface="Gordita Bold"/>
-              <a:cs typeface="Gordita Bold"/>
-              <a:sym typeface="Gordita Bold"/>
-            </a:endParaRPr>
-          </a:p>
-        </p:txBody>
-      </p:sp>
-      <p:sp>
-        <p:nvSpPr>
-          <p:cNvPr id="25" name="TextBox 25"/>
-          <p:cNvSpPr txBox="1"/>
+          </a:p>
+        </p:txBody>
+      </p:sp>
+      <p:sp>
+        <p:nvSpPr>
+          <p:cNvPr name="TextBox 25" id="25"/>
+          <p:cNvSpPr txBox="true"/>
           <p:nvPr/>
         </p:nvSpPr>
         <p:spPr>
-          <a:xfrm>
+          <a:xfrm rot="0">
             <a:off x="1708627" y="10625790"/>
             <a:ext cx="2251281" cy="475717"/>
           </a:xfrm>
@@ -4242,18 +4172,18 @@
           </a:prstGeom>
         </p:spPr>
         <p:txBody>
-          <a:bodyPr lIns="0" tIns="0" rIns="0" bIns="0" rtlCol="0" anchor="t">
+          <a:bodyPr anchor="t" rtlCol="false" tIns="0" lIns="0" bIns="0" rIns="0">
             <a:spAutoFit/>
           </a:bodyPr>
           <a:lstStyle/>
           <a:p>
             <a:pPr algn="l">
               <a:lnSpc>
-                <a:spcPts val="2650"/>
+                <a:spcPts val="2652"/>
               </a:lnSpc>
             </a:pPr>
             <a:r>
-              <a:rPr lang="en-US" sz="1895">
+              <a:rPr lang="en-US" sz="1894">
                 <a:solidFill>
                   <a:srgbClr val="FFFFFF"/>
                 </a:solidFill>
@@ -4264,26 +4194,17 @@
               </a:rPr>
               <a:t>&lt;&lt; Filled by Admin</a:t>
             </a:r>
-            <a:endParaRPr lang="en-US" sz="1895">
-              <a:solidFill>
-                <a:srgbClr val="FFFFFF"/>
-              </a:solidFill>
-              <a:latin typeface="Open Sans"/>
-              <a:ea typeface="Open Sans"/>
-              <a:cs typeface="Open Sans"/>
-              <a:sym typeface="Open Sans"/>
-            </a:endParaRPr>
-          </a:p>
-        </p:txBody>
-      </p:sp>
-      <p:sp>
-        <p:nvSpPr>
-          <p:cNvPr id="26" name="Freeform 26"/>
+          </a:p>
+        </p:txBody>
+      </p:sp>
+      <p:sp>
+        <p:nvSpPr>
+          <p:cNvPr name="Freeform 26" id="26"/>
           <p:cNvSpPr/>
           <p:nvPr/>
         </p:nvSpPr>
         <p:spPr>
-          <a:xfrm>
+          <a:xfrm flipH="false" flipV="false" rot="0">
             <a:off x="870056" y="9435792"/>
             <a:ext cx="549621" cy="549621"/>
           </a:xfrm>
@@ -4292,9 +4213,9 @@
             <a:gdLst/>
             <a:ahLst/>
             <a:cxnLst/>
-            <a:rect l="l" t="t" r="r" b="b"/>
+            <a:rect r="r" b="b" t="t" l="l"/>
             <a:pathLst>
-              <a:path w="549621" h="549621">
+              <a:path h="549621" w="549621">
                 <a:moveTo>
                   <a:pt x="0" y="0"/>
                 </a:moveTo>
@@ -4315,27 +4236,27 @@
             </a:pathLst>
           </a:custGeom>
           <a:blipFill>
-            <a:blip r:embed="rId7">
+            <a:blip r:embed="rId8">
               <a:extLst>
                 <a:ext uri="{96DAC541-7B7A-43D3-8B79-37D633B846F1}">
-                  <asvg:svgBlip xmlns:asvg="http://schemas.microsoft.com/office/drawing/2016/SVG/main" r:embed="rId8"/>
+                  <asvg:svgBlip xmlns:asvg="http://schemas.microsoft.com/office/drawing/2016/SVG/main" r:embed="rId9"/>
                 </a:ext>
               </a:extLst>
             </a:blip>
             <a:stretch>
-              <a:fillRect/>
+              <a:fillRect l="0" t="0" r="0" b="0"/>
             </a:stretch>
           </a:blipFill>
         </p:spPr>
       </p:sp>
       <p:sp>
         <p:nvSpPr>
-          <p:cNvPr id="27" name="Freeform 27"/>
+          <p:cNvPr name="Freeform 27" id="27"/>
           <p:cNvSpPr/>
           <p:nvPr/>
         </p:nvSpPr>
         <p:spPr>
-          <a:xfrm>
+          <a:xfrm flipH="false" flipV="false" rot="0">
             <a:off x="1016035" y="9526560"/>
             <a:ext cx="257662" cy="368088"/>
           </a:xfrm>
@@ -4344,9 +4265,9 @@
             <a:gdLst/>
             <a:ahLst/>
             <a:cxnLst/>
-            <a:rect l="l" t="t" r="r" b="b"/>
+            <a:rect r="r" b="b" t="t" l="l"/>
             <a:pathLst>
-              <a:path w="257662" h="368088">
+              <a:path h="368088" w="257662">
                 <a:moveTo>
                   <a:pt x="0" y="0"/>
                 </a:moveTo>
@@ -4367,27 +4288,27 @@
             </a:pathLst>
           </a:custGeom>
           <a:blipFill>
-            <a:blip r:embed="rId21">
+            <a:blip r:embed="rId22">
               <a:extLst>
                 <a:ext uri="{96DAC541-7B7A-43D3-8B79-37D633B846F1}">
-                  <asvg:svgBlip xmlns:asvg="http://schemas.microsoft.com/office/drawing/2016/SVG/main" r:embed="rId22"/>
+                  <asvg:svgBlip xmlns:asvg="http://schemas.microsoft.com/office/drawing/2016/SVG/main" r:embed="rId23"/>
                 </a:ext>
               </a:extLst>
             </a:blip>
             <a:stretch>
-              <a:fillRect l="-1281" r="-1281"/>
+              <a:fillRect l="-1281" t="0" r="-1281" b="0"/>
             </a:stretch>
           </a:blipFill>
         </p:spPr>
       </p:sp>
       <p:sp>
         <p:nvSpPr>
-          <p:cNvPr id="28" name="TextBox 28"/>
-          <p:cNvSpPr txBox="1"/>
+          <p:cNvPr name="TextBox 28" id="28"/>
+          <p:cNvSpPr txBox="true"/>
           <p:nvPr/>
         </p:nvSpPr>
         <p:spPr>
-          <a:xfrm>
+          <a:xfrm rot="0">
             <a:off x="1742886" y="9319112"/>
             <a:ext cx="2052472" cy="349484"/>
           </a:xfrm>
@@ -4396,18 +4317,18 @@
           </a:prstGeom>
         </p:spPr>
         <p:txBody>
-          <a:bodyPr lIns="0" tIns="0" rIns="0" bIns="0" rtlCol="0" anchor="t">
+          <a:bodyPr anchor="t" rtlCol="false" tIns="0" lIns="0" bIns="0" rIns="0">
             <a:spAutoFit/>
           </a:bodyPr>
           <a:lstStyle/>
           <a:p>
             <a:pPr algn="l">
               <a:lnSpc>
-                <a:spcPts val="2140"/>
+                <a:spcPts val="2139"/>
               </a:lnSpc>
             </a:pPr>
             <a:r>
-              <a:rPr lang="en-US" sz="1530" b="1">
+              <a:rPr lang="en-US" sz="1528" b="true">
                 <a:solidFill>
                   <a:srgbClr val="F4C014"/>
                 </a:solidFill>
@@ -4418,26 +4339,17 @@
               </a:rPr>
               <a:t>LOCATION</a:t>
             </a:r>
-            <a:endParaRPr lang="en-US" sz="1530" b="1">
-              <a:solidFill>
-                <a:srgbClr val="F4C014"/>
-              </a:solidFill>
-              <a:latin typeface="Gordita Bold"/>
-              <a:ea typeface="Gordita Bold"/>
-              <a:cs typeface="Gordita Bold"/>
-              <a:sym typeface="Gordita Bold"/>
-            </a:endParaRPr>
-          </a:p>
-        </p:txBody>
-      </p:sp>
-      <p:sp>
-        <p:nvSpPr>
-          <p:cNvPr id="29" name="TextBox 29"/>
-          <p:cNvSpPr txBox="1"/>
+          </a:p>
+        </p:txBody>
+      </p:sp>
+      <p:sp>
+        <p:nvSpPr>
+          <p:cNvPr name="TextBox 29" id="29"/>
+          <p:cNvSpPr txBox="true"/>
           <p:nvPr/>
         </p:nvSpPr>
         <p:spPr>
-          <a:xfrm>
+          <a:xfrm rot="0">
             <a:off x="1742886" y="9533682"/>
             <a:ext cx="2699786" cy="695127"/>
           </a:xfrm>
@@ -4446,18 +4358,18 @@
           </a:prstGeom>
         </p:spPr>
         <p:txBody>
-          <a:bodyPr lIns="0" tIns="0" rIns="0" bIns="0" rtlCol="0" anchor="t">
+          <a:bodyPr anchor="t" rtlCol="false" tIns="0" lIns="0" bIns="0" rIns="0">
             <a:spAutoFit/>
           </a:bodyPr>
           <a:lstStyle/>
           <a:p>
             <a:pPr algn="l">
               <a:lnSpc>
-                <a:spcPts val="2640"/>
+                <a:spcPts val="2642"/>
               </a:lnSpc>
             </a:pPr>
             <a:r>
-              <a:rPr lang="en-US" sz="1890">
+              <a:rPr lang="en-US" sz="1889">
                 <a:solidFill>
                   <a:srgbClr val="FFFFFF"/>
                 </a:solidFill>
@@ -4468,20 +4380,11 @@
               </a:rPr>
               <a:t>Location</a:t>
             </a:r>
-            <a:endParaRPr lang="en-US" sz="1890">
-              <a:solidFill>
-                <a:srgbClr val="FFFFFF"/>
-              </a:solidFill>
-              <a:latin typeface="Open Sans"/>
-              <a:ea typeface="Open Sans"/>
-              <a:cs typeface="Open Sans"/>
-              <a:sym typeface="Open Sans"/>
-            </a:endParaRPr>
           </a:p>
           <a:p>
             <a:pPr algn="l">
               <a:lnSpc>
-                <a:spcPts val="2645"/>
+                <a:spcPts val="2644"/>
               </a:lnSpc>
             </a:pPr>
           </a:p>
@@ -4489,12 +4392,12 @@
       </p:sp>
       <p:sp>
         <p:nvSpPr>
-          <p:cNvPr id="30" name="Freeform 30"/>
+          <p:cNvPr name="Freeform 30" id="30"/>
           <p:cNvSpPr/>
           <p:nvPr/>
         </p:nvSpPr>
         <p:spPr>
-          <a:xfrm>
+          <a:xfrm flipH="false" flipV="false" rot="0">
             <a:off x="904294" y="5482978"/>
             <a:ext cx="549621" cy="549621"/>
           </a:xfrm>
@@ -4503,9 +4406,9 @@
             <a:gdLst/>
             <a:ahLst/>
             <a:cxnLst/>
-            <a:rect l="l" t="t" r="r" b="b"/>
+            <a:rect r="r" b="b" t="t" l="l"/>
             <a:pathLst>
-              <a:path w="549621" h="549621">
+              <a:path h="549621" w="549621">
                 <a:moveTo>
                   <a:pt x="0" y="0"/>
                 </a:moveTo>
@@ -4526,27 +4429,27 @@
             </a:pathLst>
           </a:custGeom>
           <a:blipFill>
-            <a:blip r:embed="rId7">
+            <a:blip r:embed="rId8">
               <a:extLst>
                 <a:ext uri="{96DAC541-7B7A-43D3-8B79-37D633B846F1}">
-                  <asvg:svgBlip xmlns:asvg="http://schemas.microsoft.com/office/drawing/2016/SVG/main" r:embed="rId8"/>
+                  <asvg:svgBlip xmlns:asvg="http://schemas.microsoft.com/office/drawing/2016/SVG/main" r:embed="rId9"/>
                 </a:ext>
               </a:extLst>
             </a:blip>
             <a:stretch>
-              <a:fillRect/>
+              <a:fillRect l="0" t="0" r="0" b="0"/>
             </a:stretch>
           </a:blipFill>
         </p:spPr>
       </p:sp>
       <p:sp>
         <p:nvSpPr>
-          <p:cNvPr id="31" name="Freeform 31"/>
+          <p:cNvPr name="Freeform 31" id="31"/>
           <p:cNvSpPr/>
           <p:nvPr/>
         </p:nvSpPr>
         <p:spPr>
-          <a:xfrm>
+          <a:xfrm flipH="false" flipV="false" rot="0">
             <a:off x="1027116" y="5603552"/>
             <a:ext cx="308470" cy="308470"/>
           </a:xfrm>
@@ -4555,9 +4458,9 @@
             <a:gdLst/>
             <a:ahLst/>
             <a:cxnLst/>
-            <a:rect l="l" t="t" r="r" b="b"/>
+            <a:rect r="r" b="b" t="t" l="l"/>
             <a:pathLst>
-              <a:path w="308470" h="308470">
+              <a:path h="308470" w="308470">
                 <a:moveTo>
                   <a:pt x="0" y="0"/>
                 </a:moveTo>
@@ -4578,27 +4481,27 @@
             </a:pathLst>
           </a:custGeom>
           <a:blipFill>
-            <a:blip r:embed="rId23">
+            <a:blip r:embed="rId24">
               <a:extLst>
                 <a:ext uri="{96DAC541-7B7A-43D3-8B79-37D633B846F1}">
-                  <asvg:svgBlip xmlns:asvg="http://schemas.microsoft.com/office/drawing/2016/SVG/main" r:embed="rId24"/>
+                  <asvg:svgBlip xmlns:asvg="http://schemas.microsoft.com/office/drawing/2016/SVG/main" r:embed="rId25"/>
                 </a:ext>
               </a:extLst>
             </a:blip>
             <a:stretch>
-              <a:fillRect/>
+              <a:fillRect l="0" t="0" r="0" b="0"/>
             </a:stretch>
           </a:blipFill>
         </p:spPr>
       </p:sp>
       <p:sp>
         <p:nvSpPr>
-          <p:cNvPr id="32" name="TextBox 32"/>
-          <p:cNvSpPr txBox="1"/>
+          <p:cNvPr name="TextBox 32" id="32"/>
+          <p:cNvSpPr txBox="true"/>
           <p:nvPr/>
         </p:nvSpPr>
         <p:spPr>
-          <a:xfrm>
+          <a:xfrm rot="0">
             <a:off x="1777124" y="5366296"/>
             <a:ext cx="3722746" cy="343952"/>
           </a:xfrm>
@@ -4607,18 +4510,18 @@
           </a:prstGeom>
         </p:spPr>
         <p:txBody>
-          <a:bodyPr lIns="0" tIns="0" rIns="0" bIns="0" rtlCol="0" anchor="t">
+          <a:bodyPr anchor="t" rtlCol="false" tIns="0" lIns="0" bIns="0" rIns="0">
             <a:spAutoFit/>
           </a:bodyPr>
           <a:lstStyle/>
           <a:p>
             <a:pPr algn="l">
               <a:lnSpc>
-                <a:spcPts val="2140"/>
+                <a:spcPts val="2139"/>
               </a:lnSpc>
             </a:pPr>
             <a:r>
-              <a:rPr lang="en-US" sz="1530" b="1">
+              <a:rPr lang="en-US" sz="1528" b="true">
                 <a:solidFill>
                   <a:srgbClr val="F4C014"/>
                 </a:solidFill>
@@ -4629,46 +4532,37 @@
               </a:rPr>
               <a:t>SPACE TO BE DESIGNED</a:t>
             </a:r>
-            <a:endParaRPr lang="en-US" sz="1530" b="1">
-              <a:solidFill>
-                <a:srgbClr val="F4C014"/>
-              </a:solidFill>
-              <a:latin typeface="Gordita Bold"/>
-              <a:ea typeface="Gordita Bold"/>
-              <a:cs typeface="Gordita Bold"/>
-              <a:sym typeface="Gordita Bold"/>
-            </a:endParaRPr>
-          </a:p>
-        </p:txBody>
-      </p:sp>
-      <p:sp>
-        <p:nvSpPr>
-          <p:cNvPr id="33" name="TextBox 33"/>
-          <p:cNvSpPr txBox="1"/>
+          </a:p>
+        </p:txBody>
+      </p:sp>
+      <p:sp>
+        <p:nvSpPr>
+          <p:cNvPr name="TextBox 33" id="33"/>
+          <p:cNvSpPr txBox="true"/>
           <p:nvPr/>
         </p:nvSpPr>
         <p:spPr>
-          <a:xfrm>
-            <a:off x="1777365" y="5692140"/>
-            <a:ext cx="3058160" cy="900430"/>
+          <a:xfrm rot="0">
+            <a:off x="1777124" y="5531183"/>
+            <a:ext cx="3057968" cy="671230"/>
           </a:xfrm>
           <a:prstGeom prst="rect">
             <a:avLst/>
           </a:prstGeom>
         </p:spPr>
         <p:txBody>
-          <a:bodyPr lIns="0" tIns="0" rIns="0" bIns="0" rtlCol="0" anchor="t">
-            <a:noAutofit/>
+          <a:bodyPr anchor="t" rtlCol="false" tIns="0" lIns="0" bIns="0" rIns="0">
+            <a:spAutoFit/>
           </a:bodyPr>
           <a:lstStyle/>
           <a:p>
             <a:pPr algn="l">
               <a:lnSpc>
-                <a:spcPts val="2755"/>
+                <a:spcPts val="2756"/>
               </a:lnSpc>
             </a:pPr>
             <a:r>
-              <a:rPr lang="en-US" altLang="en-GB" sz="1890" spc="54">
+              <a:rPr lang="en-US" sz="1889" spc="52">
                 <a:solidFill>
                   <a:srgbClr val="FFFFFF"/>
                 </a:solidFill>
@@ -4677,10 +4571,10 @@
                 <a:cs typeface="Open Sans"/>
                 <a:sym typeface="Open Sans"/>
               </a:rPr>
-              <a:t>11. Space to be designe</a:t>
-            </a:r>
-            <a:r>
-              <a:rPr lang="en-US" sz="1890" spc="54">
+              <a:t>11. S</a:t>
+            </a:r>
+            <a:r>
+              <a:rPr lang="en-US" sz="1889" spc="52">
                 <a:solidFill>
                   <a:srgbClr val="FFFFFF"/>
                 </a:solidFill>
@@ -4689,43 +4583,27 @@
                 <a:cs typeface="Open Sans"/>
                 <a:sym typeface="Open Sans"/>
               </a:rPr>
-              <a:t>d</a:t>
-            </a:r>
-            <a:endParaRPr lang="en-US" sz="1890" spc="54">
-              <a:solidFill>
-                <a:srgbClr val="FFFFFF"/>
-              </a:solidFill>
-              <a:latin typeface="Open Sans"/>
-              <a:ea typeface="Open Sans"/>
-              <a:cs typeface="Open Sans"/>
-              <a:sym typeface="Open Sans"/>
-            </a:endParaRPr>
+              <a:t>pace to be designed</a:t>
+            </a:r>
           </a:p>
           <a:p>
             <a:pPr algn="l">
               <a:lnSpc>
-                <a:spcPts val="2760"/>
+                <a:spcPts val="2757"/>
               </a:lnSpc>
             </a:pPr>
           </a:p>
-          <a:p>
-            <a:pPr algn="l">
-              <a:lnSpc>
-                <a:spcPts val="2760"/>
-              </a:lnSpc>
-            </a:pPr>
-          </a:p>
-        </p:txBody>
-      </p:sp>
-      <p:sp>
-        <p:nvSpPr>
-          <p:cNvPr id="34" name="TextBox 34"/>
-          <p:cNvSpPr txBox="1"/>
+        </p:txBody>
+      </p:sp>
+      <p:sp>
+        <p:nvSpPr>
+          <p:cNvPr name="TextBox 34" id="34"/>
+          <p:cNvSpPr txBox="true"/>
           <p:nvPr/>
         </p:nvSpPr>
         <p:spPr>
-          <a:xfrm>
-            <a:off x="702179" y="946846"/>
+          <a:xfrm rot="0">
+            <a:off x="702179" y="946847"/>
             <a:ext cx="5060019" cy="1490804"/>
           </a:xfrm>
           <a:prstGeom prst="rect">
@@ -4733,96 +4611,78 @@
           </a:prstGeom>
         </p:spPr>
         <p:txBody>
-          <a:bodyPr lIns="0" tIns="0" rIns="0" bIns="0" rtlCol="0" anchor="t">
+          <a:bodyPr anchor="t" rtlCol="false" tIns="0" lIns="0" bIns="0" rIns="0">
             <a:spAutoFit/>
           </a:bodyPr>
           <a:lstStyle/>
           <a:p>
             <a:pPr algn="l">
               <a:lnSpc>
-                <a:spcPts val="6710"/>
+                <a:spcPts val="6711"/>
               </a:lnSpc>
             </a:pPr>
             <a:r>
-              <a:rPr lang="en-US" sz="6850" b="1" spc="225">
+              <a:rPr lang="en-US" b="true" sz="6848" spc="225">
                 <a:solidFill>
                   <a:srgbClr val="FFFFFF"/>
                 </a:solidFill>
-                <a:latin typeface="Poppins Bold" panose="00000800000000000000"/>
-                <a:ea typeface="Poppins Bold" panose="00000800000000000000"/>
-                <a:cs typeface="Poppins Bold" panose="00000800000000000000"/>
-                <a:sym typeface="Poppins Bold" panose="00000800000000000000"/>
+                <a:latin typeface="Poppins Bold"/>
+                <a:ea typeface="Poppins Bold"/>
+                <a:cs typeface="Poppins Bold"/>
+                <a:sym typeface="Poppins Bold"/>
               </a:rPr>
               <a:t>NEW </a:t>
             </a:r>
-            <a:endParaRPr lang="en-US" sz="6850" b="1" spc="225">
-              <a:solidFill>
-                <a:srgbClr val="FFFFFF"/>
-              </a:solidFill>
-              <a:latin typeface="Poppins Bold" panose="00000800000000000000"/>
-              <a:ea typeface="Poppins Bold" panose="00000800000000000000"/>
-              <a:cs typeface="Poppins Bold" panose="00000800000000000000"/>
-              <a:sym typeface="Poppins Bold" panose="00000800000000000000"/>
-            </a:endParaRPr>
           </a:p>
           <a:p>
             <a:pPr algn="l">
               <a:lnSpc>
-                <a:spcPts val="6710"/>
+                <a:spcPts val="6711"/>
               </a:lnSpc>
             </a:pPr>
             <a:r>
-              <a:rPr lang="en-US" sz="6850" b="1" spc="225">
+              <a:rPr lang="en-US" b="true" sz="6848" spc="225">
                 <a:solidFill>
                   <a:srgbClr val="002A38"/>
                 </a:solidFill>
-                <a:latin typeface="Poppins Bold" panose="00000800000000000000"/>
-                <a:ea typeface="Poppins Bold" panose="00000800000000000000"/>
-                <a:cs typeface="Poppins Bold" panose="00000800000000000000"/>
-                <a:sym typeface="Poppins Bold" panose="00000800000000000000"/>
+                <a:latin typeface="Poppins Bold"/>
+                <a:ea typeface="Poppins Bold"/>
+                <a:cs typeface="Poppins Bold"/>
+                <a:sym typeface="Poppins Bold"/>
               </a:rPr>
               <a:t>PROJECT</a:t>
             </a:r>
-            <a:endParaRPr lang="en-US" sz="6850" b="1" spc="225">
-              <a:solidFill>
-                <a:srgbClr val="002A38"/>
-              </a:solidFill>
-              <a:latin typeface="Poppins Bold" panose="00000800000000000000"/>
-              <a:ea typeface="Poppins Bold" panose="00000800000000000000"/>
-              <a:cs typeface="Poppins Bold" panose="00000800000000000000"/>
-              <a:sym typeface="Poppins Bold" panose="00000800000000000000"/>
-            </a:endParaRPr>
-          </a:p>
-        </p:txBody>
-      </p:sp>
-      <p:sp>
-        <p:nvSpPr>
-          <p:cNvPr id="35" name="TextBox 35"/>
-          <p:cNvSpPr txBox="1"/>
+          </a:p>
+        </p:txBody>
+      </p:sp>
+      <p:sp>
+        <p:nvSpPr>
+          <p:cNvPr name="TextBox 35" id="35"/>
+          <p:cNvSpPr txBox="true"/>
           <p:nvPr/>
         </p:nvSpPr>
         <p:spPr>
-          <a:xfrm>
+          <a:xfrm rot="0">
             <a:off x="733597" y="2898129"/>
-            <a:ext cx="7597674" cy="1064260"/>
+            <a:ext cx="7597674" cy="1001979"/>
           </a:xfrm>
           <a:prstGeom prst="rect">
             <a:avLst/>
           </a:prstGeom>
         </p:spPr>
         <p:txBody>
-          <a:bodyPr lIns="0" tIns="0" rIns="0" bIns="0" rtlCol="0" anchor="t">
+          <a:bodyPr anchor="t" rtlCol="false" tIns="0" lIns="0" bIns="0" rIns="0">
             <a:spAutoFit/>
           </a:bodyPr>
           <a:lstStyle/>
           <a:p>
             <a:pPr algn="l">
               <a:lnSpc>
-                <a:spcPts val="8300"/>
+                <a:spcPts val="8297"/>
               </a:lnSpc>
             </a:pPr>
             <a:r>
-              <a:rPr lang="en-US" altLang="en-GB" sz="5925" b="1">
+              <a:rPr lang="en-US" sz="5927" b="true">
                 <a:solidFill>
                   <a:srgbClr val="FFFFFF"/>
                 </a:solidFill>
@@ -4831,48 +4691,51 @@
                 <a:cs typeface="Gordita Bold"/>
                 <a:sym typeface="Gordita Bold"/>
               </a:rPr>
-              <a:t>Q. Project Name</a:t>
-            </a:r>
-            <a:endParaRPr lang="en-US" altLang="en-GB" sz="5925" b="1">
-              <a:solidFill>
-                <a:srgbClr val="FFFFFF"/>
-              </a:solidFill>
-              <a:latin typeface="Gordita Bold"/>
-              <a:ea typeface="Gordita Bold"/>
-              <a:cs typeface="Gordita Bold"/>
-              <a:sym typeface="Gordita Bold"/>
-            </a:endParaRPr>
-          </a:p>
-        </p:txBody>
-      </p:sp>
-      <p:sp>
-        <p:nvSpPr>
-          <p:cNvPr id="36" name="TextBox 36"/>
-          <p:cNvSpPr txBox="1"/>
+              <a:t>Q. </a:t>
+            </a:r>
+            <a:r>
+              <a:rPr lang="en-US" sz="5927" b="true">
+                <a:solidFill>
+                  <a:srgbClr val="FFFFFF"/>
+                </a:solidFill>
+                <a:latin typeface="Gordita Bold"/>
+                <a:ea typeface="Gordita Bold"/>
+                <a:cs typeface="Gordita Bold"/>
+                <a:sym typeface="Gordita Bold"/>
+              </a:rPr>
+              <a:t>Project Name</a:t>
+            </a:r>
+          </a:p>
+        </p:txBody>
+      </p:sp>
+      <p:sp>
+        <p:nvSpPr>
+          <p:cNvPr name="TextBox 36" id="36"/>
+          <p:cNvSpPr txBox="true"/>
           <p:nvPr/>
         </p:nvSpPr>
         <p:spPr>
-          <a:xfrm>
-            <a:off x="1607946" y="4294775"/>
-            <a:ext cx="3843023" cy="501396"/>
+          <a:xfrm rot="0">
+            <a:off x="1607946" y="4438403"/>
+            <a:ext cx="3843023" cy="406146"/>
           </a:xfrm>
           <a:prstGeom prst="rect">
             <a:avLst/>
           </a:prstGeom>
         </p:spPr>
         <p:txBody>
-          <a:bodyPr lIns="0" tIns="0" rIns="0" bIns="0" rtlCol="0" anchor="t">
+          <a:bodyPr anchor="t" rtlCol="false" tIns="0" lIns="0" bIns="0" rIns="0">
             <a:spAutoFit/>
           </a:bodyPr>
           <a:lstStyle/>
           <a:p>
             <a:pPr algn="l">
               <a:lnSpc>
-                <a:spcPts val="3335"/>
+                <a:spcPts val="3333"/>
               </a:lnSpc>
             </a:pPr>
             <a:r>
-              <a:rPr lang="en-US" sz="2380" b="1">
+              <a:rPr lang="en-US" sz="2380" b="true">
                 <a:solidFill>
                   <a:srgbClr val="FFFFFF"/>
                 </a:solidFill>
@@ -4883,26 +4746,17 @@
               </a:rPr>
               <a:t>Residential </a:t>
             </a:r>
-            <a:endParaRPr lang="en-US" sz="2380" b="1">
-              <a:solidFill>
-                <a:srgbClr val="FFFFFF"/>
-              </a:solidFill>
-              <a:latin typeface="Gordita Bold"/>
-              <a:ea typeface="Gordita Bold"/>
-              <a:cs typeface="Gordita Bold"/>
-              <a:sym typeface="Gordita Bold"/>
-            </a:endParaRPr>
-          </a:p>
-        </p:txBody>
-      </p:sp>
-      <p:sp>
-        <p:nvSpPr>
-          <p:cNvPr id="37" name="TextBox 37"/>
-          <p:cNvSpPr txBox="1"/>
+          </a:p>
+        </p:txBody>
+      </p:sp>
+      <p:sp>
+        <p:nvSpPr>
+          <p:cNvPr name="TextBox 37" id="37"/>
+          <p:cNvSpPr txBox="true"/>
           <p:nvPr/>
         </p:nvSpPr>
         <p:spPr>
-          <a:xfrm>
+          <a:xfrm rot="0">
             <a:off x="4426633" y="3814231"/>
             <a:ext cx="6687717" cy="7453477"/>
           </a:xfrm>
@@ -4911,18 +4765,18 @@
           </a:prstGeom>
         </p:spPr>
         <p:txBody>
-          <a:bodyPr lIns="0" tIns="0" rIns="0" bIns="0" rtlCol="0" anchor="t">
+          <a:bodyPr anchor="t" rtlCol="false" tIns="0" lIns="0" bIns="0" rIns="0">
             <a:spAutoFit/>
           </a:bodyPr>
           <a:lstStyle/>
           <a:p>
             <a:pPr algn="ctr">
               <a:lnSpc>
-                <a:spcPts val="28740"/>
+                <a:spcPts val="28741"/>
               </a:lnSpc>
             </a:pPr>
             <a:r>
-              <a:rPr lang="en-US" sz="20530">
+              <a:rPr lang="en-US" sz="20528">
                 <a:solidFill>
                   <a:srgbClr val="000000"/>
                 </a:solidFill>
@@ -4933,15 +4787,6 @@
               </a:rPr>
               <a:t>{{image1}}</a:t>
             </a:r>
-            <a:endParaRPr lang="en-US" sz="20530">
-              <a:solidFill>
-                <a:srgbClr val="000000"/>
-              </a:solidFill>
-              <a:latin typeface="Open Sans"/>
-              <a:ea typeface="Open Sans"/>
-              <a:cs typeface="Open Sans"/>
-              <a:sym typeface="Open Sans"/>
-            </a:endParaRPr>
           </a:p>
         </p:txBody>
       </p:sp>
@@ -4954,7 +4799,7 @@
 </file>
 
 <file path=ppt/slides/slide10.xml><?xml version="1.0" encoding="utf-8"?>
-<p:sld xmlns:a="http://schemas.openxmlformats.org/drawingml/2006/main" xmlns:r="http://schemas.openxmlformats.org/officeDocument/2006/relationships" xmlns:p="http://schemas.openxmlformats.org/presentationml/2006/main">
+<p:sld xmlns:p="http://schemas.openxmlformats.org/presentationml/2006/main" xmlns:a="http://schemas.openxmlformats.org/drawingml/2006/main">
   <p:cSld>
     <p:spTree>
       <p:nvGrpSpPr>
@@ -4972,13 +4817,13 @@
       </p:grpSpPr>
       <p:sp>
         <p:nvSpPr>
-          <p:cNvPr id="2" name="TextBox 2"/>
-          <p:cNvSpPr txBox="1"/>
+          <p:cNvPr name="TextBox 2" id="2"/>
+          <p:cNvSpPr txBox="true"/>
           <p:nvPr/>
         </p:nvSpPr>
         <p:spPr>
-          <a:xfrm>
-            <a:off x="-50556" y="647934"/>
+          <a:xfrm rot="0">
+            <a:off x="-50556" y="647839"/>
             <a:ext cx="10337556" cy="5579808"/>
           </a:xfrm>
           <a:prstGeom prst="rect">
@@ -4986,7 +4831,7 @@
           </a:prstGeom>
         </p:spPr>
         <p:txBody>
-          <a:bodyPr lIns="0" tIns="0" rIns="0" bIns="0" rtlCol="0" anchor="t">
+          <a:bodyPr anchor="t" rtlCol="false" tIns="0" lIns="0" bIns="0" rIns="0">
             <a:spAutoFit/>
           </a:bodyPr>
           <a:lstStyle/>
@@ -4997,38 +4842,29 @@
               </a:lnSpc>
             </a:pPr>
             <a:r>
-              <a:rPr lang="en-US" sz="22040" b="1" spc="723">
+              <a:rPr lang="en-US" b="true" sz="22039" spc="723">
                 <a:solidFill>
                   <a:srgbClr val="000000"/>
                 </a:solidFill>
-                <a:latin typeface="Poppins Bold" panose="00000800000000000000"/>
-                <a:ea typeface="Poppins Bold" panose="00000800000000000000"/>
-                <a:cs typeface="Poppins Bold" panose="00000800000000000000"/>
-                <a:sym typeface="Poppins Bold" panose="00000800000000000000"/>
+                <a:latin typeface="Poppins Bold"/>
+                <a:ea typeface="Poppins Bold"/>
+                <a:cs typeface="Poppins Bold"/>
+                <a:sym typeface="Poppins Bold"/>
               </a:rPr>
               <a:t>{{Image11}}</a:t>
             </a:r>
-            <a:endParaRPr lang="en-US" sz="22040" b="1" spc="723">
-              <a:solidFill>
-                <a:srgbClr val="000000"/>
-              </a:solidFill>
-              <a:latin typeface="Poppins Bold" panose="00000800000000000000"/>
-              <a:ea typeface="Poppins Bold" panose="00000800000000000000"/>
-              <a:cs typeface="Poppins Bold" panose="00000800000000000000"/>
-              <a:sym typeface="Poppins Bold" panose="00000800000000000000"/>
-            </a:endParaRPr>
-          </a:p>
-        </p:txBody>
-      </p:sp>
-      <p:sp>
-        <p:nvSpPr>
-          <p:cNvPr id="3" name="TextBox 3"/>
-          <p:cNvSpPr txBox="1"/>
+          </a:p>
+        </p:txBody>
+      </p:sp>
+      <p:sp>
+        <p:nvSpPr>
+          <p:cNvPr name="TextBox 3" id="3"/>
+          <p:cNvSpPr txBox="true"/>
           <p:nvPr/>
         </p:nvSpPr>
         <p:spPr>
-          <a:xfrm>
-            <a:off x="0" y="6929533"/>
+          <a:xfrm rot="0">
+            <a:off x="0" y="6929438"/>
             <a:ext cx="10287000" cy="5796125"/>
           </a:xfrm>
           <a:prstGeom prst="rect">
@@ -5036,7 +4872,7 @@
           </a:prstGeom>
         </p:spPr>
         <p:txBody>
-          <a:bodyPr lIns="0" tIns="0" rIns="0" bIns="0" rtlCol="0" anchor="t">
+          <a:bodyPr anchor="t" rtlCol="false" tIns="0" lIns="0" bIns="0" rIns="0">
             <a:spAutoFit/>
           </a:bodyPr>
           <a:lstStyle/>
@@ -5047,26 +4883,17 @@
               </a:lnSpc>
             </a:pPr>
             <a:r>
-              <a:rPr lang="en-US" sz="22760" b="1" spc="746">
+              <a:rPr lang="en-US" b="true" sz="22758" spc="746">
                 <a:solidFill>
                   <a:srgbClr val="000000"/>
                 </a:solidFill>
-                <a:latin typeface="Poppins Bold" panose="00000800000000000000"/>
-                <a:ea typeface="Poppins Bold" panose="00000800000000000000"/>
-                <a:cs typeface="Poppins Bold" panose="00000800000000000000"/>
-                <a:sym typeface="Poppins Bold" panose="00000800000000000000"/>
+                <a:latin typeface="Poppins Bold"/>
+                <a:ea typeface="Poppins Bold"/>
+                <a:cs typeface="Poppins Bold"/>
+                <a:sym typeface="Poppins Bold"/>
               </a:rPr>
               <a:t>{{Image12}}</a:t>
             </a:r>
-            <a:endParaRPr lang="en-US" sz="22760" b="1" spc="746">
-              <a:solidFill>
-                <a:srgbClr val="000000"/>
-              </a:solidFill>
-              <a:latin typeface="Poppins Bold" panose="00000800000000000000"/>
-              <a:ea typeface="Poppins Bold" panose="00000800000000000000"/>
-              <a:cs typeface="Poppins Bold" panose="00000800000000000000"/>
-              <a:sym typeface="Poppins Bold" panose="00000800000000000000"/>
-            </a:endParaRPr>
           </a:p>
         </p:txBody>
       </p:sp>
@@ -5079,7 +4906,7 @@
 </file>
 
 <file path=ppt/slides/slide11.xml><?xml version="1.0" encoding="utf-8"?>
-<p:sld xmlns:a="http://schemas.openxmlformats.org/drawingml/2006/main" xmlns:r="http://schemas.openxmlformats.org/officeDocument/2006/relationships" xmlns:p="http://schemas.openxmlformats.org/presentationml/2006/main">
+<p:sld xmlns:p="http://schemas.openxmlformats.org/presentationml/2006/main" xmlns:a="http://schemas.openxmlformats.org/drawingml/2006/main">
   <p:cSld>
     <p:spTree>
       <p:nvGrpSpPr>
@@ -5097,13 +4924,13 @@
       </p:grpSpPr>
       <p:sp>
         <p:nvSpPr>
-          <p:cNvPr id="2" name="TextBox 2"/>
-          <p:cNvSpPr txBox="1"/>
+          <p:cNvPr name="TextBox 2" id="2"/>
+          <p:cNvSpPr txBox="true"/>
           <p:nvPr/>
         </p:nvSpPr>
         <p:spPr>
-          <a:xfrm>
-            <a:off x="-50556" y="647934"/>
+          <a:xfrm rot="0">
+            <a:off x="-50556" y="647839"/>
             <a:ext cx="10337556" cy="5579808"/>
           </a:xfrm>
           <a:prstGeom prst="rect">
@@ -5111,7 +4938,7 @@
           </a:prstGeom>
         </p:spPr>
         <p:txBody>
-          <a:bodyPr lIns="0" tIns="0" rIns="0" bIns="0" rtlCol="0" anchor="t">
+          <a:bodyPr anchor="t" rtlCol="false" tIns="0" lIns="0" bIns="0" rIns="0">
             <a:spAutoFit/>
           </a:bodyPr>
           <a:lstStyle/>
@@ -5122,38 +4949,29 @@
               </a:lnSpc>
             </a:pPr>
             <a:r>
-              <a:rPr lang="en-US" sz="22040" b="1" spc="723">
+              <a:rPr lang="en-US" b="true" sz="22039" spc="723">
                 <a:solidFill>
                   <a:srgbClr val="000000"/>
                 </a:solidFill>
-                <a:latin typeface="Poppins Bold" panose="00000800000000000000"/>
-                <a:ea typeface="Poppins Bold" panose="00000800000000000000"/>
-                <a:cs typeface="Poppins Bold" panose="00000800000000000000"/>
-                <a:sym typeface="Poppins Bold" panose="00000800000000000000"/>
+                <a:latin typeface="Poppins Bold"/>
+                <a:ea typeface="Poppins Bold"/>
+                <a:cs typeface="Poppins Bold"/>
+                <a:sym typeface="Poppins Bold"/>
               </a:rPr>
               <a:t>{{Image13}}</a:t>
             </a:r>
-            <a:endParaRPr lang="en-US" sz="22040" b="1" spc="723">
-              <a:solidFill>
-                <a:srgbClr val="000000"/>
-              </a:solidFill>
-              <a:latin typeface="Poppins Bold" panose="00000800000000000000"/>
-              <a:ea typeface="Poppins Bold" panose="00000800000000000000"/>
-              <a:cs typeface="Poppins Bold" panose="00000800000000000000"/>
-              <a:sym typeface="Poppins Bold" panose="00000800000000000000"/>
-            </a:endParaRPr>
-          </a:p>
-        </p:txBody>
-      </p:sp>
-      <p:sp>
-        <p:nvSpPr>
-          <p:cNvPr id="3" name="TextBox 3"/>
-          <p:cNvSpPr txBox="1"/>
+          </a:p>
+        </p:txBody>
+      </p:sp>
+      <p:sp>
+        <p:nvSpPr>
+          <p:cNvPr name="TextBox 3" id="3"/>
+          <p:cNvSpPr txBox="true"/>
           <p:nvPr/>
         </p:nvSpPr>
         <p:spPr>
-          <a:xfrm>
-            <a:off x="0" y="6929533"/>
+          <a:xfrm rot="0">
+            <a:off x="0" y="6929438"/>
             <a:ext cx="10287000" cy="5796125"/>
           </a:xfrm>
           <a:prstGeom prst="rect">
@@ -5161,7 +4979,7 @@
           </a:prstGeom>
         </p:spPr>
         <p:txBody>
-          <a:bodyPr lIns="0" tIns="0" rIns="0" bIns="0" rtlCol="0" anchor="t">
+          <a:bodyPr anchor="t" rtlCol="false" tIns="0" lIns="0" bIns="0" rIns="0">
             <a:spAutoFit/>
           </a:bodyPr>
           <a:lstStyle/>
@@ -5172,26 +4990,17 @@
               </a:lnSpc>
             </a:pPr>
             <a:r>
-              <a:rPr lang="en-US" sz="22760" b="1" spc="746">
+              <a:rPr lang="en-US" b="true" sz="22758" spc="746">
                 <a:solidFill>
                   <a:srgbClr val="000000"/>
                 </a:solidFill>
-                <a:latin typeface="Poppins Bold" panose="00000800000000000000"/>
-                <a:ea typeface="Poppins Bold" panose="00000800000000000000"/>
-                <a:cs typeface="Poppins Bold" panose="00000800000000000000"/>
-                <a:sym typeface="Poppins Bold" panose="00000800000000000000"/>
+                <a:latin typeface="Poppins Bold"/>
+                <a:ea typeface="Poppins Bold"/>
+                <a:cs typeface="Poppins Bold"/>
+                <a:sym typeface="Poppins Bold"/>
               </a:rPr>
               <a:t>{{Image14}}</a:t>
             </a:r>
-            <a:endParaRPr lang="en-US" sz="22760" b="1" spc="746">
-              <a:solidFill>
-                <a:srgbClr val="000000"/>
-              </a:solidFill>
-              <a:latin typeface="Poppins Bold" panose="00000800000000000000"/>
-              <a:ea typeface="Poppins Bold" panose="00000800000000000000"/>
-              <a:cs typeface="Poppins Bold" panose="00000800000000000000"/>
-              <a:sym typeface="Poppins Bold" panose="00000800000000000000"/>
-            </a:endParaRPr>
           </a:p>
         </p:txBody>
       </p:sp>
@@ -5204,7 +5013,7 @@
 </file>
 
 <file path=ppt/slides/slide12.xml><?xml version="1.0" encoding="utf-8"?>
-<p:sld xmlns:a="http://schemas.openxmlformats.org/drawingml/2006/main" xmlns:r="http://schemas.openxmlformats.org/officeDocument/2006/relationships" xmlns:p="http://schemas.openxmlformats.org/presentationml/2006/main">
+<p:sld xmlns:p="http://schemas.openxmlformats.org/presentationml/2006/main" xmlns:a="http://schemas.openxmlformats.org/drawingml/2006/main">
   <p:cSld>
     <p:spTree>
       <p:nvGrpSpPr>
@@ -5222,13 +5031,13 @@
       </p:grpSpPr>
       <p:sp>
         <p:nvSpPr>
-          <p:cNvPr id="2" name="TextBox 2"/>
-          <p:cNvSpPr txBox="1"/>
+          <p:cNvPr name="TextBox 2" id="2"/>
+          <p:cNvSpPr txBox="true"/>
           <p:nvPr/>
         </p:nvSpPr>
         <p:spPr>
-          <a:xfrm>
-            <a:off x="-50556" y="647934"/>
+          <a:xfrm rot="0">
+            <a:off x="-50556" y="647839"/>
             <a:ext cx="10337556" cy="5579808"/>
           </a:xfrm>
           <a:prstGeom prst="rect">
@@ -5236,7 +5045,7 @@
           </a:prstGeom>
         </p:spPr>
         <p:txBody>
-          <a:bodyPr lIns="0" tIns="0" rIns="0" bIns="0" rtlCol="0" anchor="t">
+          <a:bodyPr anchor="t" rtlCol="false" tIns="0" lIns="0" bIns="0" rIns="0">
             <a:spAutoFit/>
           </a:bodyPr>
           <a:lstStyle/>
@@ -5247,38 +5056,29 @@
               </a:lnSpc>
             </a:pPr>
             <a:r>
-              <a:rPr lang="en-US" sz="22040" b="1" spc="723">
+              <a:rPr lang="en-US" b="true" sz="22039" spc="723">
                 <a:solidFill>
                   <a:srgbClr val="000000"/>
                 </a:solidFill>
-                <a:latin typeface="Poppins Bold" panose="00000800000000000000"/>
-                <a:ea typeface="Poppins Bold" panose="00000800000000000000"/>
-                <a:cs typeface="Poppins Bold" panose="00000800000000000000"/>
-                <a:sym typeface="Poppins Bold" panose="00000800000000000000"/>
+                <a:latin typeface="Poppins Bold"/>
+                <a:ea typeface="Poppins Bold"/>
+                <a:cs typeface="Poppins Bold"/>
+                <a:sym typeface="Poppins Bold"/>
               </a:rPr>
               <a:t>{{Image15}}</a:t>
             </a:r>
-            <a:endParaRPr lang="en-US" sz="22040" b="1" spc="723">
-              <a:solidFill>
-                <a:srgbClr val="000000"/>
-              </a:solidFill>
-              <a:latin typeface="Poppins Bold" panose="00000800000000000000"/>
-              <a:ea typeface="Poppins Bold" panose="00000800000000000000"/>
-              <a:cs typeface="Poppins Bold" panose="00000800000000000000"/>
-              <a:sym typeface="Poppins Bold" panose="00000800000000000000"/>
-            </a:endParaRPr>
-          </a:p>
-        </p:txBody>
-      </p:sp>
-      <p:sp>
-        <p:nvSpPr>
-          <p:cNvPr id="3" name="TextBox 3"/>
-          <p:cNvSpPr txBox="1"/>
+          </a:p>
+        </p:txBody>
+      </p:sp>
+      <p:sp>
+        <p:nvSpPr>
+          <p:cNvPr name="TextBox 3" id="3"/>
+          <p:cNvSpPr txBox="true"/>
           <p:nvPr/>
         </p:nvSpPr>
         <p:spPr>
-          <a:xfrm>
-            <a:off x="0" y="6929533"/>
+          <a:xfrm rot="0">
+            <a:off x="0" y="6929438"/>
             <a:ext cx="10287000" cy="5796125"/>
           </a:xfrm>
           <a:prstGeom prst="rect">
@@ -5286,7 +5086,7 @@
           </a:prstGeom>
         </p:spPr>
         <p:txBody>
-          <a:bodyPr lIns="0" tIns="0" rIns="0" bIns="0" rtlCol="0" anchor="t">
+          <a:bodyPr anchor="t" rtlCol="false" tIns="0" lIns="0" bIns="0" rIns="0">
             <a:spAutoFit/>
           </a:bodyPr>
           <a:lstStyle/>
@@ -5297,26 +5097,17 @@
               </a:lnSpc>
             </a:pPr>
             <a:r>
-              <a:rPr lang="en-US" sz="22760" b="1" spc="746">
+              <a:rPr lang="en-US" b="true" sz="22758" spc="746">
                 <a:solidFill>
                   <a:srgbClr val="000000"/>
                 </a:solidFill>
-                <a:latin typeface="Poppins Bold" panose="00000800000000000000"/>
-                <a:ea typeface="Poppins Bold" panose="00000800000000000000"/>
-                <a:cs typeface="Poppins Bold" panose="00000800000000000000"/>
-                <a:sym typeface="Poppins Bold" panose="00000800000000000000"/>
+                <a:latin typeface="Poppins Bold"/>
+                <a:ea typeface="Poppins Bold"/>
+                <a:cs typeface="Poppins Bold"/>
+                <a:sym typeface="Poppins Bold"/>
               </a:rPr>
               <a:t>{{Image16}}</a:t>
             </a:r>
-            <a:endParaRPr lang="en-US" sz="22760" b="1" spc="746">
-              <a:solidFill>
-                <a:srgbClr val="000000"/>
-              </a:solidFill>
-              <a:latin typeface="Poppins Bold" panose="00000800000000000000"/>
-              <a:ea typeface="Poppins Bold" panose="00000800000000000000"/>
-              <a:cs typeface="Poppins Bold" panose="00000800000000000000"/>
-              <a:sym typeface="Poppins Bold" panose="00000800000000000000"/>
-            </a:endParaRPr>
           </a:p>
         </p:txBody>
       </p:sp>
@@ -5329,7 +5120,7 @@
 </file>
 
 <file path=ppt/slides/slide2.xml><?xml version="1.0" encoding="utf-8"?>
-<p:sld xmlns:a="http://schemas.openxmlformats.org/drawingml/2006/main" xmlns:r="http://schemas.openxmlformats.org/officeDocument/2006/relationships" xmlns:p="http://schemas.openxmlformats.org/presentationml/2006/main">
+<p:sld xmlns:p="http://schemas.openxmlformats.org/presentationml/2006/main" xmlns:a="http://schemas.openxmlformats.org/drawingml/2006/main" xmlns:r="http://schemas.openxmlformats.org/officeDocument/2006/relationships">
   <p:cSld>
     <p:spTree>
       <p:nvGrpSpPr>
@@ -5347,13 +5138,13 @@
       </p:grpSpPr>
       <p:grpSp>
         <p:nvGrpSpPr>
-          <p:cNvPr id="2" name="Group 2"/>
+          <p:cNvPr name="Group 2" id="2"/>
           <p:cNvGrpSpPr/>
           <p:nvPr/>
         </p:nvGrpSpPr>
         <p:grpSpPr>
           <a:xfrm rot="0">
-            <a:off x="483209" y="1037464"/>
+            <a:off x="483209" y="1037463"/>
             <a:ext cx="9313023" cy="10793349"/>
             <a:chOff x="0" y="0"/>
             <a:chExt cx="12417364" cy="14391132"/>
@@ -5361,12 +5152,12 @@
         </p:grpSpPr>
         <p:sp>
           <p:nvSpPr>
-            <p:cNvPr id="3" name="Freeform 3"/>
+            <p:cNvPr name="Freeform 3" id="3"/>
             <p:cNvSpPr/>
             <p:nvPr/>
           </p:nvSpPr>
           <p:spPr>
-            <a:xfrm>
+            <a:xfrm flipH="false" flipV="false" rot="0">
               <a:off x="0" y="0"/>
               <a:ext cx="12417425" cy="14391132"/>
             </a:xfrm>
@@ -5375,9 +5166,9 @@
               <a:gdLst/>
               <a:ahLst/>
               <a:cxnLst/>
-              <a:rect l="l" t="t" r="r" b="b"/>
+              <a:rect r="r" b="b" t="t" l="l"/>
               <a:pathLst>
-                <a:path w="12417425" h="14391132">
+                <a:path h="14391132" w="12417425">
                   <a:moveTo>
                     <a:pt x="12044807" y="14391132"/>
                   </a:moveTo>
@@ -5425,14 +5216,14 @@
       </p:grpSp>
       <p:graphicFrame>
         <p:nvGraphicFramePr>
-          <p:cNvPr id="4" name="Table 4"/>
+          <p:cNvPr name="Table 4" id="4"/>
           <p:cNvGraphicFramePr>
-            <a:graphicFrameLocks noGrp="1"/>
+            <a:graphicFrameLocks noGrp="true"/>
           </p:cNvGraphicFramePr>
           <p:nvPr/>
         </p:nvGraphicFramePr>
         <p:xfrm>
-          <a:off x="857075" y="2719405"/>
+          <a:off x="857075" y="2719406"/>
           <a:ext cx="8445500" cy="6248400"/>
         </p:xfrm>
         <a:graphic>
@@ -5451,17 +5242,17 @@
               <a:tr h="627422">
                 <a:tc>
                   <a:txBody>
-                    <a:bodyPr rtlCol="0"/>
+                    <a:bodyPr anchor="t" rtlCol="false"/>
                     <a:lstStyle/>
                     <a:p>
                       <a:pPr algn="ctr">
                         <a:lnSpc>
-                          <a:spcPts val="2795"/>
+                          <a:spcPts val="2796"/>
                         </a:lnSpc>
                         <a:defRPr/>
                       </a:pPr>
                       <a:r>
-                        <a:rPr lang="en-US" sz="2000">
+                        <a:rPr lang="en-US" sz="1998">
                           <a:solidFill>
                             <a:srgbClr val="F4C014"/>
                           </a:solidFill>
@@ -5475,8 +5266,8 @@
                       <a:endParaRPr lang="en-US" sz="1100"/>
                     </a:p>
                   </a:txBody>
-                  <a:tcPr marL="95179" marR="95179" marT="95179" marB="95179" anchor="t">
-                    <a:lnL w="0" cap="flat" cmpd="sng" algn="ctr">
+                  <a:tcPr marL="95179" marR="95179" marT="95179" marB="95179" anchor="ctr">
+                    <a:lnL cmpd="sng" algn="ctr" cap="flat" w="0">
                       <a:solidFill>
                         <a:srgbClr val="FFFFFF"/>
                       </a:solidFill>
@@ -5485,7 +5276,7 @@
                       <a:headEnd type="none" w="med" len="med"/>
                       <a:tailEnd type="none" w="med" len="med"/>
                     </a:lnL>
-                    <a:lnR w="0" cap="flat" cmpd="sng" algn="ctr">
+                    <a:lnR cmpd="sng" algn="ctr" cap="flat" w="0">
                       <a:solidFill>
                         <a:srgbClr val="FFFFFF"/>
                       </a:solidFill>
@@ -5494,7 +5285,7 @@
                       <a:headEnd type="none" w="med" len="med"/>
                       <a:tailEnd type="none" w="med" len="med"/>
                     </a:lnR>
-                    <a:lnT w="0" cap="flat" cmpd="sng" algn="ctr">
+                    <a:lnT cmpd="sng" algn="ctr" cap="flat" w="0">
                       <a:solidFill>
                         <a:srgbClr val="FFFFFF"/>
                       </a:solidFill>
@@ -5503,7 +5294,7 @@
                       <a:headEnd type="none" w="med" len="med"/>
                       <a:tailEnd type="none" w="med" len="med"/>
                     </a:lnT>
-                    <a:lnB w="0" cap="flat" cmpd="sng" algn="ctr">
+                    <a:lnB cmpd="sng" algn="ctr" cap="flat" w="0">
                       <a:solidFill>
                         <a:srgbClr val="FFFFFF"/>
                       </a:solidFill>
@@ -5516,17 +5307,17 @@
                 </a:tc>
                 <a:tc>
                   <a:txBody>
-                    <a:bodyPr rtlCol="0"/>
+                    <a:bodyPr anchor="t" rtlCol="false"/>
                     <a:lstStyle/>
                     <a:p>
                       <a:pPr algn="ctr">
                         <a:lnSpc>
-                          <a:spcPts val="2795"/>
+                          <a:spcPts val="2796"/>
                         </a:lnSpc>
                         <a:defRPr/>
                       </a:pPr>
                       <a:r>
-                        <a:rPr lang="en-US" sz="2000">
+                        <a:rPr lang="en-US" sz="1998">
                           <a:solidFill>
                             <a:srgbClr val="F4C014"/>
                           </a:solidFill>
@@ -5540,8 +5331,8 @@
                       <a:endParaRPr lang="en-US" sz="1100"/>
                     </a:p>
                   </a:txBody>
-                  <a:tcPr marL="95179" marR="95179" marT="95179" marB="95179" anchor="t">
-                    <a:lnL w="0" cap="flat" cmpd="sng" algn="ctr">
+                  <a:tcPr marL="95179" marR="95179" marT="95179" marB="95179" anchor="ctr">
+                    <a:lnL cmpd="sng" algn="ctr" cap="flat" w="0">
                       <a:solidFill>
                         <a:srgbClr val="FFFFFF"/>
                       </a:solidFill>
@@ -5550,7 +5341,7 @@
                       <a:headEnd type="none" w="med" len="med"/>
                       <a:tailEnd type="none" w="med" len="med"/>
                     </a:lnL>
-                    <a:lnR w="0" cap="flat" cmpd="sng" algn="ctr">
+                    <a:lnR cmpd="sng" algn="ctr" cap="flat" w="0">
                       <a:solidFill>
                         <a:srgbClr val="FFFFFF"/>
                       </a:solidFill>
@@ -5559,7 +5350,7 @@
                       <a:headEnd type="none" w="med" len="med"/>
                       <a:tailEnd type="none" w="med" len="med"/>
                     </a:lnR>
-                    <a:lnT w="0" cap="flat" cmpd="sng" algn="ctr">
+                    <a:lnT cmpd="sng" algn="ctr" cap="flat" w="0">
                       <a:solidFill>
                         <a:srgbClr val="FFFFFF"/>
                       </a:solidFill>
@@ -5568,7 +5359,7 @@
                       <a:headEnd type="none" w="med" len="med"/>
                       <a:tailEnd type="none" w="med" len="med"/>
                     </a:lnT>
-                    <a:lnB w="0" cap="flat" cmpd="sng" algn="ctr">
+                    <a:lnB cmpd="sng" algn="ctr" cap="flat" w="0">
                       <a:solidFill>
                         <a:srgbClr val="FFFFFF"/>
                       </a:solidFill>
@@ -5581,17 +5372,17 @@
                 </a:tc>
                 <a:tc>
                   <a:txBody>
-                    <a:bodyPr rtlCol="0"/>
+                    <a:bodyPr anchor="t" rtlCol="false"/>
                     <a:lstStyle/>
                     <a:p>
                       <a:pPr algn="ctr">
                         <a:lnSpc>
-                          <a:spcPts val="2795"/>
+                          <a:spcPts val="2796"/>
                         </a:lnSpc>
                         <a:defRPr/>
                       </a:pPr>
                       <a:r>
-                        <a:rPr lang="en-US" sz="2000">
+                        <a:rPr lang="en-US" sz="1998">
                           <a:solidFill>
                             <a:srgbClr val="F4C014"/>
                           </a:solidFill>
@@ -5605,8 +5396,8 @@
                       <a:endParaRPr lang="en-US" sz="1100"/>
                     </a:p>
                   </a:txBody>
-                  <a:tcPr marL="95179" marR="95179" marT="95179" marB="95179" anchor="t">
-                    <a:lnL w="0" cap="flat" cmpd="sng" algn="ctr">
+                  <a:tcPr marL="95179" marR="95179" marT="95179" marB="95179" anchor="ctr">
+                    <a:lnL cmpd="sng" algn="ctr" cap="flat" w="0">
                       <a:solidFill>
                         <a:srgbClr val="FFFFFF"/>
                       </a:solidFill>
@@ -5615,7 +5406,7 @@
                       <a:headEnd type="none" w="med" len="med"/>
                       <a:tailEnd type="none" w="med" len="med"/>
                     </a:lnL>
-                    <a:lnR w="0" cap="flat" cmpd="sng" algn="ctr">
+                    <a:lnR cmpd="sng" algn="ctr" cap="flat" w="0">
                       <a:solidFill>
                         <a:srgbClr val="FFFFFF"/>
                       </a:solidFill>
@@ -5624,7 +5415,7 @@
                       <a:headEnd type="none" w="med" len="med"/>
                       <a:tailEnd type="none" w="med" len="med"/>
                     </a:lnR>
-                    <a:lnT w="0" cap="flat" cmpd="sng" algn="ctr">
+                    <a:lnT cmpd="sng" algn="ctr" cap="flat" w="0">
                       <a:solidFill>
                         <a:srgbClr val="FFFFFF"/>
                       </a:solidFill>
@@ -5633,7 +5424,7 @@
                       <a:headEnd type="none" w="med" len="med"/>
                       <a:tailEnd type="none" w="med" len="med"/>
                     </a:lnT>
-                    <a:lnB w="0" cap="flat" cmpd="sng" algn="ctr">
+                    <a:lnB cmpd="sng" algn="ctr" cap="flat" w="0">
                       <a:solidFill>
                         <a:srgbClr val="FFFFFF"/>
                       </a:solidFill>
@@ -5646,17 +5437,17 @@
                 </a:tc>
                 <a:tc>
                   <a:txBody>
-                    <a:bodyPr rtlCol="0"/>
+                    <a:bodyPr anchor="t" rtlCol="false"/>
                     <a:lstStyle/>
                     <a:p>
                       <a:pPr algn="ctr">
                         <a:lnSpc>
-                          <a:spcPts val="2795"/>
+                          <a:spcPts val="2796"/>
                         </a:lnSpc>
                         <a:defRPr/>
                       </a:pPr>
                       <a:r>
-                        <a:rPr lang="en-US" sz="2000">
+                        <a:rPr lang="en-US" sz="1998">
                           <a:solidFill>
                             <a:srgbClr val="F4C014"/>
                           </a:solidFill>
@@ -5670,8 +5461,8 @@
                       <a:endParaRPr lang="en-US" sz="1100"/>
                     </a:p>
                   </a:txBody>
-                  <a:tcPr marL="95179" marR="95179" marT="95179" marB="95179" anchor="t">
-                    <a:lnL w="0" cap="flat" cmpd="sng" algn="ctr">
+                  <a:tcPr marL="95179" marR="95179" marT="95179" marB="95179" anchor="ctr">
+                    <a:lnL cmpd="sng" algn="ctr" cap="flat" w="0">
                       <a:solidFill>
                         <a:srgbClr val="FFFFFF"/>
                       </a:solidFill>
@@ -5680,7 +5471,7 @@
                       <a:headEnd type="none" w="med" len="med"/>
                       <a:tailEnd type="none" w="med" len="med"/>
                     </a:lnL>
-                    <a:lnR w="0" cap="flat" cmpd="sng" algn="ctr">
+                    <a:lnR cmpd="sng" algn="ctr" cap="flat" w="0">
                       <a:solidFill>
                         <a:srgbClr val="FFFFFF"/>
                       </a:solidFill>
@@ -5689,7 +5480,7 @@
                       <a:headEnd type="none" w="med" len="med"/>
                       <a:tailEnd type="none" w="med" len="med"/>
                     </a:lnR>
-                    <a:lnT w="0" cap="flat" cmpd="sng" algn="ctr">
+                    <a:lnT cmpd="sng" algn="ctr" cap="flat" w="0">
                       <a:solidFill>
                         <a:srgbClr val="FFFFFF"/>
                       </a:solidFill>
@@ -5698,7 +5489,7 @@
                       <a:headEnd type="none" w="med" len="med"/>
                       <a:tailEnd type="none" w="med" len="med"/>
                     </a:lnT>
-                    <a:lnB w="0" cap="flat" cmpd="sng" algn="ctr">
+                    <a:lnB cmpd="sng" algn="ctr" cap="flat" w="0">
                       <a:solidFill>
                         <a:srgbClr val="FFFFFF"/>
                       </a:solidFill>
@@ -5711,17 +5502,17 @@
                 </a:tc>
                 <a:tc>
                   <a:txBody>
-                    <a:bodyPr rtlCol="0"/>
+                    <a:bodyPr anchor="t" rtlCol="false"/>
                     <a:lstStyle/>
                     <a:p>
                       <a:pPr algn="ctr">
                         <a:lnSpc>
-                          <a:spcPts val="2795"/>
+                          <a:spcPts val="2796"/>
                         </a:lnSpc>
                         <a:defRPr/>
                       </a:pPr>
                       <a:r>
-                        <a:rPr lang="en-US" sz="2000">
+                        <a:rPr lang="en-US" sz="1998">
                           <a:solidFill>
                             <a:srgbClr val="F4C014"/>
                           </a:solidFill>
@@ -5735,8 +5526,8 @@
                       <a:endParaRPr lang="en-US" sz="1100"/>
                     </a:p>
                   </a:txBody>
-                  <a:tcPr marL="95179" marR="95179" marT="95179" marB="95179" anchor="t">
-                    <a:lnL w="0" cap="flat" cmpd="sng" algn="ctr">
+                  <a:tcPr marL="95179" marR="95179" marT="95179" marB="95179" anchor="ctr">
+                    <a:lnL cmpd="sng" algn="ctr" cap="flat" w="0">
                       <a:solidFill>
                         <a:srgbClr val="FFFFFF"/>
                       </a:solidFill>
@@ -5745,7 +5536,7 @@
                       <a:headEnd type="none" w="med" len="med"/>
                       <a:tailEnd type="none" w="med" len="med"/>
                     </a:lnL>
-                    <a:lnR w="0" cap="flat" cmpd="sng" algn="ctr">
+                    <a:lnR cmpd="sng" algn="ctr" cap="flat" w="0">
                       <a:solidFill>
                         <a:srgbClr val="FFFFFF"/>
                       </a:solidFill>
@@ -5754,7 +5545,7 @@
                       <a:headEnd type="none" w="med" len="med"/>
                       <a:tailEnd type="none" w="med" len="med"/>
                     </a:lnR>
-                    <a:lnT w="0" cap="flat" cmpd="sng" algn="ctr">
+                    <a:lnT cmpd="sng" algn="ctr" cap="flat" w="0">
                       <a:solidFill>
                         <a:srgbClr val="FFFFFF"/>
                       </a:solidFill>
@@ -5763,7 +5554,7 @@
                       <a:headEnd type="none" w="med" len="med"/>
                       <a:tailEnd type="none" w="med" len="med"/>
                     </a:lnT>
-                    <a:lnB w="0" cap="flat" cmpd="sng" algn="ctr">
+                    <a:lnB cmpd="sng" algn="ctr" cap="flat" w="0">
                       <a:solidFill>
                         <a:srgbClr val="FFFFFF"/>
                       </a:solidFill>
@@ -5776,17 +5567,17 @@
                 </a:tc>
                 <a:tc>
                   <a:txBody>
-                    <a:bodyPr rtlCol="0"/>
+                    <a:bodyPr anchor="t" rtlCol="false"/>
                     <a:lstStyle/>
                     <a:p>
                       <a:pPr algn="ctr">
                         <a:lnSpc>
-                          <a:spcPts val="2795"/>
+                          <a:spcPts val="2796"/>
                         </a:lnSpc>
                         <a:defRPr/>
                       </a:pPr>
                       <a:r>
-                        <a:rPr lang="en-US" sz="2000" b="1">
+                        <a:rPr lang="en-US" sz="1998" b="true">
                           <a:solidFill>
                             <a:srgbClr val="FFFFFF"/>
                           </a:solidFill>
@@ -5800,8 +5591,8 @@
                       <a:endParaRPr lang="en-US" sz="1100"/>
                     </a:p>
                   </a:txBody>
-                  <a:tcPr marL="95179" marR="95179" marT="95179" marB="95179" anchor="t">
-                    <a:lnL w="0" cap="flat" cmpd="sng" algn="ctr">
+                  <a:tcPr marL="95179" marR="95179" marT="95179" marB="95179" anchor="ctr">
+                    <a:lnL cmpd="sng" algn="ctr" cap="flat" w="0">
                       <a:solidFill>
                         <a:srgbClr val="FFFFFF"/>
                       </a:solidFill>
@@ -5810,7 +5601,7 @@
                       <a:headEnd type="none" w="med" len="med"/>
                       <a:tailEnd type="none" w="med" len="med"/>
                     </a:lnL>
-                    <a:lnR w="0" cap="flat" cmpd="sng" algn="ctr">
+                    <a:lnR cmpd="sng" algn="ctr" cap="flat" w="0">
                       <a:solidFill>
                         <a:srgbClr val="FFFFFF"/>
                       </a:solidFill>
@@ -5819,7 +5610,7 @@
                       <a:headEnd type="none" w="med" len="med"/>
                       <a:tailEnd type="none" w="med" len="med"/>
                     </a:lnR>
-                    <a:lnT w="0" cap="flat" cmpd="sng" algn="ctr">
+                    <a:lnT cmpd="sng" algn="ctr" cap="flat" w="0">
                       <a:solidFill>
                         <a:srgbClr val="FFFFFF"/>
                       </a:solidFill>
@@ -5828,7 +5619,7 @@
                       <a:headEnd type="none" w="med" len="med"/>
                       <a:tailEnd type="none" w="med" len="med"/>
                     </a:lnT>
-                    <a:lnB w="0" cap="flat" cmpd="sng" algn="ctr">
+                    <a:lnB cmpd="sng" algn="ctr" cap="flat" w="0">
                       <a:solidFill>
                         <a:srgbClr val="FFFFFF"/>
                       </a:solidFill>
@@ -5841,17 +5632,17 @@
                 </a:tc>
                 <a:tc>
                   <a:txBody>
-                    <a:bodyPr rtlCol="0"/>
+                    <a:bodyPr anchor="t" rtlCol="false"/>
                     <a:lstStyle/>
                     <a:p>
                       <a:pPr algn="ctr">
                         <a:lnSpc>
-                          <a:spcPts val="2795"/>
+                          <a:spcPts val="2796"/>
                         </a:lnSpc>
                         <a:defRPr/>
                       </a:pPr>
                       <a:r>
-                        <a:rPr lang="en-US" sz="2000">
+                        <a:rPr lang="en-US" sz="1998">
                           <a:solidFill>
                             <a:srgbClr val="FFFFFF"/>
                           </a:solidFill>
@@ -5865,8 +5656,8 @@
                       <a:endParaRPr lang="en-US" sz="1100"/>
                     </a:p>
                   </a:txBody>
-                  <a:tcPr marL="95179" marR="95179" marT="95179" marB="95179" anchor="t">
-                    <a:lnL w="0" cap="flat" cmpd="sng" algn="ctr">
+                  <a:tcPr marL="95179" marR="95179" marT="95179" marB="95179" anchor="ctr">
+                    <a:lnL cmpd="sng" algn="ctr" cap="flat" w="0">
                       <a:solidFill>
                         <a:srgbClr val="FFFFFF"/>
                       </a:solidFill>
@@ -5875,7 +5666,7 @@
                       <a:headEnd type="none" w="med" len="med"/>
                       <a:tailEnd type="none" w="med" len="med"/>
                     </a:lnL>
-                    <a:lnR w="0" cap="flat" cmpd="sng" algn="ctr">
+                    <a:lnR cmpd="sng" algn="ctr" cap="flat" w="0">
                       <a:solidFill>
                         <a:srgbClr val="FFFFFF"/>
                       </a:solidFill>
@@ -5884,7 +5675,7 @@
                       <a:headEnd type="none" w="med" len="med"/>
                       <a:tailEnd type="none" w="med" len="med"/>
                     </a:lnR>
-                    <a:lnT w="0" cap="flat" cmpd="sng" algn="ctr">
+                    <a:lnT cmpd="sng" algn="ctr" cap="flat" w="0">
                       <a:solidFill>
                         <a:srgbClr val="FFFFFF"/>
                       </a:solidFill>
@@ -5893,7 +5684,7 @@
                       <a:headEnd type="none" w="med" len="med"/>
                       <a:tailEnd type="none" w="med" len="med"/>
                     </a:lnT>
-                    <a:lnB w="0" cap="flat" cmpd="sng" algn="ctr">
+                    <a:lnB cmpd="sng" algn="ctr" cap="flat" w="0">
                       <a:solidFill>
                         <a:srgbClr val="FFFFFF"/>
                       </a:solidFill>
@@ -5908,17 +5699,17 @@
               <a:tr h="1954484">
                 <a:tc>
                   <a:txBody>
-                    <a:bodyPr rtlCol="0"/>
+                    <a:bodyPr anchor="t" rtlCol="false"/>
                     <a:lstStyle/>
                     <a:p>
                       <a:pPr algn="l">
                         <a:lnSpc>
-                          <a:spcPts val="1675"/>
+                          <a:spcPts val="1677"/>
                         </a:lnSpc>
                         <a:defRPr/>
                       </a:pPr>
                       <a:r>
-                        <a:rPr lang="en-US" sz="1200">
+                        <a:rPr lang="en-US" sz="1199">
                           <a:solidFill>
                             <a:srgbClr val="002A38"/>
                           </a:solidFill>
@@ -5932,8 +5723,8 @@
                       <a:endParaRPr lang="en-US" sz="1100"/>
                     </a:p>
                   </a:txBody>
-                  <a:tcPr marL="95179" marR="95179" marT="95179" marB="95179" anchor="t">
-                    <a:lnL w="0" cap="flat" cmpd="sng" algn="ctr">
+                  <a:tcPr marL="95179" marR="95179" marT="95179" marB="95179" anchor="ctr">
+                    <a:lnL cmpd="sng" algn="ctr" cap="flat" w="0">
                       <a:solidFill>
                         <a:srgbClr val="FFFFFF"/>
                       </a:solidFill>
@@ -5942,7 +5733,7 @@
                       <a:headEnd type="none" w="med" len="med"/>
                       <a:tailEnd type="none" w="med" len="med"/>
                     </a:lnL>
-                    <a:lnR w="0" cap="flat" cmpd="sng" algn="ctr">
+                    <a:lnR cmpd="sng" algn="ctr" cap="flat" w="0">
                       <a:solidFill>
                         <a:srgbClr val="FFFFFF"/>
                       </a:solidFill>
@@ -5951,7 +5742,7 @@
                       <a:headEnd type="none" w="med" len="med"/>
                       <a:tailEnd type="none" w="med" len="med"/>
                     </a:lnR>
-                    <a:lnT w="0" cap="flat" cmpd="sng" algn="ctr">
+                    <a:lnT cmpd="sng" algn="ctr" cap="flat" w="0">
                       <a:solidFill>
                         <a:srgbClr val="FFFFFF"/>
                       </a:solidFill>
@@ -5960,7 +5751,7 @@
                       <a:headEnd type="none" w="med" len="med"/>
                       <a:tailEnd type="none" w="med" len="med"/>
                     </a:lnT>
-                    <a:lnB w="0" cap="flat" cmpd="sng" algn="ctr">
+                    <a:lnB cmpd="sng" algn="ctr" cap="flat" w="0">
                       <a:solidFill>
                         <a:srgbClr val="FFFFFF"/>
                       </a:solidFill>
@@ -5976,17 +5767,17 @@
                 </a:tc>
                 <a:tc>
                   <a:txBody>
-                    <a:bodyPr rtlCol="0"/>
+                    <a:bodyPr anchor="t" rtlCol="false"/>
                     <a:lstStyle/>
                     <a:p>
                       <a:pPr algn="l">
                         <a:lnSpc>
-                          <a:spcPts val="1955"/>
+                          <a:spcPts val="1957"/>
                         </a:lnSpc>
                         <a:defRPr/>
                       </a:pPr>
                       <a:r>
-                        <a:rPr lang="en-US" sz="1200" b="1">
+                        <a:rPr lang="en-US" sz="1199" b="true">
                           <a:solidFill>
                             <a:srgbClr val="002A38"/>
                           </a:solidFill>
@@ -6000,8 +5791,8 @@
                       <a:endParaRPr lang="en-US" sz="1100"/>
                     </a:p>
                   </a:txBody>
-                  <a:tcPr marL="95179" marR="95179" marT="95179" marB="95179" anchor="t">
-                    <a:lnL w="0" cap="flat" cmpd="sng" algn="ctr">
+                  <a:tcPr marL="95179" marR="95179" marT="95179" marB="95179" anchor="ctr">
+                    <a:lnL cmpd="sng" algn="ctr" cap="flat" w="0">
                       <a:solidFill>
                         <a:srgbClr val="FFFFFF"/>
                       </a:solidFill>
@@ -6010,7 +5801,7 @@
                       <a:headEnd type="none" w="med" len="med"/>
                       <a:tailEnd type="none" w="med" len="med"/>
                     </a:lnL>
-                    <a:lnR w="0" cap="flat" cmpd="sng" algn="ctr">
+                    <a:lnR cmpd="sng" algn="ctr" cap="flat" w="0">
                       <a:solidFill>
                         <a:srgbClr val="FFFFFF"/>
                       </a:solidFill>
@@ -6019,7 +5810,7 @@
                       <a:headEnd type="none" w="med" len="med"/>
                       <a:tailEnd type="none" w="med" len="med"/>
                     </a:lnR>
-                    <a:lnT w="0" cap="flat" cmpd="sng" algn="ctr">
+                    <a:lnT cmpd="sng" algn="ctr" cap="flat" w="0">
                       <a:solidFill>
                         <a:srgbClr val="FFFFFF"/>
                       </a:solidFill>
@@ -6028,7 +5819,7 @@
                       <a:headEnd type="none" w="med" len="med"/>
                       <a:tailEnd type="none" w="med" len="med"/>
                     </a:lnT>
-                    <a:lnB w="0" cap="flat" cmpd="sng" algn="ctr">
+                    <a:lnB cmpd="sng" algn="ctr" cap="flat" w="0">
                       <a:solidFill>
                         <a:srgbClr val="FFFFFF"/>
                       </a:solidFill>
@@ -6044,17 +5835,17 @@
                 </a:tc>
                 <a:tc>
                   <a:txBody>
-                    <a:bodyPr rtlCol="0"/>
+                    <a:bodyPr anchor="t" rtlCol="false"/>
                     <a:lstStyle/>
                     <a:p>
                       <a:pPr algn="l">
                         <a:lnSpc>
-                          <a:spcPts val="1675"/>
+                          <a:spcPts val="1677"/>
                         </a:lnSpc>
                         <a:defRPr/>
                       </a:pPr>
                       <a:r>
-                        <a:rPr lang="en-US" sz="1200">
+                        <a:rPr lang="en-US" sz="1199">
                           <a:solidFill>
                             <a:srgbClr val="FFFFFF"/>
                           </a:solidFill>
@@ -6068,8 +5859,8 @@
                       <a:endParaRPr lang="en-US" sz="1100"/>
                     </a:p>
                   </a:txBody>
-                  <a:tcPr marL="95179" marR="95179" marT="95179" marB="95179" anchor="t">
-                    <a:lnL w="0" cap="flat" cmpd="sng" algn="ctr">
+                  <a:tcPr marL="95179" marR="95179" marT="95179" marB="95179" anchor="ctr">
+                    <a:lnL cmpd="sng" algn="ctr" cap="flat" w="0">
                       <a:solidFill>
                         <a:srgbClr val="FFFFFF"/>
                       </a:solidFill>
@@ -6078,7 +5869,7 @@
                       <a:headEnd type="none" w="med" len="med"/>
                       <a:tailEnd type="none" w="med" len="med"/>
                     </a:lnL>
-                    <a:lnR w="0" cap="flat" cmpd="sng" algn="ctr">
+                    <a:lnR cmpd="sng" algn="ctr" cap="flat" w="0">
                       <a:solidFill>
                         <a:srgbClr val="FFFFFF"/>
                       </a:solidFill>
@@ -6087,7 +5878,7 @@
                       <a:headEnd type="none" w="med" len="med"/>
                       <a:tailEnd type="none" w="med" len="med"/>
                     </a:lnR>
-                    <a:lnT w="0" cap="flat" cmpd="sng" algn="ctr">
+                    <a:lnT cmpd="sng" algn="ctr" cap="flat" w="0">
                       <a:solidFill>
                         <a:srgbClr val="FFFFFF"/>
                       </a:solidFill>
@@ -6096,7 +5887,7 @@
                       <a:headEnd type="none" w="med" len="med"/>
                       <a:tailEnd type="none" w="med" len="med"/>
                     </a:lnT>
-                    <a:lnB w="0" cap="flat" cmpd="sng" algn="ctr">
+                    <a:lnB cmpd="sng" algn="ctr" cap="flat" w="0">
                       <a:solidFill>
                         <a:srgbClr val="FFFFFF"/>
                       </a:solidFill>
@@ -6112,17 +5903,17 @@
                 </a:tc>
                 <a:tc>
                   <a:txBody>
-                    <a:bodyPr rtlCol="0"/>
+                    <a:bodyPr anchor="t" rtlCol="false"/>
                     <a:lstStyle/>
                     <a:p>
                       <a:pPr algn="l">
                         <a:lnSpc>
-                          <a:spcPts val="1675"/>
+                          <a:spcPts val="1677"/>
                         </a:lnSpc>
                         <a:defRPr/>
                       </a:pPr>
                       <a:r>
-                        <a:rPr lang="en-US" sz="1200">
+                        <a:rPr lang="en-US" sz="1199">
                           <a:solidFill>
                             <a:srgbClr val="002A38"/>
                           </a:solidFill>
@@ -6136,8 +5927,8 @@
                       <a:endParaRPr lang="en-US" sz="1100"/>
                     </a:p>
                   </a:txBody>
-                  <a:tcPr marL="95179" marR="95179" marT="95179" marB="95179" anchor="t">
-                    <a:lnL w="0" cap="flat" cmpd="sng" algn="ctr">
+                  <a:tcPr marL="95179" marR="95179" marT="95179" marB="95179" anchor="ctr">
+                    <a:lnL cmpd="sng" algn="ctr" cap="flat" w="0">
                       <a:solidFill>
                         <a:srgbClr val="FFFFFF"/>
                       </a:solidFill>
@@ -6146,7 +5937,7 @@
                       <a:headEnd type="none" w="med" len="med"/>
                       <a:tailEnd type="none" w="med" len="med"/>
                     </a:lnL>
-                    <a:lnR w="0" cap="flat" cmpd="sng" algn="ctr">
+                    <a:lnR cmpd="sng" algn="ctr" cap="flat" w="0">
                       <a:solidFill>
                         <a:srgbClr val="FFFFFF"/>
                       </a:solidFill>
@@ -6155,7 +5946,7 @@
                       <a:headEnd type="none" w="med" len="med"/>
                       <a:tailEnd type="none" w="med" len="med"/>
                     </a:lnR>
-                    <a:lnT w="0" cap="flat" cmpd="sng" algn="ctr">
+                    <a:lnT cmpd="sng" algn="ctr" cap="flat" w="0">
                       <a:solidFill>
                         <a:srgbClr val="FFFFFF"/>
                       </a:solidFill>
@@ -6164,7 +5955,7 @@
                       <a:headEnd type="none" w="med" len="med"/>
                       <a:tailEnd type="none" w="med" len="med"/>
                     </a:lnT>
-                    <a:lnB w="0" cap="flat" cmpd="sng" algn="ctr">
+                    <a:lnB cmpd="sng" algn="ctr" cap="flat" w="0">
                       <a:solidFill>
                         <a:srgbClr val="FFFFFF"/>
                       </a:solidFill>
@@ -6180,17 +5971,17 @@
                 </a:tc>
                 <a:tc>
                   <a:txBody>
-                    <a:bodyPr rtlCol="0"/>
+                    <a:bodyPr anchor="t" rtlCol="false"/>
                     <a:lstStyle/>
                     <a:p>
                       <a:pPr algn="l">
                         <a:lnSpc>
-                          <a:spcPts val="1675"/>
+                          <a:spcPts val="1677"/>
                         </a:lnSpc>
                         <a:defRPr/>
                       </a:pPr>
                       <a:r>
-                        <a:rPr lang="en-US" sz="1200" b="1">
+                        <a:rPr lang="en-US" sz="1199" b="true">
                           <a:solidFill>
                             <a:srgbClr val="002A38"/>
                           </a:solidFill>
@@ -6204,8 +5995,8 @@
                       <a:endParaRPr lang="en-US" sz="1100"/>
                     </a:p>
                   </a:txBody>
-                  <a:tcPr marL="95179" marR="95179" marT="95179" marB="95179" anchor="t">
-                    <a:lnL w="0" cap="flat" cmpd="sng" algn="ctr">
+                  <a:tcPr marL="95179" marR="95179" marT="95179" marB="95179" anchor="ctr">
+                    <a:lnL cmpd="sng" algn="ctr" cap="flat" w="0">
                       <a:solidFill>
                         <a:srgbClr val="FFFFFF"/>
                       </a:solidFill>
@@ -6214,7 +6005,7 @@
                       <a:headEnd type="none" w="med" len="med"/>
                       <a:tailEnd type="none" w="med" len="med"/>
                     </a:lnL>
-                    <a:lnR w="0" cap="flat" cmpd="sng" algn="ctr">
+                    <a:lnR cmpd="sng" algn="ctr" cap="flat" w="0">
                       <a:solidFill>
                         <a:srgbClr val="FFFFFF"/>
                       </a:solidFill>
@@ -6223,7 +6014,7 @@
                       <a:headEnd type="none" w="med" len="med"/>
                       <a:tailEnd type="none" w="med" len="med"/>
                     </a:lnR>
-                    <a:lnT w="0" cap="flat" cmpd="sng" algn="ctr">
+                    <a:lnT cmpd="sng" algn="ctr" cap="flat" w="0">
                       <a:solidFill>
                         <a:srgbClr val="FFFFFF"/>
                       </a:solidFill>
@@ -6232,7 +6023,7 @@
                       <a:headEnd type="none" w="med" len="med"/>
                       <a:tailEnd type="none" w="med" len="med"/>
                     </a:lnT>
-                    <a:lnB w="0" cap="flat" cmpd="sng" algn="ctr">
+                    <a:lnB cmpd="sng" algn="ctr" cap="flat" w="0">
                       <a:solidFill>
                         <a:srgbClr val="FFFFFF"/>
                       </a:solidFill>
@@ -6248,17 +6039,17 @@
                 </a:tc>
                 <a:tc>
                   <a:txBody>
-                    <a:bodyPr rtlCol="0"/>
+                    <a:bodyPr anchor="t" rtlCol="false"/>
                     <a:lstStyle/>
                     <a:p>
                       <a:pPr algn="l">
                         <a:lnSpc>
-                          <a:spcPts val="1675"/>
+                          <a:spcPts val="1677"/>
                         </a:lnSpc>
                         <a:defRPr/>
                       </a:pPr>
                       <a:r>
-                        <a:rPr lang="en-US" sz="1395" b="1">
+                        <a:rPr lang="en-US" sz="1397" b="true">
                           <a:solidFill>
                             <a:srgbClr val="002A38"/>
                           </a:solidFill>
@@ -6272,8 +6063,8 @@
                       <a:endParaRPr lang="en-US" sz="1100"/>
                     </a:p>
                   </a:txBody>
-                  <a:tcPr marL="95179" marR="95179" marT="95179" marB="95179" anchor="t">
-                    <a:lnL w="0" cap="flat" cmpd="sng" algn="ctr">
+                  <a:tcPr marL="95179" marR="95179" marT="95179" marB="95179" anchor="ctr">
+                    <a:lnL cmpd="sng" algn="ctr" cap="flat" w="0">
                       <a:solidFill>
                         <a:srgbClr val="FFFFFF"/>
                       </a:solidFill>
@@ -6282,7 +6073,7 @@
                       <a:headEnd type="none" w="med" len="med"/>
                       <a:tailEnd type="none" w="med" len="med"/>
                     </a:lnL>
-                    <a:lnR w="0" cap="flat" cmpd="sng" algn="ctr">
+                    <a:lnR cmpd="sng" algn="ctr" cap="flat" w="0">
                       <a:solidFill>
                         <a:srgbClr val="FFFFFF"/>
                       </a:solidFill>
@@ -6291,7 +6082,7 @@
                       <a:headEnd type="none" w="med" len="med"/>
                       <a:tailEnd type="none" w="med" len="med"/>
                     </a:lnR>
-                    <a:lnT w="0" cap="flat" cmpd="sng" algn="ctr">
+                    <a:lnT cmpd="sng" algn="ctr" cap="flat" w="0">
                       <a:solidFill>
                         <a:srgbClr val="FFFFFF"/>
                       </a:solidFill>
@@ -6300,7 +6091,7 @@
                       <a:headEnd type="none" w="med" len="med"/>
                       <a:tailEnd type="none" w="med" len="med"/>
                     </a:lnT>
-                    <a:lnB w="0" cap="flat" cmpd="sng" algn="ctr">
+                    <a:lnB cmpd="sng" algn="ctr" cap="flat" w="0">
                       <a:solidFill>
                         <a:srgbClr val="FFFFFF"/>
                       </a:solidFill>
@@ -6316,17 +6107,17 @@
                 </a:tc>
                 <a:tc>
                   <a:txBody>
-                    <a:bodyPr rtlCol="0"/>
+                    <a:bodyPr anchor="t" rtlCol="false"/>
                     <a:lstStyle/>
                     <a:p>
                       <a:pPr algn="l">
                         <a:lnSpc>
-                          <a:spcPts val="1675"/>
+                          <a:spcPts val="1677"/>
                         </a:lnSpc>
                         <a:defRPr/>
                       </a:pPr>
                       <a:r>
-                        <a:rPr lang="en-US" sz="1200">
+                        <a:rPr lang="en-US" sz="1199">
                           <a:solidFill>
                             <a:srgbClr val="002A38"/>
                           </a:solidFill>
@@ -6340,8 +6131,8 @@
                       <a:endParaRPr lang="en-US" sz="1100"/>
                     </a:p>
                   </a:txBody>
-                  <a:tcPr marL="95179" marR="95179" marT="95179" marB="95179" anchor="t">
-                    <a:lnL w="0" cap="flat" cmpd="sng" algn="ctr">
+                  <a:tcPr marL="95179" marR="95179" marT="95179" marB="95179" anchor="ctr">
+                    <a:lnL cmpd="sng" algn="ctr" cap="flat" w="0">
                       <a:solidFill>
                         <a:srgbClr val="FFFFFF"/>
                       </a:solidFill>
@@ -6350,7 +6141,7 @@
                       <a:headEnd type="none" w="med" len="med"/>
                       <a:tailEnd type="none" w="med" len="med"/>
                     </a:lnL>
-                    <a:lnR w="0" cap="flat" cmpd="sng" algn="ctr">
+                    <a:lnR cmpd="sng" algn="ctr" cap="flat" w="0">
                       <a:solidFill>
                         <a:srgbClr val="FFFFFF"/>
                       </a:solidFill>
@@ -6359,7 +6150,7 @@
                       <a:headEnd type="none" w="med" len="med"/>
                       <a:tailEnd type="none" w="med" len="med"/>
                     </a:lnR>
-                    <a:lnT w="0" cap="flat" cmpd="sng" algn="ctr">
+                    <a:lnT cmpd="sng" algn="ctr" cap="flat" w="0">
                       <a:solidFill>
                         <a:srgbClr val="FFFFFF"/>
                       </a:solidFill>
@@ -6368,7 +6159,7 @@
                       <a:headEnd type="none" w="med" len="med"/>
                       <a:tailEnd type="none" w="med" len="med"/>
                     </a:lnT>
-                    <a:lnB w="0" cap="flat" cmpd="sng" algn="ctr">
+                    <a:lnB cmpd="sng" algn="ctr" cap="flat" w="0">
                       <a:solidFill>
                         <a:srgbClr val="FFFFFF"/>
                       </a:solidFill>
@@ -6386,17 +6177,17 @@
               <a:tr h="1862657">
                 <a:tc>
                   <a:txBody>
-                    <a:bodyPr rtlCol="0"/>
+                    <a:bodyPr anchor="t" rtlCol="false"/>
                     <a:lstStyle/>
                     <a:p>
                       <a:pPr algn="l">
                         <a:lnSpc>
-                          <a:spcPts val="1675"/>
+                          <a:spcPts val="1677"/>
                         </a:lnSpc>
                         <a:defRPr/>
                       </a:pPr>
                       <a:r>
-                        <a:rPr lang="en-US" sz="1200">
+                        <a:rPr lang="en-US" sz="1199">
                           <a:solidFill>
                             <a:srgbClr val="002A38"/>
                           </a:solidFill>
@@ -6410,8 +6201,8 @@
                       <a:endParaRPr lang="en-US" sz="1100"/>
                     </a:p>
                   </a:txBody>
-                  <a:tcPr marL="95179" marR="95179" marT="95179" marB="95179" anchor="t">
-                    <a:lnL w="0" cap="flat" cmpd="sng" algn="ctr">
+                  <a:tcPr marL="95179" marR="95179" marT="95179" marB="95179" anchor="ctr">
+                    <a:lnL cmpd="sng" algn="ctr" cap="flat" w="0">
                       <a:solidFill>
                         <a:srgbClr val="FFFFFF"/>
                       </a:solidFill>
@@ -6420,7 +6211,7 @@
                       <a:headEnd type="none" w="med" len="med"/>
                       <a:tailEnd type="none" w="med" len="med"/>
                     </a:lnL>
-                    <a:lnR w="0" cap="flat" cmpd="sng" algn="ctr">
+                    <a:lnR cmpd="sng" algn="ctr" cap="flat" w="0">
                       <a:solidFill>
                         <a:srgbClr val="FFFFFF"/>
                       </a:solidFill>
@@ -6429,7 +6220,7 @@
                       <a:headEnd type="none" w="med" len="med"/>
                       <a:tailEnd type="none" w="med" len="med"/>
                     </a:lnR>
-                    <a:lnT w="0" cap="flat" cmpd="sng" algn="ctr">
+                    <a:lnT cmpd="sng" algn="ctr" cap="flat" w="0">
                       <a:solidFill>
                         <a:srgbClr val="FFFFFF"/>
                       </a:solidFill>
@@ -6438,7 +6229,7 @@
                       <a:headEnd type="none" w="med" len="med"/>
                       <a:tailEnd type="none" w="med" len="med"/>
                     </a:lnT>
-                    <a:lnB w="0" cap="flat" cmpd="sng" algn="ctr">
+                    <a:lnB cmpd="sng" algn="ctr" cap="flat" w="0">
                       <a:solidFill>
                         <a:srgbClr val="FFFFFF"/>
                       </a:solidFill>
@@ -6454,17 +6245,17 @@
                 </a:tc>
                 <a:tc>
                   <a:txBody>
-                    <a:bodyPr rtlCol="0"/>
+                    <a:bodyPr anchor="t" rtlCol="false"/>
                     <a:lstStyle/>
                     <a:p>
                       <a:pPr algn="l">
                         <a:lnSpc>
-                          <a:spcPts val="1675"/>
+                          <a:spcPts val="1677"/>
                         </a:lnSpc>
                         <a:defRPr/>
                       </a:pPr>
                       <a:r>
-                        <a:rPr lang="en-US" sz="1200" b="1">
+                        <a:rPr lang="en-US" sz="1199" b="true">
                           <a:solidFill>
                             <a:srgbClr val="002A38"/>
                           </a:solidFill>
@@ -6478,8 +6269,8 @@
                       <a:endParaRPr lang="en-US" sz="1100"/>
                     </a:p>
                   </a:txBody>
-                  <a:tcPr marL="95179" marR="95179" marT="95179" marB="95179" anchor="t">
-                    <a:lnL w="0" cap="flat" cmpd="sng" algn="ctr">
+                  <a:tcPr marL="95179" marR="95179" marT="95179" marB="95179" anchor="ctr">
+                    <a:lnL cmpd="sng" algn="ctr" cap="flat" w="0">
                       <a:solidFill>
                         <a:srgbClr val="FFFFFF"/>
                       </a:solidFill>
@@ -6488,7 +6279,7 @@
                       <a:headEnd type="none" w="med" len="med"/>
                       <a:tailEnd type="none" w="med" len="med"/>
                     </a:lnL>
-                    <a:lnR w="0" cap="flat" cmpd="sng" algn="ctr">
+                    <a:lnR cmpd="sng" algn="ctr" cap="flat" w="0">
                       <a:solidFill>
                         <a:srgbClr val="FFFFFF"/>
                       </a:solidFill>
@@ -6497,7 +6288,7 @@
                       <a:headEnd type="none" w="med" len="med"/>
                       <a:tailEnd type="none" w="med" len="med"/>
                     </a:lnR>
-                    <a:lnT w="0" cap="flat" cmpd="sng" algn="ctr">
+                    <a:lnT cmpd="sng" algn="ctr" cap="flat" w="0">
                       <a:solidFill>
                         <a:srgbClr val="FFFFFF"/>
                       </a:solidFill>
@@ -6506,7 +6297,7 @@
                       <a:headEnd type="none" w="med" len="med"/>
                       <a:tailEnd type="none" w="med" len="med"/>
                     </a:lnT>
-                    <a:lnB w="0" cap="flat" cmpd="sng" algn="ctr">
+                    <a:lnB cmpd="sng" algn="ctr" cap="flat" w="0">
                       <a:solidFill>
                         <a:srgbClr val="FFFFFF"/>
                       </a:solidFill>
@@ -6522,17 +6313,17 @@
                 </a:tc>
                 <a:tc>
                   <a:txBody>
-                    <a:bodyPr rtlCol="0"/>
+                    <a:bodyPr anchor="t" rtlCol="false"/>
                     <a:lstStyle/>
                     <a:p>
                       <a:pPr algn="l">
                         <a:lnSpc>
-                          <a:spcPts val="1675"/>
+                          <a:spcPts val="1677"/>
                         </a:lnSpc>
                         <a:defRPr/>
                       </a:pPr>
                       <a:r>
-                        <a:rPr lang="en-US" sz="1200">
+                        <a:rPr lang="en-US" sz="1199">
                           <a:solidFill>
                             <a:srgbClr val="FFFFFF"/>
                           </a:solidFill>
@@ -6546,8 +6337,8 @@
                       <a:endParaRPr lang="en-US" sz="1100"/>
                     </a:p>
                   </a:txBody>
-                  <a:tcPr marL="95179" marR="95179" marT="95179" marB="95179" anchor="t">
-                    <a:lnL w="0" cap="flat" cmpd="sng" algn="ctr">
+                  <a:tcPr marL="95179" marR="95179" marT="95179" marB="95179" anchor="ctr">
+                    <a:lnL cmpd="sng" algn="ctr" cap="flat" w="0">
                       <a:solidFill>
                         <a:srgbClr val="FFFFFF"/>
                       </a:solidFill>
@@ -6556,7 +6347,7 @@
                       <a:headEnd type="none" w="med" len="med"/>
                       <a:tailEnd type="none" w="med" len="med"/>
                     </a:lnL>
-                    <a:lnR w="0" cap="flat" cmpd="sng" algn="ctr">
+                    <a:lnR cmpd="sng" algn="ctr" cap="flat" w="0">
                       <a:solidFill>
                         <a:srgbClr val="FFFFFF"/>
                       </a:solidFill>
@@ -6565,7 +6356,7 @@
                       <a:headEnd type="none" w="med" len="med"/>
                       <a:tailEnd type="none" w="med" len="med"/>
                     </a:lnR>
-                    <a:lnT w="0" cap="flat" cmpd="sng" algn="ctr">
+                    <a:lnT cmpd="sng" algn="ctr" cap="flat" w="0">
                       <a:solidFill>
                         <a:srgbClr val="FFFFFF"/>
                       </a:solidFill>
@@ -6574,7 +6365,7 @@
                       <a:headEnd type="none" w="med" len="med"/>
                       <a:tailEnd type="none" w="med" len="med"/>
                     </a:lnT>
-                    <a:lnB w="0" cap="flat" cmpd="sng" algn="ctr">
+                    <a:lnB cmpd="sng" algn="ctr" cap="flat" w="0">
                       <a:solidFill>
                         <a:srgbClr val="FFFFFF"/>
                       </a:solidFill>
@@ -6590,17 +6381,17 @@
                 </a:tc>
                 <a:tc>
                   <a:txBody>
-                    <a:bodyPr rtlCol="0"/>
+                    <a:bodyPr anchor="t" rtlCol="false"/>
                     <a:lstStyle/>
                     <a:p>
                       <a:pPr algn="l">
                         <a:lnSpc>
-                          <a:spcPts val="1675"/>
+                          <a:spcPts val="1677"/>
                         </a:lnSpc>
                         <a:defRPr/>
                       </a:pPr>
                       <a:r>
-                        <a:rPr lang="en-US" sz="1200">
+                        <a:rPr lang="en-US" sz="1199">
                           <a:solidFill>
                             <a:srgbClr val="002A38"/>
                           </a:solidFill>
@@ -6614,8 +6405,8 @@
                       <a:endParaRPr lang="en-US" sz="1100"/>
                     </a:p>
                   </a:txBody>
-                  <a:tcPr marL="95179" marR="95179" marT="95179" marB="95179" anchor="t">
-                    <a:lnL w="0" cap="flat" cmpd="sng" algn="ctr">
+                  <a:tcPr marL="95179" marR="95179" marT="95179" marB="95179" anchor="ctr">
+                    <a:lnL cmpd="sng" algn="ctr" cap="flat" w="0">
                       <a:solidFill>
                         <a:srgbClr val="FFFFFF"/>
                       </a:solidFill>
@@ -6624,7 +6415,7 @@
                       <a:headEnd type="none" w="med" len="med"/>
                       <a:tailEnd type="none" w="med" len="med"/>
                     </a:lnL>
-                    <a:lnR w="0" cap="flat" cmpd="sng" algn="ctr">
+                    <a:lnR cmpd="sng" algn="ctr" cap="flat" w="0">
                       <a:solidFill>
                         <a:srgbClr val="FFFFFF"/>
                       </a:solidFill>
@@ -6633,7 +6424,7 @@
                       <a:headEnd type="none" w="med" len="med"/>
                       <a:tailEnd type="none" w="med" len="med"/>
                     </a:lnR>
-                    <a:lnT w="0" cap="flat" cmpd="sng" algn="ctr">
+                    <a:lnT cmpd="sng" algn="ctr" cap="flat" w="0">
                       <a:solidFill>
                         <a:srgbClr val="FFFFFF"/>
                       </a:solidFill>
@@ -6642,7 +6433,7 @@
                       <a:headEnd type="none" w="med" len="med"/>
                       <a:tailEnd type="none" w="med" len="med"/>
                     </a:lnT>
-                    <a:lnB w="0" cap="flat" cmpd="sng" algn="ctr">
+                    <a:lnB cmpd="sng" algn="ctr" cap="flat" w="0">
                       <a:solidFill>
                         <a:srgbClr val="FFFFFF"/>
                       </a:solidFill>
@@ -6658,17 +6449,17 @@
                 </a:tc>
                 <a:tc>
                   <a:txBody>
-                    <a:bodyPr rtlCol="0"/>
+                    <a:bodyPr anchor="t" rtlCol="false"/>
                     <a:lstStyle/>
                     <a:p>
                       <a:pPr algn="l">
                         <a:lnSpc>
-                          <a:spcPts val="1675"/>
+                          <a:spcPts val="1677"/>
                         </a:lnSpc>
                         <a:defRPr/>
                       </a:pPr>
                       <a:r>
-                        <a:rPr lang="en-US" sz="1200">
+                        <a:rPr lang="en-US" sz="1199">
                           <a:solidFill>
                             <a:srgbClr val="002A38"/>
                           </a:solidFill>
@@ -6682,8 +6473,8 @@
                       <a:endParaRPr lang="en-US" sz="1100"/>
                     </a:p>
                   </a:txBody>
-                  <a:tcPr marL="95179" marR="95179" marT="95179" marB="95179" anchor="t">
-                    <a:lnL w="0" cap="flat" cmpd="sng" algn="ctr">
+                  <a:tcPr marL="95179" marR="95179" marT="95179" marB="95179" anchor="ctr">
+                    <a:lnL cmpd="sng" algn="ctr" cap="flat" w="0">
                       <a:solidFill>
                         <a:srgbClr val="FFFFFF"/>
                       </a:solidFill>
@@ -6692,7 +6483,7 @@
                       <a:headEnd type="none" w="med" len="med"/>
                       <a:tailEnd type="none" w="med" len="med"/>
                     </a:lnL>
-                    <a:lnR w="0" cap="flat" cmpd="sng" algn="ctr">
+                    <a:lnR cmpd="sng" algn="ctr" cap="flat" w="0">
                       <a:solidFill>
                         <a:srgbClr val="FFFFFF"/>
                       </a:solidFill>
@@ -6701,7 +6492,7 @@
                       <a:headEnd type="none" w="med" len="med"/>
                       <a:tailEnd type="none" w="med" len="med"/>
                     </a:lnR>
-                    <a:lnT w="0" cap="flat" cmpd="sng" algn="ctr">
+                    <a:lnT cmpd="sng" algn="ctr" cap="flat" w="0">
                       <a:solidFill>
                         <a:srgbClr val="FFFFFF"/>
                       </a:solidFill>
@@ -6710,7 +6501,7 @@
                       <a:headEnd type="none" w="med" len="med"/>
                       <a:tailEnd type="none" w="med" len="med"/>
                     </a:lnT>
-                    <a:lnB w="0" cap="flat" cmpd="sng" algn="ctr">
+                    <a:lnB cmpd="sng" algn="ctr" cap="flat" w="0">
                       <a:solidFill>
                         <a:srgbClr val="FFFFFF"/>
                       </a:solidFill>
@@ -6726,17 +6517,17 @@
                 </a:tc>
                 <a:tc>
                   <a:txBody>
-                    <a:bodyPr rtlCol="0"/>
+                    <a:bodyPr anchor="t" rtlCol="false"/>
                     <a:lstStyle/>
                     <a:p>
                       <a:pPr algn="l">
                         <a:lnSpc>
-                          <a:spcPts val="1675"/>
+                          <a:spcPts val="1677"/>
                         </a:lnSpc>
                         <a:defRPr/>
                       </a:pPr>
                       <a:r>
-                        <a:rPr lang="en-US" sz="1200">
+                        <a:rPr lang="en-US" sz="1199">
                           <a:solidFill>
                             <a:srgbClr val="002A38"/>
                           </a:solidFill>
@@ -6750,8 +6541,8 @@
                       <a:endParaRPr lang="en-US" sz="1100"/>
                     </a:p>
                   </a:txBody>
-                  <a:tcPr marL="95179" marR="95179" marT="95179" marB="95179" anchor="t">
-                    <a:lnL w="0" cap="flat" cmpd="sng" algn="ctr">
+                  <a:tcPr marL="95179" marR="95179" marT="95179" marB="95179" anchor="ctr">
+                    <a:lnL cmpd="sng" algn="ctr" cap="flat" w="0">
                       <a:solidFill>
                         <a:srgbClr val="FFFFFF"/>
                       </a:solidFill>
@@ -6760,7 +6551,7 @@
                       <a:headEnd type="none" w="med" len="med"/>
                       <a:tailEnd type="none" w="med" len="med"/>
                     </a:lnL>
-                    <a:lnR w="0" cap="flat" cmpd="sng" algn="ctr">
+                    <a:lnR cmpd="sng" algn="ctr" cap="flat" w="0">
                       <a:solidFill>
                         <a:srgbClr val="FFFFFF"/>
                       </a:solidFill>
@@ -6769,7 +6560,7 @@
                       <a:headEnd type="none" w="med" len="med"/>
                       <a:tailEnd type="none" w="med" len="med"/>
                     </a:lnR>
-                    <a:lnT w="0" cap="flat" cmpd="sng" algn="ctr">
+                    <a:lnT cmpd="sng" algn="ctr" cap="flat" w="0">
                       <a:solidFill>
                         <a:srgbClr val="FFFFFF"/>
                       </a:solidFill>
@@ -6778,7 +6569,7 @@
                       <a:headEnd type="none" w="med" len="med"/>
                       <a:tailEnd type="none" w="med" len="med"/>
                     </a:lnT>
-                    <a:lnB w="0" cap="flat" cmpd="sng" algn="ctr">
+                    <a:lnB cmpd="sng" algn="ctr" cap="flat" w="0">
                       <a:solidFill>
                         <a:srgbClr val="FFFFFF"/>
                       </a:solidFill>
@@ -6794,17 +6585,17 @@
                 </a:tc>
                 <a:tc>
                   <a:txBody>
-                    <a:bodyPr rtlCol="0"/>
+                    <a:bodyPr anchor="t" rtlCol="false"/>
                     <a:lstStyle/>
                     <a:p>
                       <a:pPr algn="l">
                         <a:lnSpc>
-                          <a:spcPts val="1675"/>
+                          <a:spcPts val="1677"/>
                         </a:lnSpc>
                         <a:defRPr/>
                       </a:pPr>
                       <a:r>
-                        <a:rPr lang="en-US" sz="1200">
+                        <a:rPr lang="en-US" sz="1199">
                           <a:solidFill>
                             <a:srgbClr val="002A38"/>
                           </a:solidFill>
@@ -6818,8 +6609,8 @@
                       <a:endParaRPr lang="en-US" sz="1100"/>
                     </a:p>
                   </a:txBody>
-                  <a:tcPr marL="95179" marR="95179" marT="95179" marB="95179" anchor="t">
-                    <a:lnL w="0" cap="flat" cmpd="sng" algn="ctr">
+                  <a:tcPr marL="95179" marR="95179" marT="95179" marB="95179" anchor="ctr">
+                    <a:lnL cmpd="sng" algn="ctr" cap="flat" w="0">
                       <a:solidFill>
                         <a:srgbClr val="FFFFFF"/>
                       </a:solidFill>
@@ -6828,7 +6619,7 @@
                       <a:headEnd type="none" w="med" len="med"/>
                       <a:tailEnd type="none" w="med" len="med"/>
                     </a:lnL>
-                    <a:lnR w="0" cap="flat" cmpd="sng" algn="ctr">
+                    <a:lnR cmpd="sng" algn="ctr" cap="flat" w="0">
                       <a:solidFill>
                         <a:srgbClr val="FFFFFF"/>
                       </a:solidFill>
@@ -6837,7 +6628,7 @@
                       <a:headEnd type="none" w="med" len="med"/>
                       <a:tailEnd type="none" w="med" len="med"/>
                     </a:lnR>
-                    <a:lnT w="0" cap="flat" cmpd="sng" algn="ctr">
+                    <a:lnT cmpd="sng" algn="ctr" cap="flat" w="0">
                       <a:solidFill>
                         <a:srgbClr val="FFFFFF"/>
                       </a:solidFill>
@@ -6846,7 +6637,7 @@
                       <a:headEnd type="none" w="med" len="med"/>
                       <a:tailEnd type="none" w="med" len="med"/>
                     </a:lnT>
-                    <a:lnB w="0" cap="flat" cmpd="sng" algn="ctr">
+                    <a:lnB cmpd="sng" algn="ctr" cap="flat" w="0">
                       <a:solidFill>
                         <a:srgbClr val="FFFFFF"/>
                       </a:solidFill>
@@ -6864,17 +6655,17 @@
               <a:tr h="1803837">
                 <a:tc>
                   <a:txBody>
-                    <a:bodyPr rtlCol="0"/>
+                    <a:bodyPr anchor="t" rtlCol="false"/>
                     <a:lstStyle/>
                     <a:p>
                       <a:pPr algn="l">
                         <a:lnSpc>
-                          <a:spcPts val="1675"/>
+                          <a:spcPts val="1677"/>
                         </a:lnSpc>
                         <a:defRPr/>
                       </a:pPr>
                       <a:r>
-                        <a:rPr lang="en-US" sz="1200">
+                        <a:rPr lang="en-US" sz="1199">
                           <a:solidFill>
                             <a:srgbClr val="002A38"/>
                           </a:solidFill>
@@ -6888,8 +6679,8 @@
                       <a:endParaRPr lang="en-US" sz="1100"/>
                     </a:p>
                   </a:txBody>
-                  <a:tcPr marL="95179" marR="95179" marT="95179" marB="95179" anchor="t">
-                    <a:lnL w="0" cap="flat" cmpd="sng" algn="ctr">
+                  <a:tcPr marL="95179" marR="95179" marT="95179" marB="95179" anchor="ctr">
+                    <a:lnL cmpd="sng" algn="ctr" cap="flat" w="0">
                       <a:solidFill>
                         <a:srgbClr val="FFFFFF"/>
                       </a:solidFill>
@@ -6898,7 +6689,7 @@
                       <a:headEnd type="none" w="med" len="med"/>
                       <a:tailEnd type="none" w="med" len="med"/>
                     </a:lnL>
-                    <a:lnR w="0" cap="flat" cmpd="sng" algn="ctr">
+                    <a:lnR cmpd="sng" algn="ctr" cap="flat" w="0">
                       <a:solidFill>
                         <a:srgbClr val="FFFFFF"/>
                       </a:solidFill>
@@ -6907,7 +6698,7 @@
                       <a:headEnd type="none" w="med" len="med"/>
                       <a:tailEnd type="none" w="med" len="med"/>
                     </a:lnR>
-                    <a:lnT w="0" cap="flat" cmpd="sng" algn="ctr">
+                    <a:lnT cmpd="sng" algn="ctr" cap="flat" w="0">
                       <a:solidFill>
                         <a:srgbClr val="FFFFFF"/>
                       </a:solidFill>
@@ -6916,7 +6707,7 @@
                       <a:headEnd type="none" w="med" len="med"/>
                       <a:tailEnd type="none" w="med" len="med"/>
                     </a:lnT>
-                    <a:lnB w="0" cap="flat" cmpd="sng" algn="ctr">
+                    <a:lnB cmpd="sng" algn="ctr" cap="flat" w="0">
                       <a:solidFill>
                         <a:srgbClr val="FFFFFF"/>
                       </a:solidFill>
@@ -6932,17 +6723,17 @@
                 </a:tc>
                 <a:tc>
                   <a:txBody>
-                    <a:bodyPr rtlCol="0"/>
+                    <a:bodyPr anchor="t" rtlCol="false"/>
                     <a:lstStyle/>
                     <a:p>
                       <a:pPr algn="l">
                         <a:lnSpc>
-                          <a:spcPts val="1675"/>
+                          <a:spcPts val="1677"/>
                         </a:lnSpc>
                         <a:defRPr/>
                       </a:pPr>
                       <a:r>
-                        <a:rPr lang="en-US" sz="1200">
+                        <a:rPr lang="en-US" sz="1199">
                           <a:solidFill>
                             <a:srgbClr val="002A38"/>
                           </a:solidFill>
@@ -6956,8 +6747,8 @@
                       <a:endParaRPr lang="en-US" sz="1100"/>
                     </a:p>
                   </a:txBody>
-                  <a:tcPr marL="95179" marR="95179" marT="95179" marB="95179" anchor="t">
-                    <a:lnL w="0" cap="flat" cmpd="sng" algn="ctr">
+                  <a:tcPr marL="95179" marR="95179" marT="95179" marB="95179" anchor="ctr">
+                    <a:lnL cmpd="sng" algn="ctr" cap="flat" w="0">
                       <a:solidFill>
                         <a:srgbClr val="FFFFFF"/>
                       </a:solidFill>
@@ -6966,7 +6757,7 @@
                       <a:headEnd type="none" w="med" len="med"/>
                       <a:tailEnd type="none" w="med" len="med"/>
                     </a:lnL>
-                    <a:lnR w="0" cap="flat" cmpd="sng" algn="ctr">
+                    <a:lnR cmpd="sng" algn="ctr" cap="flat" w="0">
                       <a:solidFill>
                         <a:srgbClr val="FFFFFF"/>
                       </a:solidFill>
@@ -6975,7 +6766,7 @@
                       <a:headEnd type="none" w="med" len="med"/>
                       <a:tailEnd type="none" w="med" len="med"/>
                     </a:lnR>
-                    <a:lnT w="0" cap="flat" cmpd="sng" algn="ctr">
+                    <a:lnT cmpd="sng" algn="ctr" cap="flat" w="0">
                       <a:solidFill>
                         <a:srgbClr val="FFFFFF"/>
                       </a:solidFill>
@@ -6984,7 +6775,7 @@
                       <a:headEnd type="none" w="med" len="med"/>
                       <a:tailEnd type="none" w="med" len="med"/>
                     </a:lnT>
-                    <a:lnB w="0" cap="flat" cmpd="sng" algn="ctr">
+                    <a:lnB cmpd="sng" algn="ctr" cap="flat" w="0">
                       <a:solidFill>
                         <a:srgbClr val="FFFFFF"/>
                       </a:solidFill>
@@ -7000,17 +6791,17 @@
                 </a:tc>
                 <a:tc>
                   <a:txBody>
-                    <a:bodyPr rtlCol="0"/>
+                    <a:bodyPr anchor="t" rtlCol="false"/>
                     <a:lstStyle/>
                     <a:p>
                       <a:pPr algn="l">
                         <a:lnSpc>
-                          <a:spcPts val="1675"/>
+                          <a:spcPts val="1677"/>
                         </a:lnSpc>
                         <a:defRPr/>
                       </a:pPr>
                       <a:r>
-                        <a:rPr lang="en-US" sz="1200" b="1">
+                        <a:rPr lang="en-US" sz="1199" b="true">
                           <a:solidFill>
                             <a:srgbClr val="002A38"/>
                           </a:solidFill>
@@ -7024,8 +6815,8 @@
                       <a:endParaRPr lang="en-US" sz="1100"/>
                     </a:p>
                   </a:txBody>
-                  <a:tcPr marL="95179" marR="95179" marT="95179" marB="95179" anchor="t">
-                    <a:lnL w="0" cap="flat" cmpd="sng" algn="ctr">
+                  <a:tcPr marL="95179" marR="95179" marT="95179" marB="95179" anchor="ctr">
+                    <a:lnL cmpd="sng" algn="ctr" cap="flat" w="0">
                       <a:solidFill>
                         <a:srgbClr val="FFFFFF"/>
                       </a:solidFill>
@@ -7034,7 +6825,7 @@
                       <a:headEnd type="none" w="med" len="med"/>
                       <a:tailEnd type="none" w="med" len="med"/>
                     </a:lnL>
-                    <a:lnR w="0" cap="flat" cmpd="sng" algn="ctr">
+                    <a:lnR cmpd="sng" algn="ctr" cap="flat" w="0">
                       <a:solidFill>
                         <a:srgbClr val="FFFFFF"/>
                       </a:solidFill>
@@ -7043,7 +6834,7 @@
                       <a:headEnd type="none" w="med" len="med"/>
                       <a:tailEnd type="none" w="med" len="med"/>
                     </a:lnR>
-                    <a:lnT w="0" cap="flat" cmpd="sng" algn="ctr">
+                    <a:lnT cmpd="sng" algn="ctr" cap="flat" w="0">
                       <a:solidFill>
                         <a:srgbClr val="FFFFFF"/>
                       </a:solidFill>
@@ -7052,7 +6843,7 @@
                       <a:headEnd type="none" w="med" len="med"/>
                       <a:tailEnd type="none" w="med" len="med"/>
                     </a:lnT>
-                    <a:lnB w="0" cap="flat" cmpd="sng" algn="ctr">
+                    <a:lnB cmpd="sng" algn="ctr" cap="flat" w="0">
                       <a:solidFill>
                         <a:srgbClr val="FFFFFF"/>
                       </a:solidFill>
@@ -7068,17 +6859,17 @@
                 </a:tc>
                 <a:tc>
                   <a:txBody>
-                    <a:bodyPr rtlCol="0"/>
+                    <a:bodyPr anchor="t" rtlCol="false"/>
                     <a:lstStyle/>
                     <a:p>
                       <a:pPr algn="l">
                         <a:lnSpc>
-                          <a:spcPts val="1675"/>
+                          <a:spcPts val="1677"/>
                         </a:lnSpc>
                         <a:defRPr/>
                       </a:pPr>
                       <a:r>
-                        <a:rPr lang="en-US" sz="1200">
+                        <a:rPr lang="en-US" sz="1199">
                           <a:solidFill>
                             <a:srgbClr val="002A38"/>
                           </a:solidFill>
@@ -7092,8 +6883,8 @@
                       <a:endParaRPr lang="en-US" sz="1100"/>
                     </a:p>
                   </a:txBody>
-                  <a:tcPr marL="95179" marR="95179" marT="95179" marB="95179" anchor="t">
-                    <a:lnL w="0" cap="flat" cmpd="sng" algn="ctr">
+                  <a:tcPr marL="95179" marR="95179" marT="95179" marB="95179" anchor="ctr">
+                    <a:lnL cmpd="sng" algn="ctr" cap="flat" w="0">
                       <a:solidFill>
                         <a:srgbClr val="FFFFFF"/>
                       </a:solidFill>
@@ -7102,7 +6893,7 @@
                       <a:headEnd type="none" w="med" len="med"/>
                       <a:tailEnd type="none" w="med" len="med"/>
                     </a:lnL>
-                    <a:lnR w="0" cap="flat" cmpd="sng" algn="ctr">
+                    <a:lnR cmpd="sng" algn="ctr" cap="flat" w="0">
                       <a:solidFill>
                         <a:srgbClr val="FFFFFF"/>
                       </a:solidFill>
@@ -7111,7 +6902,7 @@
                       <a:headEnd type="none" w="med" len="med"/>
                       <a:tailEnd type="none" w="med" len="med"/>
                     </a:lnR>
-                    <a:lnT w="0" cap="flat" cmpd="sng" algn="ctr">
+                    <a:lnT cmpd="sng" algn="ctr" cap="flat" w="0">
                       <a:solidFill>
                         <a:srgbClr val="FFFFFF"/>
                       </a:solidFill>
@@ -7120,7 +6911,7 @@
                       <a:headEnd type="none" w="med" len="med"/>
                       <a:tailEnd type="none" w="med" len="med"/>
                     </a:lnT>
-                    <a:lnB w="0" cap="flat" cmpd="sng" algn="ctr">
+                    <a:lnB cmpd="sng" algn="ctr" cap="flat" w="0">
                       <a:solidFill>
                         <a:srgbClr val="FFFFFF"/>
                       </a:solidFill>
@@ -7136,17 +6927,17 @@
                 </a:tc>
                 <a:tc>
                   <a:txBody>
-                    <a:bodyPr rtlCol="0"/>
+                    <a:bodyPr anchor="t" rtlCol="false"/>
                     <a:lstStyle/>
                     <a:p>
                       <a:pPr algn="l">
                         <a:lnSpc>
-                          <a:spcPts val="1675"/>
+                          <a:spcPts val="1677"/>
                         </a:lnSpc>
                         <a:defRPr/>
                       </a:pPr>
                       <a:r>
-                        <a:rPr lang="en-US" sz="1200">
+                        <a:rPr lang="en-US" sz="1199">
                           <a:solidFill>
                             <a:srgbClr val="002A38"/>
                           </a:solidFill>
@@ -7160,8 +6951,8 @@
                       <a:endParaRPr lang="en-US" sz="1100"/>
                     </a:p>
                   </a:txBody>
-                  <a:tcPr marL="95179" marR="95179" marT="95179" marB="95179" anchor="t">
-                    <a:lnL w="0" cap="flat" cmpd="sng" algn="ctr">
+                  <a:tcPr marL="95179" marR="95179" marT="95179" marB="95179" anchor="ctr">
+                    <a:lnL cmpd="sng" algn="ctr" cap="flat" w="0">
                       <a:solidFill>
                         <a:srgbClr val="FFFFFF"/>
                       </a:solidFill>
@@ -7170,7 +6961,7 @@
                       <a:headEnd type="none" w="med" len="med"/>
                       <a:tailEnd type="none" w="med" len="med"/>
                     </a:lnL>
-                    <a:lnR w="0" cap="flat" cmpd="sng" algn="ctr">
+                    <a:lnR cmpd="sng" algn="ctr" cap="flat" w="0">
                       <a:solidFill>
                         <a:srgbClr val="FFFFFF"/>
                       </a:solidFill>
@@ -7179,7 +6970,7 @@
                       <a:headEnd type="none" w="med" len="med"/>
                       <a:tailEnd type="none" w="med" len="med"/>
                     </a:lnR>
-                    <a:lnT w="0" cap="flat" cmpd="sng" algn="ctr">
+                    <a:lnT cmpd="sng" algn="ctr" cap="flat" w="0">
                       <a:solidFill>
                         <a:srgbClr val="FFFFFF"/>
                       </a:solidFill>
@@ -7188,7 +6979,7 @@
                       <a:headEnd type="none" w="med" len="med"/>
                       <a:tailEnd type="none" w="med" len="med"/>
                     </a:lnT>
-                    <a:lnB w="0" cap="flat" cmpd="sng" algn="ctr">
+                    <a:lnB cmpd="sng" algn="ctr" cap="flat" w="0">
                       <a:solidFill>
                         <a:srgbClr val="FFFFFF"/>
                       </a:solidFill>
@@ -7204,17 +6995,17 @@
                 </a:tc>
                 <a:tc>
                   <a:txBody>
-                    <a:bodyPr rtlCol="0"/>
+                    <a:bodyPr anchor="t" rtlCol="false"/>
                     <a:lstStyle/>
                     <a:p>
                       <a:pPr algn="l">
                         <a:lnSpc>
-                          <a:spcPts val="1675"/>
+                          <a:spcPts val="1677"/>
                         </a:lnSpc>
                         <a:defRPr/>
                       </a:pPr>
                       <a:r>
-                        <a:rPr lang="en-US" sz="1200">
+                        <a:rPr lang="en-US" sz="1199">
                           <a:solidFill>
                             <a:srgbClr val="002A38"/>
                           </a:solidFill>
@@ -7228,8 +7019,8 @@
                       <a:endParaRPr lang="en-US" sz="1100"/>
                     </a:p>
                   </a:txBody>
-                  <a:tcPr marL="95179" marR="95179" marT="95179" marB="95179" anchor="t">
-                    <a:lnL w="0" cap="flat" cmpd="sng" algn="ctr">
+                  <a:tcPr marL="95179" marR="95179" marT="95179" marB="95179" anchor="ctr">
+                    <a:lnL cmpd="sng" algn="ctr" cap="flat" w="0">
                       <a:solidFill>
                         <a:srgbClr val="FFFFFF"/>
                       </a:solidFill>
@@ -7238,7 +7029,7 @@
                       <a:headEnd type="none" w="med" len="med"/>
                       <a:tailEnd type="none" w="med" len="med"/>
                     </a:lnL>
-                    <a:lnR w="0" cap="flat" cmpd="sng" algn="ctr">
+                    <a:lnR cmpd="sng" algn="ctr" cap="flat" w="0">
                       <a:solidFill>
                         <a:srgbClr val="FFFFFF"/>
                       </a:solidFill>
@@ -7247,7 +7038,7 @@
                       <a:headEnd type="none" w="med" len="med"/>
                       <a:tailEnd type="none" w="med" len="med"/>
                     </a:lnR>
-                    <a:lnT w="0" cap="flat" cmpd="sng" algn="ctr">
+                    <a:lnT cmpd="sng" algn="ctr" cap="flat" w="0">
                       <a:solidFill>
                         <a:srgbClr val="FFFFFF"/>
                       </a:solidFill>
@@ -7256,7 +7047,7 @@
                       <a:headEnd type="none" w="med" len="med"/>
                       <a:tailEnd type="none" w="med" len="med"/>
                     </a:lnT>
-                    <a:lnB w="0" cap="flat" cmpd="sng" algn="ctr">
+                    <a:lnB cmpd="sng" algn="ctr" cap="flat" w="0">
                       <a:solidFill>
                         <a:srgbClr val="FFFFFF"/>
                       </a:solidFill>
@@ -7272,17 +7063,17 @@
                 </a:tc>
                 <a:tc>
                   <a:txBody>
-                    <a:bodyPr rtlCol="0"/>
+                    <a:bodyPr anchor="t" rtlCol="false"/>
                     <a:lstStyle/>
                     <a:p>
                       <a:pPr algn="l">
                         <a:lnSpc>
-                          <a:spcPts val="1675"/>
+                          <a:spcPts val="1677"/>
                         </a:lnSpc>
                         <a:defRPr/>
                       </a:pPr>
                       <a:r>
-                        <a:rPr lang="en-US" sz="1200">
+                        <a:rPr lang="en-US" sz="1199">
                           <a:solidFill>
                             <a:srgbClr val="002A38"/>
                           </a:solidFill>
@@ -7296,8 +7087,8 @@
                       <a:endParaRPr lang="en-US" sz="1100"/>
                     </a:p>
                   </a:txBody>
-                  <a:tcPr marL="95179" marR="95179" marT="95179" marB="95179" anchor="t">
-                    <a:lnL w="0" cap="flat" cmpd="sng" algn="ctr">
+                  <a:tcPr marL="95179" marR="95179" marT="95179" marB="95179" anchor="ctr">
+                    <a:lnL cmpd="sng" algn="ctr" cap="flat" w="0">
                       <a:solidFill>
                         <a:srgbClr val="FFFFFF"/>
                       </a:solidFill>
@@ -7306,7 +7097,7 @@
                       <a:headEnd type="none" w="med" len="med"/>
                       <a:tailEnd type="none" w="med" len="med"/>
                     </a:lnL>
-                    <a:lnR w="0" cap="flat" cmpd="sng" algn="ctr">
+                    <a:lnR cmpd="sng" algn="ctr" cap="flat" w="0">
                       <a:solidFill>
                         <a:srgbClr val="FFFFFF"/>
                       </a:solidFill>
@@ -7315,7 +7106,7 @@
                       <a:headEnd type="none" w="med" len="med"/>
                       <a:tailEnd type="none" w="med" len="med"/>
                     </a:lnR>
-                    <a:lnT w="0" cap="flat" cmpd="sng" algn="ctr">
+                    <a:lnT cmpd="sng" algn="ctr" cap="flat" w="0">
                       <a:solidFill>
                         <a:srgbClr val="FFFFFF"/>
                       </a:solidFill>
@@ -7324,7 +7115,7 @@
                       <a:headEnd type="none" w="med" len="med"/>
                       <a:tailEnd type="none" w="med" len="med"/>
                     </a:lnT>
-                    <a:lnB w="0" cap="flat" cmpd="sng" algn="ctr">
+                    <a:lnB cmpd="sng" algn="ctr" cap="flat" w="0">
                       <a:solidFill>
                         <a:srgbClr val="FFFFFF"/>
                       </a:solidFill>
@@ -7345,12 +7136,12 @@
       </p:graphicFrame>
       <p:sp>
         <p:nvSpPr>
-          <p:cNvPr id="5" name="Freeform 5"/>
+          <p:cNvPr name="Freeform 5" id="5"/>
           <p:cNvSpPr/>
           <p:nvPr/>
         </p:nvSpPr>
         <p:spPr>
-          <a:xfrm>
+          <a:xfrm flipH="false" flipV="false" rot="0">
             <a:off x="842798" y="9581450"/>
             <a:ext cx="359589" cy="447493"/>
           </a:xfrm>
@@ -7359,9 +7150,9 @@
             <a:gdLst/>
             <a:ahLst/>
             <a:cxnLst/>
-            <a:rect l="l" t="t" r="r" b="b"/>
+            <a:rect r="r" b="b" t="t" l="l"/>
             <a:pathLst>
-              <a:path w="359589" h="447493">
+              <a:path h="447493" w="359589">
                 <a:moveTo>
                   <a:pt x="0" y="0"/>
                 </a:moveTo>
@@ -7382,22 +7173,22 @@
             </a:pathLst>
           </a:custGeom>
           <a:blipFill>
-            <a:blip r:embed="rId1">
+            <a:blip r:embed="rId2">
               <a:extLst>
                 <a:ext uri="{96DAC541-7B7A-43D3-8B79-37D633B846F1}">
-                  <asvg:svgBlip xmlns:asvg="http://schemas.microsoft.com/office/drawing/2016/SVG/main" r:embed="rId2"/>
+                  <asvg:svgBlip xmlns:asvg="http://schemas.microsoft.com/office/drawing/2016/SVG/main" r:embed="rId3"/>
                 </a:ext>
               </a:extLst>
             </a:blip>
             <a:stretch>
-              <a:fillRect t="-751" b="-751"/>
+              <a:fillRect l="0" t="-751" r="0" b="-751"/>
             </a:stretch>
           </a:blipFill>
         </p:spPr>
       </p:sp>
       <p:grpSp>
         <p:nvGrpSpPr>
-          <p:cNvPr id="6" name="Group 6"/>
+          <p:cNvPr name="Group 6" id="6"/>
           <p:cNvGrpSpPr/>
           <p:nvPr/>
         </p:nvGrpSpPr>
@@ -7411,12 +7202,12 @@
         </p:grpSpPr>
         <p:sp>
           <p:nvSpPr>
-            <p:cNvPr id="7" name="Freeform 7"/>
+            <p:cNvPr name="Freeform 7" id="7"/>
             <p:cNvSpPr/>
             <p:nvPr/>
           </p:nvSpPr>
           <p:spPr>
-            <a:xfrm>
+            <a:xfrm flipH="false" flipV="false" rot="0">
               <a:off x="0" y="0"/>
               <a:ext cx="479425" cy="479425"/>
             </a:xfrm>
@@ -7425,9 +7216,9 @@
               <a:gdLst/>
               <a:ahLst/>
               <a:cxnLst/>
-              <a:rect l="l" t="t" r="r" b="b"/>
+              <a:rect r="r" b="b" t="t" l="l"/>
               <a:pathLst>
-                <a:path w="479425" h="479425">
+                <a:path h="479425" w="479425">
                   <a:moveTo>
                     <a:pt x="0" y="0"/>
                   </a:moveTo>
@@ -7448,9 +7239,9 @@
               </a:pathLst>
             </a:custGeom>
             <a:blipFill>
-              <a:blip r:embed="rId3"/>
+              <a:blip r:embed="rId4"/>
               <a:stretch>
-                <a:fillRect r="-5" b="-5"/>
+                <a:fillRect l="0" t="0" r="-5" b="-5"/>
               </a:stretch>
             </a:blipFill>
           </p:spPr>
@@ -7458,7 +7249,7 @@
       </p:grpSp>
       <p:grpSp>
         <p:nvGrpSpPr>
-          <p:cNvPr id="8" name="Group 8"/>
+          <p:cNvPr name="Group 8" id="8"/>
           <p:cNvGrpSpPr/>
           <p:nvPr/>
         </p:nvGrpSpPr>
@@ -7472,12 +7263,12 @@
         </p:grpSpPr>
         <p:sp>
           <p:nvSpPr>
-            <p:cNvPr id="9" name="Freeform 9"/>
+            <p:cNvPr name="Freeform 9" id="9"/>
             <p:cNvSpPr/>
             <p:nvPr/>
           </p:nvSpPr>
           <p:spPr>
-            <a:xfrm>
+            <a:xfrm flipH="false" flipV="false" rot="0">
               <a:off x="0" y="0"/>
               <a:ext cx="12442571" cy="25400"/>
             </a:xfrm>
@@ -7486,9 +7277,9 @@
               <a:gdLst/>
               <a:ahLst/>
               <a:cxnLst/>
-              <a:rect l="l" t="t" r="r" b="b"/>
+              <a:rect r="r" b="b" t="t" l="l"/>
               <a:pathLst>
-                <a:path w="12442571" h="25400">
+                <a:path h="25400" w="12442571">
                   <a:moveTo>
                     <a:pt x="12700" y="0"/>
                   </a:moveTo>
@@ -7530,12 +7321,12 @@
       </p:grpSp>
       <p:sp>
         <p:nvSpPr>
-          <p:cNvPr id="10" name="TextBox 10"/>
-          <p:cNvSpPr txBox="1"/>
+          <p:cNvPr name="TextBox 10" id="10"/>
+          <p:cNvSpPr txBox="true"/>
           <p:nvPr/>
         </p:nvSpPr>
         <p:spPr>
-          <a:xfrm>
+          <a:xfrm rot="0">
             <a:off x="1491286" y="1820017"/>
             <a:ext cx="7296809" cy="673081"/>
           </a:xfrm>
@@ -7544,61 +7335,52 @@
           </a:prstGeom>
         </p:spPr>
         <p:txBody>
-          <a:bodyPr lIns="0" tIns="0" rIns="0" bIns="0" rtlCol="0" anchor="t">
+          <a:bodyPr anchor="t" rtlCol="false" tIns="0" lIns="0" bIns="0" rIns="0">
             <a:spAutoFit/>
           </a:bodyPr>
           <a:lstStyle/>
           <a:p>
             <a:pPr algn="ctr">
               <a:lnSpc>
-                <a:spcPts val="5690"/>
+                <a:spcPts val="5691"/>
               </a:lnSpc>
             </a:pPr>
             <a:r>
-              <a:rPr lang="en-US" sz="5810" b="1" spc="190">
+              <a:rPr lang="en-US" b="true" sz="5809" spc="190">
                 <a:solidFill>
                   <a:srgbClr val="FFFFFF"/>
                 </a:solidFill>
-                <a:latin typeface="Poppins Bold" panose="00000800000000000000"/>
-                <a:ea typeface="Poppins Bold" panose="00000800000000000000"/>
-                <a:cs typeface="Poppins Bold" panose="00000800000000000000"/>
-                <a:sym typeface="Poppins Bold" panose="00000800000000000000"/>
+                <a:latin typeface="Poppins Bold"/>
+                <a:ea typeface="Poppins Bold"/>
+                <a:cs typeface="Poppins Bold"/>
+                <a:sym typeface="Poppins Bold"/>
               </a:rPr>
               <a:t>PROJECT </a:t>
             </a:r>
             <a:r>
-              <a:rPr lang="en-US" sz="5810" b="1" spc="190">
+              <a:rPr lang="en-US" b="true" sz="5809" spc="190">
                 <a:solidFill>
                   <a:srgbClr val="F4C014"/>
                 </a:solidFill>
-                <a:latin typeface="Poppins Bold" panose="00000800000000000000"/>
-                <a:ea typeface="Poppins Bold" panose="00000800000000000000"/>
-                <a:cs typeface="Poppins Bold" panose="00000800000000000000"/>
-                <a:sym typeface="Poppins Bold" panose="00000800000000000000"/>
+                <a:latin typeface="Poppins Bold"/>
+                <a:ea typeface="Poppins Bold"/>
+                <a:cs typeface="Poppins Bold"/>
+                <a:sym typeface="Poppins Bold"/>
               </a:rPr>
               <a:t>TIMELINE</a:t>
             </a:r>
-            <a:endParaRPr lang="en-US" sz="5810" b="1" spc="190">
-              <a:solidFill>
-                <a:srgbClr val="F4C014"/>
-              </a:solidFill>
-              <a:latin typeface="Poppins Bold" panose="00000800000000000000"/>
-              <a:ea typeface="Poppins Bold" panose="00000800000000000000"/>
-              <a:cs typeface="Poppins Bold" panose="00000800000000000000"/>
-              <a:sym typeface="Poppins Bold" panose="00000800000000000000"/>
-            </a:endParaRPr>
-          </a:p>
-        </p:txBody>
-      </p:sp>
-      <p:sp>
-        <p:nvSpPr>
-          <p:cNvPr id="11" name="TextBox 11"/>
-          <p:cNvSpPr txBox="1"/>
+          </a:p>
+        </p:txBody>
+      </p:sp>
+      <p:sp>
+        <p:nvSpPr>
+          <p:cNvPr name="TextBox 11" id="11"/>
+          <p:cNvSpPr txBox="true"/>
           <p:nvPr/>
         </p:nvSpPr>
         <p:spPr>
-          <a:xfrm>
-            <a:off x="1360356" y="9452247"/>
+          <a:xfrm rot="0">
+            <a:off x="1360356" y="9452246"/>
             <a:ext cx="3212937" cy="764751"/>
           </a:xfrm>
           <a:prstGeom prst="rect">
@@ -7606,18 +7388,18 @@
           </a:prstGeom>
         </p:spPr>
         <p:txBody>
-          <a:bodyPr lIns="0" tIns="0" rIns="0" bIns="0" rtlCol="0" anchor="t">
+          <a:bodyPr anchor="t" rtlCol="false" tIns="0" lIns="0" bIns="0" rIns="0">
             <a:spAutoFit/>
           </a:bodyPr>
           <a:lstStyle/>
           <a:p>
             <a:pPr algn="l">
               <a:lnSpc>
-                <a:spcPts val="1915"/>
+                <a:spcPts val="1917"/>
               </a:lnSpc>
             </a:pPr>
             <a:r>
-              <a:rPr lang="en-US" sz="1370">
+              <a:rPr lang="en-US" sz="1368">
                 <a:solidFill>
                   <a:srgbClr val="FFFFFF"/>
                 </a:solidFill>
@@ -7629,7 +7411,7 @@
               <a:t>All Deliverables (highlighted in yellow) must be </a:t>
             </a:r>
             <a:r>
-              <a:rPr lang="en-US" sz="1370" b="1">
+              <a:rPr lang="en-US" sz="1368" b="true">
                 <a:solidFill>
                   <a:srgbClr val="FFFFFF"/>
                 </a:solidFill>
@@ -7640,27 +7422,18 @@
               </a:rPr>
               <a:t>submitted via Monday.com at 23:59 your local time.</a:t>
             </a:r>
-            <a:endParaRPr lang="en-US" sz="1370" b="1">
-              <a:solidFill>
-                <a:srgbClr val="FFFFFF"/>
-              </a:solidFill>
-              <a:latin typeface="Open Sans Bold"/>
-              <a:ea typeface="Open Sans Bold"/>
-              <a:cs typeface="Open Sans Bold"/>
-              <a:sym typeface="Open Sans Bold"/>
-            </a:endParaRPr>
-          </a:p>
-        </p:txBody>
-      </p:sp>
-      <p:sp>
-        <p:nvSpPr>
-          <p:cNvPr id="12" name="TextBox 12"/>
-          <p:cNvSpPr txBox="1"/>
+          </a:p>
+        </p:txBody>
+      </p:sp>
+      <p:sp>
+        <p:nvSpPr>
+          <p:cNvPr name="TextBox 12" id="12"/>
+          <p:cNvSpPr txBox="true"/>
           <p:nvPr/>
         </p:nvSpPr>
         <p:spPr>
-          <a:xfrm>
-            <a:off x="5319485" y="9452247"/>
+          <a:xfrm rot="0">
+            <a:off x="5319485" y="9452246"/>
             <a:ext cx="4088543" cy="764751"/>
           </a:xfrm>
           <a:prstGeom prst="rect">
@@ -7668,18 +7441,18 @@
           </a:prstGeom>
         </p:spPr>
         <p:txBody>
-          <a:bodyPr lIns="0" tIns="0" rIns="0" bIns="0" rtlCol="0" anchor="t">
+          <a:bodyPr anchor="t" rtlCol="false" tIns="0" lIns="0" bIns="0" rIns="0">
             <a:spAutoFit/>
           </a:bodyPr>
           <a:lstStyle/>
           <a:p>
             <a:pPr algn="l">
               <a:lnSpc>
-                <a:spcPts val="1915"/>
+                <a:spcPts val="1917"/>
               </a:lnSpc>
             </a:pPr>
             <a:r>
-              <a:rPr lang="en-US" sz="1370">
+              <a:rPr lang="en-US" sz="1368">
                 <a:solidFill>
                   <a:srgbClr val="FFFFFF"/>
                 </a:solidFill>
@@ -7691,7 +7464,7 @@
               <a:t>You’ll receive a booking link a few days before to schedule your optional Feedback Call. Make sure to </a:t>
             </a:r>
             <a:r>
-              <a:rPr lang="en-US" sz="1370" b="1">
+              <a:rPr lang="en-US" sz="1368" b="true">
                 <a:solidFill>
                   <a:srgbClr val="FFFFFF"/>
                 </a:solidFill>
@@ -7703,7 +7476,7 @@
               <a:t>submit your Version 1.1 </a:t>
             </a:r>
             <a:r>
-              <a:rPr lang="en-US" sz="1370" b="1" i="1">
+              <a:rPr lang="en-US" b="true" sz="1368" i="true">
                 <a:solidFill>
                   <a:srgbClr val="FFFFFF"/>
                 </a:solidFill>
@@ -7715,7 +7488,7 @@
               <a:t>before </a:t>
             </a:r>
             <a:r>
-              <a:rPr lang="en-US" sz="1370" b="1">
+              <a:rPr lang="en-US" sz="1368" b="true">
                 <a:solidFill>
                   <a:srgbClr val="FFFFFF"/>
                 </a:solidFill>
@@ -7726,26 +7499,17 @@
               </a:rPr>
               <a:t>your call.</a:t>
             </a:r>
-            <a:endParaRPr lang="en-US" sz="1370" b="1">
-              <a:solidFill>
-                <a:srgbClr val="FFFFFF"/>
-              </a:solidFill>
-              <a:latin typeface="Open Sans Bold"/>
-              <a:ea typeface="Open Sans Bold"/>
-              <a:cs typeface="Open Sans Bold"/>
-              <a:sym typeface="Open Sans Bold"/>
-            </a:endParaRPr>
-          </a:p>
-        </p:txBody>
-      </p:sp>
-      <p:sp>
-        <p:nvSpPr>
-          <p:cNvPr id="13" name="TextBox 13"/>
-          <p:cNvSpPr txBox="1"/>
+          </a:p>
+        </p:txBody>
+      </p:sp>
+      <p:sp>
+        <p:nvSpPr>
+          <p:cNvPr name="TextBox 13" id="13"/>
+          <p:cNvSpPr txBox="true"/>
           <p:nvPr/>
         </p:nvSpPr>
         <p:spPr>
-          <a:xfrm>
+          <a:xfrm rot="0">
             <a:off x="1134543" y="10854659"/>
             <a:ext cx="8010293" cy="562391"/>
           </a:xfrm>
@@ -7754,18 +7518,18 @@
           </a:prstGeom>
         </p:spPr>
         <p:txBody>
-          <a:bodyPr lIns="0" tIns="0" rIns="0" bIns="0" rtlCol="0" anchor="t">
+          <a:bodyPr anchor="t" rtlCol="false" tIns="0" lIns="0" bIns="0" rIns="0">
             <a:spAutoFit/>
           </a:bodyPr>
           <a:lstStyle/>
           <a:p>
             <a:pPr algn="ctr">
               <a:lnSpc>
-                <a:spcPts val="2055"/>
+                <a:spcPts val="2056"/>
               </a:lnSpc>
             </a:pPr>
             <a:r>
-              <a:rPr lang="en-US" sz="1470" b="1">
+              <a:rPr lang="en-US" sz="1469" b="true">
                 <a:solidFill>
                   <a:srgbClr val="FFFFFF"/>
                 </a:solidFill>
@@ -7776,15 +7540,6 @@
               </a:rPr>
               <a:t>Client review timing may vary. Please review the timeline before signing up to ensure you can manage your time well alongside school, work, or other commitments.</a:t>
             </a:r>
-            <a:endParaRPr lang="en-US" sz="1470" b="1">
-              <a:solidFill>
-                <a:srgbClr val="FFFFFF"/>
-              </a:solidFill>
-              <a:latin typeface="Open Sans Bold"/>
-              <a:ea typeface="Open Sans Bold"/>
-              <a:cs typeface="Open Sans Bold"/>
-              <a:sym typeface="Open Sans Bold"/>
-            </a:endParaRPr>
           </a:p>
         </p:txBody>
       </p:sp>
@@ -7797,7 +7552,7 @@
 </file>
 
 <file path=ppt/slides/slide3.xml><?xml version="1.0" encoding="utf-8"?>
-<p:sld xmlns:a="http://schemas.openxmlformats.org/drawingml/2006/main" xmlns:r="http://schemas.openxmlformats.org/officeDocument/2006/relationships" xmlns:p="http://schemas.openxmlformats.org/presentationml/2006/main">
+<p:sld xmlns:p="http://schemas.openxmlformats.org/presentationml/2006/main" xmlns:a="http://schemas.openxmlformats.org/drawingml/2006/main" xmlns:r="http://schemas.openxmlformats.org/officeDocument/2006/relationships">
   <p:cSld>
     <p:spTree>
       <p:nvGrpSpPr>
@@ -7815,7 +7570,7 @@
       </p:grpSpPr>
       <p:grpSp>
         <p:nvGrpSpPr>
-          <p:cNvPr id="2" name="Group 2"/>
+          <p:cNvPr name="Group 2" id="2"/>
           <p:cNvGrpSpPr/>
           <p:nvPr/>
         </p:nvGrpSpPr>
@@ -7829,12 +7584,12 @@
         </p:grpSpPr>
         <p:sp>
           <p:nvSpPr>
-            <p:cNvPr id="3" name="Freeform 3"/>
+            <p:cNvPr name="Freeform 3" id="3"/>
             <p:cNvSpPr/>
             <p:nvPr/>
           </p:nvSpPr>
           <p:spPr>
-            <a:xfrm>
+            <a:xfrm flipH="false" flipV="false" rot="0">
               <a:off x="0" y="0"/>
               <a:ext cx="11712321" cy="13024104"/>
             </a:xfrm>
@@ -7843,9 +7598,9 @@
               <a:gdLst/>
               <a:ahLst/>
               <a:cxnLst/>
-              <a:rect l="l" t="t" r="r" b="b"/>
+              <a:rect r="r" b="b" t="t" l="l"/>
               <a:pathLst>
-                <a:path w="11712321" h="13024104">
+                <a:path h="13024104" w="11712321">
                   <a:moveTo>
                     <a:pt x="11371961" y="13024104"/>
                   </a:moveTo>
@@ -7893,12 +7648,12 @@
       </p:grpSp>
       <p:sp>
         <p:nvSpPr>
-          <p:cNvPr id="4" name="Freeform 4"/>
+          <p:cNvPr name="Freeform 4" id="4"/>
           <p:cNvSpPr/>
           <p:nvPr/>
         </p:nvSpPr>
         <p:spPr>
-          <a:xfrm>
+          <a:xfrm flipH="false" flipV="false" rot="0">
             <a:off x="1678126" y="3408248"/>
             <a:ext cx="7116483" cy="6997819"/>
           </a:xfrm>
@@ -7907,9 +7662,9 @@
             <a:gdLst/>
             <a:ahLst/>
             <a:cxnLst/>
-            <a:rect l="l" t="t" r="r" b="b"/>
+            <a:rect r="r" b="b" t="t" l="l"/>
             <a:pathLst>
-              <a:path w="7116483" h="6997819">
+              <a:path h="6997819" w="7116483">
                 <a:moveTo>
                   <a:pt x="0" y="0"/>
                 </a:moveTo>
@@ -7930,27 +7685,27 @@
             </a:pathLst>
           </a:custGeom>
           <a:blipFill>
-            <a:blip r:embed="rId1">
+            <a:blip r:embed="rId2">
               <a:extLst>
                 <a:ext uri="{96DAC541-7B7A-43D3-8B79-37D633B846F1}">
-                  <asvg:svgBlip xmlns:asvg="http://schemas.microsoft.com/office/drawing/2016/SVG/main" r:embed="rId2"/>
+                  <asvg:svgBlip xmlns:asvg="http://schemas.microsoft.com/office/drawing/2016/SVG/main" r:embed="rId3"/>
                 </a:ext>
               </a:extLst>
             </a:blip>
             <a:stretch>
-              <a:fillRect l="-35" r="-35"/>
+              <a:fillRect l="-35" t="0" r="-35" b="0"/>
             </a:stretch>
           </a:blipFill>
         </p:spPr>
       </p:sp>
       <p:sp>
         <p:nvSpPr>
-          <p:cNvPr id="5" name="TextBox 5"/>
-          <p:cNvSpPr txBox="1"/>
+          <p:cNvPr name="TextBox 5" id="5"/>
+          <p:cNvSpPr txBox="true"/>
           <p:nvPr/>
         </p:nvSpPr>
         <p:spPr>
-          <a:xfrm>
+          <a:xfrm rot="0">
             <a:off x="1360215" y="2324308"/>
             <a:ext cx="7302218" cy="419622"/>
           </a:xfrm>
@@ -7959,60 +7714,51 @@
           </a:prstGeom>
         </p:spPr>
         <p:txBody>
-          <a:bodyPr lIns="0" tIns="0" rIns="0" bIns="0" rtlCol="0" anchor="t">
+          <a:bodyPr anchor="t" rtlCol="false" tIns="0" lIns="0" bIns="0" rIns="0">
             <a:spAutoFit/>
           </a:bodyPr>
           <a:lstStyle/>
           <a:p>
             <a:pPr algn="ctr">
               <a:lnSpc>
-                <a:spcPts val="5695"/>
+                <a:spcPts val="5697"/>
               </a:lnSpc>
             </a:pPr>
             <a:r>
-              <a:rPr lang="en-US" sz="5815" b="1" spc="191">
+              <a:rPr lang="en-US" b="true" sz="5814" spc="191">
                 <a:solidFill>
                   <a:srgbClr val="FFFFFF"/>
                 </a:solidFill>
-                <a:latin typeface="Poppins Bold" panose="00000800000000000000"/>
-                <a:ea typeface="Poppins Bold" panose="00000800000000000000"/>
-                <a:cs typeface="Poppins Bold" panose="00000800000000000000"/>
-                <a:sym typeface="Poppins Bold" panose="00000800000000000000"/>
+                <a:latin typeface="Poppins Bold"/>
+                <a:ea typeface="Poppins Bold"/>
+                <a:cs typeface="Poppins Bold"/>
+                <a:sym typeface="Poppins Bold"/>
               </a:rPr>
               <a:t>LAYOUT </a:t>
             </a:r>
             <a:r>
-              <a:rPr lang="en-US" sz="5815" b="1" spc="191">
+              <a:rPr lang="en-US" b="true" sz="5814" spc="191">
                 <a:solidFill>
                   <a:srgbClr val="F4C014"/>
                 </a:solidFill>
-                <a:latin typeface="Poppins Bold" panose="00000800000000000000"/>
-                <a:ea typeface="Poppins Bold" panose="00000800000000000000"/>
-                <a:cs typeface="Poppins Bold" panose="00000800000000000000"/>
-                <a:sym typeface="Poppins Bold" panose="00000800000000000000"/>
+                <a:latin typeface="Poppins Bold"/>
+                <a:ea typeface="Poppins Bold"/>
+                <a:cs typeface="Poppins Bold"/>
+                <a:sym typeface="Poppins Bold"/>
               </a:rPr>
               <a:t>PLAN</a:t>
             </a:r>
-            <a:endParaRPr lang="en-US" sz="5815" b="1" spc="191">
-              <a:solidFill>
-                <a:srgbClr val="F4C014"/>
-              </a:solidFill>
-              <a:latin typeface="Poppins Bold" panose="00000800000000000000"/>
-              <a:ea typeface="Poppins Bold" panose="00000800000000000000"/>
-              <a:cs typeface="Poppins Bold" panose="00000800000000000000"/>
-              <a:sym typeface="Poppins Bold" panose="00000800000000000000"/>
-            </a:endParaRPr>
-          </a:p>
-        </p:txBody>
-      </p:sp>
-      <p:sp>
-        <p:nvSpPr>
-          <p:cNvPr id="6" name="TextBox 6"/>
-          <p:cNvSpPr txBox="1"/>
+          </a:p>
+        </p:txBody>
+      </p:sp>
+      <p:sp>
+        <p:nvSpPr>
+          <p:cNvPr name="TextBox 6" id="6"/>
+          <p:cNvSpPr txBox="true"/>
           <p:nvPr/>
         </p:nvSpPr>
         <p:spPr>
-          <a:xfrm>
+          <a:xfrm rot="0">
             <a:off x="1678126" y="3579699"/>
             <a:ext cx="7263171" cy="7056084"/>
           </a:xfrm>
@@ -8021,37 +7767,28 @@
           </a:prstGeom>
         </p:spPr>
         <p:txBody>
-          <a:bodyPr lIns="0" tIns="0" rIns="0" bIns="0" rtlCol="0" anchor="t">
+          <a:bodyPr anchor="t" rtlCol="false" tIns="0" lIns="0" bIns="0" rIns="0">
             <a:spAutoFit/>
           </a:bodyPr>
           <a:lstStyle/>
           <a:p>
             <a:pPr algn="l">
               <a:lnSpc>
-                <a:spcPts val="17845"/>
+                <a:spcPts val="17843"/>
               </a:lnSpc>
             </a:pPr>
             <a:r>
-              <a:rPr lang="en-US" sz="17845" b="1" spc="353">
+              <a:rPr lang="en-US" b="true" sz="17843" spc="353">
                 <a:solidFill>
                   <a:srgbClr val="292929"/>
                 </a:solidFill>
-                <a:latin typeface="Poppins Bold" panose="00000800000000000000"/>
-                <a:ea typeface="Poppins Bold" panose="00000800000000000000"/>
-                <a:cs typeface="Poppins Bold" panose="00000800000000000000"/>
-                <a:sym typeface="Poppins Bold" panose="00000800000000000000"/>
+                <a:latin typeface="Poppins Bold"/>
+                <a:ea typeface="Poppins Bold"/>
+                <a:cs typeface="Poppins Bold"/>
+                <a:sym typeface="Poppins Bold"/>
               </a:rPr>
               <a:t>{{Layout1}}</a:t>
             </a:r>
-            <a:endParaRPr lang="en-US" sz="17845" b="1" spc="353">
-              <a:solidFill>
-                <a:srgbClr val="292929"/>
-              </a:solidFill>
-              <a:latin typeface="Poppins Bold" panose="00000800000000000000"/>
-              <a:ea typeface="Poppins Bold" panose="00000800000000000000"/>
-              <a:cs typeface="Poppins Bold" panose="00000800000000000000"/>
-              <a:sym typeface="Poppins Bold" panose="00000800000000000000"/>
-            </a:endParaRPr>
           </a:p>
         </p:txBody>
       </p:sp>
@@ -8064,7 +7801,7 @@
 </file>
 
 <file path=ppt/slides/slide4.xml><?xml version="1.0" encoding="utf-8"?>
-<p:sld xmlns:a="http://schemas.openxmlformats.org/drawingml/2006/main" xmlns:r="http://schemas.openxmlformats.org/officeDocument/2006/relationships" xmlns:p="http://schemas.openxmlformats.org/presentationml/2006/main">
+<p:sld xmlns:p="http://schemas.openxmlformats.org/presentationml/2006/main" xmlns:a="http://schemas.openxmlformats.org/drawingml/2006/main">
   <p:cSld>
     <p:spTree>
       <p:nvGrpSpPr>
@@ -8082,12 +7819,12 @@
       </p:grpSpPr>
       <p:sp>
         <p:nvSpPr>
-          <p:cNvPr id="2" name="TextBox 2"/>
-          <p:cNvSpPr txBox="1"/>
+          <p:cNvPr name="TextBox 2" id="2"/>
+          <p:cNvSpPr txBox="true"/>
           <p:nvPr/>
         </p:nvSpPr>
         <p:spPr>
-          <a:xfrm>
+          <a:xfrm rot="0">
             <a:off x="0" y="1708939"/>
             <a:ext cx="10287000" cy="10918815"/>
           </a:xfrm>
@@ -8096,7 +7833,7 @@
           </a:prstGeom>
         </p:spPr>
         <p:txBody>
-          <a:bodyPr lIns="0" tIns="0" rIns="0" bIns="0" rtlCol="0" anchor="t">
+          <a:bodyPr anchor="t" rtlCol="false" tIns="0" lIns="0" bIns="0" rIns="0">
             <a:spAutoFit/>
           </a:bodyPr>
           <a:lstStyle/>
@@ -8107,26 +7844,17 @@
               </a:lnSpc>
             </a:pPr>
             <a:r>
-              <a:rPr lang="en-US" sz="32115" b="1" spc="1055">
+              <a:rPr lang="en-US" b="true" sz="32117" spc="1055">
                 <a:solidFill>
                   <a:srgbClr val="000000"/>
                 </a:solidFill>
-                <a:latin typeface="Poppins Bold" panose="00000800000000000000"/>
-                <a:ea typeface="Poppins Bold" panose="00000800000000000000"/>
-                <a:cs typeface="Poppins Bold" panose="00000800000000000000"/>
-                <a:sym typeface="Poppins Bold" panose="00000800000000000000"/>
+                <a:latin typeface="Poppins Bold"/>
+                <a:ea typeface="Poppins Bold"/>
+                <a:cs typeface="Poppins Bold"/>
+                <a:sym typeface="Poppins Bold"/>
               </a:rPr>
               <a:t>{{Image1}}</a:t>
             </a:r>
-            <a:endParaRPr lang="en-US" sz="32115" b="1" spc="1055">
-              <a:solidFill>
-                <a:srgbClr val="000000"/>
-              </a:solidFill>
-              <a:latin typeface="Poppins Bold" panose="00000800000000000000"/>
-              <a:ea typeface="Poppins Bold" panose="00000800000000000000"/>
-              <a:cs typeface="Poppins Bold" panose="00000800000000000000"/>
-              <a:sym typeface="Poppins Bold" panose="00000800000000000000"/>
-            </a:endParaRPr>
           </a:p>
         </p:txBody>
       </p:sp>
@@ -8139,7 +7867,7 @@
 </file>
 
 <file path=ppt/slides/slide5.xml><?xml version="1.0" encoding="utf-8"?>
-<p:sld xmlns:a="http://schemas.openxmlformats.org/drawingml/2006/main" xmlns:r="http://schemas.openxmlformats.org/officeDocument/2006/relationships" xmlns:p="http://schemas.openxmlformats.org/presentationml/2006/main">
+<p:sld xmlns:p="http://schemas.openxmlformats.org/presentationml/2006/main" xmlns:a="http://schemas.openxmlformats.org/drawingml/2006/main">
   <p:cSld>
     <p:spTree>
       <p:nvGrpSpPr>
@@ -8157,12 +7885,12 @@
       </p:grpSpPr>
       <p:sp>
         <p:nvSpPr>
-          <p:cNvPr id="2" name="TextBox 2"/>
-          <p:cNvSpPr txBox="1"/>
+          <p:cNvPr name="TextBox 2" id="2"/>
+          <p:cNvSpPr txBox="true"/>
           <p:nvPr/>
         </p:nvSpPr>
         <p:spPr>
-          <a:xfrm>
+          <a:xfrm rot="0">
             <a:off x="0" y="1881187"/>
             <a:ext cx="10287000" cy="11063159"/>
           </a:xfrm>
@@ -8171,37 +7899,28 @@
           </a:prstGeom>
         </p:spPr>
         <p:txBody>
-          <a:bodyPr lIns="0" tIns="0" rIns="0" bIns="0" rtlCol="0" anchor="t">
+          <a:bodyPr anchor="t" rtlCol="false" tIns="0" lIns="0" bIns="0" rIns="0">
             <a:spAutoFit/>
           </a:bodyPr>
           <a:lstStyle/>
           <a:p>
             <a:pPr algn="ctr">
               <a:lnSpc>
-                <a:spcPts val="31825"/>
+                <a:spcPts val="31826"/>
               </a:lnSpc>
             </a:pPr>
             <a:r>
-              <a:rPr lang="en-US" sz="32480" b="1" spc="1067">
+              <a:rPr lang="en-US" b="true" sz="32480" spc="1067">
                 <a:solidFill>
                   <a:srgbClr val="000000"/>
                 </a:solidFill>
-                <a:latin typeface="Poppins Bold" panose="00000800000000000000"/>
-                <a:ea typeface="Poppins Bold" panose="00000800000000000000"/>
-                <a:cs typeface="Poppins Bold" panose="00000800000000000000"/>
-                <a:sym typeface="Poppins Bold" panose="00000800000000000000"/>
+                <a:latin typeface="Poppins Bold"/>
+                <a:ea typeface="Poppins Bold"/>
+                <a:cs typeface="Poppins Bold"/>
+                <a:sym typeface="Poppins Bold"/>
               </a:rPr>
               <a:t>{{Image2}}</a:t>
             </a:r>
-            <a:endParaRPr lang="en-US" sz="32480" b="1" spc="1067">
-              <a:solidFill>
-                <a:srgbClr val="000000"/>
-              </a:solidFill>
-              <a:latin typeface="Poppins Bold" panose="00000800000000000000"/>
-              <a:ea typeface="Poppins Bold" panose="00000800000000000000"/>
-              <a:cs typeface="Poppins Bold" panose="00000800000000000000"/>
-              <a:sym typeface="Poppins Bold" panose="00000800000000000000"/>
-            </a:endParaRPr>
           </a:p>
         </p:txBody>
       </p:sp>
@@ -8214,7 +7933,7 @@
 </file>
 
 <file path=ppt/slides/slide6.xml><?xml version="1.0" encoding="utf-8"?>
-<p:sld xmlns:a="http://schemas.openxmlformats.org/drawingml/2006/main" xmlns:r="http://schemas.openxmlformats.org/officeDocument/2006/relationships" xmlns:p="http://schemas.openxmlformats.org/presentationml/2006/main">
+<p:sld xmlns:p="http://schemas.openxmlformats.org/presentationml/2006/main" xmlns:a="http://schemas.openxmlformats.org/drawingml/2006/main">
   <p:cSld>
     <p:spTree>
       <p:nvGrpSpPr>
@@ -8232,12 +7951,12 @@
       </p:grpSpPr>
       <p:sp>
         <p:nvSpPr>
-          <p:cNvPr id="2" name="TextBox 2"/>
-          <p:cNvSpPr txBox="1"/>
+          <p:cNvPr name="TextBox 2" id="2"/>
+          <p:cNvSpPr txBox="true"/>
           <p:nvPr/>
         </p:nvSpPr>
         <p:spPr>
-          <a:xfrm>
+          <a:xfrm rot="0">
             <a:off x="-69759" y="519113"/>
             <a:ext cx="10337556" cy="5579808"/>
           </a:xfrm>
@@ -8246,7 +7965,7 @@
           </a:prstGeom>
         </p:spPr>
         <p:txBody>
-          <a:bodyPr lIns="0" tIns="0" rIns="0" bIns="0" rtlCol="0" anchor="t">
+          <a:bodyPr anchor="t" rtlCol="false" tIns="0" lIns="0" bIns="0" rIns="0">
             <a:spAutoFit/>
           </a:bodyPr>
           <a:lstStyle/>
@@ -8257,37 +7976,28 @@
               </a:lnSpc>
             </a:pPr>
             <a:r>
-              <a:rPr lang="en-US" sz="22040" b="1" spc="723">
+              <a:rPr lang="en-US" b="true" sz="22039" spc="723">
                 <a:solidFill>
                   <a:srgbClr val="000000"/>
                 </a:solidFill>
-                <a:latin typeface="Poppins Bold" panose="00000800000000000000"/>
-                <a:ea typeface="Poppins Bold" panose="00000800000000000000"/>
-                <a:cs typeface="Poppins Bold" panose="00000800000000000000"/>
-                <a:sym typeface="Poppins Bold" panose="00000800000000000000"/>
+                <a:latin typeface="Poppins Bold"/>
+                <a:ea typeface="Poppins Bold"/>
+                <a:cs typeface="Poppins Bold"/>
+                <a:sym typeface="Poppins Bold"/>
               </a:rPr>
               <a:t>{{Image3}}</a:t>
             </a:r>
-            <a:endParaRPr lang="en-US" sz="22040" b="1" spc="723">
-              <a:solidFill>
-                <a:srgbClr val="000000"/>
-              </a:solidFill>
-              <a:latin typeface="Poppins Bold" panose="00000800000000000000"/>
-              <a:ea typeface="Poppins Bold" panose="00000800000000000000"/>
-              <a:cs typeface="Poppins Bold" panose="00000800000000000000"/>
-              <a:sym typeface="Poppins Bold" panose="00000800000000000000"/>
-            </a:endParaRPr>
-          </a:p>
-        </p:txBody>
-      </p:sp>
-      <p:sp>
-        <p:nvSpPr>
-          <p:cNvPr id="3" name="TextBox 3"/>
-          <p:cNvSpPr txBox="1"/>
+          </a:p>
+        </p:txBody>
+      </p:sp>
+      <p:sp>
+        <p:nvSpPr>
+          <p:cNvPr name="TextBox 3" id="3"/>
+          <p:cNvSpPr txBox="true"/>
           <p:nvPr/>
         </p:nvSpPr>
         <p:spPr>
-          <a:xfrm>
+          <a:xfrm rot="0">
             <a:off x="-19203" y="6459258"/>
             <a:ext cx="10287000" cy="6404255"/>
           </a:xfrm>
@@ -8296,37 +8006,28 @@
           </a:prstGeom>
         </p:spPr>
         <p:txBody>
-          <a:bodyPr lIns="0" tIns="0" rIns="0" bIns="0" rtlCol="0" anchor="t">
+          <a:bodyPr anchor="t" rtlCol="false" tIns="0" lIns="0" bIns="0" rIns="0">
             <a:spAutoFit/>
           </a:bodyPr>
           <a:lstStyle/>
           <a:p>
             <a:pPr algn="ctr">
               <a:lnSpc>
-                <a:spcPts val="24725"/>
+                <a:spcPts val="24724"/>
               </a:lnSpc>
             </a:pPr>
             <a:r>
-              <a:rPr lang="en-US" sz="25235" b="1" spc="827">
+              <a:rPr lang="en-US" b="true" sz="25233" spc="827">
                 <a:solidFill>
                   <a:srgbClr val="000000"/>
                 </a:solidFill>
-                <a:latin typeface="Poppins Bold" panose="00000800000000000000"/>
-                <a:ea typeface="Poppins Bold" panose="00000800000000000000"/>
-                <a:cs typeface="Poppins Bold" panose="00000800000000000000"/>
-                <a:sym typeface="Poppins Bold" panose="00000800000000000000"/>
+                <a:latin typeface="Poppins Bold"/>
+                <a:ea typeface="Poppins Bold"/>
+                <a:cs typeface="Poppins Bold"/>
+                <a:sym typeface="Poppins Bold"/>
               </a:rPr>
               <a:t>{{Image4}}</a:t>
             </a:r>
-            <a:endParaRPr lang="en-US" sz="25235" b="1" spc="827">
-              <a:solidFill>
-                <a:srgbClr val="000000"/>
-              </a:solidFill>
-              <a:latin typeface="Poppins Bold" panose="00000800000000000000"/>
-              <a:ea typeface="Poppins Bold" panose="00000800000000000000"/>
-              <a:cs typeface="Poppins Bold" panose="00000800000000000000"/>
-              <a:sym typeface="Poppins Bold" panose="00000800000000000000"/>
-            </a:endParaRPr>
           </a:p>
         </p:txBody>
       </p:sp>
@@ -8339,7 +8040,7 @@
 </file>
 
 <file path=ppt/slides/slide7.xml><?xml version="1.0" encoding="utf-8"?>
-<p:sld xmlns:a="http://schemas.openxmlformats.org/drawingml/2006/main" xmlns:r="http://schemas.openxmlformats.org/officeDocument/2006/relationships" xmlns:p="http://schemas.openxmlformats.org/presentationml/2006/main">
+<p:sld xmlns:p="http://schemas.openxmlformats.org/presentationml/2006/main" xmlns:a="http://schemas.openxmlformats.org/drawingml/2006/main">
   <p:cSld>
     <p:spTree>
       <p:nvGrpSpPr>
@@ -8357,12 +8058,12 @@
       </p:grpSpPr>
       <p:sp>
         <p:nvSpPr>
-          <p:cNvPr id="2" name="TextBox 2"/>
-          <p:cNvSpPr txBox="1"/>
+          <p:cNvPr name="TextBox 2" id="2"/>
+          <p:cNvSpPr txBox="true"/>
           <p:nvPr/>
         </p:nvSpPr>
         <p:spPr>
-          <a:xfrm>
+          <a:xfrm rot="0">
             <a:off x="-69759" y="519113"/>
             <a:ext cx="10337556" cy="5579808"/>
           </a:xfrm>
@@ -8371,7 +8072,7 @@
           </a:prstGeom>
         </p:spPr>
         <p:txBody>
-          <a:bodyPr lIns="0" tIns="0" rIns="0" bIns="0" rtlCol="0" anchor="t">
+          <a:bodyPr anchor="t" rtlCol="false" tIns="0" lIns="0" bIns="0" rIns="0">
             <a:spAutoFit/>
           </a:bodyPr>
           <a:lstStyle/>
@@ -8382,37 +8083,28 @@
               </a:lnSpc>
             </a:pPr>
             <a:r>
-              <a:rPr lang="en-US" sz="22040" b="1" spc="723">
+              <a:rPr lang="en-US" b="true" sz="22039" spc="723">
                 <a:solidFill>
                   <a:srgbClr val="000000"/>
                 </a:solidFill>
-                <a:latin typeface="Poppins Bold" panose="00000800000000000000"/>
-                <a:ea typeface="Poppins Bold" panose="00000800000000000000"/>
-                <a:cs typeface="Poppins Bold" panose="00000800000000000000"/>
-                <a:sym typeface="Poppins Bold" panose="00000800000000000000"/>
+                <a:latin typeface="Poppins Bold"/>
+                <a:ea typeface="Poppins Bold"/>
+                <a:cs typeface="Poppins Bold"/>
+                <a:sym typeface="Poppins Bold"/>
               </a:rPr>
               <a:t>{{Image5}}</a:t>
             </a:r>
-            <a:endParaRPr lang="en-US" sz="22040" b="1" spc="723">
-              <a:solidFill>
-                <a:srgbClr val="000000"/>
-              </a:solidFill>
-              <a:latin typeface="Poppins Bold" panose="00000800000000000000"/>
-              <a:ea typeface="Poppins Bold" panose="00000800000000000000"/>
-              <a:cs typeface="Poppins Bold" panose="00000800000000000000"/>
-              <a:sym typeface="Poppins Bold" panose="00000800000000000000"/>
-            </a:endParaRPr>
-          </a:p>
-        </p:txBody>
-      </p:sp>
-      <p:sp>
-        <p:nvSpPr>
-          <p:cNvPr id="3" name="TextBox 3"/>
-          <p:cNvSpPr txBox="1"/>
+          </a:p>
+        </p:txBody>
+      </p:sp>
+      <p:sp>
+        <p:nvSpPr>
+          <p:cNvPr name="TextBox 3" id="3"/>
+          <p:cNvSpPr txBox="true"/>
           <p:nvPr/>
         </p:nvSpPr>
         <p:spPr>
-          <a:xfrm>
+          <a:xfrm rot="0">
             <a:off x="-69759" y="6459258"/>
             <a:ext cx="10287000" cy="6404255"/>
           </a:xfrm>
@@ -8421,37 +8113,28 @@
           </a:prstGeom>
         </p:spPr>
         <p:txBody>
-          <a:bodyPr lIns="0" tIns="0" rIns="0" bIns="0" rtlCol="0" anchor="t">
+          <a:bodyPr anchor="t" rtlCol="false" tIns="0" lIns="0" bIns="0" rIns="0">
             <a:spAutoFit/>
           </a:bodyPr>
           <a:lstStyle/>
           <a:p>
             <a:pPr algn="ctr">
               <a:lnSpc>
-                <a:spcPts val="24725"/>
+                <a:spcPts val="24724"/>
               </a:lnSpc>
             </a:pPr>
             <a:r>
-              <a:rPr lang="en-US" sz="25235" b="1" spc="827">
+              <a:rPr lang="en-US" b="true" sz="25233" spc="827">
                 <a:solidFill>
                   <a:srgbClr val="000000"/>
                 </a:solidFill>
-                <a:latin typeface="Poppins Bold" panose="00000800000000000000"/>
-                <a:ea typeface="Poppins Bold" panose="00000800000000000000"/>
-                <a:cs typeface="Poppins Bold" panose="00000800000000000000"/>
-                <a:sym typeface="Poppins Bold" panose="00000800000000000000"/>
+                <a:latin typeface="Poppins Bold"/>
+                <a:ea typeface="Poppins Bold"/>
+                <a:cs typeface="Poppins Bold"/>
+                <a:sym typeface="Poppins Bold"/>
               </a:rPr>
               <a:t>{{Image6}}</a:t>
             </a:r>
-            <a:endParaRPr lang="en-US" sz="25235" b="1" spc="827">
-              <a:solidFill>
-                <a:srgbClr val="000000"/>
-              </a:solidFill>
-              <a:latin typeface="Poppins Bold" panose="00000800000000000000"/>
-              <a:ea typeface="Poppins Bold" panose="00000800000000000000"/>
-              <a:cs typeface="Poppins Bold" panose="00000800000000000000"/>
-              <a:sym typeface="Poppins Bold" panose="00000800000000000000"/>
-            </a:endParaRPr>
           </a:p>
         </p:txBody>
       </p:sp>
@@ -8464,7 +8147,7 @@
 </file>
 
 <file path=ppt/slides/slide8.xml><?xml version="1.0" encoding="utf-8"?>
-<p:sld xmlns:a="http://schemas.openxmlformats.org/drawingml/2006/main" xmlns:r="http://schemas.openxmlformats.org/officeDocument/2006/relationships" xmlns:p="http://schemas.openxmlformats.org/presentationml/2006/main">
+<p:sld xmlns:p="http://schemas.openxmlformats.org/presentationml/2006/main" xmlns:a="http://schemas.openxmlformats.org/drawingml/2006/main">
   <p:cSld>
     <p:spTree>
       <p:nvGrpSpPr>
@@ -8482,12 +8165,12 @@
       </p:grpSpPr>
       <p:sp>
         <p:nvSpPr>
-          <p:cNvPr id="2" name="TextBox 2"/>
-          <p:cNvSpPr txBox="1"/>
+          <p:cNvPr name="TextBox 2" id="2"/>
+          <p:cNvSpPr txBox="true"/>
           <p:nvPr/>
         </p:nvSpPr>
         <p:spPr>
-          <a:xfrm>
+          <a:xfrm rot="0">
             <a:off x="-69759" y="519113"/>
             <a:ext cx="10337556" cy="5579808"/>
           </a:xfrm>
@@ -8496,7 +8179,7 @@
           </a:prstGeom>
         </p:spPr>
         <p:txBody>
-          <a:bodyPr lIns="0" tIns="0" rIns="0" bIns="0" rtlCol="0" anchor="t">
+          <a:bodyPr anchor="t" rtlCol="false" tIns="0" lIns="0" bIns="0" rIns="0">
             <a:spAutoFit/>
           </a:bodyPr>
           <a:lstStyle/>
@@ -8507,37 +8190,28 @@
               </a:lnSpc>
             </a:pPr>
             <a:r>
-              <a:rPr lang="en-US" sz="22040" b="1" spc="723">
+              <a:rPr lang="en-US" b="true" sz="22039" spc="723">
                 <a:solidFill>
                   <a:srgbClr val="000000"/>
                 </a:solidFill>
-                <a:latin typeface="Poppins Bold" panose="00000800000000000000"/>
-                <a:ea typeface="Poppins Bold" panose="00000800000000000000"/>
-                <a:cs typeface="Poppins Bold" panose="00000800000000000000"/>
-                <a:sym typeface="Poppins Bold" panose="00000800000000000000"/>
+                <a:latin typeface="Poppins Bold"/>
+                <a:ea typeface="Poppins Bold"/>
+                <a:cs typeface="Poppins Bold"/>
+                <a:sym typeface="Poppins Bold"/>
               </a:rPr>
               <a:t>{{Image8}}</a:t>
             </a:r>
-            <a:endParaRPr lang="en-US" sz="22040" b="1" spc="723">
-              <a:solidFill>
-                <a:srgbClr val="000000"/>
-              </a:solidFill>
-              <a:latin typeface="Poppins Bold" panose="00000800000000000000"/>
-              <a:ea typeface="Poppins Bold" panose="00000800000000000000"/>
-              <a:cs typeface="Poppins Bold" panose="00000800000000000000"/>
-              <a:sym typeface="Poppins Bold" panose="00000800000000000000"/>
-            </a:endParaRPr>
-          </a:p>
-        </p:txBody>
-      </p:sp>
-      <p:sp>
-        <p:nvSpPr>
-          <p:cNvPr id="3" name="TextBox 3"/>
-          <p:cNvSpPr txBox="1"/>
+          </a:p>
+        </p:txBody>
+      </p:sp>
+      <p:sp>
+        <p:nvSpPr>
+          <p:cNvPr name="TextBox 3" id="3"/>
+          <p:cNvSpPr txBox="true"/>
           <p:nvPr/>
         </p:nvSpPr>
         <p:spPr>
-          <a:xfrm>
+          <a:xfrm rot="0">
             <a:off x="-69759" y="6459258"/>
             <a:ext cx="10287000" cy="6404255"/>
           </a:xfrm>
@@ -8546,37 +8220,28 @@
           </a:prstGeom>
         </p:spPr>
         <p:txBody>
-          <a:bodyPr lIns="0" tIns="0" rIns="0" bIns="0" rtlCol="0" anchor="t">
+          <a:bodyPr anchor="t" rtlCol="false" tIns="0" lIns="0" bIns="0" rIns="0">
             <a:spAutoFit/>
           </a:bodyPr>
           <a:lstStyle/>
           <a:p>
             <a:pPr algn="ctr">
               <a:lnSpc>
-                <a:spcPts val="24725"/>
+                <a:spcPts val="24724"/>
               </a:lnSpc>
             </a:pPr>
             <a:r>
-              <a:rPr lang="en-US" sz="25235" b="1" spc="827">
+              <a:rPr lang="en-US" b="true" sz="25233" spc="827">
                 <a:solidFill>
                   <a:srgbClr val="000000"/>
                 </a:solidFill>
-                <a:latin typeface="Poppins Bold" panose="00000800000000000000"/>
-                <a:ea typeface="Poppins Bold" panose="00000800000000000000"/>
-                <a:cs typeface="Poppins Bold" panose="00000800000000000000"/>
-                <a:sym typeface="Poppins Bold" panose="00000800000000000000"/>
+                <a:latin typeface="Poppins Bold"/>
+                <a:ea typeface="Poppins Bold"/>
+                <a:cs typeface="Poppins Bold"/>
+                <a:sym typeface="Poppins Bold"/>
               </a:rPr>
               <a:t>{{Image7}}</a:t>
             </a:r>
-            <a:endParaRPr lang="en-US" sz="25235" b="1" spc="827">
-              <a:solidFill>
-                <a:srgbClr val="000000"/>
-              </a:solidFill>
-              <a:latin typeface="Poppins Bold" panose="00000800000000000000"/>
-              <a:ea typeface="Poppins Bold" panose="00000800000000000000"/>
-              <a:cs typeface="Poppins Bold" panose="00000800000000000000"/>
-              <a:sym typeface="Poppins Bold" panose="00000800000000000000"/>
-            </a:endParaRPr>
           </a:p>
         </p:txBody>
       </p:sp>
@@ -8589,7 +8254,7 @@
 </file>
 
 <file path=ppt/slides/slide9.xml><?xml version="1.0" encoding="utf-8"?>
-<p:sld xmlns:a="http://schemas.openxmlformats.org/drawingml/2006/main" xmlns:r="http://schemas.openxmlformats.org/officeDocument/2006/relationships" xmlns:p="http://schemas.openxmlformats.org/presentationml/2006/main">
+<p:sld xmlns:p="http://schemas.openxmlformats.org/presentationml/2006/main" xmlns:a="http://schemas.openxmlformats.org/drawingml/2006/main">
   <p:cSld>
     <p:spTree>
       <p:nvGrpSpPr>
@@ -8607,13 +8272,13 @@
       </p:grpSpPr>
       <p:sp>
         <p:nvSpPr>
-          <p:cNvPr id="2" name="TextBox 2"/>
-          <p:cNvSpPr txBox="1"/>
+          <p:cNvPr name="TextBox 2" id="2"/>
+          <p:cNvSpPr txBox="true"/>
           <p:nvPr/>
         </p:nvSpPr>
         <p:spPr>
-          <a:xfrm>
-            <a:off x="-50556" y="647934"/>
+          <a:xfrm rot="0">
+            <a:off x="-50556" y="647839"/>
             <a:ext cx="10337556" cy="5579808"/>
           </a:xfrm>
           <a:prstGeom prst="rect">
@@ -8621,7 +8286,7 @@
           </a:prstGeom>
         </p:spPr>
         <p:txBody>
-          <a:bodyPr lIns="0" tIns="0" rIns="0" bIns="0" rtlCol="0" anchor="t">
+          <a:bodyPr anchor="t" rtlCol="false" tIns="0" lIns="0" bIns="0" rIns="0">
             <a:spAutoFit/>
           </a:bodyPr>
           <a:lstStyle/>
@@ -8632,38 +8297,29 @@
               </a:lnSpc>
             </a:pPr>
             <a:r>
-              <a:rPr lang="en-US" sz="22040" b="1" spc="723">
+              <a:rPr lang="en-US" b="true" sz="22039" spc="723">
                 <a:solidFill>
                   <a:srgbClr val="000000"/>
                 </a:solidFill>
-                <a:latin typeface="Poppins Bold" panose="00000800000000000000"/>
-                <a:ea typeface="Poppins Bold" panose="00000800000000000000"/>
-                <a:cs typeface="Poppins Bold" panose="00000800000000000000"/>
-                <a:sym typeface="Poppins Bold" panose="00000800000000000000"/>
+                <a:latin typeface="Poppins Bold"/>
+                <a:ea typeface="Poppins Bold"/>
+                <a:cs typeface="Poppins Bold"/>
+                <a:sym typeface="Poppins Bold"/>
               </a:rPr>
               <a:t>{{Image9}}</a:t>
             </a:r>
-            <a:endParaRPr lang="en-US" sz="22040" b="1" spc="723">
-              <a:solidFill>
-                <a:srgbClr val="000000"/>
-              </a:solidFill>
-              <a:latin typeface="Poppins Bold" panose="00000800000000000000"/>
-              <a:ea typeface="Poppins Bold" panose="00000800000000000000"/>
-              <a:cs typeface="Poppins Bold" panose="00000800000000000000"/>
-              <a:sym typeface="Poppins Bold" panose="00000800000000000000"/>
-            </a:endParaRPr>
-          </a:p>
-        </p:txBody>
-      </p:sp>
-      <p:sp>
-        <p:nvSpPr>
-          <p:cNvPr id="3" name="TextBox 3"/>
-          <p:cNvSpPr txBox="1"/>
+          </a:p>
+        </p:txBody>
+      </p:sp>
+      <p:sp>
+        <p:nvSpPr>
+          <p:cNvPr name="TextBox 3" id="3"/>
+          <p:cNvSpPr txBox="true"/>
           <p:nvPr/>
         </p:nvSpPr>
         <p:spPr>
-          <a:xfrm>
-            <a:off x="0" y="6929533"/>
+          <a:xfrm rot="0">
+            <a:off x="0" y="6929438"/>
             <a:ext cx="10287000" cy="5796125"/>
           </a:xfrm>
           <a:prstGeom prst="rect">
@@ -8671,7 +8327,7 @@
           </a:prstGeom>
         </p:spPr>
         <p:txBody>
-          <a:bodyPr lIns="0" tIns="0" rIns="0" bIns="0" rtlCol="0" anchor="t">
+          <a:bodyPr anchor="t" rtlCol="false" tIns="0" lIns="0" bIns="0" rIns="0">
             <a:spAutoFit/>
           </a:bodyPr>
           <a:lstStyle/>
@@ -8682,26 +8338,17 @@
               </a:lnSpc>
             </a:pPr>
             <a:r>
-              <a:rPr lang="en-US" sz="22760" b="1" spc="746">
+              <a:rPr lang="en-US" b="true" sz="22758" spc="746">
                 <a:solidFill>
                   <a:srgbClr val="000000"/>
                 </a:solidFill>
-                <a:latin typeface="Poppins Bold" panose="00000800000000000000"/>
-                <a:ea typeface="Poppins Bold" panose="00000800000000000000"/>
-                <a:cs typeface="Poppins Bold" panose="00000800000000000000"/>
-                <a:sym typeface="Poppins Bold" panose="00000800000000000000"/>
+                <a:latin typeface="Poppins Bold"/>
+                <a:ea typeface="Poppins Bold"/>
+                <a:cs typeface="Poppins Bold"/>
+                <a:sym typeface="Poppins Bold"/>
               </a:rPr>
               <a:t>{{Image10}}</a:t>
             </a:r>
-            <a:endParaRPr lang="en-US" sz="22760" b="1" spc="746">
-              <a:solidFill>
-                <a:srgbClr val="000000"/>
-              </a:solidFill>
-              <a:latin typeface="Poppins Bold" panose="00000800000000000000"/>
-              <a:ea typeface="Poppins Bold" panose="00000800000000000000"/>
-              <a:cs typeface="Poppins Bold" panose="00000800000000000000"/>
-              <a:sym typeface="Poppins Bold" panose="00000800000000000000"/>
-            </a:endParaRPr>
           </a:p>
         </p:txBody>
       </p:sp>
@@ -8991,10 +8638,7 @@
       </a:bgFillStyleLst>
     </a:fmtScheme>
   </a:themeElements>
-  <a:extLst>
-    <a:ext uri="{05A4C25C-085E-4340-85A3-A5531E510DB2}">
-      <thm15:themeFamily xmlns:thm15="http://schemas.microsoft.com/office/thememl/2012/main" name="Office Theme" id="{62F939B6-93AF-4DB8-9C6B-D6C7DFDC589F}" vid="{4A3C46E8-61CC-4603-A589-7422A47A8E4A}"/>
-    </a:ext>
-  </a:extLst>
+  <a:objectDefaults/>
+  <a:extraClrSchemeLst/>
 </a:theme>
 </file>